--- a/JupyterNotebooks/LLS/Lecture3.pptx
+++ b/JupyterNotebooks/LLS/Lecture3.pptx
@@ -5,7 +5,7 @@
     <p:sldMasterId id="2147483660" r:id="rId1"/>
   </p:sldMasterIdLst>
   <p:notesMasterIdLst>
-    <p:notesMasterId r:id="rId27"/>
+    <p:notesMasterId r:id="rId28"/>
   </p:notesMasterIdLst>
   <p:sldIdLst>
     <p:sldId id="256" r:id="rId2"/>
@@ -18,21 +18,22 @@
     <p:sldId id="314" r:id="rId9"/>
     <p:sldId id="315" r:id="rId10"/>
     <p:sldId id="316" r:id="rId11"/>
-    <p:sldId id="317" r:id="rId12"/>
-    <p:sldId id="318" r:id="rId13"/>
-    <p:sldId id="319" r:id="rId14"/>
-    <p:sldId id="320" r:id="rId15"/>
-    <p:sldId id="321" r:id="rId16"/>
-    <p:sldId id="322" r:id="rId17"/>
-    <p:sldId id="323" r:id="rId18"/>
-    <p:sldId id="324" r:id="rId19"/>
-    <p:sldId id="325" r:id="rId20"/>
-    <p:sldId id="326" r:id="rId21"/>
-    <p:sldId id="327" r:id="rId22"/>
-    <p:sldId id="328" r:id="rId23"/>
-    <p:sldId id="329" r:id="rId24"/>
-    <p:sldId id="330" r:id="rId25"/>
-    <p:sldId id="331" r:id="rId26"/>
+    <p:sldId id="333" r:id="rId12"/>
+    <p:sldId id="317" r:id="rId13"/>
+    <p:sldId id="318" r:id="rId14"/>
+    <p:sldId id="319" r:id="rId15"/>
+    <p:sldId id="320" r:id="rId16"/>
+    <p:sldId id="321" r:id="rId17"/>
+    <p:sldId id="322" r:id="rId18"/>
+    <p:sldId id="323" r:id="rId19"/>
+    <p:sldId id="324" r:id="rId20"/>
+    <p:sldId id="325" r:id="rId21"/>
+    <p:sldId id="326" r:id="rId22"/>
+    <p:sldId id="327" r:id="rId23"/>
+    <p:sldId id="328" r:id="rId24"/>
+    <p:sldId id="329" r:id="rId25"/>
+    <p:sldId id="330" r:id="rId26"/>
+    <p:sldId id="331" r:id="rId27"/>
   </p:sldIdLst>
   <p:sldSz cx="12192000" cy="6858000"/>
   <p:notesSz cx="6858000" cy="9144000"/>
@@ -3816,7 +3817,7 @@
           <a:p>
             <a:fld id="{0FEFD86A-3F7B-9E47-9DF1-6D07663F4762}" type="slidenum">
               <a:rPr lang="en-US" smtClean="0"/>
-              <a:t>20</a:t>
+              <a:t>21</a:t>
             </a:fld>
             <a:endParaRPr lang="en-US"/>
           </a:p>
@@ -3900,7 +3901,7 @@
           <a:p>
             <a:fld id="{0FEFD86A-3F7B-9E47-9DF1-6D07663F4762}" type="slidenum">
               <a:rPr lang="en-US" smtClean="0"/>
-              <a:t>22</a:t>
+              <a:t>23</a:t>
             </a:fld>
             <a:endParaRPr lang="en-US"/>
           </a:p>
@@ -8655,6 +8656,14 @@
 <file path=ppt/slides/slide10.xml><?xml version="1.0" encoding="utf-8"?>
 <p:sld xmlns:a="http://schemas.openxmlformats.org/drawingml/2006/main" xmlns:r="http://schemas.openxmlformats.org/officeDocument/2006/relationships" xmlns:p="http://schemas.openxmlformats.org/presentationml/2006/main">
   <p:cSld>
+    <p:bg>
+      <p:bgPr>
+        <a:solidFill>
+          <a:schemeClr val="bg1"/>
+        </a:solidFill>
+        <a:effectLst/>
+      </p:bgPr>
+    </p:bg>
     <p:spTree>
       <p:nvGrpSpPr>
         <p:cNvPr id="1" name=""/>
@@ -8671,6 +8680,186 @@
       </p:grpSpPr>
       <p:sp>
         <p:nvSpPr>
+          <p:cNvPr id="10" name="Rectangle 9">
+            <a:extLst>
+              <a:ext uri="{FF2B5EF4-FFF2-40B4-BE49-F238E27FC236}">
+                <a16:creationId xmlns:a16="http://schemas.microsoft.com/office/drawing/2014/main" id="{83E0B076-70B2-4BA7-B180-209E6D80131E}"/>
+              </a:ext>
+              <a:ext uri="{C183D7F6-B498-43B3-948B-1728B52AA6E4}">
+                <adec:decorative xmlns:adec="http://schemas.microsoft.com/office/drawing/2017/decorative" val="1"/>
+              </a:ext>
+            </a:extLst>
+          </p:cNvPr>
+          <p:cNvSpPr>
+            <a:spLocks noGrp="1" noRot="1" noChangeAspect="1" noMove="1" noResize="1" noEditPoints="1" noAdjustHandles="1" noChangeArrowheads="1" noChangeShapeType="1" noTextEdit="1"/>
+          </p:cNvSpPr>
+          <p:nvPr>
+            <p:extLst>
+              <p:ext uri="{386F3935-93C4-4BCD-93E2-E3B085C9AB24}">
+                <p16:designElem xmlns:p16="http://schemas.microsoft.com/office/powerpoint/2015/main" val="1"/>
+              </p:ext>
+            </p:extLst>
+          </p:nvPr>
+        </p:nvSpPr>
+        <p:spPr>
+          <a:xfrm>
+            <a:off x="0" y="0"/>
+            <a:ext cx="12192000" cy="6858000"/>
+          </a:xfrm>
+          <a:prstGeom prst="rect">
+            <a:avLst/>
+          </a:prstGeom>
+          <a:solidFill>
+            <a:srgbClr val="FFFFFF"/>
+          </a:solidFill>
+          <a:ln>
+            <a:noFill/>
+          </a:ln>
+        </p:spPr>
+        <p:style>
+          <a:lnRef idx="2">
+            <a:schemeClr val="accent1">
+              <a:shade val="50000"/>
+            </a:schemeClr>
+          </a:lnRef>
+          <a:fillRef idx="1">
+            <a:schemeClr val="accent1"/>
+          </a:fillRef>
+          <a:effectRef idx="0">
+            <a:schemeClr val="accent1"/>
+          </a:effectRef>
+          <a:fontRef idx="minor">
+            <a:schemeClr val="lt1"/>
+          </a:fontRef>
+        </p:style>
+        <p:txBody>
+          <a:bodyPr rtlCol="0" anchor="ctr"/>
+          <a:lstStyle/>
+          <a:p>
+            <a:pPr algn="ctr"/>
+            <a:endParaRPr lang="en-US"/>
+          </a:p>
+        </p:txBody>
+      </p:sp>
+      <p:sp>
+        <p:nvSpPr>
+          <p:cNvPr id="12" name="Rectangle 11">
+            <a:extLst>
+              <a:ext uri="{FF2B5EF4-FFF2-40B4-BE49-F238E27FC236}">
+                <a16:creationId xmlns:a16="http://schemas.microsoft.com/office/drawing/2014/main" id="{4C1262DB-2217-4833-97B6-F2E848AE5B36}"/>
+              </a:ext>
+              <a:ext uri="{C183D7F6-B498-43B3-948B-1728B52AA6E4}">
+                <adec:decorative xmlns:adec="http://schemas.microsoft.com/office/drawing/2017/decorative" val="1"/>
+              </a:ext>
+            </a:extLst>
+          </p:cNvPr>
+          <p:cNvSpPr>
+            <a:spLocks noGrp="1" noRot="1" noChangeAspect="1" noMove="1" noResize="1" noEditPoints="1" noAdjustHandles="1" noChangeArrowheads="1" noChangeShapeType="1" noTextEdit="1"/>
+          </p:cNvSpPr>
+          <p:nvPr>
+            <p:extLst>
+              <p:ext uri="{386F3935-93C4-4BCD-93E2-E3B085C9AB24}">
+                <p16:designElem xmlns:p16="http://schemas.microsoft.com/office/powerpoint/2015/main" val="1"/>
+              </p:ext>
+            </p:extLst>
+          </p:nvPr>
+        </p:nvSpPr>
+        <p:spPr>
+          <a:xfrm>
+            <a:off x="234696" y="237744"/>
+            <a:ext cx="11722608" cy="6382512"/>
+          </a:xfrm>
+          <a:prstGeom prst="rect">
+            <a:avLst/>
+          </a:prstGeom>
+          <a:solidFill>
+            <a:schemeClr val="bg1">
+              <a:lumMod val="85000"/>
+              <a:alpha val="60000"/>
+            </a:schemeClr>
+          </a:solidFill>
+          <a:ln>
+            <a:noFill/>
+          </a:ln>
+        </p:spPr>
+        <p:style>
+          <a:lnRef idx="2">
+            <a:schemeClr val="accent1">
+              <a:shade val="50000"/>
+            </a:schemeClr>
+          </a:lnRef>
+          <a:fillRef idx="1">
+            <a:schemeClr val="accent1"/>
+          </a:fillRef>
+          <a:effectRef idx="0">
+            <a:schemeClr val="accent1"/>
+          </a:effectRef>
+          <a:fontRef idx="minor">
+            <a:schemeClr val="lt1"/>
+          </a:fontRef>
+        </p:style>
+        <p:txBody>
+          <a:bodyPr/>
+          <a:lstStyle/>
+          <a:p>
+            <a:endParaRPr lang="en-US"/>
+          </a:p>
+        </p:txBody>
+      </p:sp>
+      <p:sp>
+        <p:nvSpPr>
+          <p:cNvPr id="14" name="Rectangle 13">
+            <a:extLst>
+              <a:ext uri="{FF2B5EF4-FFF2-40B4-BE49-F238E27FC236}">
+                <a16:creationId xmlns:a16="http://schemas.microsoft.com/office/drawing/2014/main" id="{96E31C53-2B4C-4EC3-ABBE-C7A406EE0F8E}"/>
+              </a:ext>
+              <a:ext uri="{C183D7F6-B498-43B3-948B-1728B52AA6E4}">
+                <adec:decorative xmlns:adec="http://schemas.microsoft.com/office/drawing/2017/decorative" val="1"/>
+              </a:ext>
+            </a:extLst>
+          </p:cNvPr>
+          <p:cNvSpPr>
+            <a:spLocks noGrp="1" noRot="1" noChangeAspect="1" noMove="1" noResize="1" noEditPoints="1" noAdjustHandles="1" noChangeArrowheads="1" noChangeShapeType="1" noTextEdit="1"/>
+          </p:cNvSpPr>
+          <p:nvPr>
+            <p:extLst>
+              <p:ext uri="{386F3935-93C4-4BCD-93E2-E3B085C9AB24}">
+                <p16:designElem xmlns:p16="http://schemas.microsoft.com/office/powerpoint/2015/main" val="1"/>
+              </p:ext>
+            </p:extLst>
+          </p:nvPr>
+        </p:nvSpPr>
+        <p:spPr>
+          <a:xfrm>
+            <a:off x="371856" y="374904"/>
+            <a:ext cx="11448288" cy="6108192"/>
+          </a:xfrm>
+          <a:prstGeom prst="rect">
+            <a:avLst/>
+          </a:prstGeom>
+          <a:noFill/>
+          <a:ln w="6350" cap="sq" cmpd="sng" algn="ctr">
+            <a:solidFill>
+              <a:schemeClr val="tx1">
+                <a:lumMod val="85000"/>
+                <a:lumOff val="15000"/>
+              </a:schemeClr>
+            </a:solidFill>
+            <a:prstDash val="solid"/>
+            <a:miter lim="800000"/>
+          </a:ln>
+          <a:effectLst/>
+        </p:spPr>
+        <p:txBody>
+          <a:bodyPr/>
+          <a:lstStyle/>
+          <a:p>
+            <a:endParaRPr lang="en-US"/>
+          </a:p>
+        </p:txBody>
+      </p:sp>
+      <p:sp>
+        <p:nvSpPr>
           <p:cNvPr id="2" name="Title 1">
             <a:extLst>
               <a:ext uri="{FF2B5EF4-FFF2-40B4-BE49-F238E27FC236}">
@@ -8685,9 +8874,16 @@
             <p:ph type="title"/>
           </p:nvPr>
         </p:nvSpPr>
-        <p:spPr/>
+        <p:spPr>
+          <a:xfrm>
+            <a:off x="1066800" y="642594"/>
+            <a:ext cx="10058400" cy="1371600"/>
+          </a:xfrm>
+        </p:spPr>
         <p:txBody>
-          <a:bodyPr/>
+          <a:bodyPr>
+            <a:normAutofit/>
+          </a:bodyPr>
           <a:lstStyle/>
           <a:p>
             <a:r>
@@ -8716,16 +8912,19 @@
         <p:spPr>
           <a:xfrm>
             <a:off x="1066800" y="2103120"/>
-            <a:ext cx="10058400" cy="4360742"/>
+            <a:ext cx="6485467" cy="3931920"/>
           </a:xfrm>
         </p:spPr>
         <p:txBody>
           <a:bodyPr>
-            <a:normAutofit fontScale="92500" lnSpcReduction="20000"/>
+            <a:normAutofit/>
           </a:bodyPr>
           <a:lstStyle/>
           <a:p>
             <a:pPr marL="0" marR="0" indent="0">
+              <a:lnSpc>
+                <a:spcPct val="90000"/>
+              </a:lnSpc>
               <a:spcBef>
                 <a:spcPts val="200"/>
               </a:spcBef>
@@ -8735,10 +8934,7 @@
               <a:buNone/>
             </a:pPr>
             <a:r>
-              <a:rPr lang="en-US" sz="1800" b="0" i="1" dirty="0">
-                <a:solidFill>
-                  <a:srgbClr val="2F5496"/>
-                </a:solidFill>
+              <a:rPr lang="en-US" sz="2000" b="0" i="1" dirty="0">
                 <a:effectLst/>
                 <a:latin typeface="Segoe UI" panose="020B0502040204020203" pitchFamily="34" charset="0"/>
                 <a:ea typeface="Times New Roman" panose="02020603050405020304" pitchFamily="18" charset="0"/>
@@ -8749,6 +8945,9 @@
           </a:p>
           <a:p>
             <a:pPr marL="0" marR="0" indent="0">
+              <a:lnSpc>
+                <a:spcPct val="90000"/>
+              </a:lnSpc>
               <a:spcBef>
                 <a:spcPts val="200"/>
               </a:spcBef>
@@ -8757,10 +8956,7 @@
               </a:spcAft>
               <a:buNone/>
             </a:pPr>
-            <a:endParaRPr lang="en-US" sz="1800" b="1" i="1" dirty="0">
-              <a:solidFill>
-                <a:srgbClr val="2F5496"/>
-              </a:solidFill>
+            <a:endParaRPr lang="en-US" sz="2000" b="1" i="1" dirty="0">
               <a:effectLst/>
               <a:latin typeface="Calibri Light" panose="020F0302020204030204" pitchFamily="34" charset="0"/>
               <a:ea typeface="Times New Roman" panose="02020603050405020304" pitchFamily="18" charset="0"/>
@@ -8769,6 +8965,9 @@
           </a:p>
           <a:p>
             <a:pPr marL="0" marR="0">
+              <a:lnSpc>
+                <a:spcPct val="90000"/>
+              </a:lnSpc>
               <a:spcBef>
                 <a:spcPts val="0"/>
               </a:spcBef>
@@ -8777,78 +8976,19 @@
               </a:spcAft>
             </a:pPr>
             <a:r>
-              <a:rPr lang="en-US" sz="1800" dirty="0">
+              <a:rPr lang="en-US" sz="2000" dirty="0">
                 <a:effectLst/>
                 <a:latin typeface="Segoe UI" panose="020B0502040204020203" pitchFamily="34" charset="0"/>
                 <a:ea typeface="Times New Roman" panose="02020603050405020304" pitchFamily="18" charset="0"/>
               </a:rPr>
-              <a:t>The Turing Test, initially called the Imitation Game by Turing, involves a human interrogator </a:t>
-            </a:r>
-            <a:r>
-              <a:rPr lang="en-US" sz="1800" dirty="0">
-                <a:solidFill>
-                  <a:srgbClr val="FF0000"/>
-                </a:solidFill>
-                <a:effectLst/>
-                <a:latin typeface="Segoe UI" panose="020B0502040204020203" pitchFamily="34" charset="0"/>
-                <a:ea typeface="Times New Roman" panose="02020603050405020304" pitchFamily="18" charset="0"/>
-              </a:rPr>
-              <a:t>engaging in a natural language conversation with an unseen interlocutor</a:t>
-            </a:r>
-            <a:r>
-              <a:rPr lang="en-US" sz="1800" dirty="0">
-                <a:effectLst/>
-                <a:latin typeface="Segoe UI" panose="020B0502040204020203" pitchFamily="34" charset="0"/>
-                <a:ea typeface="Times New Roman" panose="02020603050405020304" pitchFamily="18" charset="0"/>
-              </a:rPr>
-              <a:t>, which could be either a human or a machine. The interrogator's task is to determine which is which, based solely on their responses to questions. If the interrogator is unable to reliably tell the machine from the human, the machine is said to have passed the test.</a:t>
-            </a:r>
-          </a:p>
-          <a:p>
-            <a:pPr marL="0" marR="0" indent="0">
-              <a:spcBef>
-                <a:spcPts val="200"/>
-              </a:spcBef>
-              <a:spcAft>
-                <a:spcPts val="0"/>
-              </a:spcAft>
-              <a:buNone/>
-            </a:pPr>
-            <a:r>
-              <a:rPr lang="en-US" sz="1800" b="0" i="1" dirty="0">
-                <a:solidFill>
-                  <a:srgbClr val="2F5496"/>
-                </a:solidFill>
-                <a:effectLst/>
-                <a:latin typeface="Segoe UI" panose="020B0502040204020203" pitchFamily="34" charset="0"/>
-                <a:ea typeface="Times New Roman" panose="02020603050405020304" pitchFamily="18" charset="0"/>
-                <a:cs typeface="Times New Roman" panose="02020603050405020304" pitchFamily="18" charset="0"/>
-              </a:rPr>
-              <a:t>Philosophical and Practical Implications</a:t>
-            </a:r>
-          </a:p>
-          <a:p>
-            <a:pPr marL="0" marR="0" indent="0">
-              <a:spcBef>
-                <a:spcPts val="200"/>
-              </a:spcBef>
-              <a:spcAft>
-                <a:spcPts val="0"/>
-              </a:spcAft>
-              <a:buNone/>
-            </a:pPr>
-            <a:endParaRPr lang="en-US" sz="1800" b="1" i="1" dirty="0">
-              <a:solidFill>
-                <a:srgbClr val="2F5496"/>
-              </a:solidFill>
-              <a:effectLst/>
-              <a:latin typeface="Calibri Light" panose="020F0302020204030204" pitchFamily="34" charset="0"/>
-              <a:ea typeface="Times New Roman" panose="02020603050405020304" pitchFamily="18" charset="0"/>
-              <a:cs typeface="Times New Roman" panose="02020603050405020304" pitchFamily="18" charset="0"/>
-            </a:endParaRPr>
+              <a:t>The Turing Test, initially called the Imitation Game by Turing, involves a human interrogator engaging in a natural language conversation with an unseen interlocutor, which could be either a human or a machine. </a:t>
+            </a:r>
           </a:p>
           <a:p>
             <a:pPr marL="0" marR="0">
+              <a:lnSpc>
+                <a:spcPct val="90000"/>
+              </a:lnSpc>
               <a:spcBef>
                 <a:spcPts val="0"/>
               </a:spcBef>
@@ -8857,133 +8997,19 @@
               </a:spcAft>
             </a:pPr>
             <a:r>
-              <a:rPr lang="en-US" sz="1800" dirty="0">
+              <a:rPr lang="en-US" sz="2000" dirty="0">
                 <a:effectLst/>
                 <a:latin typeface="Segoe UI" panose="020B0502040204020203" pitchFamily="34" charset="0"/>
                 <a:ea typeface="Times New Roman" panose="02020603050405020304" pitchFamily="18" charset="0"/>
               </a:rPr>
-              <a:t>Turing’s Imitation Game is profound not merely as a proposed test for machine intelligence but also in the philosophical questions it raises about the nature of cognition, consciousness, and communication:</a:t>
-            </a:r>
-            <a:endParaRPr lang="en-US" sz="1800" dirty="0">
-              <a:effectLst/>
-              <a:latin typeface="Times New Roman" panose="02020603050405020304" pitchFamily="18" charset="0"/>
-              <a:ea typeface="Times New Roman" panose="02020603050405020304" pitchFamily="18" charset="0"/>
-            </a:endParaRPr>
-          </a:p>
-          <a:p>
-            <a:pPr marL="342900" marR="0" lvl="0" indent="-342900">
-              <a:spcBef>
-                <a:spcPts val="0"/>
-              </a:spcBef>
-              <a:spcAft>
-                <a:spcPts val="0"/>
-              </a:spcAft>
-              <a:buSzPts val="1000"/>
-              <a:buFont typeface="Symbol" pitchFamily="2" charset="2"/>
-              <a:buChar char=""/>
-              <a:tabLst>
-                <a:tab pos="457200" algn="l"/>
-              </a:tabLst>
-            </a:pPr>
-            <a:r>
-              <a:rPr lang="en-US" sz="1800" b="1" dirty="0">
-                <a:effectLst/>
-                <a:latin typeface="Segoe UI" panose="020B0502040204020203" pitchFamily="34" charset="0"/>
-                <a:ea typeface="Times New Roman" panose="02020603050405020304" pitchFamily="18" charset="0"/>
-              </a:rPr>
-              <a:t>Behaviorism in Intelligence:</a:t>
-            </a:r>
-            <a:r>
-              <a:rPr lang="en-US" sz="1800" dirty="0">
-                <a:effectLst/>
-                <a:latin typeface="Segoe UI" panose="020B0502040204020203" pitchFamily="34" charset="0"/>
-                <a:ea typeface="Times New Roman" panose="02020603050405020304" pitchFamily="18" charset="0"/>
-              </a:rPr>
-              <a:t> The test leans into a behaviorist perspective, implying that </a:t>
-            </a:r>
-            <a:r>
-              <a:rPr lang="en-US" sz="1800" dirty="0">
-                <a:solidFill>
-                  <a:srgbClr val="FF0000"/>
-                </a:solidFill>
-                <a:effectLst/>
-                <a:latin typeface="Segoe UI" panose="020B0502040204020203" pitchFamily="34" charset="0"/>
-                <a:ea typeface="Times New Roman" panose="02020603050405020304" pitchFamily="18" charset="0"/>
-              </a:rPr>
-              <a:t>intelligence can be deduced and defined by external, observable behavior </a:t>
-            </a:r>
-            <a:r>
-              <a:rPr lang="en-US" sz="1800" dirty="0">
-                <a:effectLst/>
-                <a:latin typeface="Segoe UI" panose="020B0502040204020203" pitchFamily="34" charset="0"/>
-                <a:ea typeface="Times New Roman" panose="02020603050405020304" pitchFamily="18" charset="0"/>
-              </a:rPr>
-              <a:t>rather than internal consciousness or cognitive processes.</a:t>
-            </a:r>
-            <a:endParaRPr lang="en-US" sz="1800" dirty="0">
-              <a:effectLst/>
-              <a:latin typeface="Times New Roman" panose="02020603050405020304" pitchFamily="18" charset="0"/>
-              <a:ea typeface="Times New Roman" panose="02020603050405020304" pitchFamily="18" charset="0"/>
-            </a:endParaRPr>
-          </a:p>
-          <a:p>
-            <a:pPr marL="342900" marR="0" lvl="0" indent="-342900">
-              <a:spcBef>
-                <a:spcPts val="0"/>
-              </a:spcBef>
-              <a:spcAft>
-                <a:spcPts val="0"/>
-              </a:spcAft>
-              <a:buSzPts val="1000"/>
-              <a:buFont typeface="Symbol" pitchFamily="2" charset="2"/>
-              <a:buChar char=""/>
-              <a:tabLst>
-                <a:tab pos="457200" algn="l"/>
-              </a:tabLst>
-            </a:pPr>
-            <a:r>
-              <a:rPr lang="en-US" sz="1800" b="1" dirty="0">
-                <a:effectLst/>
-                <a:latin typeface="Segoe UI" panose="020B0502040204020203" pitchFamily="34" charset="0"/>
-                <a:ea typeface="Times New Roman" panose="02020603050405020304" pitchFamily="18" charset="0"/>
-              </a:rPr>
-              <a:t>Functionalism:</a:t>
-            </a:r>
-            <a:r>
-              <a:rPr lang="en-US" sz="1800" dirty="0">
-                <a:effectLst/>
-                <a:latin typeface="Segoe UI" panose="020B0502040204020203" pitchFamily="34" charset="0"/>
-                <a:ea typeface="Times New Roman" panose="02020603050405020304" pitchFamily="18" charset="0"/>
-              </a:rPr>
-              <a:t> It suggests a functionalist approach to understanding the mind, positing </a:t>
-            </a:r>
-            <a:r>
-              <a:rPr lang="en-US" sz="1800" dirty="0">
-                <a:solidFill>
-                  <a:srgbClr val="FF0000"/>
-                </a:solidFill>
-                <a:effectLst/>
-                <a:latin typeface="Segoe UI" panose="020B0502040204020203" pitchFamily="34" charset="0"/>
-                <a:ea typeface="Times New Roman" panose="02020603050405020304" pitchFamily="18" charset="0"/>
-              </a:rPr>
-              <a:t>that if something acts intelligently, it can be considered intelligent </a:t>
-            </a:r>
-            <a:r>
-              <a:rPr lang="en-US" sz="1800" dirty="0">
-                <a:effectLst/>
-                <a:latin typeface="Segoe UI" panose="020B0502040204020203" pitchFamily="34" charset="0"/>
-                <a:ea typeface="Times New Roman" panose="02020603050405020304" pitchFamily="18" charset="0"/>
-              </a:rPr>
-              <a:t>without considering underlying structures or processes.</a:t>
-            </a:r>
-            <a:endParaRPr lang="en-US" sz="1800" dirty="0">
-              <a:effectLst/>
-              <a:latin typeface="Times New Roman" panose="02020603050405020304" pitchFamily="18" charset="0"/>
-              <a:ea typeface="Times New Roman" panose="02020603050405020304" pitchFamily="18" charset="0"/>
-            </a:endParaRPr>
+              <a:t>The interrogator's task is to determine which is which, based solely on their responses to questions. If the interrogator is unable to reliably tell the machine from the human, the machine is said to have passed the test.</a:t>
+            </a:r>
           </a:p>
           <a:p>
             <a:pPr marL="0" marR="0">
+              <a:lnSpc>
+                <a:spcPct val="90000"/>
+              </a:lnSpc>
               <a:spcBef>
                 <a:spcPts val="0"/>
               </a:spcBef>
@@ -8991,17 +9017,52 @@
                 <a:spcPts val="1500"/>
               </a:spcAft>
             </a:pPr>
-            <a:endParaRPr lang="en-US" sz="1800" dirty="0">
+            <a:endParaRPr lang="en-US" sz="1100" dirty="0">
               <a:effectLst/>
               <a:latin typeface="Times New Roman" panose="02020603050405020304" pitchFamily="18" charset="0"/>
               <a:ea typeface="Times New Roman" panose="02020603050405020304" pitchFamily="18" charset="0"/>
             </a:endParaRPr>
           </a:p>
           <a:p>
-            <a:endParaRPr lang="en-US" dirty="0"/>
+            <a:pPr>
+              <a:lnSpc>
+                <a:spcPct val="90000"/>
+              </a:lnSpc>
+            </a:pPr>
+            <a:endParaRPr lang="en-US" sz="1100" dirty="0"/>
           </a:p>
         </p:txBody>
       </p:sp>
+      <p:pic>
+        <p:nvPicPr>
+          <p:cNvPr id="6" name="Picture 5" descr="A person in a black suit&#10;&#10;Description automatically generated">
+            <a:extLst>
+              <a:ext uri="{FF2B5EF4-FFF2-40B4-BE49-F238E27FC236}">
+                <a16:creationId xmlns:a16="http://schemas.microsoft.com/office/drawing/2014/main" id="{7F850C55-04CE-0EB2-D67B-84A0502628D9}"/>
+              </a:ext>
+            </a:extLst>
+          </p:cNvPr>
+          <p:cNvPicPr>
+            <a:picLocks noChangeAspect="1"/>
+          </p:cNvPicPr>
+          <p:nvPr/>
+        </p:nvPicPr>
+        <p:blipFill>
+          <a:blip r:embed="rId2"/>
+          <a:stretch>
+            <a:fillRect/>
+          </a:stretch>
+        </p:blipFill>
+        <p:spPr>
+          <a:xfrm>
+            <a:off x="7689427" y="2014194"/>
+            <a:ext cx="3936892" cy="2952669"/>
+          </a:xfrm>
+          <a:prstGeom prst="rect">
+            <a:avLst/>
+          </a:prstGeom>
+        </p:spPr>
+      </p:pic>
     </p:spTree>
     <p:extLst>
       <p:ext uri="{BB962C8B-B14F-4D97-AF65-F5344CB8AC3E}">
@@ -9018,6 +9079,14 @@
 <file path=ppt/slides/slide11.xml><?xml version="1.0" encoding="utf-8"?>
 <p:sld xmlns:a="http://schemas.openxmlformats.org/drawingml/2006/main" xmlns:r="http://schemas.openxmlformats.org/officeDocument/2006/relationships" xmlns:p="http://schemas.openxmlformats.org/presentationml/2006/main">
   <p:cSld>
+    <p:bg>
+      <p:bgPr>
+        <a:solidFill>
+          <a:schemeClr val="bg1"/>
+        </a:solidFill>
+        <a:effectLst/>
+      </p:bgPr>
+    </p:bg>
     <p:spTree>
       <p:nvGrpSpPr>
         <p:cNvPr id="1" name=""/>
@@ -9034,10 +9103,190 @@
       </p:grpSpPr>
       <p:sp>
         <p:nvSpPr>
+          <p:cNvPr id="10" name="Rectangle 9">
+            <a:extLst>
+              <a:ext uri="{FF2B5EF4-FFF2-40B4-BE49-F238E27FC236}">
+                <a16:creationId xmlns:a16="http://schemas.microsoft.com/office/drawing/2014/main" id="{83E0B076-70B2-4BA7-B180-209E6D80131E}"/>
+              </a:ext>
+              <a:ext uri="{C183D7F6-B498-43B3-948B-1728B52AA6E4}">
+                <adec:decorative xmlns:adec="http://schemas.microsoft.com/office/drawing/2017/decorative" val="1"/>
+              </a:ext>
+            </a:extLst>
+          </p:cNvPr>
+          <p:cNvSpPr>
+            <a:spLocks noGrp="1" noRot="1" noChangeAspect="1" noMove="1" noResize="1" noEditPoints="1" noAdjustHandles="1" noChangeArrowheads="1" noChangeShapeType="1" noTextEdit="1"/>
+          </p:cNvSpPr>
+          <p:nvPr>
+            <p:extLst>
+              <p:ext uri="{386F3935-93C4-4BCD-93E2-E3B085C9AB24}">
+                <p16:designElem xmlns:p16="http://schemas.microsoft.com/office/powerpoint/2015/main" val="1"/>
+              </p:ext>
+            </p:extLst>
+          </p:nvPr>
+        </p:nvSpPr>
+        <p:spPr>
+          <a:xfrm>
+            <a:off x="0" y="0"/>
+            <a:ext cx="12192000" cy="6858000"/>
+          </a:xfrm>
+          <a:prstGeom prst="rect">
+            <a:avLst/>
+          </a:prstGeom>
+          <a:solidFill>
+            <a:srgbClr val="FFFFFF"/>
+          </a:solidFill>
+          <a:ln>
+            <a:noFill/>
+          </a:ln>
+        </p:spPr>
+        <p:style>
+          <a:lnRef idx="2">
+            <a:schemeClr val="accent1">
+              <a:shade val="50000"/>
+            </a:schemeClr>
+          </a:lnRef>
+          <a:fillRef idx="1">
+            <a:schemeClr val="accent1"/>
+          </a:fillRef>
+          <a:effectRef idx="0">
+            <a:schemeClr val="accent1"/>
+          </a:effectRef>
+          <a:fontRef idx="minor">
+            <a:schemeClr val="lt1"/>
+          </a:fontRef>
+        </p:style>
+        <p:txBody>
+          <a:bodyPr rtlCol="0" anchor="ctr"/>
+          <a:lstStyle/>
+          <a:p>
+            <a:pPr algn="ctr"/>
+            <a:endParaRPr lang="en-US"/>
+          </a:p>
+        </p:txBody>
+      </p:sp>
+      <p:sp>
+        <p:nvSpPr>
+          <p:cNvPr id="12" name="Rectangle 11">
+            <a:extLst>
+              <a:ext uri="{FF2B5EF4-FFF2-40B4-BE49-F238E27FC236}">
+                <a16:creationId xmlns:a16="http://schemas.microsoft.com/office/drawing/2014/main" id="{4C1262DB-2217-4833-97B6-F2E848AE5B36}"/>
+              </a:ext>
+              <a:ext uri="{C183D7F6-B498-43B3-948B-1728B52AA6E4}">
+                <adec:decorative xmlns:adec="http://schemas.microsoft.com/office/drawing/2017/decorative" val="1"/>
+              </a:ext>
+            </a:extLst>
+          </p:cNvPr>
+          <p:cNvSpPr>
+            <a:spLocks noGrp="1" noRot="1" noChangeAspect="1" noMove="1" noResize="1" noEditPoints="1" noAdjustHandles="1" noChangeArrowheads="1" noChangeShapeType="1" noTextEdit="1"/>
+          </p:cNvSpPr>
+          <p:nvPr>
+            <p:extLst>
+              <p:ext uri="{386F3935-93C4-4BCD-93E2-E3B085C9AB24}">
+                <p16:designElem xmlns:p16="http://schemas.microsoft.com/office/powerpoint/2015/main" val="1"/>
+              </p:ext>
+            </p:extLst>
+          </p:nvPr>
+        </p:nvSpPr>
+        <p:spPr>
+          <a:xfrm>
+            <a:off x="234696" y="237744"/>
+            <a:ext cx="11722608" cy="6382512"/>
+          </a:xfrm>
+          <a:prstGeom prst="rect">
+            <a:avLst/>
+          </a:prstGeom>
+          <a:solidFill>
+            <a:schemeClr val="bg1">
+              <a:lumMod val="85000"/>
+              <a:alpha val="60000"/>
+            </a:schemeClr>
+          </a:solidFill>
+          <a:ln>
+            <a:noFill/>
+          </a:ln>
+        </p:spPr>
+        <p:style>
+          <a:lnRef idx="2">
+            <a:schemeClr val="accent1">
+              <a:shade val="50000"/>
+            </a:schemeClr>
+          </a:lnRef>
+          <a:fillRef idx="1">
+            <a:schemeClr val="accent1"/>
+          </a:fillRef>
+          <a:effectRef idx="0">
+            <a:schemeClr val="accent1"/>
+          </a:effectRef>
+          <a:fontRef idx="minor">
+            <a:schemeClr val="lt1"/>
+          </a:fontRef>
+        </p:style>
+        <p:txBody>
+          <a:bodyPr/>
+          <a:lstStyle/>
+          <a:p>
+            <a:endParaRPr lang="en-US"/>
+          </a:p>
+        </p:txBody>
+      </p:sp>
+      <p:sp>
+        <p:nvSpPr>
+          <p:cNvPr id="14" name="Rectangle 13">
+            <a:extLst>
+              <a:ext uri="{FF2B5EF4-FFF2-40B4-BE49-F238E27FC236}">
+                <a16:creationId xmlns:a16="http://schemas.microsoft.com/office/drawing/2014/main" id="{96E31C53-2B4C-4EC3-ABBE-C7A406EE0F8E}"/>
+              </a:ext>
+              <a:ext uri="{C183D7F6-B498-43B3-948B-1728B52AA6E4}">
+                <adec:decorative xmlns:adec="http://schemas.microsoft.com/office/drawing/2017/decorative" val="1"/>
+              </a:ext>
+            </a:extLst>
+          </p:cNvPr>
+          <p:cNvSpPr>
+            <a:spLocks noGrp="1" noRot="1" noChangeAspect="1" noMove="1" noResize="1" noEditPoints="1" noAdjustHandles="1" noChangeArrowheads="1" noChangeShapeType="1" noTextEdit="1"/>
+          </p:cNvSpPr>
+          <p:nvPr>
+            <p:extLst>
+              <p:ext uri="{386F3935-93C4-4BCD-93E2-E3B085C9AB24}">
+                <p16:designElem xmlns:p16="http://schemas.microsoft.com/office/powerpoint/2015/main" val="1"/>
+              </p:ext>
+            </p:extLst>
+          </p:nvPr>
+        </p:nvSpPr>
+        <p:spPr>
+          <a:xfrm>
+            <a:off x="371856" y="374904"/>
+            <a:ext cx="11448288" cy="6108192"/>
+          </a:xfrm>
+          <a:prstGeom prst="rect">
+            <a:avLst/>
+          </a:prstGeom>
+          <a:noFill/>
+          <a:ln w="6350" cap="sq" cmpd="sng" algn="ctr">
+            <a:solidFill>
+              <a:schemeClr val="tx1">
+                <a:lumMod val="85000"/>
+                <a:lumOff val="15000"/>
+              </a:schemeClr>
+            </a:solidFill>
+            <a:prstDash val="solid"/>
+            <a:miter lim="800000"/>
+          </a:ln>
+          <a:effectLst/>
+        </p:spPr>
+        <p:txBody>
+          <a:bodyPr/>
+          <a:lstStyle/>
+          <a:p>
+            <a:endParaRPr lang="en-US"/>
+          </a:p>
+        </p:txBody>
+      </p:sp>
+      <p:sp>
+        <p:nvSpPr>
           <p:cNvPr id="2" name="Title 1">
             <a:extLst>
               <a:ext uri="{FF2B5EF4-FFF2-40B4-BE49-F238E27FC236}">
-                <a16:creationId xmlns:a16="http://schemas.microsoft.com/office/drawing/2014/main" id="{5512C003-AB3B-B9F2-3138-974BFC4662F6}"/>
+                <a16:creationId xmlns:a16="http://schemas.microsoft.com/office/drawing/2014/main" id="{3A17DBB8-AC3F-30AB-2258-321DD5B17BE7}"/>
               </a:ext>
             </a:extLst>
           </p:cNvPr>
@@ -9048,14 +9297,21 @@
             <p:ph type="title"/>
           </p:nvPr>
         </p:nvSpPr>
-        <p:spPr/>
+        <p:spPr>
+          <a:xfrm>
+            <a:off x="1066800" y="642594"/>
+            <a:ext cx="10058400" cy="1371600"/>
+          </a:xfrm>
+        </p:spPr>
         <p:txBody>
-          <a:bodyPr/>
+          <a:bodyPr>
+            <a:normAutofit/>
+          </a:bodyPr>
           <a:lstStyle/>
           <a:p>
             <a:r>
               <a:rPr lang="en-US" dirty="0"/>
-              <a:t>Impacts and Critiques</a:t>
+              <a:t>The Turing Test (1950)</a:t>
             </a:r>
           </a:p>
         </p:txBody>
@@ -9065,7 +9321,7 @@
           <p:cNvPr id="3" name="Content Placeholder 2">
             <a:extLst>
               <a:ext uri="{FF2B5EF4-FFF2-40B4-BE49-F238E27FC236}">
-                <a16:creationId xmlns:a16="http://schemas.microsoft.com/office/drawing/2014/main" id="{F98BE308-4180-0F48-E782-ED47E0DE4B4C}"/>
+                <a16:creationId xmlns:a16="http://schemas.microsoft.com/office/drawing/2014/main" id="{0202D527-128E-FBCA-5F72-2168974BEC07}"/>
               </a:ext>
             </a:extLst>
           </p:cNvPr>
@@ -9076,9 +9332,16 @@
             <p:ph idx="1"/>
           </p:nvPr>
         </p:nvSpPr>
-        <p:spPr/>
+        <p:spPr>
+          <a:xfrm>
+            <a:off x="1066800" y="2103120"/>
+            <a:ext cx="6485467" cy="3931920"/>
+          </a:xfrm>
+        </p:spPr>
         <p:txBody>
-          <a:bodyPr/>
+          <a:bodyPr>
+            <a:normAutofit fontScale="85000" lnSpcReduction="10000"/>
+          </a:bodyPr>
           <a:lstStyle/>
           <a:p>
             <a:pPr marL="0" marR="0" indent="0">
@@ -9091,7 +9354,7 @@
               <a:buNone/>
             </a:pPr>
             <a:r>
-              <a:rPr lang="en-US" sz="1800" b="0" i="1" dirty="0">
+              <a:rPr lang="en-US" sz="2000" b="0" i="1" dirty="0">
                 <a:solidFill>
                   <a:srgbClr val="2F5496"/>
                 </a:solidFill>
@@ -9100,7 +9363,7 @@
                 <a:ea typeface="Times New Roman" panose="02020603050405020304" pitchFamily="18" charset="0"/>
                 <a:cs typeface="Times New Roman" panose="02020603050405020304" pitchFamily="18" charset="0"/>
               </a:rPr>
-              <a:t>Impacts on Early AI Development</a:t>
+              <a:t>Philosophical and Practical Implications</a:t>
             </a:r>
           </a:p>
           <a:p>
@@ -9113,7 +9376,7 @@
               </a:spcAft>
               <a:buNone/>
             </a:pPr>
-            <a:endParaRPr lang="en-US" sz="1800" b="1" i="1" dirty="0">
+            <a:endParaRPr lang="en-US" sz="2000" b="1" i="1" dirty="0">
               <a:solidFill>
                 <a:srgbClr val="2F5496"/>
               </a:solidFill>
@@ -9121,6 +9384,29 @@
               <a:latin typeface="Calibri Light" panose="020F0302020204030204" pitchFamily="34" charset="0"/>
               <a:ea typeface="Times New Roman" panose="02020603050405020304" pitchFamily="18" charset="0"/>
               <a:cs typeface="Times New Roman" panose="02020603050405020304" pitchFamily="18" charset="0"/>
+            </a:endParaRPr>
+          </a:p>
+          <a:p>
+            <a:pPr marL="0" marR="0">
+              <a:spcBef>
+                <a:spcPts val="0"/>
+              </a:spcBef>
+              <a:spcAft>
+                <a:spcPts val="1500"/>
+              </a:spcAft>
+            </a:pPr>
+            <a:r>
+              <a:rPr lang="en-US" sz="2000" dirty="0">
+                <a:effectLst/>
+                <a:latin typeface="Segoe UI" panose="020B0502040204020203" pitchFamily="34" charset="0"/>
+                <a:ea typeface="Times New Roman" panose="02020603050405020304" pitchFamily="18" charset="0"/>
+              </a:rPr>
+              <a:t>Turing’s Imitation Game is profound not merely as a proposed test for machine intelligence but also in the philosophical questions it raises about the nature of cognition, consciousness, and communication:</a:t>
+            </a:r>
+            <a:endParaRPr lang="en-US" sz="2000" dirty="0">
+              <a:effectLst/>
+              <a:latin typeface="Times New Roman" panose="02020603050405020304" pitchFamily="18" charset="0"/>
+              <a:ea typeface="Times New Roman" panose="02020603050405020304" pitchFamily="18" charset="0"/>
             </a:endParaRPr>
           </a:p>
           <a:p>
@@ -9139,23 +9425,23 @@
               </a:tabLst>
             </a:pPr>
             <a:r>
-              <a:rPr lang="en-US" sz="1800" b="1" dirty="0">
+              <a:rPr lang="en-US" sz="2000" b="1" dirty="0">
                 <a:effectLst/>
                 <a:latin typeface="Segoe UI" panose="020B0502040204020203" pitchFamily="34" charset="0"/>
                 <a:ea typeface="Times New Roman" panose="02020603050405020304" pitchFamily="18" charset="0"/>
               </a:rPr>
-              <a:t>Machine Learning:</a:t>
-            </a:r>
-            <a:r>
-              <a:rPr lang="en-US" sz="1800" dirty="0">
+              <a:t>Behaviorism in Intelligence:</a:t>
+            </a:r>
+            <a:r>
+              <a:rPr lang="en-US" sz="2000" dirty="0">
                 <a:effectLst/>
                 <a:latin typeface="Segoe UI" panose="020B0502040204020203" pitchFamily="34" charset="0"/>
                 <a:ea typeface="Times New Roman" panose="02020603050405020304" pitchFamily="18" charset="0"/>
               </a:rPr>
-              <a:t> Turing's speculations about learning machines encouraged developments in machine learning, directing researchers towards </a:t>
-            </a:r>
-            <a:r>
-              <a:rPr lang="en-US" sz="1800" dirty="0">
+              <a:t> The test leans into a behaviorist perspective, implying that </a:t>
+            </a:r>
+            <a:r>
+              <a:rPr lang="en-US" sz="2000" dirty="0">
                 <a:solidFill>
                   <a:srgbClr val="FF0000"/>
                 </a:solidFill>
@@ -9163,7 +9449,15 @@
                 <a:latin typeface="Segoe UI" panose="020B0502040204020203" pitchFamily="34" charset="0"/>
                 <a:ea typeface="Times New Roman" panose="02020603050405020304" pitchFamily="18" charset="0"/>
               </a:rPr>
-              <a:t>creating algorithms capable of adapting and improving from experience.</a:t>
+              <a:t>intelligence can be deduced and defined by external, observable behavior </a:t>
+            </a:r>
+            <a:r>
+              <a:rPr lang="en-US" sz="2000" dirty="0">
+                <a:effectLst/>
+                <a:latin typeface="Segoe UI" panose="020B0502040204020203" pitchFamily="34" charset="0"/>
+                <a:ea typeface="Times New Roman" panose="02020603050405020304" pitchFamily="18" charset="0"/>
+              </a:rPr>
+              <a:t>rather than internal consciousness or cognitive processes.</a:t>
             </a:r>
           </a:p>
           <a:p>
@@ -9180,10 +9474,7 @@
                 <a:tab pos="457200" algn="l"/>
               </a:tabLst>
             </a:pPr>
-            <a:endParaRPr lang="en-US" sz="1800" dirty="0">
-              <a:solidFill>
-                <a:srgbClr val="FF0000"/>
-              </a:solidFill>
+            <a:endParaRPr lang="en-US" sz="2000" dirty="0">
               <a:effectLst/>
               <a:latin typeface="Times New Roman" panose="02020603050405020304" pitchFamily="18" charset="0"/>
               <a:ea typeface="Times New Roman" panose="02020603050405020304" pitchFamily="18" charset="0"/>
@@ -9205,23 +9496,23 @@
               </a:tabLst>
             </a:pPr>
             <a:r>
-              <a:rPr lang="en-US" sz="1800" b="1" dirty="0">
+              <a:rPr lang="en-US" sz="2000" b="1" dirty="0">
                 <a:effectLst/>
                 <a:latin typeface="Segoe UI" panose="020B0502040204020203" pitchFamily="34" charset="0"/>
                 <a:ea typeface="Times New Roman" panose="02020603050405020304" pitchFamily="18" charset="0"/>
               </a:rPr>
-              <a:t>Natural Language Processing (NLP):</a:t>
-            </a:r>
-            <a:r>
-              <a:rPr lang="en-US" sz="1800" dirty="0">
+              <a:t>Functionalism:</a:t>
+            </a:r>
+            <a:r>
+              <a:rPr lang="en-US" sz="2000" dirty="0">
                 <a:effectLst/>
                 <a:latin typeface="Segoe UI" panose="020B0502040204020203" pitchFamily="34" charset="0"/>
                 <a:ea typeface="Times New Roman" panose="02020603050405020304" pitchFamily="18" charset="0"/>
               </a:rPr>
-              <a:t> The test </a:t>
-            </a:r>
-            <a:r>
-              <a:rPr lang="en-US" sz="1800" dirty="0">
+              <a:t> It suggests a functionalist approach to understanding the mind, positing </a:t>
+            </a:r>
+            <a:r>
+              <a:rPr lang="en-US" sz="2000" dirty="0">
                 <a:solidFill>
                   <a:srgbClr val="FF0000"/>
                 </a:solidFill>
@@ -9229,102 +9520,84 @@
                 <a:latin typeface="Segoe UI" panose="020B0502040204020203" pitchFamily="34" charset="0"/>
                 <a:ea typeface="Times New Roman" panose="02020603050405020304" pitchFamily="18" charset="0"/>
               </a:rPr>
-              <a:t>emphasized the importance of language understanding</a:t>
-            </a:r>
-            <a:r>
-              <a:rPr lang="en-US" sz="1800" dirty="0">
+              <a:t>that if something acts intelligently, it can be considered intelligent </a:t>
+            </a:r>
+            <a:r>
+              <a:rPr lang="en-US" sz="2000" dirty="0">
                 <a:effectLst/>
                 <a:latin typeface="Segoe UI" panose="020B0502040204020203" pitchFamily="34" charset="0"/>
                 <a:ea typeface="Times New Roman" panose="02020603050405020304" pitchFamily="18" charset="0"/>
               </a:rPr>
-              <a:t>, stimulating research in NLP to enable machines to comprehend and generate human language effectively.</a:t>
-            </a:r>
-          </a:p>
-          <a:p>
-            <a:pPr marL="0" marR="0" lvl="0" indent="0">
+              <a:t>without considering underlying structures or processes.</a:t>
+            </a:r>
+            <a:endParaRPr lang="en-US" sz="2000" dirty="0">
+              <a:effectLst/>
+              <a:latin typeface="Times New Roman" panose="02020603050405020304" pitchFamily="18" charset="0"/>
+              <a:ea typeface="Times New Roman" panose="02020603050405020304" pitchFamily="18" charset="0"/>
+            </a:endParaRPr>
+          </a:p>
+          <a:p>
+            <a:pPr marL="0" marR="0">
+              <a:lnSpc>
+                <a:spcPct val="90000"/>
+              </a:lnSpc>
               <a:spcBef>
                 <a:spcPts val="0"/>
               </a:spcBef>
               <a:spcAft>
-                <a:spcPts val="0"/>
+                <a:spcPts val="1500"/>
               </a:spcAft>
-              <a:buSzPts val="1000"/>
-              <a:buNone/>
-              <a:tabLst>
-                <a:tab pos="457200" algn="l"/>
-              </a:tabLst>
             </a:pPr>
-            <a:endParaRPr lang="en-US" sz="1800" dirty="0">
+            <a:endParaRPr lang="en-US" sz="1100" dirty="0">
               <a:effectLst/>
               <a:latin typeface="Times New Roman" panose="02020603050405020304" pitchFamily="18" charset="0"/>
               <a:ea typeface="Times New Roman" panose="02020603050405020304" pitchFamily="18" charset="0"/>
             </a:endParaRPr>
           </a:p>
           <a:p>
-            <a:pPr marL="342900" marR="0" lvl="0" indent="-342900">
-              <a:spcBef>
-                <a:spcPts val="0"/>
-              </a:spcBef>
-              <a:spcAft>
-                <a:spcPts val="0"/>
-              </a:spcAft>
-              <a:buSzPts val="1000"/>
-              <a:buFont typeface="Symbol" pitchFamily="2" charset="2"/>
-              <a:buChar char=""/>
-              <a:tabLst>
-                <a:tab pos="457200" algn="l"/>
-              </a:tabLst>
+            <a:pPr>
+              <a:lnSpc>
+                <a:spcPct val="90000"/>
+              </a:lnSpc>
             </a:pPr>
-            <a:r>
-              <a:rPr lang="en-US" sz="1800" b="1" dirty="0">
-                <a:effectLst/>
-                <a:latin typeface="Segoe UI" panose="020B0502040204020203" pitchFamily="34" charset="0"/>
-                <a:ea typeface="Times New Roman" panose="02020603050405020304" pitchFamily="18" charset="0"/>
-              </a:rPr>
-              <a:t>Cognitive Computing:</a:t>
-            </a:r>
-            <a:r>
-              <a:rPr lang="en-US" sz="1800" dirty="0">
-                <a:effectLst/>
-                <a:latin typeface="Segoe UI" panose="020B0502040204020203" pitchFamily="34" charset="0"/>
-                <a:ea typeface="Times New Roman" panose="02020603050405020304" pitchFamily="18" charset="0"/>
-              </a:rPr>
-              <a:t> Turing's reflections on thinking machines fueled explorations into cognitive computing, intending to </a:t>
-            </a:r>
-            <a:r>
-              <a:rPr lang="en-US" sz="1800" dirty="0">
-                <a:solidFill>
-                  <a:srgbClr val="FF0000"/>
-                </a:solidFill>
-                <a:effectLst/>
-                <a:latin typeface="Segoe UI" panose="020B0502040204020203" pitchFamily="34" charset="0"/>
-                <a:ea typeface="Times New Roman" panose="02020603050405020304" pitchFamily="18" charset="0"/>
-              </a:rPr>
-              <a:t>emulate human cognitive processes within computational models</a:t>
-            </a:r>
-            <a:r>
-              <a:rPr lang="en-US" sz="1800" dirty="0">
-                <a:effectLst/>
-                <a:latin typeface="Segoe UI" panose="020B0502040204020203" pitchFamily="34" charset="0"/>
-                <a:ea typeface="Times New Roman" panose="02020603050405020304" pitchFamily="18" charset="0"/>
-              </a:rPr>
-              <a:t>.</a:t>
-            </a:r>
-            <a:endParaRPr lang="en-US" sz="1800" dirty="0">
-              <a:effectLst/>
-              <a:latin typeface="Times New Roman" panose="02020603050405020304" pitchFamily="18" charset="0"/>
-              <a:ea typeface="Times New Roman" panose="02020603050405020304" pitchFamily="18" charset="0"/>
-            </a:endParaRPr>
-          </a:p>
-          <a:p>
-            <a:endParaRPr lang="en-US" dirty="0"/>
+            <a:endParaRPr lang="en-US" sz="1100" dirty="0"/>
           </a:p>
         </p:txBody>
       </p:sp>
+      <p:pic>
+        <p:nvPicPr>
+          <p:cNvPr id="6" name="Picture 5" descr="A person in a black suit&#10;&#10;Description automatically generated">
+            <a:extLst>
+              <a:ext uri="{FF2B5EF4-FFF2-40B4-BE49-F238E27FC236}">
+                <a16:creationId xmlns:a16="http://schemas.microsoft.com/office/drawing/2014/main" id="{52B5DACC-B138-6250-A1CD-99093A590F14}"/>
+              </a:ext>
+            </a:extLst>
+          </p:cNvPr>
+          <p:cNvPicPr>
+            <a:picLocks noChangeAspect="1"/>
+          </p:cNvPicPr>
+          <p:nvPr/>
+        </p:nvPicPr>
+        <p:blipFill>
+          <a:blip r:embed="rId2"/>
+          <a:stretch>
+            <a:fillRect/>
+          </a:stretch>
+        </p:blipFill>
+        <p:spPr>
+          <a:xfrm>
+            <a:off x="7689427" y="2098556"/>
+            <a:ext cx="3936892" cy="2952669"/>
+          </a:xfrm>
+          <a:prstGeom prst="rect">
+            <a:avLst/>
+          </a:prstGeom>
+        </p:spPr>
+      </p:pic>
     </p:spTree>
     <p:extLst>
       <p:ext uri="{BB962C8B-B14F-4D97-AF65-F5344CB8AC3E}">
-        <p14:creationId xmlns:p14="http://schemas.microsoft.com/office/powerpoint/2010/main" val="2439346042"/>
+        <p14:creationId xmlns:p14="http://schemas.microsoft.com/office/powerpoint/2010/main" val="2111450222"/>
       </p:ext>
     </p:extLst>
   </p:cSld>
@@ -9419,7 +9692,7 @@
                 <a:ea typeface="Times New Roman" panose="02020603050405020304" pitchFamily="18" charset="0"/>
                 <a:cs typeface="Times New Roman" panose="02020603050405020304" pitchFamily="18" charset="0"/>
               </a:rPr>
-              <a:t>Critiques and Limitations</a:t>
+              <a:t>Impacts on Early AI Development</a:t>
             </a:r>
           </a:p>
           <a:p>
@@ -9443,29 +9716,6 @@
             </a:endParaRPr>
           </a:p>
           <a:p>
-            <a:pPr marL="0" marR="0">
-              <a:spcBef>
-                <a:spcPts val="0"/>
-              </a:spcBef>
-              <a:spcAft>
-                <a:spcPts val="1500"/>
-              </a:spcAft>
-            </a:pPr>
-            <a:r>
-              <a:rPr lang="en-US" sz="1800" dirty="0">
-                <a:effectLst/>
-                <a:latin typeface="Segoe UI" panose="020B0502040204020203" pitchFamily="34" charset="0"/>
-                <a:ea typeface="Times New Roman" panose="02020603050405020304" pitchFamily="18" charset="0"/>
-              </a:rPr>
-              <a:t>While the Turing Test has been immensely influential, it has also been critiqued:</a:t>
-            </a:r>
-            <a:endParaRPr lang="en-US" sz="1800" dirty="0">
-              <a:effectLst/>
-              <a:latin typeface="Times New Roman" panose="02020603050405020304" pitchFamily="18" charset="0"/>
-              <a:ea typeface="Times New Roman" panose="02020603050405020304" pitchFamily="18" charset="0"/>
-            </a:endParaRPr>
-          </a:p>
-          <a:p>
             <a:pPr marL="342900" marR="0" lvl="0" indent="-342900">
               <a:spcBef>
                 <a:spcPts val="0"/>
@@ -9486,7 +9736,7 @@
                 <a:latin typeface="Segoe UI" panose="020B0502040204020203" pitchFamily="34" charset="0"/>
                 <a:ea typeface="Times New Roman" panose="02020603050405020304" pitchFamily="18" charset="0"/>
               </a:rPr>
-              <a:t>Depth of Understanding:</a:t>
+              <a:t>Machine Learning:</a:t>
             </a:r>
             <a:r>
               <a:rPr lang="en-US" sz="1800" dirty="0">
@@ -9494,7 +9744,7 @@
                 <a:latin typeface="Segoe UI" panose="020B0502040204020203" pitchFamily="34" charset="0"/>
                 <a:ea typeface="Times New Roman" panose="02020603050405020304" pitchFamily="18" charset="0"/>
               </a:rPr>
-              <a:t> Critics argue that merely mimicking human-like responses doesn’t equate to understanding or consciousness. </a:t>
+              <a:t> Turing's speculations about learning machines encouraged developments in machine learning, directing researchers towards </a:t>
             </a:r>
             <a:r>
               <a:rPr lang="en-US" sz="1800" dirty="0">
@@ -9505,7 +9755,54 @@
                 <a:latin typeface="Segoe UI" panose="020B0502040204020203" pitchFamily="34" charset="0"/>
                 <a:ea typeface="Times New Roman" panose="02020603050405020304" pitchFamily="18" charset="0"/>
               </a:rPr>
-              <a:t>Searle’s Chinese Room Argument </a:t>
+              <a:t>creating algorithms capable of adapting and improving from experience.</a:t>
+            </a:r>
+          </a:p>
+          <a:p>
+            <a:pPr marL="0" marR="0" lvl="0" indent="0">
+              <a:spcBef>
+                <a:spcPts val="0"/>
+              </a:spcBef>
+              <a:spcAft>
+                <a:spcPts val="0"/>
+              </a:spcAft>
+              <a:buSzPts val="1000"/>
+              <a:buNone/>
+              <a:tabLst>
+                <a:tab pos="457200" algn="l"/>
+              </a:tabLst>
+            </a:pPr>
+            <a:endParaRPr lang="en-US" sz="1800" dirty="0">
+              <a:solidFill>
+                <a:srgbClr val="FF0000"/>
+              </a:solidFill>
+              <a:effectLst/>
+              <a:latin typeface="Times New Roman" panose="02020603050405020304" pitchFamily="18" charset="0"/>
+              <a:ea typeface="Times New Roman" panose="02020603050405020304" pitchFamily="18" charset="0"/>
+            </a:endParaRPr>
+          </a:p>
+          <a:p>
+            <a:pPr marL="342900" marR="0" lvl="0" indent="-342900">
+              <a:spcBef>
+                <a:spcPts val="0"/>
+              </a:spcBef>
+              <a:spcAft>
+                <a:spcPts val="0"/>
+              </a:spcAft>
+              <a:buSzPts val="1000"/>
+              <a:buFont typeface="Symbol" pitchFamily="2" charset="2"/>
+              <a:buChar char=""/>
+              <a:tabLst>
+                <a:tab pos="457200" algn="l"/>
+              </a:tabLst>
+            </a:pPr>
+            <a:r>
+              <a:rPr lang="en-US" sz="1800" b="1" dirty="0">
+                <a:effectLst/>
+                <a:latin typeface="Segoe UI" panose="020B0502040204020203" pitchFamily="34" charset="0"/>
+                <a:ea typeface="Times New Roman" panose="02020603050405020304" pitchFamily="18" charset="0"/>
+              </a:rPr>
+              <a:t>Natural Language Processing (NLP):</a:t>
             </a:r>
             <a:r>
               <a:rPr lang="en-US" sz="1800" dirty="0">
@@ -9513,7 +9810,26 @@
                 <a:latin typeface="Segoe UI" panose="020B0502040204020203" pitchFamily="34" charset="0"/>
                 <a:ea typeface="Times New Roman" panose="02020603050405020304" pitchFamily="18" charset="0"/>
               </a:rPr>
-              <a:t>is a notable critique, suggesting that syntactic manipulation (as in computer programs) doesn’t necessarily imply semantic understanding.</a:t>
+              <a:t> The test </a:t>
+            </a:r>
+            <a:r>
+              <a:rPr lang="en-US" sz="1800" dirty="0">
+                <a:solidFill>
+                  <a:srgbClr val="FF0000"/>
+                </a:solidFill>
+                <a:effectLst/>
+                <a:latin typeface="Segoe UI" panose="020B0502040204020203" pitchFamily="34" charset="0"/>
+                <a:ea typeface="Times New Roman" panose="02020603050405020304" pitchFamily="18" charset="0"/>
+              </a:rPr>
+              <a:t>emphasized the importance of language understanding</a:t>
+            </a:r>
+            <a:r>
+              <a:rPr lang="en-US" sz="1800" dirty="0">
+                <a:effectLst/>
+                <a:latin typeface="Segoe UI" panose="020B0502040204020203" pitchFamily="34" charset="0"/>
+                <a:ea typeface="Times New Roman" panose="02020603050405020304" pitchFamily="18" charset="0"/>
+              </a:rPr>
+              <a:t>, stimulating research in NLP to enable machines to comprehend and generate human language effectively.</a:t>
             </a:r>
           </a:p>
           <a:p>
@@ -9557,6 +9873,282 @@
                 <a:latin typeface="Segoe UI" panose="020B0502040204020203" pitchFamily="34" charset="0"/>
                 <a:ea typeface="Times New Roman" panose="02020603050405020304" pitchFamily="18" charset="0"/>
               </a:rPr>
+              <a:t>Cognitive Computing:</a:t>
+            </a:r>
+            <a:r>
+              <a:rPr lang="en-US" sz="1800" dirty="0">
+                <a:effectLst/>
+                <a:latin typeface="Segoe UI" panose="020B0502040204020203" pitchFamily="34" charset="0"/>
+                <a:ea typeface="Times New Roman" panose="02020603050405020304" pitchFamily="18" charset="0"/>
+              </a:rPr>
+              <a:t> Turing's reflections on thinking machines fueled explorations into cognitive computing, intending to </a:t>
+            </a:r>
+            <a:r>
+              <a:rPr lang="en-US" sz="1800" dirty="0">
+                <a:solidFill>
+                  <a:srgbClr val="FF0000"/>
+                </a:solidFill>
+                <a:effectLst/>
+                <a:latin typeface="Segoe UI" panose="020B0502040204020203" pitchFamily="34" charset="0"/>
+                <a:ea typeface="Times New Roman" panose="02020603050405020304" pitchFamily="18" charset="0"/>
+              </a:rPr>
+              <a:t>emulate human cognitive processes within computational models</a:t>
+            </a:r>
+            <a:r>
+              <a:rPr lang="en-US" sz="1800" dirty="0">
+                <a:effectLst/>
+                <a:latin typeface="Segoe UI" panose="020B0502040204020203" pitchFamily="34" charset="0"/>
+                <a:ea typeface="Times New Roman" panose="02020603050405020304" pitchFamily="18" charset="0"/>
+              </a:rPr>
+              <a:t>.</a:t>
+            </a:r>
+            <a:endParaRPr lang="en-US" sz="1800" dirty="0">
+              <a:effectLst/>
+              <a:latin typeface="Times New Roman" panose="02020603050405020304" pitchFamily="18" charset="0"/>
+              <a:ea typeface="Times New Roman" panose="02020603050405020304" pitchFamily="18" charset="0"/>
+            </a:endParaRPr>
+          </a:p>
+          <a:p>
+            <a:endParaRPr lang="en-US" dirty="0"/>
+          </a:p>
+        </p:txBody>
+      </p:sp>
+    </p:spTree>
+    <p:extLst>
+      <p:ext uri="{BB962C8B-B14F-4D97-AF65-F5344CB8AC3E}">
+        <p14:creationId xmlns:p14="http://schemas.microsoft.com/office/powerpoint/2010/main" val="2439346042"/>
+      </p:ext>
+    </p:extLst>
+  </p:cSld>
+  <p:clrMapOvr>
+    <a:masterClrMapping/>
+  </p:clrMapOvr>
+</p:sld>
+</file>
+
+<file path=ppt/slides/slide13.xml><?xml version="1.0" encoding="utf-8"?>
+<p:sld xmlns:a="http://schemas.openxmlformats.org/drawingml/2006/main" xmlns:r="http://schemas.openxmlformats.org/officeDocument/2006/relationships" xmlns:p="http://schemas.openxmlformats.org/presentationml/2006/main">
+  <p:cSld>
+    <p:spTree>
+      <p:nvGrpSpPr>
+        <p:cNvPr id="1" name=""/>
+        <p:cNvGrpSpPr/>
+        <p:nvPr/>
+      </p:nvGrpSpPr>
+      <p:grpSpPr>
+        <a:xfrm>
+          <a:off x="0" y="0"/>
+          <a:ext cx="0" cy="0"/>
+          <a:chOff x="0" y="0"/>
+          <a:chExt cx="0" cy="0"/>
+        </a:xfrm>
+      </p:grpSpPr>
+      <p:sp>
+        <p:nvSpPr>
+          <p:cNvPr id="2" name="Title 1">
+            <a:extLst>
+              <a:ext uri="{FF2B5EF4-FFF2-40B4-BE49-F238E27FC236}">
+                <a16:creationId xmlns:a16="http://schemas.microsoft.com/office/drawing/2014/main" id="{5512C003-AB3B-B9F2-3138-974BFC4662F6}"/>
+              </a:ext>
+            </a:extLst>
+          </p:cNvPr>
+          <p:cNvSpPr>
+            <a:spLocks noGrp="1"/>
+          </p:cNvSpPr>
+          <p:nvPr>
+            <p:ph type="title"/>
+          </p:nvPr>
+        </p:nvSpPr>
+        <p:spPr/>
+        <p:txBody>
+          <a:bodyPr/>
+          <a:lstStyle/>
+          <a:p>
+            <a:r>
+              <a:rPr lang="en-US" dirty="0"/>
+              <a:t>Impacts and Critiques</a:t>
+            </a:r>
+          </a:p>
+        </p:txBody>
+      </p:sp>
+      <p:sp>
+        <p:nvSpPr>
+          <p:cNvPr id="3" name="Content Placeholder 2">
+            <a:extLst>
+              <a:ext uri="{FF2B5EF4-FFF2-40B4-BE49-F238E27FC236}">
+                <a16:creationId xmlns:a16="http://schemas.microsoft.com/office/drawing/2014/main" id="{F98BE308-4180-0F48-E782-ED47E0DE4B4C}"/>
+              </a:ext>
+            </a:extLst>
+          </p:cNvPr>
+          <p:cNvSpPr>
+            <a:spLocks noGrp="1"/>
+          </p:cNvSpPr>
+          <p:nvPr>
+            <p:ph idx="1"/>
+          </p:nvPr>
+        </p:nvSpPr>
+        <p:spPr/>
+        <p:txBody>
+          <a:bodyPr/>
+          <a:lstStyle/>
+          <a:p>
+            <a:pPr marL="0" marR="0" indent="0">
+              <a:spcBef>
+                <a:spcPts val="200"/>
+              </a:spcBef>
+              <a:spcAft>
+                <a:spcPts val="0"/>
+              </a:spcAft>
+              <a:buNone/>
+            </a:pPr>
+            <a:r>
+              <a:rPr lang="en-US" sz="1800" b="0" i="1" dirty="0">
+                <a:solidFill>
+                  <a:srgbClr val="2F5496"/>
+                </a:solidFill>
+                <a:effectLst/>
+                <a:latin typeface="Segoe UI" panose="020B0502040204020203" pitchFamily="34" charset="0"/>
+                <a:ea typeface="Times New Roman" panose="02020603050405020304" pitchFamily="18" charset="0"/>
+                <a:cs typeface="Times New Roman" panose="02020603050405020304" pitchFamily="18" charset="0"/>
+              </a:rPr>
+              <a:t>Critiques and Limitations</a:t>
+            </a:r>
+          </a:p>
+          <a:p>
+            <a:pPr marL="0" marR="0" indent="0">
+              <a:spcBef>
+                <a:spcPts val="200"/>
+              </a:spcBef>
+              <a:spcAft>
+                <a:spcPts val="0"/>
+              </a:spcAft>
+              <a:buNone/>
+            </a:pPr>
+            <a:endParaRPr lang="en-US" sz="1800" b="1" i="1" dirty="0">
+              <a:solidFill>
+                <a:srgbClr val="2F5496"/>
+              </a:solidFill>
+              <a:effectLst/>
+              <a:latin typeface="Calibri Light" panose="020F0302020204030204" pitchFamily="34" charset="0"/>
+              <a:ea typeface="Times New Roman" panose="02020603050405020304" pitchFamily="18" charset="0"/>
+              <a:cs typeface="Times New Roman" panose="02020603050405020304" pitchFamily="18" charset="0"/>
+            </a:endParaRPr>
+          </a:p>
+          <a:p>
+            <a:pPr marL="0" marR="0">
+              <a:spcBef>
+                <a:spcPts val="0"/>
+              </a:spcBef>
+              <a:spcAft>
+                <a:spcPts val="1500"/>
+              </a:spcAft>
+            </a:pPr>
+            <a:r>
+              <a:rPr lang="en-US" sz="1800" dirty="0">
+                <a:effectLst/>
+                <a:latin typeface="Segoe UI" panose="020B0502040204020203" pitchFamily="34" charset="0"/>
+                <a:ea typeface="Times New Roman" panose="02020603050405020304" pitchFamily="18" charset="0"/>
+              </a:rPr>
+              <a:t>While the Turing Test has been immensely influential, it has also been critiqued:</a:t>
+            </a:r>
+            <a:endParaRPr lang="en-US" sz="1800" dirty="0">
+              <a:effectLst/>
+              <a:latin typeface="Times New Roman" panose="02020603050405020304" pitchFamily="18" charset="0"/>
+              <a:ea typeface="Times New Roman" panose="02020603050405020304" pitchFamily="18" charset="0"/>
+            </a:endParaRPr>
+          </a:p>
+          <a:p>
+            <a:pPr marL="342900" marR="0" lvl="0" indent="-342900">
+              <a:spcBef>
+                <a:spcPts val="0"/>
+              </a:spcBef>
+              <a:spcAft>
+                <a:spcPts val="0"/>
+              </a:spcAft>
+              <a:buSzPts val="1000"/>
+              <a:buFont typeface="Symbol" pitchFamily="2" charset="2"/>
+              <a:buChar char=""/>
+              <a:tabLst>
+                <a:tab pos="457200" algn="l"/>
+              </a:tabLst>
+            </a:pPr>
+            <a:r>
+              <a:rPr lang="en-US" sz="1800" b="1" dirty="0">
+                <a:effectLst/>
+                <a:latin typeface="Segoe UI" panose="020B0502040204020203" pitchFamily="34" charset="0"/>
+                <a:ea typeface="Times New Roman" panose="02020603050405020304" pitchFamily="18" charset="0"/>
+              </a:rPr>
+              <a:t>Depth of Understanding:</a:t>
+            </a:r>
+            <a:r>
+              <a:rPr lang="en-US" sz="1800" dirty="0">
+                <a:effectLst/>
+                <a:latin typeface="Segoe UI" panose="020B0502040204020203" pitchFamily="34" charset="0"/>
+                <a:ea typeface="Times New Roman" panose="02020603050405020304" pitchFamily="18" charset="0"/>
+              </a:rPr>
+              <a:t> Critics argue that merely mimicking human-like responses doesn’t equate to understanding or consciousness. </a:t>
+            </a:r>
+            <a:r>
+              <a:rPr lang="en-US" sz="1800" dirty="0">
+                <a:solidFill>
+                  <a:srgbClr val="FF0000"/>
+                </a:solidFill>
+                <a:effectLst/>
+                <a:latin typeface="Segoe UI" panose="020B0502040204020203" pitchFamily="34" charset="0"/>
+                <a:ea typeface="Times New Roman" panose="02020603050405020304" pitchFamily="18" charset="0"/>
+              </a:rPr>
+              <a:t>Searle’s Chinese Room Argument </a:t>
+            </a:r>
+            <a:r>
+              <a:rPr lang="en-US" sz="1800" dirty="0">
+                <a:effectLst/>
+                <a:latin typeface="Segoe UI" panose="020B0502040204020203" pitchFamily="34" charset="0"/>
+                <a:ea typeface="Times New Roman" panose="02020603050405020304" pitchFamily="18" charset="0"/>
+              </a:rPr>
+              <a:t>is a notable critique, suggesting that syntactic manipulation (as in computer programs) doesn’t necessarily imply semantic understanding.</a:t>
+            </a:r>
+          </a:p>
+          <a:p>
+            <a:pPr marL="0" marR="0" lvl="0" indent="0">
+              <a:spcBef>
+                <a:spcPts val="0"/>
+              </a:spcBef>
+              <a:spcAft>
+                <a:spcPts val="0"/>
+              </a:spcAft>
+              <a:buSzPts val="1000"/>
+              <a:buNone/>
+              <a:tabLst>
+                <a:tab pos="457200" algn="l"/>
+              </a:tabLst>
+            </a:pPr>
+            <a:endParaRPr lang="en-US" sz="1800" dirty="0">
+              <a:effectLst/>
+              <a:latin typeface="Times New Roman" panose="02020603050405020304" pitchFamily="18" charset="0"/>
+              <a:ea typeface="Times New Roman" panose="02020603050405020304" pitchFamily="18" charset="0"/>
+            </a:endParaRPr>
+          </a:p>
+          <a:p>
+            <a:pPr marL="342900" marR="0" lvl="0" indent="-342900">
+              <a:spcBef>
+                <a:spcPts val="0"/>
+              </a:spcBef>
+              <a:spcAft>
+                <a:spcPts val="0"/>
+              </a:spcAft>
+              <a:buSzPts val="1000"/>
+              <a:buFont typeface="Symbol" pitchFamily="2" charset="2"/>
+              <a:buChar char=""/>
+              <a:tabLst>
+                <a:tab pos="457200" algn="l"/>
+              </a:tabLst>
+            </a:pPr>
+            <a:r>
+              <a:rPr lang="en-US" sz="1800" b="1" dirty="0">
+                <a:effectLst/>
+                <a:latin typeface="Segoe UI" panose="020B0502040204020203" pitchFamily="34" charset="0"/>
+                <a:ea typeface="Times New Roman" panose="02020603050405020304" pitchFamily="18" charset="0"/>
+              </a:rPr>
               <a:t>Ethical Implications:</a:t>
             </a:r>
             <a:r>
@@ -9605,7 +10197,7 @@
 </p:sld>
 </file>
 
-<file path=ppt/slides/slide13.xml><?xml version="1.0" encoding="utf-8"?>
+<file path=ppt/slides/slide14.xml><?xml version="1.0" encoding="utf-8"?>
 <p:sld xmlns:a="http://schemas.openxmlformats.org/drawingml/2006/main" xmlns:r="http://schemas.openxmlformats.org/officeDocument/2006/relationships" xmlns:p="http://schemas.openxmlformats.org/presentationml/2006/main">
   <p:cSld>
     <p:spTree>
@@ -9747,7 +10339,7 @@
 </p:sld>
 </file>
 
-<file path=ppt/slides/slide14.xml><?xml version="1.0" encoding="utf-8"?>
+<file path=ppt/slides/slide15.xml><?xml version="1.0" encoding="utf-8"?>
 <p:sld xmlns:a="http://schemas.openxmlformats.org/drawingml/2006/main" xmlns:r="http://schemas.openxmlformats.org/officeDocument/2006/relationships" xmlns:p="http://schemas.openxmlformats.org/presentationml/2006/main">
   <p:cSld>
     <p:spTree>
@@ -9922,7 +10514,7 @@
 </p:sld>
 </file>
 
-<file path=ppt/slides/slide15.xml><?xml version="1.0" encoding="utf-8"?>
+<file path=ppt/slides/slide16.xml><?xml version="1.0" encoding="utf-8"?>
 <p:sld xmlns:a="http://schemas.openxmlformats.org/drawingml/2006/main" xmlns:r="http://schemas.openxmlformats.org/officeDocument/2006/relationships" xmlns:p="http://schemas.openxmlformats.org/presentationml/2006/main">
   <p:cSld>
     <p:spTree>
@@ -10388,7 +10980,7 @@
 </p:sld>
 </file>
 
-<file path=ppt/slides/slide16.xml><?xml version="1.0" encoding="utf-8"?>
+<file path=ppt/slides/slide17.xml><?xml version="1.0" encoding="utf-8"?>
 <p:sld xmlns:a="http://schemas.openxmlformats.org/drawingml/2006/main" xmlns:r="http://schemas.openxmlformats.org/officeDocument/2006/relationships" xmlns:p="http://schemas.openxmlformats.org/presentationml/2006/main">
   <p:cSld>
     <p:spTree>
@@ -10522,7 +11114,7 @@
 </p:sld>
 </file>
 
-<file path=ppt/slides/slide17.xml><?xml version="1.0" encoding="utf-8"?>
+<file path=ppt/slides/slide18.xml><?xml version="1.0" encoding="utf-8"?>
 <p:sld xmlns:a="http://schemas.openxmlformats.org/drawingml/2006/main" xmlns:r="http://schemas.openxmlformats.org/officeDocument/2006/relationships" xmlns:p="http://schemas.openxmlformats.org/presentationml/2006/main">
   <p:cSld>
     <p:spTree>
@@ -10983,7 +11575,7 @@
 </p:sld>
 </file>
 
-<file path=ppt/slides/slide18.xml><?xml version="1.0" encoding="utf-8"?>
+<file path=ppt/slides/slide19.xml><?xml version="1.0" encoding="utf-8"?>
 <p:sld xmlns:a="http://schemas.openxmlformats.org/drawingml/2006/main" xmlns:r="http://schemas.openxmlformats.org/officeDocument/2006/relationships" xmlns:p="http://schemas.openxmlformats.org/presentationml/2006/main">
   <p:cSld>
     <p:spTree>
@@ -11200,7 +11792,378 @@
 </p:sld>
 </file>
 
-<file path=ppt/slides/slide19.xml><?xml version="1.0" encoding="utf-8"?>
+<file path=ppt/slides/slide2.xml><?xml version="1.0" encoding="utf-8"?>
+<p:sld xmlns:a="http://schemas.openxmlformats.org/drawingml/2006/main" xmlns:r="http://schemas.openxmlformats.org/officeDocument/2006/relationships" xmlns:p="http://schemas.openxmlformats.org/presentationml/2006/main">
+  <p:cSld>
+    <p:spTree>
+      <p:nvGrpSpPr>
+        <p:cNvPr id="1" name=""/>
+        <p:cNvGrpSpPr/>
+        <p:nvPr/>
+      </p:nvGrpSpPr>
+      <p:grpSpPr>
+        <a:xfrm>
+          <a:off x="0" y="0"/>
+          <a:ext cx="0" cy="0"/>
+          <a:chOff x="0" y="0"/>
+          <a:chExt cx="0" cy="0"/>
+        </a:xfrm>
+      </p:grpSpPr>
+      <p:sp>
+        <p:nvSpPr>
+          <p:cNvPr id="2" name="Title 1">
+            <a:extLst>
+              <a:ext uri="{FF2B5EF4-FFF2-40B4-BE49-F238E27FC236}">
+                <a16:creationId xmlns:a16="http://schemas.microsoft.com/office/drawing/2014/main" id="{D2A01703-5135-05A6-B46F-845CAA5E0F09}"/>
+              </a:ext>
+            </a:extLst>
+          </p:cNvPr>
+          <p:cNvSpPr>
+            <a:spLocks noGrp="1"/>
+          </p:cNvSpPr>
+          <p:nvPr>
+            <p:ph type="title"/>
+          </p:nvPr>
+        </p:nvSpPr>
+        <p:spPr/>
+        <p:txBody>
+          <a:bodyPr/>
+          <a:lstStyle/>
+          <a:p>
+            <a:r>
+              <a:rPr lang="en-US" dirty="0"/>
+              <a:t>A More Detailed History of AI</a:t>
+            </a:r>
+          </a:p>
+        </p:txBody>
+      </p:sp>
+      <p:sp>
+        <p:nvSpPr>
+          <p:cNvPr id="3" name="Content Placeholder 2">
+            <a:extLst>
+              <a:ext uri="{FF2B5EF4-FFF2-40B4-BE49-F238E27FC236}">
+                <a16:creationId xmlns:a16="http://schemas.microsoft.com/office/drawing/2014/main" id="{263A633D-D649-4399-3C8E-68D643DE650E}"/>
+              </a:ext>
+            </a:extLst>
+          </p:cNvPr>
+          <p:cNvSpPr>
+            <a:spLocks noGrp="1"/>
+          </p:cNvSpPr>
+          <p:nvPr>
+            <p:ph idx="1"/>
+          </p:nvPr>
+        </p:nvSpPr>
+        <p:spPr/>
+        <p:txBody>
+          <a:bodyPr>
+            <a:normAutofit fontScale="85000" lnSpcReduction="10000"/>
+          </a:bodyPr>
+          <a:lstStyle/>
+          <a:p>
+            <a:pPr marL="0" marR="0">
+              <a:spcBef>
+                <a:spcPts val="0"/>
+              </a:spcBef>
+              <a:spcAft>
+                <a:spcPts val="1500"/>
+              </a:spcAft>
+            </a:pPr>
+            <a:r>
+              <a:rPr lang="en-US" sz="1800" dirty="0">
+                <a:effectLst/>
+                <a:latin typeface="Segoe UI" panose="020B0502040204020203" pitchFamily="34" charset="0"/>
+                <a:ea typeface="Times New Roman" panose="02020603050405020304" pitchFamily="18" charset="0"/>
+              </a:rPr>
+              <a:t>The conceptualization of artificial intelligent entities has been </a:t>
+            </a:r>
+            <a:r>
+              <a:rPr lang="en-US" sz="1800" dirty="0">
+                <a:solidFill>
+                  <a:srgbClr val="FF0000"/>
+                </a:solidFill>
+                <a:effectLst/>
+                <a:latin typeface="Segoe UI" panose="020B0502040204020203" pitchFamily="34" charset="0"/>
+                <a:ea typeface="Times New Roman" panose="02020603050405020304" pitchFamily="18" charset="0"/>
+              </a:rPr>
+              <a:t>embedded in human thought and culture</a:t>
+            </a:r>
+            <a:r>
+              <a:rPr lang="en-US" sz="1800" dirty="0">
+                <a:effectLst/>
+                <a:latin typeface="Segoe UI" panose="020B0502040204020203" pitchFamily="34" charset="0"/>
+                <a:ea typeface="Times New Roman" panose="02020603050405020304" pitchFamily="18" charset="0"/>
+              </a:rPr>
+              <a:t> for millennia. </a:t>
+            </a:r>
+          </a:p>
+          <a:p>
+            <a:pPr marL="0" marR="0">
+              <a:spcBef>
+                <a:spcPts val="0"/>
+              </a:spcBef>
+              <a:spcAft>
+                <a:spcPts val="1500"/>
+              </a:spcAft>
+            </a:pPr>
+            <a:r>
+              <a:rPr lang="en-US" sz="1800" dirty="0">
+                <a:effectLst/>
+                <a:latin typeface="Segoe UI" panose="020B0502040204020203" pitchFamily="34" charset="0"/>
+                <a:ea typeface="Times New Roman" panose="02020603050405020304" pitchFamily="18" charset="0"/>
+              </a:rPr>
+              <a:t>Ancient myths, legends, and stories from various civilizations have contemplated the creation of </a:t>
+            </a:r>
+            <a:r>
+              <a:rPr lang="en-US" sz="1800" dirty="0">
+                <a:solidFill>
+                  <a:srgbClr val="FF0000"/>
+                </a:solidFill>
+                <a:effectLst/>
+                <a:latin typeface="Segoe UI" panose="020B0502040204020203" pitchFamily="34" charset="0"/>
+                <a:ea typeface="Times New Roman" panose="02020603050405020304" pitchFamily="18" charset="0"/>
+              </a:rPr>
+              <a:t>non-biological entities that exhibit forms of intelligence or life-like attributes.</a:t>
+            </a:r>
+          </a:p>
+          <a:p>
+            <a:pPr marL="0" marR="0">
+              <a:spcBef>
+                <a:spcPts val="0"/>
+              </a:spcBef>
+              <a:spcAft>
+                <a:spcPts val="1500"/>
+              </a:spcAft>
+            </a:pPr>
+            <a:r>
+              <a:rPr lang="en-US" sz="1800" dirty="0">
+                <a:solidFill>
+                  <a:srgbClr val="00B050"/>
+                </a:solidFill>
+                <a:effectLst/>
+                <a:latin typeface="Segoe UI" panose="020B0502040204020203" pitchFamily="34" charset="0"/>
+                <a:ea typeface="Times New Roman" panose="02020603050405020304" pitchFamily="18" charset="0"/>
+              </a:rPr>
+              <a:t>Much like the idea that “exploration” drives humans to go beyond their natural habitat (NASA Space </a:t>
+            </a:r>
+            <a:r>
+              <a:rPr lang="en-US" sz="1800" dirty="0" err="1">
+                <a:solidFill>
+                  <a:srgbClr val="00B050"/>
+                </a:solidFill>
+                <a:effectLst/>
+                <a:latin typeface="Segoe UI" panose="020B0502040204020203" pitchFamily="34" charset="0"/>
+                <a:ea typeface="Times New Roman" panose="02020603050405020304" pitchFamily="18" charset="0"/>
+              </a:rPr>
+              <a:t>Progam</a:t>
+            </a:r>
+            <a:r>
+              <a:rPr lang="en-US" sz="1800" dirty="0">
+                <a:solidFill>
+                  <a:srgbClr val="00B050"/>
+                </a:solidFill>
+                <a:effectLst/>
+                <a:latin typeface="Segoe UI" panose="020B0502040204020203" pitchFamily="34" charset="0"/>
+                <a:ea typeface="Times New Roman" panose="02020603050405020304" pitchFamily="18" charset="0"/>
+              </a:rPr>
+              <a:t>!), it seems that the concept of developing forms of artificial intelligence is ingrained </a:t>
+            </a:r>
+            <a:r>
+              <a:rPr lang="en-US" dirty="0">
+                <a:solidFill>
+                  <a:srgbClr val="00B050"/>
+                </a:solidFill>
+                <a:latin typeface="Segoe UI" panose="020B0502040204020203" pitchFamily="34" charset="0"/>
+                <a:ea typeface="Times New Roman" panose="02020603050405020304" pitchFamily="18" charset="0"/>
+              </a:rPr>
+              <a:t>into the human experience.</a:t>
+            </a:r>
+            <a:endParaRPr lang="en-US" sz="1800" dirty="0">
+              <a:solidFill>
+                <a:srgbClr val="00B050"/>
+              </a:solidFill>
+              <a:effectLst/>
+              <a:latin typeface="Segoe UI" panose="020B0502040204020203" pitchFamily="34" charset="0"/>
+              <a:ea typeface="Times New Roman" panose="02020603050405020304" pitchFamily="18" charset="0"/>
+            </a:endParaRPr>
+          </a:p>
+          <a:p>
+            <a:pPr marL="0" marR="0">
+              <a:spcBef>
+                <a:spcPts val="0"/>
+              </a:spcBef>
+              <a:spcAft>
+                <a:spcPts val="1500"/>
+              </a:spcAft>
+            </a:pPr>
+            <a:r>
+              <a:rPr lang="en-US" sz="1800" b="0" i="1" dirty="0">
+                <a:solidFill>
+                  <a:srgbClr val="2F5496"/>
+                </a:solidFill>
+                <a:effectLst/>
+                <a:latin typeface="Segoe UI" panose="020B0502040204020203" pitchFamily="34" charset="0"/>
+                <a:ea typeface="Times New Roman" panose="02020603050405020304" pitchFamily="18" charset="0"/>
+                <a:cs typeface="Times New Roman" panose="02020603050405020304" pitchFamily="18" charset="0"/>
+              </a:rPr>
+              <a:t>Greek Mythology: Talos and Automata</a:t>
+            </a:r>
+            <a:endParaRPr lang="en-US" sz="1800" b="1" i="1" dirty="0">
+              <a:solidFill>
+                <a:srgbClr val="2F5496"/>
+              </a:solidFill>
+              <a:effectLst/>
+              <a:latin typeface="Calibri Light" panose="020F0302020204030204" pitchFamily="34" charset="0"/>
+              <a:ea typeface="Times New Roman" panose="02020603050405020304" pitchFamily="18" charset="0"/>
+              <a:cs typeface="Times New Roman" panose="02020603050405020304" pitchFamily="18" charset="0"/>
+            </a:endParaRPr>
+          </a:p>
+          <a:p>
+            <a:pPr marL="342900" marR="0" lvl="0" indent="-342900">
+              <a:spcBef>
+                <a:spcPts val="0"/>
+              </a:spcBef>
+              <a:spcAft>
+                <a:spcPts val="0"/>
+              </a:spcAft>
+              <a:buSzPts val="1000"/>
+              <a:buFont typeface="Symbol" pitchFamily="2" charset="2"/>
+              <a:buChar char=""/>
+              <a:tabLst>
+                <a:tab pos="457200" algn="l"/>
+              </a:tabLst>
+            </a:pPr>
+            <a:r>
+              <a:rPr lang="en-US" sz="1800" b="1" dirty="0">
+                <a:effectLst/>
+                <a:latin typeface="Segoe UI" panose="020B0502040204020203" pitchFamily="34" charset="0"/>
+                <a:ea typeface="Times New Roman" panose="02020603050405020304" pitchFamily="18" charset="0"/>
+              </a:rPr>
+              <a:t>Talos:</a:t>
+            </a:r>
+            <a:r>
+              <a:rPr lang="en-US" sz="1800" dirty="0">
+                <a:effectLst/>
+                <a:latin typeface="Segoe UI" panose="020B0502040204020203" pitchFamily="34" charset="0"/>
+                <a:ea typeface="Times New Roman" panose="02020603050405020304" pitchFamily="18" charset="0"/>
+              </a:rPr>
+              <a:t> In Greek mythology, Talos was a </a:t>
+            </a:r>
+            <a:r>
+              <a:rPr lang="en-US" sz="1800" dirty="0">
+                <a:solidFill>
+                  <a:srgbClr val="FF0000"/>
+                </a:solidFill>
+                <a:effectLst/>
+                <a:latin typeface="Segoe UI" panose="020B0502040204020203" pitchFamily="34" charset="0"/>
+                <a:ea typeface="Times New Roman" panose="02020603050405020304" pitchFamily="18" charset="0"/>
+              </a:rPr>
+              <a:t>giant bronze automaton </a:t>
+            </a:r>
+            <a:r>
+              <a:rPr lang="en-US" sz="1800" dirty="0">
+                <a:effectLst/>
+                <a:latin typeface="Segoe UI" panose="020B0502040204020203" pitchFamily="34" charset="0"/>
+                <a:ea typeface="Times New Roman" panose="02020603050405020304" pitchFamily="18" charset="0"/>
+              </a:rPr>
+              <a:t>created by Hephaestus, the god of blacksmiths and invention, to protect the island of Crete. Talos would patrol the island, throwing rocks at intruding ships and heating himself red-hot to burn invaders.</a:t>
+            </a:r>
+          </a:p>
+          <a:p>
+            <a:pPr marL="342900" marR="0" lvl="0" indent="-342900">
+              <a:spcBef>
+                <a:spcPts val="0"/>
+              </a:spcBef>
+              <a:spcAft>
+                <a:spcPts val="0"/>
+              </a:spcAft>
+              <a:buSzPts val="1000"/>
+              <a:buFont typeface="Symbol" pitchFamily="2" charset="2"/>
+              <a:buChar char=""/>
+              <a:tabLst>
+                <a:tab pos="457200" algn="l"/>
+              </a:tabLst>
+            </a:pPr>
+            <a:endParaRPr lang="en-US" sz="1800" dirty="0">
+              <a:effectLst/>
+              <a:latin typeface="Times New Roman" panose="02020603050405020304" pitchFamily="18" charset="0"/>
+              <a:ea typeface="Times New Roman" panose="02020603050405020304" pitchFamily="18" charset="0"/>
+            </a:endParaRPr>
+          </a:p>
+          <a:p>
+            <a:pPr marL="342900" marR="0" lvl="0" indent="-342900">
+              <a:spcBef>
+                <a:spcPts val="0"/>
+              </a:spcBef>
+              <a:spcAft>
+                <a:spcPts val="0"/>
+              </a:spcAft>
+              <a:buSzPts val="1000"/>
+              <a:buFont typeface="Symbol" pitchFamily="2" charset="2"/>
+              <a:buChar char=""/>
+              <a:tabLst>
+                <a:tab pos="457200" algn="l"/>
+              </a:tabLst>
+            </a:pPr>
+            <a:r>
+              <a:rPr lang="en-US" sz="1800" b="1" dirty="0">
+                <a:effectLst/>
+                <a:latin typeface="Segoe UI" panose="020B0502040204020203" pitchFamily="34" charset="0"/>
+                <a:ea typeface="Times New Roman" panose="02020603050405020304" pitchFamily="18" charset="0"/>
+              </a:rPr>
+              <a:t>Automata:</a:t>
+            </a:r>
+            <a:r>
+              <a:rPr lang="en-US" sz="1800" dirty="0">
+                <a:effectLst/>
+                <a:latin typeface="Segoe UI" panose="020B0502040204020203" pitchFamily="34" charset="0"/>
+                <a:ea typeface="Times New Roman" panose="02020603050405020304" pitchFamily="18" charset="0"/>
+              </a:rPr>
+              <a:t> Ancient Greeks also imagined elaborate automata. Notably, Hephaestus was said to have created </a:t>
+            </a:r>
+            <a:r>
+              <a:rPr lang="en-US" sz="1800" dirty="0">
+                <a:solidFill>
+                  <a:srgbClr val="FF0000"/>
+                </a:solidFill>
+                <a:effectLst/>
+                <a:latin typeface="Segoe UI" panose="020B0502040204020203" pitchFamily="34" charset="0"/>
+                <a:ea typeface="Times New Roman" panose="02020603050405020304" pitchFamily="18" charset="0"/>
+              </a:rPr>
+              <a:t>mechanical servants </a:t>
+            </a:r>
+            <a:r>
+              <a:rPr lang="en-US" sz="1800" dirty="0">
+                <a:effectLst/>
+                <a:latin typeface="Segoe UI" panose="020B0502040204020203" pitchFamily="34" charset="0"/>
+                <a:ea typeface="Times New Roman" panose="02020603050405020304" pitchFamily="18" charset="0"/>
+              </a:rPr>
+              <a:t>that assisted in his forge, demonstrating an ancient fascination with automating labor and crafting mechanical life.</a:t>
+            </a:r>
+            <a:endParaRPr lang="en-US" sz="1800" dirty="0">
+              <a:effectLst/>
+              <a:latin typeface="Times New Roman" panose="02020603050405020304" pitchFamily="18" charset="0"/>
+              <a:ea typeface="Times New Roman" panose="02020603050405020304" pitchFamily="18" charset="0"/>
+            </a:endParaRPr>
+          </a:p>
+          <a:p>
+            <a:endParaRPr lang="en-US" dirty="0"/>
+          </a:p>
+        </p:txBody>
+      </p:sp>
+    </p:spTree>
+    <p:extLst>
+      <p:ext uri="{BB962C8B-B14F-4D97-AF65-F5344CB8AC3E}">
+        <p14:creationId xmlns:p14="http://schemas.microsoft.com/office/powerpoint/2010/main" val="3263715794"/>
+      </p:ext>
+    </p:extLst>
+  </p:cSld>
+  <p:clrMapOvr>
+    <a:masterClrMapping/>
+  </p:clrMapOvr>
+</p:sld>
+</file>
+
+<file path=ppt/slides/slide20.xml><?xml version="1.0" encoding="utf-8"?>
 <p:sld xmlns:a="http://schemas.openxmlformats.org/drawingml/2006/main" xmlns:r="http://schemas.openxmlformats.org/officeDocument/2006/relationships" xmlns:p="http://schemas.openxmlformats.org/presentationml/2006/main">
   <p:cSld>
     <p:spTree>
@@ -14062,378 +15025,7 @@
 </p:sld>
 </file>
 
-<file path=ppt/slides/slide2.xml><?xml version="1.0" encoding="utf-8"?>
-<p:sld xmlns:a="http://schemas.openxmlformats.org/drawingml/2006/main" xmlns:r="http://schemas.openxmlformats.org/officeDocument/2006/relationships" xmlns:p="http://schemas.openxmlformats.org/presentationml/2006/main">
-  <p:cSld>
-    <p:spTree>
-      <p:nvGrpSpPr>
-        <p:cNvPr id="1" name=""/>
-        <p:cNvGrpSpPr/>
-        <p:nvPr/>
-      </p:nvGrpSpPr>
-      <p:grpSpPr>
-        <a:xfrm>
-          <a:off x="0" y="0"/>
-          <a:ext cx="0" cy="0"/>
-          <a:chOff x="0" y="0"/>
-          <a:chExt cx="0" cy="0"/>
-        </a:xfrm>
-      </p:grpSpPr>
-      <p:sp>
-        <p:nvSpPr>
-          <p:cNvPr id="2" name="Title 1">
-            <a:extLst>
-              <a:ext uri="{FF2B5EF4-FFF2-40B4-BE49-F238E27FC236}">
-                <a16:creationId xmlns:a16="http://schemas.microsoft.com/office/drawing/2014/main" id="{D2A01703-5135-05A6-B46F-845CAA5E0F09}"/>
-              </a:ext>
-            </a:extLst>
-          </p:cNvPr>
-          <p:cNvSpPr>
-            <a:spLocks noGrp="1"/>
-          </p:cNvSpPr>
-          <p:nvPr>
-            <p:ph type="title"/>
-          </p:nvPr>
-        </p:nvSpPr>
-        <p:spPr/>
-        <p:txBody>
-          <a:bodyPr/>
-          <a:lstStyle/>
-          <a:p>
-            <a:r>
-              <a:rPr lang="en-US" dirty="0"/>
-              <a:t>A More Detailed History of AI</a:t>
-            </a:r>
-          </a:p>
-        </p:txBody>
-      </p:sp>
-      <p:sp>
-        <p:nvSpPr>
-          <p:cNvPr id="3" name="Content Placeholder 2">
-            <a:extLst>
-              <a:ext uri="{FF2B5EF4-FFF2-40B4-BE49-F238E27FC236}">
-                <a16:creationId xmlns:a16="http://schemas.microsoft.com/office/drawing/2014/main" id="{263A633D-D649-4399-3C8E-68D643DE650E}"/>
-              </a:ext>
-            </a:extLst>
-          </p:cNvPr>
-          <p:cNvSpPr>
-            <a:spLocks noGrp="1"/>
-          </p:cNvSpPr>
-          <p:nvPr>
-            <p:ph idx="1"/>
-          </p:nvPr>
-        </p:nvSpPr>
-        <p:spPr/>
-        <p:txBody>
-          <a:bodyPr>
-            <a:normAutofit fontScale="85000" lnSpcReduction="10000"/>
-          </a:bodyPr>
-          <a:lstStyle/>
-          <a:p>
-            <a:pPr marL="0" marR="0">
-              <a:spcBef>
-                <a:spcPts val="0"/>
-              </a:spcBef>
-              <a:spcAft>
-                <a:spcPts val="1500"/>
-              </a:spcAft>
-            </a:pPr>
-            <a:r>
-              <a:rPr lang="en-US" sz="1800" dirty="0">
-                <a:effectLst/>
-                <a:latin typeface="Segoe UI" panose="020B0502040204020203" pitchFamily="34" charset="0"/>
-                <a:ea typeface="Times New Roman" panose="02020603050405020304" pitchFamily="18" charset="0"/>
-              </a:rPr>
-              <a:t>The conceptualization of artificial intelligent entities has been </a:t>
-            </a:r>
-            <a:r>
-              <a:rPr lang="en-US" sz="1800" dirty="0">
-                <a:solidFill>
-                  <a:srgbClr val="FF0000"/>
-                </a:solidFill>
-                <a:effectLst/>
-                <a:latin typeface="Segoe UI" panose="020B0502040204020203" pitchFamily="34" charset="0"/>
-                <a:ea typeface="Times New Roman" panose="02020603050405020304" pitchFamily="18" charset="0"/>
-              </a:rPr>
-              <a:t>embedded in human thought and culture</a:t>
-            </a:r>
-            <a:r>
-              <a:rPr lang="en-US" sz="1800" dirty="0">
-                <a:effectLst/>
-                <a:latin typeface="Segoe UI" panose="020B0502040204020203" pitchFamily="34" charset="0"/>
-                <a:ea typeface="Times New Roman" panose="02020603050405020304" pitchFamily="18" charset="0"/>
-              </a:rPr>
-              <a:t> for millennia. </a:t>
-            </a:r>
-          </a:p>
-          <a:p>
-            <a:pPr marL="0" marR="0">
-              <a:spcBef>
-                <a:spcPts val="0"/>
-              </a:spcBef>
-              <a:spcAft>
-                <a:spcPts val="1500"/>
-              </a:spcAft>
-            </a:pPr>
-            <a:r>
-              <a:rPr lang="en-US" sz="1800" dirty="0">
-                <a:effectLst/>
-                <a:latin typeface="Segoe UI" panose="020B0502040204020203" pitchFamily="34" charset="0"/>
-                <a:ea typeface="Times New Roman" panose="02020603050405020304" pitchFamily="18" charset="0"/>
-              </a:rPr>
-              <a:t>Ancient myths, legends, and stories from various civilizations have contemplated the creation of </a:t>
-            </a:r>
-            <a:r>
-              <a:rPr lang="en-US" sz="1800" dirty="0">
-                <a:solidFill>
-                  <a:srgbClr val="FF0000"/>
-                </a:solidFill>
-                <a:effectLst/>
-                <a:latin typeface="Segoe UI" panose="020B0502040204020203" pitchFamily="34" charset="0"/>
-                <a:ea typeface="Times New Roman" panose="02020603050405020304" pitchFamily="18" charset="0"/>
-              </a:rPr>
-              <a:t>non-biological entities that exhibit forms of intelligence or life-like attributes.</a:t>
-            </a:r>
-          </a:p>
-          <a:p>
-            <a:pPr marL="0" marR="0">
-              <a:spcBef>
-                <a:spcPts val="0"/>
-              </a:spcBef>
-              <a:spcAft>
-                <a:spcPts val="1500"/>
-              </a:spcAft>
-            </a:pPr>
-            <a:r>
-              <a:rPr lang="en-US" sz="1800" dirty="0">
-                <a:solidFill>
-                  <a:srgbClr val="00B050"/>
-                </a:solidFill>
-                <a:effectLst/>
-                <a:latin typeface="Segoe UI" panose="020B0502040204020203" pitchFamily="34" charset="0"/>
-                <a:ea typeface="Times New Roman" panose="02020603050405020304" pitchFamily="18" charset="0"/>
-              </a:rPr>
-              <a:t>Much like the idea that “exploration” drives humans to go beyond their natural habitat (NASA Space </a:t>
-            </a:r>
-            <a:r>
-              <a:rPr lang="en-US" sz="1800" dirty="0" err="1">
-                <a:solidFill>
-                  <a:srgbClr val="00B050"/>
-                </a:solidFill>
-                <a:effectLst/>
-                <a:latin typeface="Segoe UI" panose="020B0502040204020203" pitchFamily="34" charset="0"/>
-                <a:ea typeface="Times New Roman" panose="02020603050405020304" pitchFamily="18" charset="0"/>
-              </a:rPr>
-              <a:t>Progam</a:t>
-            </a:r>
-            <a:r>
-              <a:rPr lang="en-US" sz="1800" dirty="0">
-                <a:solidFill>
-                  <a:srgbClr val="00B050"/>
-                </a:solidFill>
-                <a:effectLst/>
-                <a:latin typeface="Segoe UI" panose="020B0502040204020203" pitchFamily="34" charset="0"/>
-                <a:ea typeface="Times New Roman" panose="02020603050405020304" pitchFamily="18" charset="0"/>
-              </a:rPr>
-              <a:t>!), it seems that the concept of developing forms of artificial intelligence is ingrained </a:t>
-            </a:r>
-            <a:r>
-              <a:rPr lang="en-US" dirty="0">
-                <a:solidFill>
-                  <a:srgbClr val="00B050"/>
-                </a:solidFill>
-                <a:latin typeface="Segoe UI" panose="020B0502040204020203" pitchFamily="34" charset="0"/>
-                <a:ea typeface="Times New Roman" panose="02020603050405020304" pitchFamily="18" charset="0"/>
-              </a:rPr>
-              <a:t>into the human experience.</a:t>
-            </a:r>
-            <a:endParaRPr lang="en-US" sz="1800" dirty="0">
-              <a:solidFill>
-                <a:srgbClr val="00B050"/>
-              </a:solidFill>
-              <a:effectLst/>
-              <a:latin typeface="Segoe UI" panose="020B0502040204020203" pitchFamily="34" charset="0"/>
-              <a:ea typeface="Times New Roman" panose="02020603050405020304" pitchFamily="18" charset="0"/>
-            </a:endParaRPr>
-          </a:p>
-          <a:p>
-            <a:pPr marL="0" marR="0">
-              <a:spcBef>
-                <a:spcPts val="0"/>
-              </a:spcBef>
-              <a:spcAft>
-                <a:spcPts val="1500"/>
-              </a:spcAft>
-            </a:pPr>
-            <a:r>
-              <a:rPr lang="en-US" sz="1800" b="0" i="1" dirty="0">
-                <a:solidFill>
-                  <a:srgbClr val="2F5496"/>
-                </a:solidFill>
-                <a:effectLst/>
-                <a:latin typeface="Segoe UI" panose="020B0502040204020203" pitchFamily="34" charset="0"/>
-                <a:ea typeface="Times New Roman" panose="02020603050405020304" pitchFamily="18" charset="0"/>
-                <a:cs typeface="Times New Roman" panose="02020603050405020304" pitchFamily="18" charset="0"/>
-              </a:rPr>
-              <a:t>Greek Mythology: Talos and Automata</a:t>
-            </a:r>
-            <a:endParaRPr lang="en-US" sz="1800" b="1" i="1" dirty="0">
-              <a:solidFill>
-                <a:srgbClr val="2F5496"/>
-              </a:solidFill>
-              <a:effectLst/>
-              <a:latin typeface="Calibri Light" panose="020F0302020204030204" pitchFamily="34" charset="0"/>
-              <a:ea typeface="Times New Roman" panose="02020603050405020304" pitchFamily="18" charset="0"/>
-              <a:cs typeface="Times New Roman" panose="02020603050405020304" pitchFamily="18" charset="0"/>
-            </a:endParaRPr>
-          </a:p>
-          <a:p>
-            <a:pPr marL="342900" marR="0" lvl="0" indent="-342900">
-              <a:spcBef>
-                <a:spcPts val="0"/>
-              </a:spcBef>
-              <a:spcAft>
-                <a:spcPts val="0"/>
-              </a:spcAft>
-              <a:buSzPts val="1000"/>
-              <a:buFont typeface="Symbol" pitchFamily="2" charset="2"/>
-              <a:buChar char=""/>
-              <a:tabLst>
-                <a:tab pos="457200" algn="l"/>
-              </a:tabLst>
-            </a:pPr>
-            <a:r>
-              <a:rPr lang="en-US" sz="1800" b="1" dirty="0">
-                <a:effectLst/>
-                <a:latin typeface="Segoe UI" panose="020B0502040204020203" pitchFamily="34" charset="0"/>
-                <a:ea typeface="Times New Roman" panose="02020603050405020304" pitchFamily="18" charset="0"/>
-              </a:rPr>
-              <a:t>Talos:</a:t>
-            </a:r>
-            <a:r>
-              <a:rPr lang="en-US" sz="1800" dirty="0">
-                <a:effectLst/>
-                <a:latin typeface="Segoe UI" panose="020B0502040204020203" pitchFamily="34" charset="0"/>
-                <a:ea typeface="Times New Roman" panose="02020603050405020304" pitchFamily="18" charset="0"/>
-              </a:rPr>
-              <a:t> In Greek mythology, Talos was a </a:t>
-            </a:r>
-            <a:r>
-              <a:rPr lang="en-US" sz="1800" dirty="0">
-                <a:solidFill>
-                  <a:srgbClr val="FF0000"/>
-                </a:solidFill>
-                <a:effectLst/>
-                <a:latin typeface="Segoe UI" panose="020B0502040204020203" pitchFamily="34" charset="0"/>
-                <a:ea typeface="Times New Roman" panose="02020603050405020304" pitchFamily="18" charset="0"/>
-              </a:rPr>
-              <a:t>giant bronze automaton </a:t>
-            </a:r>
-            <a:r>
-              <a:rPr lang="en-US" sz="1800" dirty="0">
-                <a:effectLst/>
-                <a:latin typeface="Segoe UI" panose="020B0502040204020203" pitchFamily="34" charset="0"/>
-                <a:ea typeface="Times New Roman" panose="02020603050405020304" pitchFamily="18" charset="0"/>
-              </a:rPr>
-              <a:t>created by Hephaestus, the god of blacksmiths and invention, to protect the island of Crete. Talos would patrol the island, throwing rocks at intruding ships and heating himself red-hot to burn invaders.</a:t>
-            </a:r>
-          </a:p>
-          <a:p>
-            <a:pPr marL="342900" marR="0" lvl="0" indent="-342900">
-              <a:spcBef>
-                <a:spcPts val="0"/>
-              </a:spcBef>
-              <a:spcAft>
-                <a:spcPts val="0"/>
-              </a:spcAft>
-              <a:buSzPts val="1000"/>
-              <a:buFont typeface="Symbol" pitchFamily="2" charset="2"/>
-              <a:buChar char=""/>
-              <a:tabLst>
-                <a:tab pos="457200" algn="l"/>
-              </a:tabLst>
-            </a:pPr>
-            <a:endParaRPr lang="en-US" sz="1800" dirty="0">
-              <a:effectLst/>
-              <a:latin typeface="Times New Roman" panose="02020603050405020304" pitchFamily="18" charset="0"/>
-              <a:ea typeface="Times New Roman" panose="02020603050405020304" pitchFamily="18" charset="0"/>
-            </a:endParaRPr>
-          </a:p>
-          <a:p>
-            <a:pPr marL="342900" marR="0" lvl="0" indent="-342900">
-              <a:spcBef>
-                <a:spcPts val="0"/>
-              </a:spcBef>
-              <a:spcAft>
-                <a:spcPts val="0"/>
-              </a:spcAft>
-              <a:buSzPts val="1000"/>
-              <a:buFont typeface="Symbol" pitchFamily="2" charset="2"/>
-              <a:buChar char=""/>
-              <a:tabLst>
-                <a:tab pos="457200" algn="l"/>
-              </a:tabLst>
-            </a:pPr>
-            <a:r>
-              <a:rPr lang="en-US" sz="1800" b="1" dirty="0">
-                <a:effectLst/>
-                <a:latin typeface="Segoe UI" panose="020B0502040204020203" pitchFamily="34" charset="0"/>
-                <a:ea typeface="Times New Roman" panose="02020603050405020304" pitchFamily="18" charset="0"/>
-              </a:rPr>
-              <a:t>Automata:</a:t>
-            </a:r>
-            <a:r>
-              <a:rPr lang="en-US" sz="1800" dirty="0">
-                <a:effectLst/>
-                <a:latin typeface="Segoe UI" panose="020B0502040204020203" pitchFamily="34" charset="0"/>
-                <a:ea typeface="Times New Roman" panose="02020603050405020304" pitchFamily="18" charset="0"/>
-              </a:rPr>
-              <a:t> Ancient Greeks also imagined elaborate automata. Notably, Hephaestus was said to have created </a:t>
-            </a:r>
-            <a:r>
-              <a:rPr lang="en-US" sz="1800" dirty="0">
-                <a:solidFill>
-                  <a:srgbClr val="FF0000"/>
-                </a:solidFill>
-                <a:effectLst/>
-                <a:latin typeface="Segoe UI" panose="020B0502040204020203" pitchFamily="34" charset="0"/>
-                <a:ea typeface="Times New Roman" panose="02020603050405020304" pitchFamily="18" charset="0"/>
-              </a:rPr>
-              <a:t>mechanical servants </a:t>
-            </a:r>
-            <a:r>
-              <a:rPr lang="en-US" sz="1800" dirty="0">
-                <a:effectLst/>
-                <a:latin typeface="Segoe UI" panose="020B0502040204020203" pitchFamily="34" charset="0"/>
-                <a:ea typeface="Times New Roman" panose="02020603050405020304" pitchFamily="18" charset="0"/>
-              </a:rPr>
-              <a:t>that assisted in his forge, demonstrating an ancient fascination with automating labor and crafting mechanical life.</a:t>
-            </a:r>
-            <a:endParaRPr lang="en-US" sz="1800" dirty="0">
-              <a:effectLst/>
-              <a:latin typeface="Times New Roman" panose="02020603050405020304" pitchFamily="18" charset="0"/>
-              <a:ea typeface="Times New Roman" panose="02020603050405020304" pitchFamily="18" charset="0"/>
-            </a:endParaRPr>
-          </a:p>
-          <a:p>
-            <a:endParaRPr lang="en-US" dirty="0"/>
-          </a:p>
-        </p:txBody>
-      </p:sp>
-    </p:spTree>
-    <p:extLst>
-      <p:ext uri="{BB962C8B-B14F-4D97-AF65-F5344CB8AC3E}">
-        <p14:creationId xmlns:p14="http://schemas.microsoft.com/office/powerpoint/2010/main" val="3263715794"/>
-      </p:ext>
-    </p:extLst>
-  </p:cSld>
-  <p:clrMapOvr>
-    <a:masterClrMapping/>
-  </p:clrMapOvr>
-</p:sld>
-</file>
-
-<file path=ppt/slides/slide20.xml><?xml version="1.0" encoding="utf-8"?>
+<file path=ppt/slides/slide21.xml><?xml version="1.0" encoding="utf-8"?>
 <p:sld xmlns:a="http://schemas.openxmlformats.org/drawingml/2006/main" xmlns:r="http://schemas.openxmlformats.org/officeDocument/2006/relationships" xmlns:p="http://schemas.openxmlformats.org/presentationml/2006/main">
   <p:cSld>
     <p:spTree>
@@ -14593,7 +15185,7 @@
 </p:sld>
 </file>
 
-<file path=ppt/slides/slide21.xml><?xml version="1.0" encoding="utf-8"?>
+<file path=ppt/slides/slide22.xml><?xml version="1.0" encoding="utf-8"?>
 <p:sld xmlns:a="http://schemas.openxmlformats.org/drawingml/2006/main" xmlns:r="http://schemas.openxmlformats.org/officeDocument/2006/relationships" xmlns:p="http://schemas.openxmlformats.org/presentationml/2006/main">
   <p:cSld>
     <p:spTree>
@@ -18586,7 +19178,7 @@
 </p:sld>
 </file>
 
-<file path=ppt/slides/slide22.xml><?xml version="1.0" encoding="utf-8"?>
+<file path=ppt/slides/slide23.xml><?xml version="1.0" encoding="utf-8"?>
 <p:sld xmlns:a="http://schemas.openxmlformats.org/drawingml/2006/main" xmlns:r="http://schemas.openxmlformats.org/officeDocument/2006/relationships" xmlns:p="http://schemas.openxmlformats.org/presentationml/2006/main">
   <p:cSld>
     <p:spTree>
@@ -18723,210 +19315,6 @@
     <p:extLst>
       <p:ext uri="{BB962C8B-B14F-4D97-AF65-F5344CB8AC3E}">
         <p14:creationId xmlns:p14="http://schemas.microsoft.com/office/powerpoint/2010/main" val="3465407276"/>
-      </p:ext>
-    </p:extLst>
-  </p:cSld>
-  <p:clrMapOvr>
-    <a:masterClrMapping/>
-  </p:clrMapOvr>
-</p:sld>
-</file>
-
-<file path=ppt/slides/slide23.xml><?xml version="1.0" encoding="utf-8"?>
-<p:sld xmlns:a="http://schemas.openxmlformats.org/drawingml/2006/main" xmlns:r="http://schemas.openxmlformats.org/officeDocument/2006/relationships" xmlns:p="http://schemas.openxmlformats.org/presentationml/2006/main">
-  <p:cSld>
-    <p:spTree>
-      <p:nvGrpSpPr>
-        <p:cNvPr id="1" name=""/>
-        <p:cNvGrpSpPr/>
-        <p:nvPr/>
-      </p:nvGrpSpPr>
-      <p:grpSpPr>
-        <a:xfrm>
-          <a:off x="0" y="0"/>
-          <a:ext cx="0" cy="0"/>
-          <a:chOff x="0" y="0"/>
-          <a:chExt cx="0" cy="0"/>
-        </a:xfrm>
-      </p:grpSpPr>
-      <p:sp>
-        <p:nvSpPr>
-          <p:cNvPr id="2" name="Title 1">
-            <a:extLst>
-              <a:ext uri="{FF2B5EF4-FFF2-40B4-BE49-F238E27FC236}">
-                <a16:creationId xmlns:a16="http://schemas.microsoft.com/office/drawing/2014/main" id="{095D417F-3549-2C08-E072-5A36230A2A17}"/>
-              </a:ext>
-            </a:extLst>
-          </p:cNvPr>
-          <p:cNvSpPr>
-            <a:spLocks noGrp="1"/>
-          </p:cNvSpPr>
-          <p:nvPr>
-            <p:ph type="title"/>
-          </p:nvPr>
-        </p:nvSpPr>
-        <p:spPr/>
-        <p:txBody>
-          <a:bodyPr/>
-          <a:lstStyle/>
-          <a:p>
-            <a:r>
-              <a:rPr lang="en-US" dirty="0"/>
-              <a:t>Results</a:t>
-            </a:r>
-          </a:p>
-        </p:txBody>
-      </p:sp>
-      <p:sp>
-        <p:nvSpPr>
-          <p:cNvPr id="3" name="Content Placeholder 2">
-            <a:extLst>
-              <a:ext uri="{FF2B5EF4-FFF2-40B4-BE49-F238E27FC236}">
-                <a16:creationId xmlns:a16="http://schemas.microsoft.com/office/drawing/2014/main" id="{726F5254-EC55-7E04-0437-3CA4796A85A6}"/>
-              </a:ext>
-            </a:extLst>
-          </p:cNvPr>
-          <p:cNvSpPr>
-            <a:spLocks noGrp="1"/>
-          </p:cNvSpPr>
-          <p:nvPr>
-            <p:ph idx="1"/>
-          </p:nvPr>
-        </p:nvSpPr>
-        <p:spPr/>
-        <p:txBody>
-          <a:bodyPr>
-            <a:normAutofit lnSpcReduction="10000"/>
-          </a:bodyPr>
-          <a:lstStyle/>
-          <a:p>
-            <a:r>
-              <a:rPr lang="en-US" dirty="0">
-                <a:solidFill>
-                  <a:srgbClr val="FF0000"/>
-                </a:solidFill>
-              </a:rPr>
-              <a:t>10 input data sets </a:t>
-            </a:r>
-            <a:r>
-              <a:rPr lang="en-US" dirty="0"/>
-              <a:t>with known results</a:t>
-            </a:r>
-          </a:p>
-          <a:p>
-            <a:r>
-              <a:rPr lang="en-US" dirty="0"/>
-              <a:t>W0 = 1.0000, W1 = -0.2500, W2 = -1.0000, W3 = -0.7500, W4 = 1.2500, W5 = 0.0000, W6 = 0.7500</a:t>
-            </a:r>
-          </a:p>
-          <a:p>
-            <a:endParaRPr lang="en-US" dirty="0"/>
-          </a:p>
-          <a:p>
-            <a:r>
-              <a:rPr lang="en-US" dirty="0"/>
-              <a:t>Testing:</a:t>
-            </a:r>
-          </a:p>
-          <a:p>
-            <a:pPr marL="1371400" lvl="5" indent="0">
-              <a:buNone/>
-            </a:pPr>
-            <a:r>
-              <a:rPr lang="en-US" dirty="0"/>
-              <a:t>x    y   v      Result  Predicted Result</a:t>
-            </a:r>
-          </a:p>
-          <a:p>
-            <a:pPr marL="1371400" lvl="5" indent="0">
-              <a:buNone/>
-            </a:pPr>
-            <a:r>
-              <a:rPr lang="en-US" dirty="0"/>
-              <a:t>H  H  H     Win           Win               </a:t>
-            </a:r>
-          </a:p>
-          <a:p>
-            <a:pPr marL="1371400" lvl="5" indent="0">
-              <a:buNone/>
-            </a:pPr>
-            <a:r>
-              <a:rPr lang="en-US" dirty="0"/>
-              <a:t>H  H  T      Win           Win               </a:t>
-            </a:r>
-          </a:p>
-          <a:p>
-            <a:pPr marL="1371400" lvl="5" indent="0">
-              <a:buNone/>
-            </a:pPr>
-            <a:r>
-              <a:rPr lang="en-US" dirty="0"/>
-              <a:t>H  T  H      Lose          </a:t>
-            </a:r>
-            <a:r>
-              <a:rPr lang="en-US" dirty="0">
-                <a:solidFill>
-                  <a:srgbClr val="FF0000"/>
-                </a:solidFill>
-              </a:rPr>
-              <a:t>Win</a:t>
-            </a:r>
-            <a:r>
-              <a:rPr lang="en-US" dirty="0"/>
-              <a:t>              </a:t>
-            </a:r>
-          </a:p>
-          <a:p>
-            <a:pPr marL="1371400" lvl="5" indent="0">
-              <a:buNone/>
-            </a:pPr>
-            <a:r>
-              <a:rPr lang="en-US" dirty="0"/>
-              <a:t>H  T  T       Lose          Lose               </a:t>
-            </a:r>
-          </a:p>
-          <a:p>
-            <a:pPr marL="1371400" lvl="5" indent="0">
-              <a:buNone/>
-            </a:pPr>
-            <a:r>
-              <a:rPr lang="en-US" dirty="0"/>
-              <a:t>T  H  T       Lose          Lose               </a:t>
-            </a:r>
-          </a:p>
-          <a:p>
-            <a:pPr marL="1371400" lvl="5" indent="0">
-              <a:buNone/>
-            </a:pPr>
-            <a:r>
-              <a:rPr lang="en-US" dirty="0"/>
-              <a:t>T  H  T       Lose          Lose               </a:t>
-            </a:r>
-          </a:p>
-          <a:p>
-            <a:pPr marL="1371400" lvl="5" indent="0">
-              <a:buNone/>
-            </a:pPr>
-            <a:r>
-              <a:rPr lang="en-US" dirty="0"/>
-              <a:t>T  T  H       Lose          Lose               </a:t>
-            </a:r>
-          </a:p>
-          <a:p>
-            <a:pPr marL="1371400" lvl="5" indent="0">
-              <a:buNone/>
-            </a:pPr>
-            <a:r>
-              <a:rPr lang="en-US" dirty="0"/>
-              <a:t>T  T  T        Win           Win</a:t>
-            </a:r>
-          </a:p>
-        </p:txBody>
-      </p:sp>
-    </p:spTree>
-    <p:extLst>
-      <p:ext uri="{BB962C8B-B14F-4D97-AF65-F5344CB8AC3E}">
-        <p14:creationId xmlns:p14="http://schemas.microsoft.com/office/powerpoint/2010/main" val="853298118"/>
       </p:ext>
     </p:extLst>
   </p:cSld>
@@ -19010,6 +19398,210 @@
                   <a:srgbClr val="FF0000"/>
                 </a:solidFill>
               </a:rPr>
+              <a:t>10 input data sets </a:t>
+            </a:r>
+            <a:r>
+              <a:rPr lang="en-US" dirty="0"/>
+              <a:t>with known results</a:t>
+            </a:r>
+          </a:p>
+          <a:p>
+            <a:r>
+              <a:rPr lang="en-US" dirty="0"/>
+              <a:t>W0 = 1.0000, W1 = -0.2500, W2 = -1.0000, W3 = -0.7500, W4 = 1.2500, W5 = 0.0000, W6 = 0.7500</a:t>
+            </a:r>
+          </a:p>
+          <a:p>
+            <a:endParaRPr lang="en-US" dirty="0"/>
+          </a:p>
+          <a:p>
+            <a:r>
+              <a:rPr lang="en-US" dirty="0"/>
+              <a:t>Testing:</a:t>
+            </a:r>
+          </a:p>
+          <a:p>
+            <a:pPr marL="1371400" lvl="5" indent="0">
+              <a:buNone/>
+            </a:pPr>
+            <a:r>
+              <a:rPr lang="en-US" dirty="0"/>
+              <a:t>x    y   v      Result  Predicted Result</a:t>
+            </a:r>
+          </a:p>
+          <a:p>
+            <a:pPr marL="1371400" lvl="5" indent="0">
+              <a:buNone/>
+            </a:pPr>
+            <a:r>
+              <a:rPr lang="en-US" dirty="0"/>
+              <a:t>H  H  H     Win           Win               </a:t>
+            </a:r>
+          </a:p>
+          <a:p>
+            <a:pPr marL="1371400" lvl="5" indent="0">
+              <a:buNone/>
+            </a:pPr>
+            <a:r>
+              <a:rPr lang="en-US" dirty="0"/>
+              <a:t>H  H  T      Win           Win               </a:t>
+            </a:r>
+          </a:p>
+          <a:p>
+            <a:pPr marL="1371400" lvl="5" indent="0">
+              <a:buNone/>
+            </a:pPr>
+            <a:r>
+              <a:rPr lang="en-US" dirty="0"/>
+              <a:t>H  T  H      Lose          </a:t>
+            </a:r>
+            <a:r>
+              <a:rPr lang="en-US" dirty="0">
+                <a:solidFill>
+                  <a:srgbClr val="FF0000"/>
+                </a:solidFill>
+              </a:rPr>
+              <a:t>Win</a:t>
+            </a:r>
+            <a:r>
+              <a:rPr lang="en-US" dirty="0"/>
+              <a:t>              </a:t>
+            </a:r>
+          </a:p>
+          <a:p>
+            <a:pPr marL="1371400" lvl="5" indent="0">
+              <a:buNone/>
+            </a:pPr>
+            <a:r>
+              <a:rPr lang="en-US" dirty="0"/>
+              <a:t>H  T  T       Lose          Lose               </a:t>
+            </a:r>
+          </a:p>
+          <a:p>
+            <a:pPr marL="1371400" lvl="5" indent="0">
+              <a:buNone/>
+            </a:pPr>
+            <a:r>
+              <a:rPr lang="en-US" dirty="0"/>
+              <a:t>T  H  T       Lose          Lose               </a:t>
+            </a:r>
+          </a:p>
+          <a:p>
+            <a:pPr marL="1371400" lvl="5" indent="0">
+              <a:buNone/>
+            </a:pPr>
+            <a:r>
+              <a:rPr lang="en-US" dirty="0"/>
+              <a:t>T  H  T       Lose          Lose               </a:t>
+            </a:r>
+          </a:p>
+          <a:p>
+            <a:pPr marL="1371400" lvl="5" indent="0">
+              <a:buNone/>
+            </a:pPr>
+            <a:r>
+              <a:rPr lang="en-US" dirty="0"/>
+              <a:t>T  T  H       Lose          Lose               </a:t>
+            </a:r>
+          </a:p>
+          <a:p>
+            <a:pPr marL="1371400" lvl="5" indent="0">
+              <a:buNone/>
+            </a:pPr>
+            <a:r>
+              <a:rPr lang="en-US" dirty="0"/>
+              <a:t>T  T  T        Win           Win</a:t>
+            </a:r>
+          </a:p>
+        </p:txBody>
+      </p:sp>
+    </p:spTree>
+    <p:extLst>
+      <p:ext uri="{BB962C8B-B14F-4D97-AF65-F5344CB8AC3E}">
+        <p14:creationId xmlns:p14="http://schemas.microsoft.com/office/powerpoint/2010/main" val="853298118"/>
+      </p:ext>
+    </p:extLst>
+  </p:cSld>
+  <p:clrMapOvr>
+    <a:masterClrMapping/>
+  </p:clrMapOvr>
+</p:sld>
+</file>
+
+<file path=ppt/slides/slide25.xml><?xml version="1.0" encoding="utf-8"?>
+<p:sld xmlns:a="http://schemas.openxmlformats.org/drawingml/2006/main" xmlns:r="http://schemas.openxmlformats.org/officeDocument/2006/relationships" xmlns:p="http://schemas.openxmlformats.org/presentationml/2006/main">
+  <p:cSld>
+    <p:spTree>
+      <p:nvGrpSpPr>
+        <p:cNvPr id="1" name=""/>
+        <p:cNvGrpSpPr/>
+        <p:nvPr/>
+      </p:nvGrpSpPr>
+      <p:grpSpPr>
+        <a:xfrm>
+          <a:off x="0" y="0"/>
+          <a:ext cx="0" cy="0"/>
+          <a:chOff x="0" y="0"/>
+          <a:chExt cx="0" cy="0"/>
+        </a:xfrm>
+      </p:grpSpPr>
+      <p:sp>
+        <p:nvSpPr>
+          <p:cNvPr id="2" name="Title 1">
+            <a:extLst>
+              <a:ext uri="{FF2B5EF4-FFF2-40B4-BE49-F238E27FC236}">
+                <a16:creationId xmlns:a16="http://schemas.microsoft.com/office/drawing/2014/main" id="{095D417F-3549-2C08-E072-5A36230A2A17}"/>
+              </a:ext>
+            </a:extLst>
+          </p:cNvPr>
+          <p:cNvSpPr>
+            <a:spLocks noGrp="1"/>
+          </p:cNvSpPr>
+          <p:nvPr>
+            <p:ph type="title"/>
+          </p:nvPr>
+        </p:nvSpPr>
+        <p:spPr/>
+        <p:txBody>
+          <a:bodyPr/>
+          <a:lstStyle/>
+          <a:p>
+            <a:r>
+              <a:rPr lang="en-US" dirty="0"/>
+              <a:t>Results</a:t>
+            </a:r>
+          </a:p>
+        </p:txBody>
+      </p:sp>
+      <p:sp>
+        <p:nvSpPr>
+          <p:cNvPr id="3" name="Content Placeholder 2">
+            <a:extLst>
+              <a:ext uri="{FF2B5EF4-FFF2-40B4-BE49-F238E27FC236}">
+                <a16:creationId xmlns:a16="http://schemas.microsoft.com/office/drawing/2014/main" id="{726F5254-EC55-7E04-0437-3CA4796A85A6}"/>
+              </a:ext>
+            </a:extLst>
+          </p:cNvPr>
+          <p:cNvSpPr>
+            <a:spLocks noGrp="1"/>
+          </p:cNvSpPr>
+          <p:nvPr>
+            <p:ph idx="1"/>
+          </p:nvPr>
+        </p:nvSpPr>
+        <p:spPr/>
+        <p:txBody>
+          <a:bodyPr>
+            <a:normAutofit lnSpcReduction="10000"/>
+          </a:bodyPr>
+          <a:lstStyle/>
+          <a:p>
+            <a:r>
+              <a:rPr lang="en-US" dirty="0">
+                <a:solidFill>
+                  <a:srgbClr val="FF0000"/>
+                </a:solidFill>
+              </a:rPr>
               <a:t>100 input data sets </a:t>
             </a:r>
             <a:r>
@@ -19128,7 +19720,7 @@
 </p:sld>
 </file>
 
-<file path=ppt/slides/slide25.xml><?xml version="1.0" encoding="utf-8"?>
+<file path=ppt/slides/slide26.xml><?xml version="1.0" encoding="utf-8"?>
 <p:sld xmlns:a="http://schemas.openxmlformats.org/drawingml/2006/main" xmlns:r="http://schemas.openxmlformats.org/officeDocument/2006/relationships" xmlns:p="http://schemas.openxmlformats.org/presentationml/2006/main">
   <p:cSld>
     <p:spTree>

--- a/JupyterNotebooks/LLS/Lecture3.pptx
+++ b/JupyterNotebooks/LLS/Lecture3.pptx
@@ -5,7 +5,7 @@
     <p:sldMasterId id="2147483660" r:id="rId1"/>
   </p:sldMasterIdLst>
   <p:notesMasterIdLst>
-    <p:notesMasterId r:id="rId28"/>
+    <p:notesMasterId r:id="rId36"/>
   </p:notesMasterIdLst>
   <p:sldIdLst>
     <p:sldId id="256" r:id="rId2"/>
@@ -34,6 +34,14 @@
     <p:sldId id="329" r:id="rId25"/>
     <p:sldId id="330" r:id="rId26"/>
     <p:sldId id="331" r:id="rId27"/>
+    <p:sldId id="334" r:id="rId28"/>
+    <p:sldId id="335" r:id="rId29"/>
+    <p:sldId id="336" r:id="rId30"/>
+    <p:sldId id="340" r:id="rId31"/>
+    <p:sldId id="338" r:id="rId32"/>
+    <p:sldId id="339" r:id="rId33"/>
+    <p:sldId id="337" r:id="rId34"/>
+    <p:sldId id="341" r:id="rId35"/>
   </p:sldIdLst>
   <p:sldSz cx="12192000" cy="6858000"/>
   <p:notesSz cx="6858000" cy="9144000"/>
@@ -3485,7 +3493,7 @@
           <a:p>
             <a:fld id="{4E9467BC-F030-794F-8F81-C00FF4D1EED8}" type="datetimeFigureOut">
               <a:rPr lang="en-US" smtClean="0"/>
-              <a:t>10/29/23</a:t>
+              <a:t>10/31/23</a:t>
             </a:fld>
             <a:endParaRPr lang="en-US"/>
           </a:p>
@@ -4389,7 +4397,7 @@
           <a:p>
             <a:fld id="{EA0C0817-A112-4847-8014-A94B7D2A4EA3}" type="datetime1">
               <a:rPr lang="en-US" smtClean="0"/>
-              <a:t>10/29/23</a:t>
+              <a:t>10/31/23</a:t>
             </a:fld>
             <a:endParaRPr lang="en-US" dirty="0"/>
           </a:p>
@@ -4591,7 +4599,7 @@
           <a:p>
             <a:fld id="{134F40B7-36AB-4376-BE14-EF7004D79BB9}" type="datetime1">
               <a:rPr lang="en-US" smtClean="0"/>
-              <a:t>10/29/23</a:t>
+              <a:t>10/31/23</a:t>
             </a:fld>
             <a:endParaRPr lang="en-US"/>
           </a:p>
@@ -4771,7 +4779,7 @@
           <a:p>
             <a:fld id="{FF87CAB8-DCAE-46A5-AADA-B3FAD11A54E0}" type="datetime1">
               <a:rPr lang="en-US" smtClean="0"/>
-              <a:t>10/29/23</a:t>
+              <a:t>10/31/23</a:t>
             </a:fld>
             <a:endParaRPr lang="en-US"/>
           </a:p>
@@ -4941,7 +4949,7 @@
           <a:p>
             <a:fld id="{7332B432-ACDA-4023-A761-2BAB76577B62}" type="datetime1">
               <a:rPr lang="en-US" smtClean="0"/>
-              <a:t>10/29/23</a:t>
+              <a:t>10/31/23</a:t>
             </a:fld>
             <a:endParaRPr lang="en-US"/>
           </a:p>
@@ -5540,7 +5548,7 @@
           <a:p>
             <a:fld id="{D9C646AA-F36E-4540-911D-FFFC0A0EF24A}" type="datetime1">
               <a:rPr lang="en-US" smtClean="0"/>
-              <a:t>10/29/23</a:t>
+              <a:t>10/31/23</a:t>
             </a:fld>
             <a:endParaRPr lang="en-US" dirty="0"/>
           </a:p>
@@ -5860,7 +5868,7 @@
           <a:p>
             <a:fld id="{69186D26-FA5F-4637-B602-B7C2DC34CFD4}" type="datetime1">
               <a:rPr lang="en-US" smtClean="0"/>
-              <a:t>10/29/23</a:t>
+              <a:t>10/31/23</a:t>
             </a:fld>
             <a:endParaRPr lang="en-US"/>
           </a:p>
@@ -6295,7 +6303,7 @@
           <a:p>
             <a:fld id="{8A7F15D8-96D1-4781-BC50-CA8A088B2FE4}" type="datetime1">
               <a:rPr lang="en-US" smtClean="0"/>
-              <a:t>10/29/23</a:t>
+              <a:t>10/31/23</a:t>
             </a:fld>
             <a:endParaRPr lang="en-US"/>
           </a:p>
@@ -6413,7 +6421,7 @@
           <a:p>
             <a:fld id="{F9A96C99-B8F8-4528-BD05-0E16E943DC09}" type="datetime1">
               <a:rPr lang="en-US" smtClean="0"/>
-              <a:t>10/29/23</a:t>
+              <a:t>10/31/23</a:t>
             </a:fld>
             <a:endParaRPr lang="en-US"/>
           </a:p>
@@ -6508,7 +6516,7 @@
           <a:p>
             <a:fld id="{03636942-C211-4B28-8DBD-C953E00AF71B}" type="datetime1">
               <a:rPr lang="en-US" smtClean="0"/>
-              <a:t>10/29/23</a:t>
+              <a:t>10/31/23</a:t>
             </a:fld>
             <a:endParaRPr lang="en-US"/>
           </a:p>
@@ -6925,7 +6933,7 @@
           <a:p>
             <a:fld id="{7E8D12A6-918A-48BD-8CB9-CA713993B0EA}" type="datetime1">
               <a:rPr lang="en-US" smtClean="0"/>
-              <a:t>10/29/23</a:t>
+              <a:t>10/31/23</a:t>
             </a:fld>
             <a:endParaRPr lang="en-US"/>
           </a:p>
@@ -7187,7 +7195,7 @@
             <a:fld id="{E778CE86-875F-4587-BCF6-FA054AFC0D53}" type="datetime1">
               <a:rPr lang="en-US" smtClean="0"/>
               <a:pPr/>
-              <a:t>10/29/23</a:t>
+              <a:t>10/31/23</a:t>
             </a:fld>
             <a:endParaRPr lang="en-US" dirty="0"/>
           </a:p>
@@ -7703,7 +7711,7 @@
           <a:p>
             <a:fld id="{F6FA2B21-3FCD-4721-B95C-427943F61125}" type="datetime1">
               <a:rPr lang="en-US" smtClean="0"/>
-              <a:t>10/29/23</a:t>
+              <a:t>10/31/23</a:t>
             </a:fld>
             <a:endParaRPr lang="en-US"/>
           </a:p>
@@ -15327,8 +15335,8 @@
             <a:chExt cx="248760" cy="322560"/>
           </a:xfrm>
         </p:grpSpPr>
-        <mc:AlternateContent xmlns:mc="http://schemas.openxmlformats.org/markup-compatibility/2006">
-          <mc:Choice xmlns:p14="http://schemas.microsoft.com/office/powerpoint/2010/main" Requires="p14">
+        <mc:AlternateContent xmlns:mc="http://schemas.openxmlformats.org/markup-compatibility/2006" xmlns:p14="http://schemas.microsoft.com/office/powerpoint/2010/main">
+          <mc:Choice Requires="p14">
             <p:contentPart p14:bwMode="auto" r:id="rId2">
               <p14:nvContentPartPr>
                 <p14:cNvPr id="21" name="Ink 20">
@@ -15347,7 +15355,7 @@
               </p14:xfrm>
             </p:contentPart>
           </mc:Choice>
-          <mc:Fallback>
+          <mc:Fallback xmlns="">
             <p:pic>
               <p:nvPicPr>
                 <p:cNvPr id="21" name="Ink 20">
@@ -15378,8 +15386,8 @@
             </p:pic>
           </mc:Fallback>
         </mc:AlternateContent>
-        <mc:AlternateContent xmlns:mc="http://schemas.openxmlformats.org/markup-compatibility/2006">
-          <mc:Choice xmlns:p14="http://schemas.microsoft.com/office/powerpoint/2010/main" Requires="p14">
+        <mc:AlternateContent xmlns:mc="http://schemas.openxmlformats.org/markup-compatibility/2006" xmlns:p14="http://schemas.microsoft.com/office/powerpoint/2010/main">
+          <mc:Choice Requires="p14">
             <p:contentPart p14:bwMode="auto" r:id="rId4">
               <p14:nvContentPartPr>
                 <p14:cNvPr id="22" name="Ink 21">
@@ -15398,7 +15406,7 @@
               </p14:xfrm>
             </p:contentPart>
           </mc:Choice>
-          <mc:Fallback>
+          <mc:Fallback xmlns="">
             <p:pic>
               <p:nvPicPr>
                 <p:cNvPr id="22" name="Ink 21">
@@ -15450,8 +15458,8 @@
             <a:chExt cx="175320" cy="373680"/>
           </a:xfrm>
         </p:grpSpPr>
-        <mc:AlternateContent xmlns:mc="http://schemas.openxmlformats.org/markup-compatibility/2006">
-          <mc:Choice xmlns:p14="http://schemas.microsoft.com/office/powerpoint/2010/main" Requires="p14">
+        <mc:AlternateContent xmlns:mc="http://schemas.openxmlformats.org/markup-compatibility/2006" xmlns:p14="http://schemas.microsoft.com/office/powerpoint/2010/main">
+          <mc:Choice Requires="p14">
             <p:contentPart p14:bwMode="auto" r:id="rId6">
               <p14:nvContentPartPr>
                 <p14:cNvPr id="24" name="Ink 23">
@@ -15470,7 +15478,7 @@
               </p14:xfrm>
             </p:contentPart>
           </mc:Choice>
-          <mc:Fallback>
+          <mc:Fallback xmlns="">
             <p:pic>
               <p:nvPicPr>
                 <p:cNvPr id="24" name="Ink 23">
@@ -15501,8 +15509,8 @@
             </p:pic>
           </mc:Fallback>
         </mc:AlternateContent>
-        <mc:AlternateContent xmlns:mc="http://schemas.openxmlformats.org/markup-compatibility/2006">
-          <mc:Choice xmlns:p14="http://schemas.microsoft.com/office/powerpoint/2010/main" Requires="p14">
+        <mc:AlternateContent xmlns:mc="http://schemas.openxmlformats.org/markup-compatibility/2006" xmlns:p14="http://schemas.microsoft.com/office/powerpoint/2010/main">
+          <mc:Choice Requires="p14">
             <p:contentPart p14:bwMode="auto" r:id="rId8">
               <p14:nvContentPartPr>
                 <p14:cNvPr id="25" name="Ink 24">
@@ -15521,7 +15529,7 @@
               </p14:xfrm>
             </p:contentPart>
           </mc:Choice>
-          <mc:Fallback>
+          <mc:Fallback xmlns="">
             <p:pic>
               <p:nvPicPr>
                 <p:cNvPr id="25" name="Ink 24">
@@ -15573,8 +15581,8 @@
             <a:chExt cx="86400" cy="132480"/>
           </a:xfrm>
         </p:grpSpPr>
-        <mc:AlternateContent xmlns:mc="http://schemas.openxmlformats.org/markup-compatibility/2006">
-          <mc:Choice xmlns:p14="http://schemas.microsoft.com/office/powerpoint/2010/main" Requires="p14">
+        <mc:AlternateContent xmlns:mc="http://schemas.openxmlformats.org/markup-compatibility/2006" xmlns:p14="http://schemas.microsoft.com/office/powerpoint/2010/main">
+          <mc:Choice Requires="p14">
             <p:contentPart p14:bwMode="auto" r:id="rId10">
               <p14:nvContentPartPr>
                 <p14:cNvPr id="27" name="Ink 26">
@@ -15593,7 +15601,7 @@
               </p14:xfrm>
             </p:contentPart>
           </mc:Choice>
-          <mc:Fallback>
+          <mc:Fallback xmlns="">
             <p:pic>
               <p:nvPicPr>
                 <p:cNvPr id="27" name="Ink 26">
@@ -15624,8 +15632,8 @@
             </p:pic>
           </mc:Fallback>
         </mc:AlternateContent>
-        <mc:AlternateContent xmlns:mc="http://schemas.openxmlformats.org/markup-compatibility/2006">
-          <mc:Choice xmlns:p14="http://schemas.microsoft.com/office/powerpoint/2010/main" Requires="p14">
+        <mc:AlternateContent xmlns:mc="http://schemas.openxmlformats.org/markup-compatibility/2006" xmlns:p14="http://schemas.microsoft.com/office/powerpoint/2010/main">
+          <mc:Choice Requires="p14">
             <p:contentPart p14:bwMode="auto" r:id="rId12">
               <p14:nvContentPartPr>
                 <p14:cNvPr id="28" name="Ink 27">
@@ -15644,7 +15652,7 @@
               </p14:xfrm>
             </p:contentPart>
           </mc:Choice>
-          <mc:Fallback>
+          <mc:Fallback xmlns="">
             <p:pic>
               <p:nvPicPr>
                 <p:cNvPr id="28" name="Ink 27">
@@ -15676,8 +15684,8 @@
           </mc:Fallback>
         </mc:AlternateContent>
       </p:grpSp>
-      <mc:AlternateContent xmlns:mc="http://schemas.openxmlformats.org/markup-compatibility/2006">
-        <mc:Choice xmlns:p14="http://schemas.microsoft.com/office/powerpoint/2010/main" Requires="p14">
+      <mc:AlternateContent xmlns:mc="http://schemas.openxmlformats.org/markup-compatibility/2006" xmlns:p14="http://schemas.microsoft.com/office/powerpoint/2010/main">
+        <mc:Choice Requires="p14">
           <p:contentPart p14:bwMode="auto" r:id="rId14">
             <p14:nvContentPartPr>
               <p14:cNvPr id="30" name="Ink 29">
@@ -15696,7 +15704,7 @@
             </p14:xfrm>
           </p:contentPart>
         </mc:Choice>
-        <mc:Fallback>
+        <mc:Fallback xmlns="">
           <p:pic>
             <p:nvPicPr>
               <p:cNvPr id="30" name="Ink 29">
@@ -15747,8 +15755,8 @@
             <a:chExt cx="289440" cy="282960"/>
           </a:xfrm>
         </p:grpSpPr>
-        <mc:AlternateContent xmlns:mc="http://schemas.openxmlformats.org/markup-compatibility/2006">
-          <mc:Choice xmlns:p14="http://schemas.microsoft.com/office/powerpoint/2010/main" Requires="p14">
+        <mc:AlternateContent xmlns:mc="http://schemas.openxmlformats.org/markup-compatibility/2006" xmlns:p14="http://schemas.microsoft.com/office/powerpoint/2010/main">
+          <mc:Choice Requires="p14">
             <p:contentPart p14:bwMode="auto" r:id="rId16">
               <p14:nvContentPartPr>
                 <p14:cNvPr id="31" name="Ink 30">
@@ -15767,7 +15775,7 @@
               </p14:xfrm>
             </p:contentPart>
           </mc:Choice>
-          <mc:Fallback>
+          <mc:Fallback xmlns="">
             <p:pic>
               <p:nvPicPr>
                 <p:cNvPr id="31" name="Ink 30">
@@ -15798,8 +15806,8 @@
             </p:pic>
           </mc:Fallback>
         </mc:AlternateContent>
-        <mc:AlternateContent xmlns:mc="http://schemas.openxmlformats.org/markup-compatibility/2006">
-          <mc:Choice xmlns:p14="http://schemas.microsoft.com/office/powerpoint/2010/main" Requires="p14">
+        <mc:AlternateContent xmlns:mc="http://schemas.openxmlformats.org/markup-compatibility/2006" xmlns:p14="http://schemas.microsoft.com/office/powerpoint/2010/main">
+          <mc:Choice Requires="p14">
             <p:contentPart p14:bwMode="auto" r:id="rId18">
               <p14:nvContentPartPr>
                 <p14:cNvPr id="32" name="Ink 31">
@@ -15818,7 +15826,7 @@
               </p14:xfrm>
             </p:contentPart>
           </mc:Choice>
-          <mc:Fallback>
+          <mc:Fallback xmlns="">
             <p:pic>
               <p:nvPicPr>
                 <p:cNvPr id="32" name="Ink 31">
@@ -15870,8 +15878,8 @@
             <a:chExt cx="101520" cy="166320"/>
           </a:xfrm>
         </p:grpSpPr>
-        <mc:AlternateContent xmlns:mc="http://schemas.openxmlformats.org/markup-compatibility/2006">
-          <mc:Choice xmlns:p14="http://schemas.microsoft.com/office/powerpoint/2010/main" Requires="p14">
+        <mc:AlternateContent xmlns:mc="http://schemas.openxmlformats.org/markup-compatibility/2006" xmlns:p14="http://schemas.microsoft.com/office/powerpoint/2010/main">
+          <mc:Choice Requires="p14">
             <p:contentPart p14:bwMode="auto" r:id="rId20">
               <p14:nvContentPartPr>
                 <p14:cNvPr id="34" name="Ink 33">
@@ -15890,7 +15898,7 @@
               </p14:xfrm>
             </p:contentPart>
           </mc:Choice>
-          <mc:Fallback>
+          <mc:Fallback xmlns="">
             <p:pic>
               <p:nvPicPr>
                 <p:cNvPr id="34" name="Ink 33">
@@ -15921,8 +15929,8 @@
             </p:pic>
           </mc:Fallback>
         </mc:AlternateContent>
-        <mc:AlternateContent xmlns:mc="http://schemas.openxmlformats.org/markup-compatibility/2006">
-          <mc:Choice xmlns:p14="http://schemas.microsoft.com/office/powerpoint/2010/main" Requires="p14">
+        <mc:AlternateContent xmlns:mc="http://schemas.openxmlformats.org/markup-compatibility/2006" xmlns:p14="http://schemas.microsoft.com/office/powerpoint/2010/main">
+          <mc:Choice Requires="p14">
             <p:contentPart p14:bwMode="auto" r:id="rId22">
               <p14:nvContentPartPr>
                 <p14:cNvPr id="35" name="Ink 34">
@@ -15941,7 +15949,7 @@
               </p14:xfrm>
             </p:contentPart>
           </mc:Choice>
-          <mc:Fallback>
+          <mc:Fallback xmlns="">
             <p:pic>
               <p:nvPicPr>
                 <p:cNvPr id="35" name="Ink 34">
@@ -15993,8 +16001,8 @@
             <a:chExt cx="279360" cy="342720"/>
           </a:xfrm>
         </p:grpSpPr>
-        <mc:AlternateContent xmlns:mc="http://schemas.openxmlformats.org/markup-compatibility/2006">
-          <mc:Choice xmlns:p14="http://schemas.microsoft.com/office/powerpoint/2010/main" Requires="p14">
+        <mc:AlternateContent xmlns:mc="http://schemas.openxmlformats.org/markup-compatibility/2006" xmlns:p14="http://schemas.microsoft.com/office/powerpoint/2010/main">
+          <mc:Choice Requires="p14">
             <p:contentPart p14:bwMode="auto" r:id="rId24">
               <p14:nvContentPartPr>
                 <p14:cNvPr id="37" name="Ink 36">
@@ -16013,7 +16021,7 @@
               </p14:xfrm>
             </p:contentPart>
           </mc:Choice>
-          <mc:Fallback>
+          <mc:Fallback xmlns="">
             <p:pic>
               <p:nvPicPr>
                 <p:cNvPr id="37" name="Ink 36">
@@ -16044,8 +16052,8 @@
             </p:pic>
           </mc:Fallback>
         </mc:AlternateContent>
-        <mc:AlternateContent xmlns:mc="http://schemas.openxmlformats.org/markup-compatibility/2006">
-          <mc:Choice xmlns:p14="http://schemas.microsoft.com/office/powerpoint/2010/main" Requires="p14">
+        <mc:AlternateContent xmlns:mc="http://schemas.openxmlformats.org/markup-compatibility/2006" xmlns:p14="http://schemas.microsoft.com/office/powerpoint/2010/main">
+          <mc:Choice Requires="p14">
             <p:contentPart p14:bwMode="auto" r:id="rId26">
               <p14:nvContentPartPr>
                 <p14:cNvPr id="38" name="Ink 37">
@@ -16064,7 +16072,7 @@
               </p14:xfrm>
             </p:contentPart>
           </mc:Choice>
-          <mc:Fallback>
+          <mc:Fallback xmlns="">
             <p:pic>
               <p:nvPicPr>
                 <p:cNvPr id="38" name="Ink 37">
@@ -16095,8 +16103,8 @@
             </p:pic>
           </mc:Fallback>
         </mc:AlternateContent>
-        <mc:AlternateContent xmlns:mc="http://schemas.openxmlformats.org/markup-compatibility/2006">
-          <mc:Choice xmlns:p14="http://schemas.microsoft.com/office/powerpoint/2010/main" Requires="p14">
+        <mc:AlternateContent xmlns:mc="http://schemas.openxmlformats.org/markup-compatibility/2006" xmlns:p14="http://schemas.microsoft.com/office/powerpoint/2010/main">
+          <mc:Choice Requires="p14">
             <p:contentPart p14:bwMode="auto" r:id="rId28">
               <p14:nvContentPartPr>
                 <p14:cNvPr id="39" name="Ink 38">
@@ -16115,7 +16123,7 @@
               </p14:xfrm>
             </p:contentPart>
           </mc:Choice>
-          <mc:Fallback>
+          <mc:Fallback xmlns="">
             <p:pic>
               <p:nvPicPr>
                 <p:cNvPr id="39" name="Ink 38">
@@ -16167,8 +16175,8 @@
             <a:chExt cx="172080" cy="151560"/>
           </a:xfrm>
         </p:grpSpPr>
-        <mc:AlternateContent xmlns:mc="http://schemas.openxmlformats.org/markup-compatibility/2006">
-          <mc:Choice xmlns:p14="http://schemas.microsoft.com/office/powerpoint/2010/main" Requires="p14">
+        <mc:AlternateContent xmlns:mc="http://schemas.openxmlformats.org/markup-compatibility/2006" xmlns:p14="http://schemas.microsoft.com/office/powerpoint/2010/main">
+          <mc:Choice Requires="p14">
             <p:contentPart p14:bwMode="auto" r:id="rId30">
               <p14:nvContentPartPr>
                 <p14:cNvPr id="41" name="Ink 40">
@@ -16187,7 +16195,7 @@
               </p14:xfrm>
             </p:contentPart>
           </mc:Choice>
-          <mc:Fallback>
+          <mc:Fallback xmlns="">
             <p:pic>
               <p:nvPicPr>
                 <p:cNvPr id="41" name="Ink 40">
@@ -16218,8 +16226,8 @@
             </p:pic>
           </mc:Fallback>
         </mc:AlternateContent>
-        <mc:AlternateContent xmlns:mc="http://schemas.openxmlformats.org/markup-compatibility/2006">
-          <mc:Choice xmlns:p14="http://schemas.microsoft.com/office/powerpoint/2010/main" Requires="p14">
+        <mc:AlternateContent xmlns:mc="http://schemas.openxmlformats.org/markup-compatibility/2006" xmlns:p14="http://schemas.microsoft.com/office/powerpoint/2010/main">
+          <mc:Choice Requires="p14">
             <p:contentPart p14:bwMode="auto" r:id="rId32">
               <p14:nvContentPartPr>
                 <p14:cNvPr id="42" name="Ink 41">
@@ -16238,7 +16246,7 @@
               </p14:xfrm>
             </p:contentPart>
           </mc:Choice>
-          <mc:Fallback>
+          <mc:Fallback xmlns="">
             <p:pic>
               <p:nvPicPr>
                 <p:cNvPr id="42" name="Ink 41">
@@ -16290,8 +16298,8 @@
             <a:chExt cx="645480" cy="332280"/>
           </a:xfrm>
         </p:grpSpPr>
-        <mc:AlternateContent xmlns:mc="http://schemas.openxmlformats.org/markup-compatibility/2006">
-          <mc:Choice xmlns:p14="http://schemas.microsoft.com/office/powerpoint/2010/main" Requires="p14">
+        <mc:AlternateContent xmlns:mc="http://schemas.openxmlformats.org/markup-compatibility/2006" xmlns:p14="http://schemas.microsoft.com/office/powerpoint/2010/main">
+          <mc:Choice Requires="p14">
             <p:contentPart p14:bwMode="auto" r:id="rId34">
               <p14:nvContentPartPr>
                 <p14:cNvPr id="44" name="Ink 43">
@@ -16310,7 +16318,7 @@
               </p14:xfrm>
             </p:contentPart>
           </mc:Choice>
-          <mc:Fallback>
+          <mc:Fallback xmlns="">
             <p:pic>
               <p:nvPicPr>
                 <p:cNvPr id="44" name="Ink 43">
@@ -16341,8 +16349,8 @@
             </p:pic>
           </mc:Fallback>
         </mc:AlternateContent>
-        <mc:AlternateContent xmlns:mc="http://schemas.openxmlformats.org/markup-compatibility/2006">
-          <mc:Choice xmlns:p14="http://schemas.microsoft.com/office/powerpoint/2010/main" Requires="p14">
+        <mc:AlternateContent xmlns:mc="http://schemas.openxmlformats.org/markup-compatibility/2006" xmlns:p14="http://schemas.microsoft.com/office/powerpoint/2010/main">
+          <mc:Choice Requires="p14">
             <p:contentPart p14:bwMode="auto" r:id="rId36">
               <p14:nvContentPartPr>
                 <p14:cNvPr id="45" name="Ink 44">
@@ -16361,7 +16369,7 @@
               </p14:xfrm>
             </p:contentPart>
           </mc:Choice>
-          <mc:Fallback>
+          <mc:Fallback xmlns="">
             <p:pic>
               <p:nvPicPr>
                 <p:cNvPr id="45" name="Ink 44">
@@ -16392,8 +16400,8 @@
             </p:pic>
           </mc:Fallback>
         </mc:AlternateContent>
-        <mc:AlternateContent xmlns:mc="http://schemas.openxmlformats.org/markup-compatibility/2006">
-          <mc:Choice xmlns:p14="http://schemas.microsoft.com/office/powerpoint/2010/main" Requires="p14">
+        <mc:AlternateContent xmlns:mc="http://schemas.openxmlformats.org/markup-compatibility/2006" xmlns:p14="http://schemas.microsoft.com/office/powerpoint/2010/main">
+          <mc:Choice Requires="p14">
             <p:contentPart p14:bwMode="auto" r:id="rId38">
               <p14:nvContentPartPr>
                 <p14:cNvPr id="46" name="Ink 45">
@@ -16412,7 +16420,7 @@
               </p14:xfrm>
             </p:contentPart>
           </mc:Choice>
-          <mc:Fallback>
+          <mc:Fallback xmlns="">
             <p:pic>
               <p:nvPicPr>
                 <p:cNvPr id="46" name="Ink 45">
@@ -16443,8 +16451,8 @@
             </p:pic>
           </mc:Fallback>
         </mc:AlternateContent>
-        <mc:AlternateContent xmlns:mc="http://schemas.openxmlformats.org/markup-compatibility/2006">
-          <mc:Choice xmlns:p14="http://schemas.microsoft.com/office/powerpoint/2010/main" Requires="p14">
+        <mc:AlternateContent xmlns:mc="http://schemas.openxmlformats.org/markup-compatibility/2006" xmlns:p14="http://schemas.microsoft.com/office/powerpoint/2010/main">
+          <mc:Choice Requires="p14">
             <p:contentPart p14:bwMode="auto" r:id="rId40">
               <p14:nvContentPartPr>
                 <p14:cNvPr id="48" name="Ink 47">
@@ -16463,7 +16471,7 @@
               </p14:xfrm>
             </p:contentPart>
           </mc:Choice>
-          <mc:Fallback>
+          <mc:Fallback xmlns="">
             <p:pic>
               <p:nvPicPr>
                 <p:cNvPr id="48" name="Ink 47">
@@ -16494,8 +16502,8 @@
             </p:pic>
           </mc:Fallback>
         </mc:AlternateContent>
-        <mc:AlternateContent xmlns:mc="http://schemas.openxmlformats.org/markup-compatibility/2006">
-          <mc:Choice xmlns:p14="http://schemas.microsoft.com/office/powerpoint/2010/main" Requires="p14">
+        <mc:AlternateContent xmlns:mc="http://schemas.openxmlformats.org/markup-compatibility/2006" xmlns:p14="http://schemas.microsoft.com/office/powerpoint/2010/main">
+          <mc:Choice Requires="p14">
             <p:contentPart p14:bwMode="auto" r:id="rId42">
               <p14:nvContentPartPr>
                 <p14:cNvPr id="50" name="Ink 49">
@@ -16514,7 +16522,7 @@
               </p14:xfrm>
             </p:contentPart>
           </mc:Choice>
-          <mc:Fallback>
+          <mc:Fallback xmlns="">
             <p:pic>
               <p:nvPicPr>
                 <p:cNvPr id="50" name="Ink 49">
@@ -16545,8 +16553,8 @@
             </p:pic>
           </mc:Fallback>
         </mc:AlternateContent>
-        <mc:AlternateContent xmlns:mc="http://schemas.openxmlformats.org/markup-compatibility/2006">
-          <mc:Choice xmlns:p14="http://schemas.microsoft.com/office/powerpoint/2010/main" Requires="p14">
+        <mc:AlternateContent xmlns:mc="http://schemas.openxmlformats.org/markup-compatibility/2006" xmlns:p14="http://schemas.microsoft.com/office/powerpoint/2010/main">
+          <mc:Choice Requires="p14">
             <p:contentPart p14:bwMode="auto" r:id="rId44">
               <p14:nvContentPartPr>
                 <p14:cNvPr id="51" name="Ink 50">
@@ -16565,7 +16573,7 @@
               </p14:xfrm>
             </p:contentPart>
           </mc:Choice>
-          <mc:Fallback>
+          <mc:Fallback xmlns="">
             <p:pic>
               <p:nvPicPr>
                 <p:cNvPr id="51" name="Ink 50">
@@ -16596,8 +16604,8 @@
             </p:pic>
           </mc:Fallback>
         </mc:AlternateContent>
-        <mc:AlternateContent xmlns:mc="http://schemas.openxmlformats.org/markup-compatibility/2006">
-          <mc:Choice xmlns:p14="http://schemas.microsoft.com/office/powerpoint/2010/main" Requires="p14">
+        <mc:AlternateContent xmlns:mc="http://schemas.openxmlformats.org/markup-compatibility/2006" xmlns:p14="http://schemas.microsoft.com/office/powerpoint/2010/main">
+          <mc:Choice Requires="p14">
             <p:contentPart p14:bwMode="auto" r:id="rId46">
               <p14:nvContentPartPr>
                 <p14:cNvPr id="52" name="Ink 51">
@@ -16616,7 +16624,7 @@
               </p14:xfrm>
             </p:contentPart>
           </mc:Choice>
-          <mc:Fallback>
+          <mc:Fallback xmlns="">
             <p:pic>
               <p:nvPicPr>
                 <p:cNvPr id="52" name="Ink 51">
@@ -16668,8 +16676,8 @@
             <a:chExt cx="106560" cy="179640"/>
           </a:xfrm>
         </p:grpSpPr>
-        <mc:AlternateContent xmlns:mc="http://schemas.openxmlformats.org/markup-compatibility/2006">
-          <mc:Choice xmlns:p14="http://schemas.microsoft.com/office/powerpoint/2010/main" Requires="p14">
+        <mc:AlternateContent xmlns:mc="http://schemas.openxmlformats.org/markup-compatibility/2006" xmlns:p14="http://schemas.microsoft.com/office/powerpoint/2010/main">
+          <mc:Choice Requires="p14">
             <p:contentPart p14:bwMode="auto" r:id="rId48">
               <p14:nvContentPartPr>
                 <p14:cNvPr id="54" name="Ink 53">
@@ -16688,7 +16696,7 @@
               </p14:xfrm>
             </p:contentPart>
           </mc:Choice>
-          <mc:Fallback>
+          <mc:Fallback xmlns="">
             <p:pic>
               <p:nvPicPr>
                 <p:cNvPr id="54" name="Ink 53">
@@ -16719,8 +16727,8 @@
             </p:pic>
           </mc:Fallback>
         </mc:AlternateContent>
-        <mc:AlternateContent xmlns:mc="http://schemas.openxmlformats.org/markup-compatibility/2006">
-          <mc:Choice xmlns:p14="http://schemas.microsoft.com/office/powerpoint/2010/main" Requires="p14">
+        <mc:AlternateContent xmlns:mc="http://schemas.openxmlformats.org/markup-compatibility/2006" xmlns:p14="http://schemas.microsoft.com/office/powerpoint/2010/main">
+          <mc:Choice Requires="p14">
             <p:contentPart p14:bwMode="auto" r:id="rId50">
               <p14:nvContentPartPr>
                 <p14:cNvPr id="55" name="Ink 54">
@@ -16739,7 +16747,7 @@
               </p14:xfrm>
             </p:contentPart>
           </mc:Choice>
-          <mc:Fallback>
+          <mc:Fallback xmlns="">
             <p:pic>
               <p:nvPicPr>
                 <p:cNvPr id="55" name="Ink 54">
@@ -16791,8 +16799,8 @@
             <a:chExt cx="917640" cy="342360"/>
           </a:xfrm>
         </p:grpSpPr>
-        <mc:AlternateContent xmlns:mc="http://schemas.openxmlformats.org/markup-compatibility/2006">
-          <mc:Choice xmlns:p14="http://schemas.microsoft.com/office/powerpoint/2010/main" Requires="p14">
+        <mc:AlternateContent xmlns:mc="http://schemas.openxmlformats.org/markup-compatibility/2006" xmlns:p14="http://schemas.microsoft.com/office/powerpoint/2010/main">
+          <mc:Choice Requires="p14">
             <p:contentPart p14:bwMode="auto" r:id="rId52">
               <p14:nvContentPartPr>
                 <p14:cNvPr id="57" name="Ink 56">
@@ -16811,7 +16819,7 @@
               </p14:xfrm>
             </p:contentPart>
           </mc:Choice>
-          <mc:Fallback>
+          <mc:Fallback xmlns="">
             <p:pic>
               <p:nvPicPr>
                 <p:cNvPr id="57" name="Ink 56">
@@ -16842,8 +16850,8 @@
             </p:pic>
           </mc:Fallback>
         </mc:AlternateContent>
-        <mc:AlternateContent xmlns:mc="http://schemas.openxmlformats.org/markup-compatibility/2006">
-          <mc:Choice xmlns:p14="http://schemas.microsoft.com/office/powerpoint/2010/main" Requires="p14">
+        <mc:AlternateContent xmlns:mc="http://schemas.openxmlformats.org/markup-compatibility/2006" xmlns:p14="http://schemas.microsoft.com/office/powerpoint/2010/main">
+          <mc:Choice Requires="p14">
             <p:contentPart p14:bwMode="auto" r:id="rId54">
               <p14:nvContentPartPr>
                 <p14:cNvPr id="58" name="Ink 57">
@@ -16862,7 +16870,7 @@
               </p14:xfrm>
             </p:contentPart>
           </mc:Choice>
-          <mc:Fallback>
+          <mc:Fallback xmlns="">
             <p:pic>
               <p:nvPicPr>
                 <p:cNvPr id="58" name="Ink 57">
@@ -16893,8 +16901,8 @@
             </p:pic>
           </mc:Fallback>
         </mc:AlternateContent>
-        <mc:AlternateContent xmlns:mc="http://schemas.openxmlformats.org/markup-compatibility/2006">
-          <mc:Choice xmlns:p14="http://schemas.microsoft.com/office/powerpoint/2010/main" Requires="p14">
+        <mc:AlternateContent xmlns:mc="http://schemas.openxmlformats.org/markup-compatibility/2006" xmlns:p14="http://schemas.microsoft.com/office/powerpoint/2010/main">
+          <mc:Choice Requires="p14">
             <p:contentPart p14:bwMode="auto" r:id="rId56">
               <p14:nvContentPartPr>
                 <p14:cNvPr id="59" name="Ink 58">
@@ -16913,7 +16921,7 @@
               </p14:xfrm>
             </p:contentPart>
           </mc:Choice>
-          <mc:Fallback>
+          <mc:Fallback xmlns="">
             <p:pic>
               <p:nvPicPr>
                 <p:cNvPr id="59" name="Ink 58">
@@ -16944,8 +16952,8 @@
             </p:pic>
           </mc:Fallback>
         </mc:AlternateContent>
-        <mc:AlternateContent xmlns:mc="http://schemas.openxmlformats.org/markup-compatibility/2006">
-          <mc:Choice xmlns:p14="http://schemas.microsoft.com/office/powerpoint/2010/main" Requires="p14">
+        <mc:AlternateContent xmlns:mc="http://schemas.openxmlformats.org/markup-compatibility/2006" xmlns:p14="http://schemas.microsoft.com/office/powerpoint/2010/main">
+          <mc:Choice Requires="p14">
             <p:contentPart p14:bwMode="auto" r:id="rId58">
               <p14:nvContentPartPr>
                 <p14:cNvPr id="60" name="Ink 59">
@@ -16964,7 +16972,7 @@
               </p14:xfrm>
             </p:contentPart>
           </mc:Choice>
-          <mc:Fallback>
+          <mc:Fallback xmlns="">
             <p:pic>
               <p:nvPicPr>
                 <p:cNvPr id="60" name="Ink 59">
@@ -16995,8 +17003,8 @@
             </p:pic>
           </mc:Fallback>
         </mc:AlternateContent>
-        <mc:AlternateContent xmlns:mc="http://schemas.openxmlformats.org/markup-compatibility/2006">
-          <mc:Choice xmlns:p14="http://schemas.microsoft.com/office/powerpoint/2010/main" Requires="p14">
+        <mc:AlternateContent xmlns:mc="http://schemas.openxmlformats.org/markup-compatibility/2006" xmlns:p14="http://schemas.microsoft.com/office/powerpoint/2010/main">
+          <mc:Choice Requires="p14">
             <p:contentPart p14:bwMode="auto" r:id="rId60">
               <p14:nvContentPartPr>
                 <p14:cNvPr id="61" name="Ink 60">
@@ -17015,7 +17023,7 @@
               </p14:xfrm>
             </p:contentPart>
           </mc:Choice>
-          <mc:Fallback>
+          <mc:Fallback xmlns="">
             <p:pic>
               <p:nvPicPr>
                 <p:cNvPr id="61" name="Ink 60">
@@ -17046,8 +17054,8 @@
             </p:pic>
           </mc:Fallback>
         </mc:AlternateContent>
-        <mc:AlternateContent xmlns:mc="http://schemas.openxmlformats.org/markup-compatibility/2006">
-          <mc:Choice xmlns:p14="http://schemas.microsoft.com/office/powerpoint/2010/main" Requires="p14">
+        <mc:AlternateContent xmlns:mc="http://schemas.openxmlformats.org/markup-compatibility/2006" xmlns:p14="http://schemas.microsoft.com/office/powerpoint/2010/main">
+          <mc:Choice Requires="p14">
             <p:contentPart p14:bwMode="auto" r:id="rId62">
               <p14:nvContentPartPr>
                 <p14:cNvPr id="62" name="Ink 61">
@@ -17066,7 +17074,7 @@
               </p14:xfrm>
             </p:contentPart>
           </mc:Choice>
-          <mc:Fallback>
+          <mc:Fallback xmlns="">
             <p:pic>
               <p:nvPicPr>
                 <p:cNvPr id="62" name="Ink 61">
@@ -17097,8 +17105,8 @@
             </p:pic>
           </mc:Fallback>
         </mc:AlternateContent>
-        <mc:AlternateContent xmlns:mc="http://schemas.openxmlformats.org/markup-compatibility/2006">
-          <mc:Choice xmlns:p14="http://schemas.microsoft.com/office/powerpoint/2010/main" Requires="p14">
+        <mc:AlternateContent xmlns:mc="http://schemas.openxmlformats.org/markup-compatibility/2006" xmlns:p14="http://schemas.microsoft.com/office/powerpoint/2010/main">
+          <mc:Choice Requires="p14">
             <p:contentPart p14:bwMode="auto" r:id="rId64">
               <p14:nvContentPartPr>
                 <p14:cNvPr id="63" name="Ink 62">
@@ -17117,7 +17125,7 @@
               </p14:xfrm>
             </p:contentPart>
           </mc:Choice>
-          <mc:Fallback>
+          <mc:Fallback xmlns="">
             <p:pic>
               <p:nvPicPr>
                 <p:cNvPr id="63" name="Ink 62">
@@ -17148,8 +17156,8 @@
             </p:pic>
           </mc:Fallback>
         </mc:AlternateContent>
-        <mc:AlternateContent xmlns:mc="http://schemas.openxmlformats.org/markup-compatibility/2006">
-          <mc:Choice xmlns:p14="http://schemas.microsoft.com/office/powerpoint/2010/main" Requires="p14">
+        <mc:AlternateContent xmlns:mc="http://schemas.openxmlformats.org/markup-compatibility/2006" xmlns:p14="http://schemas.microsoft.com/office/powerpoint/2010/main">
+          <mc:Choice Requires="p14">
             <p:contentPart p14:bwMode="auto" r:id="rId66">
               <p14:nvContentPartPr>
                 <p14:cNvPr id="65" name="Ink 64">
@@ -17168,7 +17176,7 @@
               </p14:xfrm>
             </p:contentPart>
           </mc:Choice>
-          <mc:Fallback>
+          <mc:Fallback xmlns="">
             <p:pic>
               <p:nvPicPr>
                 <p:cNvPr id="65" name="Ink 64">
@@ -17199,8 +17207,8 @@
             </p:pic>
           </mc:Fallback>
         </mc:AlternateContent>
-        <mc:AlternateContent xmlns:mc="http://schemas.openxmlformats.org/markup-compatibility/2006">
-          <mc:Choice xmlns:p14="http://schemas.microsoft.com/office/powerpoint/2010/main" Requires="p14">
+        <mc:AlternateContent xmlns:mc="http://schemas.openxmlformats.org/markup-compatibility/2006" xmlns:p14="http://schemas.microsoft.com/office/powerpoint/2010/main">
+          <mc:Choice Requires="p14">
             <p:contentPart p14:bwMode="auto" r:id="rId68">
               <p14:nvContentPartPr>
                 <p14:cNvPr id="66" name="Ink 65">
@@ -17219,7 +17227,7 @@
               </p14:xfrm>
             </p:contentPart>
           </mc:Choice>
-          <mc:Fallback>
+          <mc:Fallback xmlns="">
             <p:pic>
               <p:nvPicPr>
                 <p:cNvPr id="66" name="Ink 65">
@@ -17271,8 +17279,8 @@
             <a:chExt cx="273240" cy="322920"/>
           </a:xfrm>
         </p:grpSpPr>
-        <mc:AlternateContent xmlns:mc="http://schemas.openxmlformats.org/markup-compatibility/2006">
-          <mc:Choice xmlns:p14="http://schemas.microsoft.com/office/powerpoint/2010/main" Requires="p14">
+        <mc:AlternateContent xmlns:mc="http://schemas.openxmlformats.org/markup-compatibility/2006" xmlns:p14="http://schemas.microsoft.com/office/powerpoint/2010/main">
+          <mc:Choice Requires="p14">
             <p:contentPart p14:bwMode="auto" r:id="rId70">
               <p14:nvContentPartPr>
                 <p14:cNvPr id="68" name="Ink 67">
@@ -17291,7 +17299,7 @@
               </p14:xfrm>
             </p:contentPart>
           </mc:Choice>
-          <mc:Fallback>
+          <mc:Fallback xmlns="">
             <p:pic>
               <p:nvPicPr>
                 <p:cNvPr id="68" name="Ink 67">
@@ -17322,8 +17330,8 @@
             </p:pic>
           </mc:Fallback>
         </mc:AlternateContent>
-        <mc:AlternateContent xmlns:mc="http://schemas.openxmlformats.org/markup-compatibility/2006">
-          <mc:Choice xmlns:p14="http://schemas.microsoft.com/office/powerpoint/2010/main" Requires="p14">
+        <mc:AlternateContent xmlns:mc="http://schemas.openxmlformats.org/markup-compatibility/2006" xmlns:p14="http://schemas.microsoft.com/office/powerpoint/2010/main">
+          <mc:Choice Requires="p14">
             <p:contentPart p14:bwMode="auto" r:id="rId72">
               <p14:nvContentPartPr>
                 <p14:cNvPr id="69" name="Ink 68">
@@ -17342,7 +17350,7 @@
               </p14:xfrm>
             </p:contentPart>
           </mc:Choice>
-          <mc:Fallback>
+          <mc:Fallback xmlns="">
             <p:pic>
               <p:nvPicPr>
                 <p:cNvPr id="69" name="Ink 68">
@@ -17373,8 +17381,8 @@
             </p:pic>
           </mc:Fallback>
         </mc:AlternateContent>
-        <mc:AlternateContent xmlns:mc="http://schemas.openxmlformats.org/markup-compatibility/2006">
-          <mc:Choice xmlns:p14="http://schemas.microsoft.com/office/powerpoint/2010/main" Requires="p14">
+        <mc:AlternateContent xmlns:mc="http://schemas.openxmlformats.org/markup-compatibility/2006" xmlns:p14="http://schemas.microsoft.com/office/powerpoint/2010/main">
+          <mc:Choice Requires="p14">
             <p:contentPart p14:bwMode="auto" r:id="rId74">
               <p14:nvContentPartPr>
                 <p14:cNvPr id="70" name="Ink 69">
@@ -17393,7 +17401,7 @@
               </p14:xfrm>
             </p:contentPart>
           </mc:Choice>
-          <mc:Fallback>
+          <mc:Fallback xmlns="">
             <p:pic>
               <p:nvPicPr>
                 <p:cNvPr id="70" name="Ink 69">
@@ -17445,8 +17453,8 @@
             <a:chExt cx="232560" cy="320040"/>
           </a:xfrm>
         </p:grpSpPr>
-        <mc:AlternateContent xmlns:mc="http://schemas.openxmlformats.org/markup-compatibility/2006">
-          <mc:Choice xmlns:p14="http://schemas.microsoft.com/office/powerpoint/2010/main" Requires="p14">
+        <mc:AlternateContent xmlns:mc="http://schemas.openxmlformats.org/markup-compatibility/2006" xmlns:p14="http://schemas.microsoft.com/office/powerpoint/2010/main">
+          <mc:Choice Requires="p14">
             <p:contentPart p14:bwMode="auto" r:id="rId76">
               <p14:nvContentPartPr>
                 <p14:cNvPr id="71" name="Ink 70">
@@ -17465,7 +17473,7 @@
               </p14:xfrm>
             </p:contentPart>
           </mc:Choice>
-          <mc:Fallback>
+          <mc:Fallback xmlns="">
             <p:pic>
               <p:nvPicPr>
                 <p:cNvPr id="71" name="Ink 70">
@@ -17496,8 +17504,8 @@
             </p:pic>
           </mc:Fallback>
         </mc:AlternateContent>
-        <mc:AlternateContent xmlns:mc="http://schemas.openxmlformats.org/markup-compatibility/2006">
-          <mc:Choice xmlns:p14="http://schemas.microsoft.com/office/powerpoint/2010/main" Requires="p14">
+        <mc:AlternateContent xmlns:mc="http://schemas.openxmlformats.org/markup-compatibility/2006" xmlns:p14="http://schemas.microsoft.com/office/powerpoint/2010/main">
+          <mc:Choice Requires="p14">
             <p:contentPart p14:bwMode="auto" r:id="rId78">
               <p14:nvContentPartPr>
                 <p14:cNvPr id="72" name="Ink 71">
@@ -17516,7 +17524,7 @@
               </p14:xfrm>
             </p:contentPart>
           </mc:Choice>
-          <mc:Fallback>
+          <mc:Fallback xmlns="">
             <p:pic>
               <p:nvPicPr>
                 <p:cNvPr id="72" name="Ink 71">
@@ -17547,8 +17555,8 @@
             </p:pic>
           </mc:Fallback>
         </mc:AlternateContent>
-        <mc:AlternateContent xmlns:mc="http://schemas.openxmlformats.org/markup-compatibility/2006">
-          <mc:Choice xmlns:p14="http://schemas.microsoft.com/office/powerpoint/2010/main" Requires="p14">
+        <mc:AlternateContent xmlns:mc="http://schemas.openxmlformats.org/markup-compatibility/2006" xmlns:p14="http://schemas.microsoft.com/office/powerpoint/2010/main">
+          <mc:Choice Requires="p14">
             <p:contentPart p14:bwMode="auto" r:id="rId80">
               <p14:nvContentPartPr>
                 <p14:cNvPr id="73" name="Ink 72">
@@ -17567,7 +17575,7 @@
               </p14:xfrm>
             </p:contentPart>
           </mc:Choice>
-          <mc:Fallback>
+          <mc:Fallback xmlns="">
             <p:pic>
               <p:nvPicPr>
                 <p:cNvPr id="73" name="Ink 72">
@@ -17619,8 +17627,8 @@
             <a:chExt cx="318240" cy="316080"/>
           </a:xfrm>
         </p:grpSpPr>
-        <mc:AlternateContent xmlns:mc="http://schemas.openxmlformats.org/markup-compatibility/2006">
-          <mc:Choice xmlns:p14="http://schemas.microsoft.com/office/powerpoint/2010/main" Requires="p14">
+        <mc:AlternateContent xmlns:mc="http://schemas.openxmlformats.org/markup-compatibility/2006" xmlns:p14="http://schemas.microsoft.com/office/powerpoint/2010/main">
+          <mc:Choice Requires="p14">
             <p:contentPart p14:bwMode="auto" r:id="rId82">
               <p14:nvContentPartPr>
                 <p14:cNvPr id="76" name="Ink 75">
@@ -17639,7 +17647,7 @@
               </p14:xfrm>
             </p:contentPart>
           </mc:Choice>
-          <mc:Fallback>
+          <mc:Fallback xmlns="">
             <p:pic>
               <p:nvPicPr>
                 <p:cNvPr id="76" name="Ink 75">
@@ -17670,8 +17678,8 @@
             </p:pic>
           </mc:Fallback>
         </mc:AlternateContent>
-        <mc:AlternateContent xmlns:mc="http://schemas.openxmlformats.org/markup-compatibility/2006">
-          <mc:Choice xmlns:p14="http://schemas.microsoft.com/office/powerpoint/2010/main" Requires="p14">
+        <mc:AlternateContent xmlns:mc="http://schemas.openxmlformats.org/markup-compatibility/2006" xmlns:p14="http://schemas.microsoft.com/office/powerpoint/2010/main">
+          <mc:Choice Requires="p14">
             <p:contentPart p14:bwMode="auto" r:id="rId84">
               <p14:nvContentPartPr>
                 <p14:cNvPr id="77" name="Ink 76">
@@ -17690,7 +17698,7 @@
               </p14:xfrm>
             </p:contentPart>
           </mc:Choice>
-          <mc:Fallback>
+          <mc:Fallback xmlns="">
             <p:pic>
               <p:nvPicPr>
                 <p:cNvPr id="77" name="Ink 76">
@@ -17742,8 +17750,8 @@
             <a:chExt cx="250560" cy="326520"/>
           </a:xfrm>
         </p:grpSpPr>
-        <mc:AlternateContent xmlns:mc="http://schemas.openxmlformats.org/markup-compatibility/2006">
-          <mc:Choice xmlns:p14="http://schemas.microsoft.com/office/powerpoint/2010/main" Requires="p14">
+        <mc:AlternateContent xmlns:mc="http://schemas.openxmlformats.org/markup-compatibility/2006" xmlns:p14="http://schemas.microsoft.com/office/powerpoint/2010/main">
+          <mc:Choice Requires="p14">
             <p:contentPart p14:bwMode="auto" r:id="rId86">
               <p14:nvContentPartPr>
                 <p14:cNvPr id="79" name="Ink 78">
@@ -17762,7 +17770,7 @@
               </p14:xfrm>
             </p:contentPart>
           </mc:Choice>
-          <mc:Fallback>
+          <mc:Fallback xmlns="">
             <p:pic>
               <p:nvPicPr>
                 <p:cNvPr id="79" name="Ink 78">
@@ -17793,8 +17801,8 @@
             </p:pic>
           </mc:Fallback>
         </mc:AlternateContent>
-        <mc:AlternateContent xmlns:mc="http://schemas.openxmlformats.org/markup-compatibility/2006">
-          <mc:Choice xmlns:p14="http://schemas.microsoft.com/office/powerpoint/2010/main" Requires="p14">
+        <mc:AlternateContent xmlns:mc="http://schemas.openxmlformats.org/markup-compatibility/2006" xmlns:p14="http://schemas.microsoft.com/office/powerpoint/2010/main">
+          <mc:Choice Requires="p14">
             <p:contentPart p14:bwMode="auto" r:id="rId88">
               <p14:nvContentPartPr>
                 <p14:cNvPr id="80" name="Ink 79">
@@ -17813,7 +17821,7 @@
               </p14:xfrm>
             </p:contentPart>
           </mc:Choice>
-          <mc:Fallback>
+          <mc:Fallback xmlns="">
             <p:pic>
               <p:nvPicPr>
                 <p:cNvPr id="80" name="Ink 79">
@@ -17865,8 +17873,8 @@
             <a:chExt cx="330840" cy="388800"/>
           </a:xfrm>
         </p:grpSpPr>
-        <mc:AlternateContent xmlns:mc="http://schemas.openxmlformats.org/markup-compatibility/2006">
-          <mc:Choice xmlns:p14="http://schemas.microsoft.com/office/powerpoint/2010/main" Requires="p14">
+        <mc:AlternateContent xmlns:mc="http://schemas.openxmlformats.org/markup-compatibility/2006" xmlns:p14="http://schemas.microsoft.com/office/powerpoint/2010/main">
+          <mc:Choice Requires="p14">
             <p:contentPart p14:bwMode="auto" r:id="rId90">
               <p14:nvContentPartPr>
                 <p14:cNvPr id="82" name="Ink 81">
@@ -17885,7 +17893,7 @@
               </p14:xfrm>
             </p:contentPart>
           </mc:Choice>
-          <mc:Fallback>
+          <mc:Fallback xmlns="">
             <p:pic>
               <p:nvPicPr>
                 <p:cNvPr id="82" name="Ink 81">
@@ -17916,8 +17924,8 @@
             </p:pic>
           </mc:Fallback>
         </mc:AlternateContent>
-        <mc:AlternateContent xmlns:mc="http://schemas.openxmlformats.org/markup-compatibility/2006">
-          <mc:Choice xmlns:p14="http://schemas.microsoft.com/office/powerpoint/2010/main" Requires="p14">
+        <mc:AlternateContent xmlns:mc="http://schemas.openxmlformats.org/markup-compatibility/2006" xmlns:p14="http://schemas.microsoft.com/office/powerpoint/2010/main">
+          <mc:Choice Requires="p14">
             <p:contentPart p14:bwMode="auto" r:id="rId92">
               <p14:nvContentPartPr>
                 <p14:cNvPr id="83" name="Ink 82">
@@ -17936,7 +17944,7 @@
               </p14:xfrm>
             </p:contentPart>
           </mc:Choice>
-          <mc:Fallback>
+          <mc:Fallback xmlns="">
             <p:pic>
               <p:nvPicPr>
                 <p:cNvPr id="83" name="Ink 82">
@@ -17967,8 +17975,8 @@
             </p:pic>
           </mc:Fallback>
         </mc:AlternateContent>
-        <mc:AlternateContent xmlns:mc="http://schemas.openxmlformats.org/markup-compatibility/2006">
-          <mc:Choice xmlns:p14="http://schemas.microsoft.com/office/powerpoint/2010/main" Requires="p14">
+        <mc:AlternateContent xmlns:mc="http://schemas.openxmlformats.org/markup-compatibility/2006" xmlns:p14="http://schemas.microsoft.com/office/powerpoint/2010/main">
+          <mc:Choice Requires="p14">
             <p:contentPart p14:bwMode="auto" r:id="rId94">
               <p14:nvContentPartPr>
                 <p14:cNvPr id="84" name="Ink 83">
@@ -17987,7 +17995,7 @@
               </p14:xfrm>
             </p:contentPart>
           </mc:Choice>
-          <mc:Fallback>
+          <mc:Fallback xmlns="">
             <p:pic>
               <p:nvPicPr>
                 <p:cNvPr id="84" name="Ink 83">
@@ -18039,8 +18047,8 @@
             <a:chExt cx="361440" cy="301320"/>
           </a:xfrm>
         </p:grpSpPr>
-        <mc:AlternateContent xmlns:mc="http://schemas.openxmlformats.org/markup-compatibility/2006">
-          <mc:Choice xmlns:p14="http://schemas.microsoft.com/office/powerpoint/2010/main" Requires="p14">
+        <mc:AlternateContent xmlns:mc="http://schemas.openxmlformats.org/markup-compatibility/2006" xmlns:p14="http://schemas.microsoft.com/office/powerpoint/2010/main">
+          <mc:Choice Requires="p14">
             <p:contentPart p14:bwMode="auto" r:id="rId96">
               <p14:nvContentPartPr>
                 <p14:cNvPr id="86" name="Ink 85">
@@ -18059,7 +18067,7 @@
               </p14:xfrm>
             </p:contentPart>
           </mc:Choice>
-          <mc:Fallback>
+          <mc:Fallback xmlns="">
             <p:pic>
               <p:nvPicPr>
                 <p:cNvPr id="86" name="Ink 85">
@@ -18090,8 +18098,8 @@
             </p:pic>
           </mc:Fallback>
         </mc:AlternateContent>
-        <mc:AlternateContent xmlns:mc="http://schemas.openxmlformats.org/markup-compatibility/2006">
-          <mc:Choice xmlns:p14="http://schemas.microsoft.com/office/powerpoint/2010/main" Requires="p14">
+        <mc:AlternateContent xmlns:mc="http://schemas.openxmlformats.org/markup-compatibility/2006" xmlns:p14="http://schemas.microsoft.com/office/powerpoint/2010/main">
+          <mc:Choice Requires="p14">
             <p:contentPart p14:bwMode="auto" r:id="rId98">
               <p14:nvContentPartPr>
                 <p14:cNvPr id="87" name="Ink 86">
@@ -18110,7 +18118,7 @@
               </p14:xfrm>
             </p:contentPart>
           </mc:Choice>
-          <mc:Fallback>
+          <mc:Fallback xmlns="">
             <p:pic>
               <p:nvPicPr>
                 <p:cNvPr id="87" name="Ink 86">
@@ -18141,8 +18149,8 @@
             </p:pic>
           </mc:Fallback>
         </mc:AlternateContent>
-        <mc:AlternateContent xmlns:mc="http://schemas.openxmlformats.org/markup-compatibility/2006">
-          <mc:Choice xmlns:p14="http://schemas.microsoft.com/office/powerpoint/2010/main" Requires="p14">
+        <mc:AlternateContent xmlns:mc="http://schemas.openxmlformats.org/markup-compatibility/2006" xmlns:p14="http://schemas.microsoft.com/office/powerpoint/2010/main">
+          <mc:Choice Requires="p14">
             <p:contentPart p14:bwMode="auto" r:id="rId100">
               <p14:nvContentPartPr>
                 <p14:cNvPr id="88" name="Ink 87">
@@ -18161,7 +18169,7 @@
               </p14:xfrm>
             </p:contentPart>
           </mc:Choice>
-          <mc:Fallback>
+          <mc:Fallback xmlns="">
             <p:pic>
               <p:nvPicPr>
                 <p:cNvPr id="88" name="Ink 87">
@@ -18213,8 +18221,8 @@
             <a:chExt cx="357480" cy="289080"/>
           </a:xfrm>
         </p:grpSpPr>
-        <mc:AlternateContent xmlns:mc="http://schemas.openxmlformats.org/markup-compatibility/2006">
-          <mc:Choice xmlns:p14="http://schemas.microsoft.com/office/powerpoint/2010/main" Requires="p14">
+        <mc:AlternateContent xmlns:mc="http://schemas.openxmlformats.org/markup-compatibility/2006" xmlns:p14="http://schemas.microsoft.com/office/powerpoint/2010/main">
+          <mc:Choice Requires="p14">
             <p:contentPart p14:bwMode="auto" r:id="rId102">
               <p14:nvContentPartPr>
                 <p14:cNvPr id="90" name="Ink 89">
@@ -18233,7 +18241,7 @@
               </p14:xfrm>
             </p:contentPart>
           </mc:Choice>
-          <mc:Fallback>
+          <mc:Fallback xmlns="">
             <p:pic>
               <p:nvPicPr>
                 <p:cNvPr id="90" name="Ink 89">
@@ -18264,8 +18272,8 @@
             </p:pic>
           </mc:Fallback>
         </mc:AlternateContent>
-        <mc:AlternateContent xmlns:mc="http://schemas.openxmlformats.org/markup-compatibility/2006">
-          <mc:Choice xmlns:p14="http://schemas.microsoft.com/office/powerpoint/2010/main" Requires="p14">
+        <mc:AlternateContent xmlns:mc="http://schemas.openxmlformats.org/markup-compatibility/2006" xmlns:p14="http://schemas.microsoft.com/office/powerpoint/2010/main">
+          <mc:Choice Requires="p14">
             <p:contentPart p14:bwMode="auto" r:id="rId104">
               <p14:nvContentPartPr>
                 <p14:cNvPr id="91" name="Ink 90">
@@ -18284,7 +18292,7 @@
               </p14:xfrm>
             </p:contentPart>
           </mc:Choice>
-          <mc:Fallback>
+          <mc:Fallback xmlns="">
             <p:pic>
               <p:nvPicPr>
                 <p:cNvPr id="91" name="Ink 90">
@@ -18315,8 +18323,8 @@
             </p:pic>
           </mc:Fallback>
         </mc:AlternateContent>
-        <mc:AlternateContent xmlns:mc="http://schemas.openxmlformats.org/markup-compatibility/2006">
-          <mc:Choice xmlns:p14="http://schemas.microsoft.com/office/powerpoint/2010/main" Requires="p14">
+        <mc:AlternateContent xmlns:mc="http://schemas.openxmlformats.org/markup-compatibility/2006" xmlns:p14="http://schemas.microsoft.com/office/powerpoint/2010/main">
+          <mc:Choice Requires="p14">
             <p:contentPart p14:bwMode="auto" r:id="rId106">
               <p14:nvContentPartPr>
                 <p14:cNvPr id="92" name="Ink 91">
@@ -18335,7 +18343,7 @@
               </p14:xfrm>
             </p:contentPart>
           </mc:Choice>
-          <mc:Fallback>
+          <mc:Fallback xmlns="">
             <p:pic>
               <p:nvPicPr>
                 <p:cNvPr id="92" name="Ink 91">
@@ -18387,8 +18395,8 @@
             <a:chExt cx="154440" cy="220320"/>
           </a:xfrm>
         </p:grpSpPr>
-        <mc:AlternateContent xmlns:mc="http://schemas.openxmlformats.org/markup-compatibility/2006">
-          <mc:Choice xmlns:p14="http://schemas.microsoft.com/office/powerpoint/2010/main" Requires="p14">
+        <mc:AlternateContent xmlns:mc="http://schemas.openxmlformats.org/markup-compatibility/2006" xmlns:p14="http://schemas.microsoft.com/office/powerpoint/2010/main">
+          <mc:Choice Requires="p14">
             <p:contentPart p14:bwMode="auto" r:id="rId108">
               <p14:nvContentPartPr>
                 <p14:cNvPr id="94" name="Ink 93">
@@ -18407,7 +18415,7 @@
               </p14:xfrm>
             </p:contentPart>
           </mc:Choice>
-          <mc:Fallback>
+          <mc:Fallback xmlns="">
             <p:pic>
               <p:nvPicPr>
                 <p:cNvPr id="94" name="Ink 93">
@@ -18438,8 +18446,8 @@
             </p:pic>
           </mc:Fallback>
         </mc:AlternateContent>
-        <mc:AlternateContent xmlns:mc="http://schemas.openxmlformats.org/markup-compatibility/2006">
-          <mc:Choice xmlns:p14="http://schemas.microsoft.com/office/powerpoint/2010/main" Requires="p14">
+        <mc:AlternateContent xmlns:mc="http://schemas.openxmlformats.org/markup-compatibility/2006" xmlns:p14="http://schemas.microsoft.com/office/powerpoint/2010/main">
+          <mc:Choice Requires="p14">
             <p:contentPart p14:bwMode="auto" r:id="rId110">
               <p14:nvContentPartPr>
                 <p14:cNvPr id="95" name="Ink 94">
@@ -18458,7 +18466,7 @@
               </p14:xfrm>
             </p:contentPart>
           </mc:Choice>
-          <mc:Fallback>
+          <mc:Fallback xmlns="">
             <p:pic>
               <p:nvPicPr>
                 <p:cNvPr id="95" name="Ink 94">
@@ -18510,8 +18518,8 @@
             <a:chExt cx="479520" cy="376200"/>
           </a:xfrm>
         </p:grpSpPr>
-        <mc:AlternateContent xmlns:mc="http://schemas.openxmlformats.org/markup-compatibility/2006">
-          <mc:Choice xmlns:p14="http://schemas.microsoft.com/office/powerpoint/2010/main" Requires="p14">
+        <mc:AlternateContent xmlns:mc="http://schemas.openxmlformats.org/markup-compatibility/2006" xmlns:p14="http://schemas.microsoft.com/office/powerpoint/2010/main">
+          <mc:Choice Requires="p14">
             <p:contentPart p14:bwMode="auto" r:id="rId112">
               <p14:nvContentPartPr>
                 <p14:cNvPr id="97" name="Ink 96">
@@ -18530,7 +18538,7 @@
               </p14:xfrm>
             </p:contentPart>
           </mc:Choice>
-          <mc:Fallback>
+          <mc:Fallback xmlns="">
             <p:pic>
               <p:nvPicPr>
                 <p:cNvPr id="97" name="Ink 96">
@@ -18561,8 +18569,8 @@
             </p:pic>
           </mc:Fallback>
         </mc:AlternateContent>
-        <mc:AlternateContent xmlns:mc="http://schemas.openxmlformats.org/markup-compatibility/2006">
-          <mc:Choice xmlns:p14="http://schemas.microsoft.com/office/powerpoint/2010/main" Requires="p14">
+        <mc:AlternateContent xmlns:mc="http://schemas.openxmlformats.org/markup-compatibility/2006" xmlns:p14="http://schemas.microsoft.com/office/powerpoint/2010/main">
+          <mc:Choice Requires="p14">
             <p:contentPart p14:bwMode="auto" r:id="rId114">
               <p14:nvContentPartPr>
                 <p14:cNvPr id="98" name="Ink 97">
@@ -18581,7 +18589,7 @@
               </p14:xfrm>
             </p:contentPart>
           </mc:Choice>
-          <mc:Fallback>
+          <mc:Fallback xmlns="">
             <p:pic>
               <p:nvPicPr>
                 <p:cNvPr id="98" name="Ink 97">
@@ -18633,8 +18641,8 @@
             <a:chExt cx="638280" cy="386640"/>
           </a:xfrm>
         </p:grpSpPr>
-        <mc:AlternateContent xmlns:mc="http://schemas.openxmlformats.org/markup-compatibility/2006">
-          <mc:Choice xmlns:p14="http://schemas.microsoft.com/office/powerpoint/2010/main" Requires="p14">
+        <mc:AlternateContent xmlns:mc="http://schemas.openxmlformats.org/markup-compatibility/2006" xmlns:p14="http://schemas.microsoft.com/office/powerpoint/2010/main">
+          <mc:Choice Requires="p14">
             <p:contentPart p14:bwMode="auto" r:id="rId116">
               <p14:nvContentPartPr>
                 <p14:cNvPr id="103" name="Ink 102">
@@ -18653,7 +18661,7 @@
               </p14:xfrm>
             </p:contentPart>
           </mc:Choice>
-          <mc:Fallback>
+          <mc:Fallback xmlns="">
             <p:pic>
               <p:nvPicPr>
                 <p:cNvPr id="103" name="Ink 102">
@@ -18684,8 +18692,8 @@
             </p:pic>
           </mc:Fallback>
         </mc:AlternateContent>
-        <mc:AlternateContent xmlns:mc="http://schemas.openxmlformats.org/markup-compatibility/2006">
-          <mc:Choice xmlns:p14="http://schemas.microsoft.com/office/powerpoint/2010/main" Requires="p14">
+        <mc:AlternateContent xmlns:mc="http://schemas.openxmlformats.org/markup-compatibility/2006" xmlns:p14="http://schemas.microsoft.com/office/powerpoint/2010/main">
+          <mc:Choice Requires="p14">
             <p:contentPart p14:bwMode="auto" r:id="rId118">
               <p14:nvContentPartPr>
                 <p14:cNvPr id="104" name="Ink 103">
@@ -18704,7 +18712,7 @@
               </p14:xfrm>
             </p:contentPart>
           </mc:Choice>
-          <mc:Fallback>
+          <mc:Fallback xmlns="">
             <p:pic>
               <p:nvPicPr>
                 <p:cNvPr id="104" name="Ink 103">
@@ -18735,8 +18743,8 @@
             </p:pic>
           </mc:Fallback>
         </mc:AlternateContent>
-        <mc:AlternateContent xmlns:mc="http://schemas.openxmlformats.org/markup-compatibility/2006">
-          <mc:Choice xmlns:p14="http://schemas.microsoft.com/office/powerpoint/2010/main" Requires="p14">
+        <mc:AlternateContent xmlns:mc="http://schemas.openxmlformats.org/markup-compatibility/2006" xmlns:p14="http://schemas.microsoft.com/office/powerpoint/2010/main">
+          <mc:Choice Requires="p14">
             <p:contentPart p14:bwMode="auto" r:id="rId120">
               <p14:nvContentPartPr>
                 <p14:cNvPr id="105" name="Ink 104">
@@ -18755,7 +18763,7 @@
               </p14:xfrm>
             </p:contentPart>
           </mc:Choice>
-          <mc:Fallback>
+          <mc:Fallback xmlns="">
             <p:pic>
               <p:nvPicPr>
                 <p:cNvPr id="105" name="Ink 104">
@@ -18786,8 +18794,8 @@
             </p:pic>
           </mc:Fallback>
         </mc:AlternateContent>
-        <mc:AlternateContent xmlns:mc="http://schemas.openxmlformats.org/markup-compatibility/2006">
-          <mc:Choice xmlns:p14="http://schemas.microsoft.com/office/powerpoint/2010/main" Requires="p14">
+        <mc:AlternateContent xmlns:mc="http://schemas.openxmlformats.org/markup-compatibility/2006" xmlns:p14="http://schemas.microsoft.com/office/powerpoint/2010/main">
+          <mc:Choice Requires="p14">
             <p:contentPart p14:bwMode="auto" r:id="rId122">
               <p14:nvContentPartPr>
                 <p14:cNvPr id="107" name="Ink 106">
@@ -18806,7 +18814,7 @@
               </p14:xfrm>
             </p:contentPart>
           </mc:Choice>
-          <mc:Fallback>
+          <mc:Fallback xmlns="">
             <p:pic>
               <p:nvPicPr>
                 <p:cNvPr id="107" name="Ink 106">
@@ -18837,8 +18845,8 @@
             </p:pic>
           </mc:Fallback>
         </mc:AlternateContent>
-        <mc:AlternateContent xmlns:mc="http://schemas.openxmlformats.org/markup-compatibility/2006">
-          <mc:Choice xmlns:p14="http://schemas.microsoft.com/office/powerpoint/2010/main" Requires="p14">
+        <mc:AlternateContent xmlns:mc="http://schemas.openxmlformats.org/markup-compatibility/2006" xmlns:p14="http://schemas.microsoft.com/office/powerpoint/2010/main">
+          <mc:Choice Requires="p14">
             <p:contentPart p14:bwMode="auto" r:id="rId124">
               <p14:nvContentPartPr>
                 <p14:cNvPr id="108" name="Ink 107">
@@ -18857,7 +18865,7 @@
               </p14:xfrm>
             </p:contentPart>
           </mc:Choice>
-          <mc:Fallback>
+          <mc:Fallback xmlns="">
             <p:pic>
               <p:nvPicPr>
                 <p:cNvPr id="108" name="Ink 107">
@@ -18909,8 +18917,8 @@
             <a:chExt cx="503640" cy="419760"/>
           </a:xfrm>
         </p:grpSpPr>
-        <mc:AlternateContent xmlns:mc="http://schemas.openxmlformats.org/markup-compatibility/2006">
-          <mc:Choice xmlns:p14="http://schemas.microsoft.com/office/powerpoint/2010/main" Requires="p14">
+        <mc:AlternateContent xmlns:mc="http://schemas.openxmlformats.org/markup-compatibility/2006" xmlns:p14="http://schemas.microsoft.com/office/powerpoint/2010/main">
+          <mc:Choice Requires="p14">
             <p:contentPart p14:bwMode="auto" r:id="rId126">
               <p14:nvContentPartPr>
                 <p14:cNvPr id="100" name="Ink 99">
@@ -18929,7 +18937,7 @@
               </p14:xfrm>
             </p:contentPart>
           </mc:Choice>
-          <mc:Fallback>
+          <mc:Fallback xmlns="">
             <p:pic>
               <p:nvPicPr>
                 <p:cNvPr id="100" name="Ink 99">
@@ -18960,8 +18968,8 @@
             </p:pic>
           </mc:Fallback>
         </mc:AlternateContent>
-        <mc:AlternateContent xmlns:mc="http://schemas.openxmlformats.org/markup-compatibility/2006">
-          <mc:Choice xmlns:p14="http://schemas.microsoft.com/office/powerpoint/2010/main" Requires="p14">
+        <mc:AlternateContent xmlns:mc="http://schemas.openxmlformats.org/markup-compatibility/2006" xmlns:p14="http://schemas.microsoft.com/office/powerpoint/2010/main">
+          <mc:Choice Requires="p14">
             <p:contentPart p14:bwMode="auto" r:id="rId128">
               <p14:nvContentPartPr>
                 <p14:cNvPr id="101" name="Ink 100">
@@ -18980,7 +18988,7 @@
               </p14:xfrm>
             </p:contentPart>
           </mc:Choice>
-          <mc:Fallback>
+          <mc:Fallback xmlns="">
             <p:pic>
               <p:nvPicPr>
                 <p:cNvPr id="101" name="Ink 100">
@@ -19011,8 +19019,8 @@
             </p:pic>
           </mc:Fallback>
         </mc:AlternateContent>
-        <mc:AlternateContent xmlns:mc="http://schemas.openxmlformats.org/markup-compatibility/2006">
-          <mc:Choice xmlns:p14="http://schemas.microsoft.com/office/powerpoint/2010/main" Requires="p14">
+        <mc:AlternateContent xmlns:mc="http://schemas.openxmlformats.org/markup-compatibility/2006" xmlns:p14="http://schemas.microsoft.com/office/powerpoint/2010/main">
+          <mc:Choice Requires="p14">
             <p:contentPart p14:bwMode="auto" r:id="rId130">
               <p14:nvContentPartPr>
                 <p14:cNvPr id="110" name="Ink 109">
@@ -19031,7 +19039,7 @@
               </p14:xfrm>
             </p:contentPart>
           </mc:Choice>
-          <mc:Fallback>
+          <mc:Fallback xmlns="">
             <p:pic>
               <p:nvPicPr>
                 <p:cNvPr id="110" name="Ink 109">
@@ -19062,8 +19070,8 @@
             </p:pic>
           </mc:Fallback>
         </mc:AlternateContent>
-        <mc:AlternateContent xmlns:mc="http://schemas.openxmlformats.org/markup-compatibility/2006">
-          <mc:Choice xmlns:p14="http://schemas.microsoft.com/office/powerpoint/2010/main" Requires="p14">
+        <mc:AlternateContent xmlns:mc="http://schemas.openxmlformats.org/markup-compatibility/2006" xmlns:p14="http://schemas.microsoft.com/office/powerpoint/2010/main">
+          <mc:Choice Requires="p14">
             <p:contentPart p14:bwMode="auto" r:id="rId132">
               <p14:nvContentPartPr>
                 <p14:cNvPr id="111" name="Ink 110">
@@ -19082,7 +19090,7 @@
               </p14:xfrm>
             </p:contentPart>
           </mc:Choice>
-          <mc:Fallback>
+          <mc:Fallback xmlns="">
             <p:pic>
               <p:nvPicPr>
                 <p:cNvPr id="111" name="Ink 110">
@@ -19113,8 +19121,8 @@
             </p:pic>
           </mc:Fallback>
         </mc:AlternateContent>
-        <mc:AlternateContent xmlns:mc="http://schemas.openxmlformats.org/markup-compatibility/2006">
-          <mc:Choice xmlns:p14="http://schemas.microsoft.com/office/powerpoint/2010/main" Requires="p14">
+        <mc:AlternateContent xmlns:mc="http://schemas.openxmlformats.org/markup-compatibility/2006" xmlns:p14="http://schemas.microsoft.com/office/powerpoint/2010/main">
+          <mc:Choice Requires="p14">
             <p:contentPart p14:bwMode="auto" r:id="rId134">
               <p14:nvContentPartPr>
                 <p14:cNvPr id="112" name="Ink 111">
@@ -19133,7 +19141,7 @@
               </p14:xfrm>
             </p:contentPart>
           </mc:Choice>
-          <mc:Fallback>
+          <mc:Fallback xmlns="">
             <p:pic>
               <p:nvPicPr>
                 <p:cNvPr id="112" name="Ink 111">
@@ -19858,6 +19866,1026 @@
 </p:sld>
 </file>
 
+<file path=ppt/slides/slide27.xml><?xml version="1.0" encoding="utf-8"?>
+<p:sld xmlns:a="http://schemas.openxmlformats.org/drawingml/2006/main" xmlns:r="http://schemas.openxmlformats.org/officeDocument/2006/relationships" xmlns:p="http://schemas.openxmlformats.org/presentationml/2006/main">
+  <p:cSld>
+    <p:spTree>
+      <p:nvGrpSpPr>
+        <p:cNvPr id="1" name=""/>
+        <p:cNvGrpSpPr/>
+        <p:nvPr/>
+      </p:nvGrpSpPr>
+      <p:grpSpPr>
+        <a:xfrm>
+          <a:off x="0" y="0"/>
+          <a:ext cx="0" cy="0"/>
+          <a:chOff x="0" y="0"/>
+          <a:chExt cx="0" cy="0"/>
+        </a:xfrm>
+      </p:grpSpPr>
+      <p:sp>
+        <p:nvSpPr>
+          <p:cNvPr id="2" name="Title 1">
+            <a:extLst>
+              <a:ext uri="{FF2B5EF4-FFF2-40B4-BE49-F238E27FC236}">
+                <a16:creationId xmlns:a16="http://schemas.microsoft.com/office/drawing/2014/main" id="{8BE78074-2AB9-3BE4-11F2-0706213A12B1}"/>
+              </a:ext>
+            </a:extLst>
+          </p:cNvPr>
+          <p:cNvSpPr>
+            <a:spLocks noGrp="1"/>
+          </p:cNvSpPr>
+          <p:nvPr>
+            <p:ph type="title"/>
+          </p:nvPr>
+        </p:nvSpPr>
+        <p:spPr/>
+        <p:txBody>
+          <a:bodyPr>
+            <a:normAutofit/>
+          </a:bodyPr>
+          <a:lstStyle/>
+          <a:p>
+            <a:r>
+              <a:rPr lang="en-US" dirty="0"/>
+              <a:t>The </a:t>
+            </a:r>
+            <a:r>
+              <a:rPr lang="en-US" dirty="0" err="1"/>
+              <a:t>Darthmouth</a:t>
+            </a:r>
+            <a:r>
+              <a:rPr lang="en-US" dirty="0"/>
+              <a:t> Conference (1956)</a:t>
+            </a:r>
+          </a:p>
+        </p:txBody>
+      </p:sp>
+      <p:sp>
+        <p:nvSpPr>
+          <p:cNvPr id="3" name="Content Placeholder 2">
+            <a:extLst>
+              <a:ext uri="{FF2B5EF4-FFF2-40B4-BE49-F238E27FC236}">
+                <a16:creationId xmlns:a16="http://schemas.microsoft.com/office/drawing/2014/main" id="{78757FB6-7FF6-A9E5-F416-67DB236C18C2}"/>
+              </a:ext>
+            </a:extLst>
+          </p:cNvPr>
+          <p:cNvSpPr>
+            <a:spLocks noGrp="1"/>
+          </p:cNvSpPr>
+          <p:nvPr>
+            <p:ph idx="1"/>
+          </p:nvPr>
+        </p:nvSpPr>
+        <p:spPr>
+          <a:xfrm>
+            <a:off x="1066800" y="2103120"/>
+            <a:ext cx="10058400" cy="4112286"/>
+          </a:xfrm>
+        </p:spPr>
+        <p:txBody>
+          <a:bodyPr>
+            <a:normAutofit/>
+          </a:bodyPr>
+          <a:lstStyle/>
+          <a:p>
+            <a:r>
+              <a:rPr lang="en-US" sz="1800" dirty="0">
+                <a:effectLst/>
+                <a:latin typeface="Segoe UI" panose="020B0502040204020203" pitchFamily="34" charset="0"/>
+                <a:ea typeface="Times New Roman" panose="02020603050405020304" pitchFamily="18" charset="0"/>
+              </a:rPr>
+              <a:t>The conference took place at Dartmouth College, New Hampshire, in </a:t>
+            </a:r>
+            <a:r>
+              <a:rPr lang="en-US" dirty="0">
+                <a:latin typeface="Segoe UI" panose="020B0502040204020203" pitchFamily="34" charset="0"/>
+                <a:ea typeface="Times New Roman" panose="02020603050405020304" pitchFamily="18" charset="0"/>
+              </a:rPr>
+              <a:t>the summer of 1956 </a:t>
+            </a:r>
+            <a:r>
+              <a:rPr lang="en-US" sz="1800" dirty="0">
+                <a:effectLst/>
+                <a:latin typeface="Segoe UI" panose="020B0502040204020203" pitchFamily="34" charset="0"/>
+                <a:ea typeface="Times New Roman" panose="02020603050405020304" pitchFamily="18" charset="0"/>
+              </a:rPr>
+              <a:t>and gathered a small group of scientists with the goal of discussing and exploring the potential of machines to mimic various forms of human intelligence.</a:t>
+            </a:r>
+          </a:p>
+          <a:p>
+            <a:pPr marL="0" indent="0">
+              <a:buNone/>
+            </a:pPr>
+            <a:endParaRPr lang="en-US" sz="1800" dirty="0">
+              <a:effectLst/>
+              <a:latin typeface="Segoe UI" panose="020B0502040204020203" pitchFamily="34" charset="0"/>
+              <a:ea typeface="Times New Roman" panose="02020603050405020304" pitchFamily="18" charset="0"/>
+            </a:endParaRPr>
+          </a:p>
+          <a:p>
+            <a:pPr marL="0" marR="0" indent="0">
+              <a:spcBef>
+                <a:spcPts val="200"/>
+              </a:spcBef>
+              <a:spcAft>
+                <a:spcPts val="0"/>
+              </a:spcAft>
+              <a:buNone/>
+            </a:pPr>
+            <a:r>
+              <a:rPr lang="en-US" sz="1800" b="0" i="1" dirty="0">
+                <a:solidFill>
+                  <a:srgbClr val="2F5496"/>
+                </a:solidFill>
+                <a:effectLst/>
+                <a:latin typeface="Segoe UI" panose="020B0502040204020203" pitchFamily="34" charset="0"/>
+                <a:ea typeface="Times New Roman" panose="02020603050405020304" pitchFamily="18" charset="0"/>
+                <a:cs typeface="Times New Roman" panose="02020603050405020304" pitchFamily="18" charset="0"/>
+              </a:rPr>
+              <a:t>Foundational Goals and Beliefs</a:t>
+            </a:r>
+          </a:p>
+          <a:p>
+            <a:pPr marL="0" marR="0" indent="0">
+              <a:spcBef>
+                <a:spcPts val="200"/>
+              </a:spcBef>
+              <a:spcAft>
+                <a:spcPts val="0"/>
+              </a:spcAft>
+              <a:buNone/>
+            </a:pPr>
+            <a:endParaRPr lang="en-US" sz="1800" b="1" i="1" dirty="0">
+              <a:solidFill>
+                <a:srgbClr val="2F5496"/>
+              </a:solidFill>
+              <a:effectLst/>
+              <a:latin typeface="Calibri Light" panose="020F0302020204030204" pitchFamily="34" charset="0"/>
+              <a:ea typeface="Times New Roman" panose="02020603050405020304" pitchFamily="18" charset="0"/>
+              <a:cs typeface="Times New Roman" panose="02020603050405020304" pitchFamily="18" charset="0"/>
+            </a:endParaRPr>
+          </a:p>
+          <a:p>
+            <a:pPr marL="342900" marR="0" lvl="0" indent="-342900">
+              <a:spcBef>
+                <a:spcPts val="0"/>
+              </a:spcBef>
+              <a:spcAft>
+                <a:spcPts val="0"/>
+              </a:spcAft>
+              <a:buSzPts val="1000"/>
+              <a:buFont typeface="Symbol" pitchFamily="2" charset="2"/>
+              <a:buChar char=""/>
+              <a:tabLst>
+                <a:tab pos="457200" algn="l"/>
+              </a:tabLst>
+            </a:pPr>
+            <a:r>
+              <a:rPr lang="en-US" sz="1800" b="1" dirty="0">
+                <a:effectLst/>
+                <a:latin typeface="Segoe UI" panose="020B0502040204020203" pitchFamily="34" charset="0"/>
+                <a:ea typeface="Times New Roman" panose="02020603050405020304" pitchFamily="18" charset="0"/>
+              </a:rPr>
+              <a:t>Simulation of Human Intelligence:</a:t>
+            </a:r>
+            <a:r>
+              <a:rPr lang="en-US" sz="1800" dirty="0">
+                <a:effectLst/>
+                <a:latin typeface="Segoe UI" panose="020B0502040204020203" pitchFamily="34" charset="0"/>
+                <a:ea typeface="Times New Roman" panose="02020603050405020304" pitchFamily="18" charset="0"/>
+              </a:rPr>
+              <a:t> A central belief was that </a:t>
+            </a:r>
+            <a:r>
+              <a:rPr lang="en-US" sz="1800" dirty="0">
+                <a:solidFill>
+                  <a:srgbClr val="FF0000"/>
+                </a:solidFill>
+                <a:effectLst/>
+                <a:latin typeface="Segoe UI" panose="020B0502040204020203" pitchFamily="34" charset="0"/>
+                <a:ea typeface="Times New Roman" panose="02020603050405020304" pitchFamily="18" charset="0"/>
+              </a:rPr>
+              <a:t>machines could be made to simulate human intelligence</a:t>
+            </a:r>
+            <a:r>
+              <a:rPr lang="en-US" sz="1800" dirty="0">
+                <a:effectLst/>
+                <a:latin typeface="Segoe UI" panose="020B0502040204020203" pitchFamily="34" charset="0"/>
+                <a:ea typeface="Times New Roman" panose="02020603050405020304" pitchFamily="18" charset="0"/>
+              </a:rPr>
+              <a:t> and cognitive processes.</a:t>
+            </a:r>
+            <a:endParaRPr lang="en-US" sz="1800" dirty="0">
+              <a:effectLst/>
+              <a:latin typeface="Times New Roman" panose="02020603050405020304" pitchFamily="18" charset="0"/>
+              <a:ea typeface="Times New Roman" panose="02020603050405020304" pitchFamily="18" charset="0"/>
+            </a:endParaRPr>
+          </a:p>
+          <a:p>
+            <a:pPr marL="342900" marR="0" lvl="0" indent="-342900">
+              <a:spcBef>
+                <a:spcPts val="0"/>
+              </a:spcBef>
+              <a:spcAft>
+                <a:spcPts val="0"/>
+              </a:spcAft>
+              <a:buSzPts val="1000"/>
+              <a:buFont typeface="Symbol" pitchFamily="2" charset="2"/>
+              <a:buChar char=""/>
+              <a:tabLst>
+                <a:tab pos="457200" algn="l"/>
+              </a:tabLst>
+            </a:pPr>
+            <a:r>
+              <a:rPr lang="en-US" sz="1800" b="1" dirty="0">
+                <a:effectLst/>
+                <a:latin typeface="Segoe UI" panose="020B0502040204020203" pitchFamily="34" charset="0"/>
+                <a:ea typeface="Times New Roman" panose="02020603050405020304" pitchFamily="18" charset="0"/>
+              </a:rPr>
+              <a:t>Problem Solving:</a:t>
+            </a:r>
+            <a:r>
+              <a:rPr lang="en-US" sz="1800" dirty="0">
+                <a:effectLst/>
+                <a:latin typeface="Segoe UI" panose="020B0502040204020203" pitchFamily="34" charset="0"/>
+                <a:ea typeface="Times New Roman" panose="02020603050405020304" pitchFamily="18" charset="0"/>
+              </a:rPr>
+              <a:t> A focus was placed on creating machines that could handle problems reserved for </a:t>
+            </a:r>
+            <a:r>
+              <a:rPr lang="en-US" sz="1800" dirty="0">
+                <a:solidFill>
+                  <a:srgbClr val="FF0000"/>
+                </a:solidFill>
+                <a:effectLst/>
+                <a:latin typeface="Segoe UI" panose="020B0502040204020203" pitchFamily="34" charset="0"/>
+                <a:ea typeface="Times New Roman" panose="02020603050405020304" pitchFamily="18" charset="0"/>
+              </a:rPr>
+              <a:t>human intellect, </a:t>
+            </a:r>
+            <a:r>
+              <a:rPr lang="en-US" sz="1800" dirty="0">
+                <a:effectLst/>
+                <a:latin typeface="Segoe UI" panose="020B0502040204020203" pitchFamily="34" charset="0"/>
+                <a:ea typeface="Times New Roman" panose="02020603050405020304" pitchFamily="18" charset="0"/>
+              </a:rPr>
+              <a:t>such as </a:t>
+            </a:r>
+            <a:r>
+              <a:rPr lang="en-US" sz="1800" dirty="0">
+                <a:solidFill>
+                  <a:srgbClr val="00B050"/>
+                </a:solidFill>
+                <a:effectLst/>
+                <a:latin typeface="Segoe UI" panose="020B0502040204020203" pitchFamily="34" charset="0"/>
+                <a:ea typeface="Times New Roman" panose="02020603050405020304" pitchFamily="18" charset="0"/>
+              </a:rPr>
+              <a:t>symbolic reasoning and problem-solving</a:t>
+            </a:r>
+            <a:r>
+              <a:rPr lang="en-US" sz="1800" dirty="0">
+                <a:effectLst/>
+                <a:latin typeface="Segoe UI" panose="020B0502040204020203" pitchFamily="34" charset="0"/>
+                <a:ea typeface="Times New Roman" panose="02020603050405020304" pitchFamily="18" charset="0"/>
+              </a:rPr>
+              <a:t>.</a:t>
+            </a:r>
+            <a:endParaRPr lang="en-US" sz="1800" dirty="0">
+              <a:effectLst/>
+              <a:latin typeface="Times New Roman" panose="02020603050405020304" pitchFamily="18" charset="0"/>
+              <a:ea typeface="Times New Roman" panose="02020603050405020304" pitchFamily="18" charset="0"/>
+            </a:endParaRPr>
+          </a:p>
+          <a:p>
+            <a:pPr marL="342900" marR="0" lvl="0" indent="-342900">
+              <a:spcBef>
+                <a:spcPts val="0"/>
+              </a:spcBef>
+              <a:spcAft>
+                <a:spcPts val="0"/>
+              </a:spcAft>
+              <a:buSzPts val="1000"/>
+              <a:buFont typeface="Symbol" pitchFamily="2" charset="2"/>
+              <a:buChar char=""/>
+              <a:tabLst>
+                <a:tab pos="457200" algn="l"/>
+              </a:tabLst>
+            </a:pPr>
+            <a:r>
+              <a:rPr lang="en-US" sz="1800" b="1" dirty="0">
+                <a:effectLst/>
+                <a:latin typeface="Segoe UI" panose="020B0502040204020203" pitchFamily="34" charset="0"/>
+                <a:ea typeface="Times New Roman" panose="02020603050405020304" pitchFamily="18" charset="0"/>
+              </a:rPr>
+              <a:t>Learning Machines:</a:t>
+            </a:r>
+            <a:r>
+              <a:rPr lang="en-US" sz="1800" dirty="0">
+                <a:effectLst/>
+                <a:latin typeface="Segoe UI" panose="020B0502040204020203" pitchFamily="34" charset="0"/>
+                <a:ea typeface="Times New Roman" panose="02020603050405020304" pitchFamily="18" charset="0"/>
+              </a:rPr>
+              <a:t> The conference acknowledged the potential of creating machines capable of </a:t>
+            </a:r>
+            <a:r>
+              <a:rPr lang="en-US" sz="1800" dirty="0">
+                <a:solidFill>
+                  <a:srgbClr val="00B050"/>
+                </a:solidFill>
+                <a:effectLst/>
+                <a:latin typeface="Segoe UI" panose="020B0502040204020203" pitchFamily="34" charset="0"/>
+                <a:ea typeface="Times New Roman" panose="02020603050405020304" pitchFamily="18" charset="0"/>
+              </a:rPr>
+              <a:t>self-improvement and learning</a:t>
+            </a:r>
+            <a:r>
+              <a:rPr lang="en-US" sz="1800" dirty="0">
+                <a:effectLst/>
+                <a:latin typeface="Segoe UI" panose="020B0502040204020203" pitchFamily="34" charset="0"/>
+                <a:ea typeface="Times New Roman" panose="02020603050405020304" pitchFamily="18" charset="0"/>
+              </a:rPr>
+              <a:t>.</a:t>
+            </a:r>
+            <a:endParaRPr lang="en-US" sz="1800" dirty="0">
+              <a:effectLst/>
+              <a:latin typeface="Times New Roman" panose="02020603050405020304" pitchFamily="18" charset="0"/>
+              <a:ea typeface="Times New Roman" panose="02020603050405020304" pitchFamily="18" charset="0"/>
+            </a:endParaRPr>
+          </a:p>
+          <a:p>
+            <a:pPr marL="342900" marR="0" lvl="0" indent="-342900">
+              <a:spcBef>
+                <a:spcPts val="0"/>
+              </a:spcBef>
+              <a:spcAft>
+                <a:spcPts val="0"/>
+              </a:spcAft>
+              <a:buSzPts val="1000"/>
+              <a:buFont typeface="Symbol" pitchFamily="2" charset="2"/>
+              <a:buChar char=""/>
+              <a:tabLst>
+                <a:tab pos="457200" algn="l"/>
+              </a:tabLst>
+            </a:pPr>
+            <a:r>
+              <a:rPr lang="en-US" sz="1800" b="1" dirty="0">
+                <a:effectLst/>
+                <a:latin typeface="Segoe UI" panose="020B0502040204020203" pitchFamily="34" charset="0"/>
+                <a:ea typeface="Times New Roman" panose="02020603050405020304" pitchFamily="18" charset="0"/>
+              </a:rPr>
+              <a:t>Language Understanding:</a:t>
+            </a:r>
+            <a:r>
+              <a:rPr lang="en-US" sz="1800" dirty="0">
+                <a:effectLst/>
+                <a:latin typeface="Segoe UI" panose="020B0502040204020203" pitchFamily="34" charset="0"/>
+                <a:ea typeface="Times New Roman" panose="02020603050405020304" pitchFamily="18" charset="0"/>
+              </a:rPr>
+              <a:t> Developing the ability of machines to comprehend and utilize </a:t>
+            </a:r>
+            <a:r>
+              <a:rPr lang="en-US" sz="1800" dirty="0">
+                <a:solidFill>
+                  <a:srgbClr val="FF0000"/>
+                </a:solidFill>
+                <a:effectLst/>
+                <a:latin typeface="Segoe UI" panose="020B0502040204020203" pitchFamily="34" charset="0"/>
+                <a:ea typeface="Times New Roman" panose="02020603050405020304" pitchFamily="18" charset="0"/>
+              </a:rPr>
+              <a:t>natural language </a:t>
+            </a:r>
+            <a:r>
+              <a:rPr lang="en-US" sz="1800" dirty="0">
+                <a:effectLst/>
+                <a:latin typeface="Segoe UI" panose="020B0502040204020203" pitchFamily="34" charset="0"/>
+                <a:ea typeface="Times New Roman" panose="02020603050405020304" pitchFamily="18" charset="0"/>
+              </a:rPr>
+              <a:t>was identified as a critical dimension of AI.</a:t>
+            </a:r>
+            <a:endParaRPr lang="en-US" sz="1800" dirty="0">
+              <a:effectLst/>
+              <a:latin typeface="Times New Roman" panose="02020603050405020304" pitchFamily="18" charset="0"/>
+              <a:ea typeface="Times New Roman" panose="02020603050405020304" pitchFamily="18" charset="0"/>
+            </a:endParaRPr>
+          </a:p>
+          <a:p>
+            <a:endParaRPr lang="en-US" sz="1800" dirty="0">
+              <a:effectLst/>
+              <a:latin typeface="Times New Roman" panose="02020603050405020304" pitchFamily="18" charset="0"/>
+              <a:ea typeface="Times New Roman" panose="02020603050405020304" pitchFamily="18" charset="0"/>
+            </a:endParaRPr>
+          </a:p>
+          <a:p>
+            <a:endParaRPr lang="en-US" dirty="0"/>
+          </a:p>
+        </p:txBody>
+      </p:sp>
+    </p:spTree>
+    <p:extLst>
+      <p:ext uri="{BB962C8B-B14F-4D97-AF65-F5344CB8AC3E}">
+        <p14:creationId xmlns:p14="http://schemas.microsoft.com/office/powerpoint/2010/main" val="2000258545"/>
+      </p:ext>
+    </p:extLst>
+  </p:cSld>
+  <p:clrMapOvr>
+    <a:masterClrMapping/>
+  </p:clrMapOvr>
+</p:sld>
+</file>
+
+<file path=ppt/slides/slide28.xml><?xml version="1.0" encoding="utf-8"?>
+<p:sld xmlns:a="http://schemas.openxmlformats.org/drawingml/2006/main" xmlns:r="http://schemas.openxmlformats.org/officeDocument/2006/relationships" xmlns:p="http://schemas.openxmlformats.org/presentationml/2006/main">
+  <p:cSld>
+    <p:spTree>
+      <p:nvGrpSpPr>
+        <p:cNvPr id="1" name=""/>
+        <p:cNvGrpSpPr/>
+        <p:nvPr/>
+      </p:nvGrpSpPr>
+      <p:grpSpPr>
+        <a:xfrm>
+          <a:off x="0" y="0"/>
+          <a:ext cx="0" cy="0"/>
+          <a:chOff x="0" y="0"/>
+          <a:chExt cx="0" cy="0"/>
+        </a:xfrm>
+      </p:grpSpPr>
+      <p:sp>
+        <p:nvSpPr>
+          <p:cNvPr id="2" name="Title 1">
+            <a:extLst>
+              <a:ext uri="{FF2B5EF4-FFF2-40B4-BE49-F238E27FC236}">
+                <a16:creationId xmlns:a16="http://schemas.microsoft.com/office/drawing/2014/main" id="{8BE78074-2AB9-3BE4-11F2-0706213A12B1}"/>
+              </a:ext>
+            </a:extLst>
+          </p:cNvPr>
+          <p:cNvSpPr>
+            <a:spLocks noGrp="1"/>
+          </p:cNvSpPr>
+          <p:nvPr>
+            <p:ph type="title"/>
+          </p:nvPr>
+        </p:nvSpPr>
+        <p:spPr/>
+        <p:txBody>
+          <a:bodyPr>
+            <a:normAutofit/>
+          </a:bodyPr>
+          <a:lstStyle/>
+          <a:p>
+            <a:r>
+              <a:rPr lang="en-US" dirty="0"/>
+              <a:t>The </a:t>
+            </a:r>
+            <a:r>
+              <a:rPr lang="en-US" dirty="0" err="1"/>
+              <a:t>Darthmouth</a:t>
+            </a:r>
+            <a:r>
+              <a:rPr lang="en-US" dirty="0"/>
+              <a:t> Conference (1956)</a:t>
+            </a:r>
+          </a:p>
+        </p:txBody>
+      </p:sp>
+      <p:sp>
+        <p:nvSpPr>
+          <p:cNvPr id="3" name="Content Placeholder 2">
+            <a:extLst>
+              <a:ext uri="{FF2B5EF4-FFF2-40B4-BE49-F238E27FC236}">
+                <a16:creationId xmlns:a16="http://schemas.microsoft.com/office/drawing/2014/main" id="{78757FB6-7FF6-A9E5-F416-67DB236C18C2}"/>
+              </a:ext>
+            </a:extLst>
+          </p:cNvPr>
+          <p:cNvSpPr>
+            <a:spLocks noGrp="1"/>
+          </p:cNvSpPr>
+          <p:nvPr>
+            <p:ph idx="1"/>
+          </p:nvPr>
+        </p:nvSpPr>
+        <p:spPr>
+          <a:xfrm>
+            <a:off x="1066800" y="2103120"/>
+            <a:ext cx="10058400" cy="4112286"/>
+          </a:xfrm>
+        </p:spPr>
+        <p:txBody>
+          <a:bodyPr>
+            <a:normAutofit/>
+          </a:bodyPr>
+          <a:lstStyle/>
+          <a:p>
+            <a:pPr marL="0" marR="0" indent="0">
+              <a:spcBef>
+                <a:spcPts val="200"/>
+              </a:spcBef>
+              <a:spcAft>
+                <a:spcPts val="0"/>
+              </a:spcAft>
+              <a:buNone/>
+            </a:pPr>
+            <a:r>
+              <a:rPr lang="en-US" sz="1800" b="0" i="1" dirty="0">
+                <a:solidFill>
+                  <a:srgbClr val="2F5496"/>
+                </a:solidFill>
+                <a:effectLst/>
+                <a:latin typeface="Segoe UI" panose="020B0502040204020203" pitchFamily="34" charset="0"/>
+                <a:ea typeface="Times New Roman" panose="02020603050405020304" pitchFamily="18" charset="0"/>
+                <a:cs typeface="Times New Roman" panose="02020603050405020304" pitchFamily="18" charset="0"/>
+              </a:rPr>
+              <a:t>Legacy and Criticisms</a:t>
+            </a:r>
+          </a:p>
+          <a:p>
+            <a:pPr marL="0" marR="0">
+              <a:spcBef>
+                <a:spcPts val="200"/>
+              </a:spcBef>
+              <a:spcAft>
+                <a:spcPts val="0"/>
+              </a:spcAft>
+            </a:pPr>
+            <a:endParaRPr lang="en-US" sz="1800" b="1" i="1" dirty="0">
+              <a:solidFill>
+                <a:srgbClr val="2F5496"/>
+              </a:solidFill>
+              <a:effectLst/>
+              <a:latin typeface="Calibri Light" panose="020F0302020204030204" pitchFamily="34" charset="0"/>
+              <a:ea typeface="Times New Roman" panose="02020603050405020304" pitchFamily="18" charset="0"/>
+              <a:cs typeface="Times New Roman" panose="02020603050405020304" pitchFamily="18" charset="0"/>
+            </a:endParaRPr>
+          </a:p>
+          <a:p>
+            <a:pPr marL="0" marR="0">
+              <a:spcBef>
+                <a:spcPts val="0"/>
+              </a:spcBef>
+              <a:spcAft>
+                <a:spcPts val="1500"/>
+              </a:spcAft>
+            </a:pPr>
+            <a:r>
+              <a:rPr lang="en-US" sz="1800" dirty="0">
+                <a:effectLst/>
+                <a:latin typeface="Segoe UI" panose="020B0502040204020203" pitchFamily="34" charset="0"/>
+                <a:ea typeface="Times New Roman" panose="02020603050405020304" pitchFamily="18" charset="0"/>
+              </a:rPr>
+              <a:t>The Dartmouth Conference undeniably cast </a:t>
+            </a:r>
+            <a:r>
+              <a:rPr lang="en-US" sz="1800" dirty="0">
+                <a:solidFill>
+                  <a:srgbClr val="FF0000"/>
+                </a:solidFill>
+                <a:effectLst/>
+                <a:latin typeface="Segoe UI" panose="020B0502040204020203" pitchFamily="34" charset="0"/>
+                <a:ea typeface="Times New Roman" panose="02020603050405020304" pitchFamily="18" charset="0"/>
+              </a:rPr>
+              <a:t>foundational</a:t>
+            </a:r>
+            <a:r>
+              <a:rPr lang="en-US" sz="1800" dirty="0">
+                <a:effectLst/>
+                <a:latin typeface="Segoe UI" panose="020B0502040204020203" pitchFamily="34" charset="0"/>
+                <a:ea typeface="Times New Roman" panose="02020603050405020304" pitchFamily="18" charset="0"/>
+              </a:rPr>
+              <a:t> stones for the formalization of artificial intelligence as a field. </a:t>
+            </a:r>
+          </a:p>
+          <a:p>
+            <a:pPr marL="0" marR="0">
+              <a:spcBef>
+                <a:spcPts val="0"/>
+              </a:spcBef>
+              <a:spcAft>
+                <a:spcPts val="1500"/>
+              </a:spcAft>
+            </a:pPr>
+            <a:r>
+              <a:rPr lang="en-US" kern="0" dirty="0">
+                <a:latin typeface="Segoe UI" panose="020B0502040204020203" pitchFamily="34" charset="0"/>
+                <a:ea typeface="Times New Roman" panose="02020603050405020304" pitchFamily="18" charset="0"/>
+              </a:rPr>
+              <a:t>It l</a:t>
+            </a:r>
+            <a:r>
+              <a:rPr lang="en-US" sz="1800" kern="0" dirty="0">
+                <a:effectLst/>
+                <a:latin typeface="Segoe UI" panose="020B0502040204020203" pitchFamily="34" charset="0"/>
+                <a:ea typeface="Times New Roman" panose="02020603050405020304" pitchFamily="18" charset="0"/>
+              </a:rPr>
+              <a:t>aid critical groundwork, propelling forward a multitude of research areas within artificial intelligence, from </a:t>
+            </a:r>
+            <a:r>
+              <a:rPr lang="en-US" sz="1800" kern="0" dirty="0">
+                <a:solidFill>
+                  <a:srgbClr val="FF0000"/>
+                </a:solidFill>
+                <a:effectLst/>
+                <a:latin typeface="Segoe UI" panose="020B0502040204020203" pitchFamily="34" charset="0"/>
+                <a:ea typeface="Times New Roman" panose="02020603050405020304" pitchFamily="18" charset="0"/>
+              </a:rPr>
+              <a:t>machine learning to robotics</a:t>
+            </a:r>
+            <a:r>
+              <a:rPr lang="en-US" dirty="0">
+                <a:solidFill>
+                  <a:srgbClr val="FF0000"/>
+                </a:solidFill>
+                <a:effectLst/>
+              </a:rPr>
+              <a:t> </a:t>
+            </a:r>
+            <a:endParaRPr lang="en-US" sz="1800" dirty="0">
+              <a:solidFill>
+                <a:srgbClr val="FF0000"/>
+              </a:solidFill>
+              <a:effectLst/>
+              <a:latin typeface="Segoe UI" panose="020B0502040204020203" pitchFamily="34" charset="0"/>
+              <a:ea typeface="Times New Roman" panose="02020603050405020304" pitchFamily="18" charset="0"/>
+            </a:endParaRPr>
+          </a:p>
+          <a:p>
+            <a:pPr marL="0" marR="0">
+              <a:spcBef>
+                <a:spcPts val="0"/>
+              </a:spcBef>
+              <a:spcAft>
+                <a:spcPts val="1500"/>
+              </a:spcAft>
+            </a:pPr>
+            <a:r>
+              <a:rPr lang="en-US" sz="1800" dirty="0">
+                <a:effectLst/>
+                <a:latin typeface="Segoe UI" panose="020B0502040204020203" pitchFamily="34" charset="0"/>
+                <a:ea typeface="Times New Roman" panose="02020603050405020304" pitchFamily="18" charset="0"/>
+              </a:rPr>
+              <a:t>The optimism embedded in the original proposal, which suggested that </a:t>
+            </a:r>
+            <a:r>
+              <a:rPr lang="en-US" sz="1800" dirty="0">
+                <a:solidFill>
+                  <a:srgbClr val="FF0000"/>
+                </a:solidFill>
+                <a:effectLst/>
+                <a:latin typeface="Segoe UI" panose="020B0502040204020203" pitchFamily="34" charset="0"/>
+                <a:ea typeface="Times New Roman" panose="02020603050405020304" pitchFamily="18" charset="0"/>
+              </a:rPr>
+              <a:t>significant advances in machine intelligence could be achieved over a single summer</a:t>
+            </a:r>
+            <a:r>
+              <a:rPr lang="en-US" sz="1800" dirty="0">
+                <a:effectLst/>
+                <a:latin typeface="Segoe UI" panose="020B0502040204020203" pitchFamily="34" charset="0"/>
+                <a:ea typeface="Times New Roman" panose="02020603050405020304" pitchFamily="18" charset="0"/>
+              </a:rPr>
+              <a:t>, was perhaps overly ambitious, as the challenges and complexities inherent in mimicking human intelligence proved to be significantly deeper and more nuanced than initially comprehended.</a:t>
+            </a:r>
+            <a:endParaRPr lang="en-US" sz="1800" dirty="0">
+              <a:effectLst/>
+              <a:latin typeface="Times New Roman" panose="02020603050405020304" pitchFamily="18" charset="0"/>
+              <a:ea typeface="Times New Roman" panose="02020603050405020304" pitchFamily="18" charset="0"/>
+            </a:endParaRPr>
+          </a:p>
+          <a:p>
+            <a:endParaRPr lang="en-US" sz="1800" dirty="0">
+              <a:effectLst/>
+              <a:latin typeface="Times New Roman" panose="02020603050405020304" pitchFamily="18" charset="0"/>
+              <a:ea typeface="Times New Roman" panose="02020603050405020304" pitchFamily="18" charset="0"/>
+            </a:endParaRPr>
+          </a:p>
+          <a:p>
+            <a:endParaRPr lang="en-US" dirty="0"/>
+          </a:p>
+        </p:txBody>
+      </p:sp>
+    </p:spTree>
+    <p:extLst>
+      <p:ext uri="{BB962C8B-B14F-4D97-AF65-F5344CB8AC3E}">
+        <p14:creationId xmlns:p14="http://schemas.microsoft.com/office/powerpoint/2010/main" val="546125803"/>
+      </p:ext>
+    </p:extLst>
+  </p:cSld>
+  <p:clrMapOvr>
+    <a:masterClrMapping/>
+  </p:clrMapOvr>
+</p:sld>
+</file>
+
+<file path=ppt/slides/slide29.xml><?xml version="1.0" encoding="utf-8"?>
+<p:sld xmlns:a="http://schemas.openxmlformats.org/drawingml/2006/main" xmlns:r="http://schemas.openxmlformats.org/officeDocument/2006/relationships" xmlns:p="http://schemas.openxmlformats.org/presentationml/2006/main">
+  <p:cSld>
+    <p:spTree>
+      <p:nvGrpSpPr>
+        <p:cNvPr id="1" name=""/>
+        <p:cNvGrpSpPr/>
+        <p:nvPr/>
+      </p:nvGrpSpPr>
+      <p:grpSpPr>
+        <a:xfrm>
+          <a:off x="0" y="0"/>
+          <a:ext cx="0" cy="0"/>
+          <a:chOff x="0" y="0"/>
+          <a:chExt cx="0" cy="0"/>
+        </a:xfrm>
+      </p:grpSpPr>
+      <p:sp>
+        <p:nvSpPr>
+          <p:cNvPr id="2" name="Title 1">
+            <a:extLst>
+              <a:ext uri="{FF2B5EF4-FFF2-40B4-BE49-F238E27FC236}">
+                <a16:creationId xmlns:a16="http://schemas.microsoft.com/office/drawing/2014/main" id="{CA2F323A-1DDF-7673-BE0A-20FA4C1F8D67}"/>
+              </a:ext>
+            </a:extLst>
+          </p:cNvPr>
+          <p:cNvSpPr>
+            <a:spLocks noGrp="1"/>
+          </p:cNvSpPr>
+          <p:nvPr>
+            <p:ph type="title"/>
+          </p:nvPr>
+        </p:nvSpPr>
+        <p:spPr/>
+        <p:txBody>
+          <a:bodyPr/>
+          <a:lstStyle/>
+          <a:p>
+            <a:r>
+              <a:rPr lang="en-US" dirty="0"/>
+              <a:t>Early Successes in AI</a:t>
+            </a:r>
+          </a:p>
+        </p:txBody>
+      </p:sp>
+      <p:sp>
+        <p:nvSpPr>
+          <p:cNvPr id="3" name="Content Placeholder 2">
+            <a:extLst>
+              <a:ext uri="{FF2B5EF4-FFF2-40B4-BE49-F238E27FC236}">
+                <a16:creationId xmlns:a16="http://schemas.microsoft.com/office/drawing/2014/main" id="{2835EFD9-ACD3-8161-24E4-7DF08DAB521F}"/>
+              </a:ext>
+            </a:extLst>
+          </p:cNvPr>
+          <p:cNvSpPr>
+            <a:spLocks noGrp="1"/>
+          </p:cNvSpPr>
+          <p:nvPr>
+            <p:ph idx="1"/>
+          </p:nvPr>
+        </p:nvSpPr>
+        <p:spPr/>
+        <p:txBody>
+          <a:bodyPr>
+            <a:normAutofit lnSpcReduction="10000"/>
+          </a:bodyPr>
+          <a:lstStyle/>
+          <a:p>
+            <a:pPr marL="0" marR="0" indent="0">
+              <a:spcBef>
+                <a:spcPts val="200"/>
+              </a:spcBef>
+              <a:spcAft>
+                <a:spcPts val="0"/>
+              </a:spcAft>
+              <a:buNone/>
+            </a:pPr>
+            <a:r>
+              <a:rPr lang="en-US" sz="2400" b="1" i="1" dirty="0">
+                <a:solidFill>
+                  <a:srgbClr val="2F5496"/>
+                </a:solidFill>
+                <a:effectLst/>
+                <a:latin typeface="Segoe UI" panose="020B0502040204020203" pitchFamily="34" charset="0"/>
+                <a:ea typeface="Times New Roman" panose="02020603050405020304" pitchFamily="18" charset="0"/>
+                <a:cs typeface="Times New Roman" panose="02020603050405020304" pitchFamily="18" charset="0"/>
+              </a:rPr>
+              <a:t>Logic Theorist (1955)</a:t>
+            </a:r>
+          </a:p>
+          <a:p>
+            <a:pPr marL="0" marR="0">
+              <a:spcBef>
+                <a:spcPts val="200"/>
+              </a:spcBef>
+              <a:spcAft>
+                <a:spcPts val="0"/>
+              </a:spcAft>
+            </a:pPr>
+            <a:endParaRPr lang="en-US" sz="1800" b="1" i="1" dirty="0">
+              <a:solidFill>
+                <a:srgbClr val="2F5496"/>
+              </a:solidFill>
+              <a:effectLst/>
+              <a:latin typeface="Calibri Light" panose="020F0302020204030204" pitchFamily="34" charset="0"/>
+              <a:ea typeface="Times New Roman" panose="02020603050405020304" pitchFamily="18" charset="0"/>
+              <a:cs typeface="Times New Roman" panose="02020603050405020304" pitchFamily="18" charset="0"/>
+            </a:endParaRPr>
+          </a:p>
+          <a:p>
+            <a:pPr marL="0" marR="0" indent="0">
+              <a:spcBef>
+                <a:spcPts val="0"/>
+              </a:spcBef>
+              <a:spcAft>
+                <a:spcPts val="0"/>
+              </a:spcAft>
+              <a:buNone/>
+            </a:pPr>
+            <a:r>
+              <a:rPr lang="en-US" sz="1800" b="1" i="1" dirty="0">
+                <a:solidFill>
+                  <a:srgbClr val="2F5496"/>
+                </a:solidFill>
+                <a:effectLst/>
+                <a:latin typeface="Segoe UI" panose="020B0502040204020203" pitchFamily="34" charset="0"/>
+                <a:ea typeface="Times New Roman" panose="02020603050405020304" pitchFamily="18" charset="0"/>
+                <a:cs typeface="Times New Roman" panose="02020603050405020304" pitchFamily="18" charset="0"/>
+              </a:rPr>
+              <a:t>Capabilities:</a:t>
+            </a:r>
+          </a:p>
+          <a:p>
+            <a:pPr marL="0" marR="0" indent="0">
+              <a:spcBef>
+                <a:spcPts val="0"/>
+              </a:spcBef>
+              <a:spcAft>
+                <a:spcPts val="0"/>
+              </a:spcAft>
+              <a:buNone/>
+            </a:pPr>
+            <a:endParaRPr lang="en-US" sz="1800" b="1" dirty="0">
+              <a:solidFill>
+                <a:srgbClr val="2F5496"/>
+              </a:solidFill>
+              <a:effectLst/>
+              <a:latin typeface="Calibri Light" panose="020F0302020204030204" pitchFamily="34" charset="0"/>
+              <a:ea typeface="Times New Roman" panose="02020603050405020304" pitchFamily="18" charset="0"/>
+              <a:cs typeface="Times New Roman" panose="02020603050405020304" pitchFamily="18" charset="0"/>
+            </a:endParaRPr>
+          </a:p>
+          <a:p>
+            <a:pPr marL="342900" marR="0" lvl="0" indent="-342900">
+              <a:spcBef>
+                <a:spcPts val="0"/>
+              </a:spcBef>
+              <a:spcAft>
+                <a:spcPts val="0"/>
+              </a:spcAft>
+              <a:buSzPts val="1000"/>
+              <a:buFont typeface="Symbol" pitchFamily="2" charset="2"/>
+              <a:buChar char=""/>
+              <a:tabLst>
+                <a:tab pos="457200" algn="l"/>
+              </a:tabLst>
+            </a:pPr>
+            <a:r>
+              <a:rPr lang="en-US" sz="1800" b="1" dirty="0">
+                <a:effectLst/>
+                <a:latin typeface="Segoe UI" panose="020B0502040204020203" pitchFamily="34" charset="0"/>
+                <a:ea typeface="Times New Roman" panose="02020603050405020304" pitchFamily="18" charset="0"/>
+              </a:rPr>
+              <a:t>Symbolic Reasoning:</a:t>
+            </a:r>
+            <a:r>
+              <a:rPr lang="en-US" sz="1800" dirty="0">
+                <a:effectLst/>
+                <a:latin typeface="Segoe UI" panose="020B0502040204020203" pitchFamily="34" charset="0"/>
+                <a:ea typeface="Times New Roman" panose="02020603050405020304" pitchFamily="18" charset="0"/>
+              </a:rPr>
+              <a:t> Developed by Allen Newell, J.C. Shaw, and Herbert A. Simon, the Logic Theorist was the first program to mimic human problem-solving skills, utilizing symbolic reasoning to solve mathematical theorems.</a:t>
+            </a:r>
+          </a:p>
+          <a:p>
+            <a:pPr marL="0" marR="0" lvl="0" indent="0">
+              <a:spcBef>
+                <a:spcPts val="0"/>
+              </a:spcBef>
+              <a:spcAft>
+                <a:spcPts val="0"/>
+              </a:spcAft>
+              <a:buSzPts val="1000"/>
+              <a:buNone/>
+              <a:tabLst>
+                <a:tab pos="457200" algn="l"/>
+              </a:tabLst>
+            </a:pPr>
+            <a:endParaRPr lang="en-US" sz="1800" dirty="0">
+              <a:effectLst/>
+              <a:latin typeface="Times New Roman" panose="02020603050405020304" pitchFamily="18" charset="0"/>
+              <a:ea typeface="Times New Roman" panose="02020603050405020304" pitchFamily="18" charset="0"/>
+            </a:endParaRPr>
+          </a:p>
+          <a:p>
+            <a:pPr marL="342900" marR="0" lvl="0" indent="-342900">
+              <a:spcBef>
+                <a:spcPts val="0"/>
+              </a:spcBef>
+              <a:spcAft>
+                <a:spcPts val="0"/>
+              </a:spcAft>
+              <a:buSzPts val="1000"/>
+              <a:buFont typeface="Symbol" pitchFamily="2" charset="2"/>
+              <a:buChar char=""/>
+              <a:tabLst>
+                <a:tab pos="457200" algn="l"/>
+              </a:tabLst>
+            </a:pPr>
+            <a:r>
+              <a:rPr lang="en-US" sz="1800" b="1" dirty="0">
+                <a:effectLst/>
+                <a:latin typeface="Segoe UI" panose="020B0502040204020203" pitchFamily="34" charset="0"/>
+                <a:ea typeface="Times New Roman" panose="02020603050405020304" pitchFamily="18" charset="0"/>
+              </a:rPr>
+              <a:t>Proof Generation:</a:t>
+            </a:r>
+            <a:r>
+              <a:rPr lang="en-US" sz="1800" dirty="0">
+                <a:effectLst/>
+                <a:latin typeface="Segoe UI" panose="020B0502040204020203" pitchFamily="34" charset="0"/>
+                <a:ea typeface="Times New Roman" panose="02020603050405020304" pitchFamily="18" charset="0"/>
+              </a:rPr>
+              <a:t> It was capable of proving mathematical theorems by representing them as logical statements and utilizing a search tree to explore possible proofs, finding alternative solutions to the ones used by humans.</a:t>
+            </a:r>
+          </a:p>
+          <a:p>
+            <a:pPr marL="0" marR="0" lvl="0" indent="0">
+              <a:spcBef>
+                <a:spcPts val="0"/>
+              </a:spcBef>
+              <a:spcAft>
+                <a:spcPts val="0"/>
+              </a:spcAft>
+              <a:buSzPts val="1000"/>
+              <a:buNone/>
+              <a:tabLst>
+                <a:tab pos="457200" algn="l"/>
+              </a:tabLst>
+            </a:pPr>
+            <a:endParaRPr lang="en-US" sz="1800" dirty="0">
+              <a:effectLst/>
+              <a:latin typeface="Times New Roman" panose="02020603050405020304" pitchFamily="18" charset="0"/>
+              <a:ea typeface="Times New Roman" panose="02020603050405020304" pitchFamily="18" charset="0"/>
+            </a:endParaRPr>
+          </a:p>
+          <a:p>
+            <a:pPr marL="342900" marR="0" lvl="0" indent="-342900">
+              <a:spcBef>
+                <a:spcPts val="0"/>
+              </a:spcBef>
+              <a:spcAft>
+                <a:spcPts val="0"/>
+              </a:spcAft>
+              <a:buSzPts val="1000"/>
+              <a:buFont typeface="Symbol" pitchFamily="2" charset="2"/>
+              <a:buChar char=""/>
+              <a:tabLst>
+                <a:tab pos="457200" algn="l"/>
+              </a:tabLst>
+            </a:pPr>
+            <a:r>
+              <a:rPr lang="en-US" sz="1800" b="1" dirty="0">
+                <a:effectLst/>
+                <a:latin typeface="Segoe UI" panose="020B0502040204020203" pitchFamily="34" charset="0"/>
+                <a:ea typeface="Times New Roman" panose="02020603050405020304" pitchFamily="18" charset="0"/>
+              </a:rPr>
+              <a:t>Learning and Optimization:</a:t>
+            </a:r>
+            <a:r>
+              <a:rPr lang="en-US" sz="1800" dirty="0">
+                <a:effectLst/>
+                <a:latin typeface="Segoe UI" panose="020B0502040204020203" pitchFamily="34" charset="0"/>
+                <a:ea typeface="Times New Roman" panose="02020603050405020304" pitchFamily="18" charset="0"/>
+              </a:rPr>
+              <a:t> The Logic Theorist could learn and improve upon its previous solutions, optimizing its performance in theorem proving.</a:t>
+            </a:r>
+            <a:endParaRPr lang="en-US" sz="1800" dirty="0">
+              <a:effectLst/>
+              <a:latin typeface="Times New Roman" panose="02020603050405020304" pitchFamily="18" charset="0"/>
+              <a:ea typeface="Times New Roman" panose="02020603050405020304" pitchFamily="18" charset="0"/>
+            </a:endParaRPr>
+          </a:p>
+          <a:p>
+            <a:endParaRPr lang="en-US" dirty="0"/>
+          </a:p>
+        </p:txBody>
+      </p:sp>
+    </p:spTree>
+    <p:extLst>
+      <p:ext uri="{BB962C8B-B14F-4D97-AF65-F5344CB8AC3E}">
+        <p14:creationId xmlns:p14="http://schemas.microsoft.com/office/powerpoint/2010/main" val="2303119063"/>
+      </p:ext>
+    </p:extLst>
+  </p:cSld>
+  <p:clrMapOvr>
+    <a:masterClrMapping/>
+  </p:clrMapOvr>
+</p:sld>
+</file>
+
 <file path=ppt/slides/slide3.xml><?xml version="1.0" encoding="utf-8"?>
 <p:sld xmlns:a="http://schemas.openxmlformats.org/drawingml/2006/main" xmlns:r="http://schemas.openxmlformats.org/officeDocument/2006/relationships" xmlns:p="http://schemas.openxmlformats.org/presentationml/2006/main">
   <p:cSld>
@@ -20160,6 +21188,1801 @@
     <p:extLst>
       <p:ext uri="{BB962C8B-B14F-4D97-AF65-F5344CB8AC3E}">
         <p14:creationId xmlns:p14="http://schemas.microsoft.com/office/powerpoint/2010/main" val="2173239810"/>
+      </p:ext>
+    </p:extLst>
+  </p:cSld>
+  <p:clrMapOvr>
+    <a:masterClrMapping/>
+  </p:clrMapOvr>
+</p:sld>
+</file>
+
+<file path=ppt/slides/slide30.xml><?xml version="1.0" encoding="utf-8"?>
+<p:sld xmlns:a="http://schemas.openxmlformats.org/drawingml/2006/main" xmlns:r="http://schemas.openxmlformats.org/officeDocument/2006/relationships" xmlns:p="http://schemas.openxmlformats.org/presentationml/2006/main">
+  <p:cSld>
+    <p:spTree>
+      <p:nvGrpSpPr>
+        <p:cNvPr id="1" name=""/>
+        <p:cNvGrpSpPr/>
+        <p:nvPr/>
+      </p:nvGrpSpPr>
+      <p:grpSpPr>
+        <a:xfrm>
+          <a:off x="0" y="0"/>
+          <a:ext cx="0" cy="0"/>
+          <a:chOff x="0" y="0"/>
+          <a:chExt cx="0" cy="0"/>
+        </a:xfrm>
+      </p:grpSpPr>
+      <p:sp>
+        <p:nvSpPr>
+          <p:cNvPr id="2" name="Title 1">
+            <a:extLst>
+              <a:ext uri="{FF2B5EF4-FFF2-40B4-BE49-F238E27FC236}">
+                <a16:creationId xmlns:a16="http://schemas.microsoft.com/office/drawing/2014/main" id="{A48154E5-CEAD-F1F1-22EF-37025DA34D9A}"/>
+              </a:ext>
+            </a:extLst>
+          </p:cNvPr>
+          <p:cNvSpPr>
+            <a:spLocks noGrp="1"/>
+          </p:cNvSpPr>
+          <p:nvPr>
+            <p:ph type="title"/>
+          </p:nvPr>
+        </p:nvSpPr>
+        <p:spPr/>
+        <p:txBody>
+          <a:bodyPr/>
+          <a:lstStyle/>
+          <a:p>
+            <a:r>
+              <a:rPr lang="en-US" dirty="0"/>
+              <a:t>Logical Reasoning</a:t>
+            </a:r>
+          </a:p>
+        </p:txBody>
+      </p:sp>
+      <p:sp>
+        <p:nvSpPr>
+          <p:cNvPr id="3" name="Content Placeholder 2">
+            <a:extLst>
+              <a:ext uri="{FF2B5EF4-FFF2-40B4-BE49-F238E27FC236}">
+                <a16:creationId xmlns:a16="http://schemas.microsoft.com/office/drawing/2014/main" id="{8C1EB91C-BD17-ABA2-694A-C46F62C5E8D1}"/>
+              </a:ext>
+            </a:extLst>
+          </p:cNvPr>
+          <p:cNvSpPr>
+            <a:spLocks noGrp="1"/>
+          </p:cNvSpPr>
+          <p:nvPr>
+            <p:ph idx="1"/>
+          </p:nvPr>
+        </p:nvSpPr>
+        <p:spPr/>
+        <p:txBody>
+          <a:bodyPr>
+            <a:normAutofit fontScale="92500" lnSpcReduction="20000"/>
+          </a:bodyPr>
+          <a:lstStyle/>
+          <a:p>
+            <a:r>
+              <a:rPr lang="en-US" dirty="0"/>
+              <a:t>This is extremely interesting!  It is a topic at the boundary between mathematics and philosophy</a:t>
+            </a:r>
+          </a:p>
+          <a:p>
+            <a:r>
+              <a:rPr lang="en-US" dirty="0"/>
+              <a:t>The idea is that logical human thought processes can be expressed in terms of mathematical expressions involving True/False statements.</a:t>
+            </a:r>
+          </a:p>
+          <a:p>
+            <a:endParaRPr lang="en-US" dirty="0"/>
+          </a:p>
+          <a:p>
+            <a:r>
+              <a:rPr lang="en-US" dirty="0"/>
+              <a:t>Example:  Jane is a medical doctor.  All medical doctors are human.  Therefore, Jane is a human.</a:t>
+            </a:r>
+          </a:p>
+          <a:p>
+            <a:endParaRPr lang="en-US" dirty="0"/>
+          </a:p>
+          <a:p>
+            <a:r>
+              <a:rPr lang="en-US" dirty="0"/>
+              <a:t>Let the (predicate) statement “is a doctor” be represented by P</a:t>
+            </a:r>
+          </a:p>
+          <a:p>
+            <a:r>
+              <a:rPr lang="en-US" dirty="0"/>
+              <a:t>Let the (predicate) statement ”is human” be represented by Q</a:t>
+            </a:r>
+          </a:p>
+          <a:p>
+            <a:endParaRPr lang="en-US" dirty="0"/>
+          </a:p>
+          <a:p>
+            <a:r>
+              <a:rPr lang="en-US" dirty="0"/>
+              <a:t>We can then represent the statement “All medical doctors are human” by:  P ➔ Q   (”P implies Q”)</a:t>
+            </a:r>
+          </a:p>
+          <a:p>
+            <a:r>
+              <a:rPr lang="en-US" dirty="0"/>
+              <a:t>We can represent the statement “Jane is a doctor” by:  P = True</a:t>
+            </a:r>
+          </a:p>
+          <a:p>
+            <a:r>
+              <a:rPr lang="en-US" dirty="0"/>
+              <a:t>Thus, we can infer that Q = True.  Therefore, Jane is human.</a:t>
+            </a:r>
+          </a:p>
+        </p:txBody>
+      </p:sp>
+    </p:spTree>
+    <p:extLst>
+      <p:ext uri="{BB962C8B-B14F-4D97-AF65-F5344CB8AC3E}">
+        <p14:creationId xmlns:p14="http://schemas.microsoft.com/office/powerpoint/2010/main" val="140886106"/>
+      </p:ext>
+    </p:extLst>
+  </p:cSld>
+  <p:clrMapOvr>
+    <a:masterClrMapping/>
+  </p:clrMapOvr>
+</p:sld>
+</file>
+
+<file path=ppt/slides/slide31.xml><?xml version="1.0" encoding="utf-8"?>
+<p:sld xmlns:a="http://schemas.openxmlformats.org/drawingml/2006/main" xmlns:r="http://schemas.openxmlformats.org/officeDocument/2006/relationships" xmlns:p="http://schemas.openxmlformats.org/presentationml/2006/main">
+  <p:cSld>
+    <p:spTree>
+      <p:nvGrpSpPr>
+        <p:cNvPr id="1" name=""/>
+        <p:cNvGrpSpPr/>
+        <p:nvPr/>
+      </p:nvGrpSpPr>
+      <p:grpSpPr>
+        <a:xfrm>
+          <a:off x="0" y="0"/>
+          <a:ext cx="0" cy="0"/>
+          <a:chOff x="0" y="0"/>
+          <a:chExt cx="0" cy="0"/>
+        </a:xfrm>
+      </p:grpSpPr>
+      <p:sp>
+        <p:nvSpPr>
+          <p:cNvPr id="2" name="Title 1">
+            <a:extLst>
+              <a:ext uri="{FF2B5EF4-FFF2-40B4-BE49-F238E27FC236}">
+                <a16:creationId xmlns:a16="http://schemas.microsoft.com/office/drawing/2014/main" id="{A48154E5-CEAD-F1F1-22EF-37025DA34D9A}"/>
+              </a:ext>
+            </a:extLst>
+          </p:cNvPr>
+          <p:cNvSpPr>
+            <a:spLocks noGrp="1"/>
+          </p:cNvSpPr>
+          <p:nvPr>
+            <p:ph type="title"/>
+          </p:nvPr>
+        </p:nvSpPr>
+        <p:spPr/>
+        <p:txBody>
+          <a:bodyPr/>
+          <a:lstStyle/>
+          <a:p>
+            <a:r>
+              <a:rPr lang="en-US" dirty="0"/>
+              <a:t>Logical Reasoning</a:t>
+            </a:r>
+          </a:p>
+        </p:txBody>
+      </p:sp>
+      <p:sp>
+        <p:nvSpPr>
+          <p:cNvPr id="3" name="Content Placeholder 2">
+            <a:extLst>
+              <a:ext uri="{FF2B5EF4-FFF2-40B4-BE49-F238E27FC236}">
+                <a16:creationId xmlns:a16="http://schemas.microsoft.com/office/drawing/2014/main" id="{8C1EB91C-BD17-ABA2-694A-C46F62C5E8D1}"/>
+              </a:ext>
+            </a:extLst>
+          </p:cNvPr>
+          <p:cNvSpPr>
+            <a:spLocks noGrp="1"/>
+          </p:cNvSpPr>
+          <p:nvPr>
+            <p:ph idx="1"/>
+          </p:nvPr>
+        </p:nvSpPr>
+        <p:spPr/>
+        <p:txBody>
+          <a:bodyPr>
+            <a:normAutofit/>
+          </a:bodyPr>
+          <a:lstStyle/>
+          <a:p>
+            <a:r>
+              <a:rPr lang="en-US" dirty="0"/>
+              <a:t>Example 2:</a:t>
+            </a:r>
+          </a:p>
+          <a:p>
+            <a:endParaRPr lang="en-US" dirty="0"/>
+          </a:p>
+          <a:p>
+            <a:r>
+              <a:rPr lang="en-US" dirty="0"/>
+              <a:t>“In Newport News, sometimes it is raining, and sometimes a person is asleep.”</a:t>
+            </a:r>
+          </a:p>
+          <a:p>
+            <a:r>
+              <a:rPr lang="en-US" dirty="0"/>
+              <a:t>Let “is raining” be represented by P</a:t>
+            </a:r>
+          </a:p>
+          <a:p>
+            <a:r>
+              <a:rPr lang="en-US" dirty="0"/>
+              <a:t>Let ”is asleep” by represented by Q</a:t>
+            </a:r>
+          </a:p>
+          <a:p>
+            <a:endParaRPr lang="en-US" dirty="0"/>
+          </a:p>
+          <a:p>
+            <a:r>
+              <a:rPr lang="en-US" dirty="0"/>
+              <a:t>Consider now the expression P v Q … this means “P or Q”.  We can construct a “truth table” for this:</a:t>
+            </a:r>
+          </a:p>
+          <a:p>
+            <a:endParaRPr lang="en-US" dirty="0"/>
+          </a:p>
+        </p:txBody>
+      </p:sp>
+      <p:graphicFrame>
+        <p:nvGraphicFramePr>
+          <p:cNvPr id="4" name="Table 3">
+            <a:extLst>
+              <a:ext uri="{FF2B5EF4-FFF2-40B4-BE49-F238E27FC236}">
+                <a16:creationId xmlns:a16="http://schemas.microsoft.com/office/drawing/2014/main" id="{2269F1C2-1387-22EB-ACCB-79B308690E7C}"/>
+              </a:ext>
+            </a:extLst>
+          </p:cNvPr>
+          <p:cNvGraphicFramePr>
+            <a:graphicFrameLocks noGrp="1"/>
+          </p:cNvGraphicFramePr>
+          <p:nvPr>
+            <p:extLst>
+              <p:ext uri="{D42A27DB-BD31-4B8C-83A1-F6EECF244321}">
+                <p14:modId xmlns:p14="http://schemas.microsoft.com/office/powerpoint/2010/main" val="3710638262"/>
+              </p:ext>
+            </p:extLst>
+          </p:nvPr>
+        </p:nvGraphicFramePr>
+        <p:xfrm>
+          <a:off x="4733160" y="4976355"/>
+          <a:ext cx="2550510" cy="1371600"/>
+        </p:xfrm>
+        <a:graphic>
+          <a:graphicData uri="http://schemas.openxmlformats.org/drawingml/2006/table">
+            <a:tbl>
+              <a:tblPr firstRow="1" bandRow="1">
+                <a:tableStyleId>{5C22544A-7EE6-4342-B048-85BDC9FD1C3A}</a:tableStyleId>
+              </a:tblPr>
+              <a:tblGrid>
+                <a:gridCol w="850170">
+                  <a:extLst>
+                    <a:ext uri="{9D8B030D-6E8A-4147-A177-3AD203B41FA5}">
+                      <a16:colId xmlns:a16="http://schemas.microsoft.com/office/drawing/2014/main" val="2185026017"/>
+                    </a:ext>
+                  </a:extLst>
+                </a:gridCol>
+                <a:gridCol w="850170">
+                  <a:extLst>
+                    <a:ext uri="{9D8B030D-6E8A-4147-A177-3AD203B41FA5}">
+                      <a16:colId xmlns:a16="http://schemas.microsoft.com/office/drawing/2014/main" val="1339434458"/>
+                    </a:ext>
+                  </a:extLst>
+                </a:gridCol>
+                <a:gridCol w="850170">
+                  <a:extLst>
+                    <a:ext uri="{9D8B030D-6E8A-4147-A177-3AD203B41FA5}">
+                      <a16:colId xmlns:a16="http://schemas.microsoft.com/office/drawing/2014/main" val="635204006"/>
+                    </a:ext>
+                  </a:extLst>
+                </a:gridCol>
+              </a:tblGrid>
+              <a:tr h="457200">
+                <a:tc>
+                  <a:txBody>
+                    <a:bodyPr/>
+                    <a:lstStyle/>
+                    <a:p>
+                      <a:endParaRPr lang="en-US"/>
+                    </a:p>
+                  </a:txBody>
+                  <a:tcPr/>
+                </a:tc>
+                <a:tc>
+                  <a:txBody>
+                    <a:bodyPr/>
+                    <a:lstStyle/>
+                    <a:p>
+                      <a:r>
+                        <a:rPr lang="en-US" dirty="0"/>
+                        <a:t>P=0</a:t>
+                      </a:r>
+                    </a:p>
+                  </a:txBody>
+                  <a:tcPr/>
+                </a:tc>
+                <a:tc>
+                  <a:txBody>
+                    <a:bodyPr/>
+                    <a:lstStyle/>
+                    <a:p>
+                      <a:r>
+                        <a:rPr lang="en-US" dirty="0"/>
+                        <a:t>P=1</a:t>
+                      </a:r>
+                    </a:p>
+                  </a:txBody>
+                  <a:tcPr/>
+                </a:tc>
+                <a:extLst>
+                  <a:ext uri="{0D108BD9-81ED-4DB2-BD59-A6C34878D82A}">
+                    <a16:rowId xmlns:a16="http://schemas.microsoft.com/office/drawing/2014/main" val="2685495327"/>
+                  </a:ext>
+                </a:extLst>
+              </a:tr>
+              <a:tr h="457200">
+                <a:tc>
+                  <a:txBody>
+                    <a:bodyPr/>
+                    <a:lstStyle/>
+                    <a:p>
+                      <a:r>
+                        <a:rPr lang="en-US" dirty="0"/>
+                        <a:t>Q=0</a:t>
+                      </a:r>
+                    </a:p>
+                  </a:txBody>
+                  <a:tcPr/>
+                </a:tc>
+                <a:tc>
+                  <a:txBody>
+                    <a:bodyPr/>
+                    <a:lstStyle/>
+                    <a:p>
+                      <a:r>
+                        <a:rPr lang="en-US" dirty="0"/>
+                        <a:t>0</a:t>
+                      </a:r>
+                    </a:p>
+                  </a:txBody>
+                  <a:tcPr/>
+                </a:tc>
+                <a:tc>
+                  <a:txBody>
+                    <a:bodyPr/>
+                    <a:lstStyle/>
+                    <a:p>
+                      <a:r>
+                        <a:rPr lang="en-US" dirty="0"/>
+                        <a:t>1</a:t>
+                      </a:r>
+                    </a:p>
+                  </a:txBody>
+                  <a:tcPr/>
+                </a:tc>
+                <a:extLst>
+                  <a:ext uri="{0D108BD9-81ED-4DB2-BD59-A6C34878D82A}">
+                    <a16:rowId xmlns:a16="http://schemas.microsoft.com/office/drawing/2014/main" val="3836322281"/>
+                  </a:ext>
+                </a:extLst>
+              </a:tr>
+              <a:tr h="457200">
+                <a:tc>
+                  <a:txBody>
+                    <a:bodyPr/>
+                    <a:lstStyle/>
+                    <a:p>
+                      <a:r>
+                        <a:rPr lang="en-US" dirty="0"/>
+                        <a:t>Q=1</a:t>
+                      </a:r>
+                    </a:p>
+                  </a:txBody>
+                  <a:tcPr/>
+                </a:tc>
+                <a:tc>
+                  <a:txBody>
+                    <a:bodyPr/>
+                    <a:lstStyle/>
+                    <a:p>
+                      <a:r>
+                        <a:rPr lang="en-US" dirty="0"/>
+                        <a:t>1</a:t>
+                      </a:r>
+                    </a:p>
+                  </a:txBody>
+                  <a:tcPr/>
+                </a:tc>
+                <a:tc>
+                  <a:txBody>
+                    <a:bodyPr/>
+                    <a:lstStyle/>
+                    <a:p>
+                      <a:r>
+                        <a:rPr lang="en-US" dirty="0"/>
+                        <a:t>1</a:t>
+                      </a:r>
+                    </a:p>
+                  </a:txBody>
+                  <a:tcPr/>
+                </a:tc>
+                <a:extLst>
+                  <a:ext uri="{0D108BD9-81ED-4DB2-BD59-A6C34878D82A}">
+                    <a16:rowId xmlns:a16="http://schemas.microsoft.com/office/drawing/2014/main" val="634899189"/>
+                  </a:ext>
+                </a:extLst>
+              </a:tr>
+            </a:tbl>
+          </a:graphicData>
+        </a:graphic>
+      </p:graphicFrame>
+    </p:spTree>
+    <p:extLst>
+      <p:ext uri="{BB962C8B-B14F-4D97-AF65-F5344CB8AC3E}">
+        <p14:creationId xmlns:p14="http://schemas.microsoft.com/office/powerpoint/2010/main" val="105931157"/>
+      </p:ext>
+    </p:extLst>
+  </p:cSld>
+  <p:clrMapOvr>
+    <a:masterClrMapping/>
+  </p:clrMapOvr>
+</p:sld>
+</file>
+
+<file path=ppt/slides/slide32.xml><?xml version="1.0" encoding="utf-8"?>
+<p:sld xmlns:a="http://schemas.openxmlformats.org/drawingml/2006/main" xmlns:r="http://schemas.openxmlformats.org/officeDocument/2006/relationships" xmlns:p="http://schemas.openxmlformats.org/presentationml/2006/main">
+  <p:cSld>
+    <p:spTree>
+      <p:nvGrpSpPr>
+        <p:cNvPr id="1" name=""/>
+        <p:cNvGrpSpPr/>
+        <p:nvPr/>
+      </p:nvGrpSpPr>
+      <p:grpSpPr>
+        <a:xfrm>
+          <a:off x="0" y="0"/>
+          <a:ext cx="0" cy="0"/>
+          <a:chOff x="0" y="0"/>
+          <a:chExt cx="0" cy="0"/>
+        </a:xfrm>
+      </p:grpSpPr>
+      <p:sp>
+        <p:nvSpPr>
+          <p:cNvPr id="2" name="Title 1">
+            <a:extLst>
+              <a:ext uri="{FF2B5EF4-FFF2-40B4-BE49-F238E27FC236}">
+                <a16:creationId xmlns:a16="http://schemas.microsoft.com/office/drawing/2014/main" id="{A48154E5-CEAD-F1F1-22EF-37025DA34D9A}"/>
+              </a:ext>
+            </a:extLst>
+          </p:cNvPr>
+          <p:cNvSpPr>
+            <a:spLocks noGrp="1"/>
+          </p:cNvSpPr>
+          <p:nvPr>
+            <p:ph type="title"/>
+          </p:nvPr>
+        </p:nvSpPr>
+        <p:spPr/>
+        <p:txBody>
+          <a:bodyPr/>
+          <a:lstStyle/>
+          <a:p>
+            <a:r>
+              <a:rPr lang="en-US" dirty="0"/>
+              <a:t>Logical Reasoning</a:t>
+            </a:r>
+          </a:p>
+        </p:txBody>
+      </p:sp>
+      <p:sp>
+        <p:nvSpPr>
+          <p:cNvPr id="3" name="Content Placeholder 2">
+            <a:extLst>
+              <a:ext uri="{FF2B5EF4-FFF2-40B4-BE49-F238E27FC236}">
+                <a16:creationId xmlns:a16="http://schemas.microsoft.com/office/drawing/2014/main" id="{8C1EB91C-BD17-ABA2-694A-C46F62C5E8D1}"/>
+              </a:ext>
+            </a:extLst>
+          </p:cNvPr>
+          <p:cNvSpPr>
+            <a:spLocks noGrp="1"/>
+          </p:cNvSpPr>
+          <p:nvPr>
+            <p:ph idx="1"/>
+          </p:nvPr>
+        </p:nvSpPr>
+        <p:spPr>
+          <a:xfrm>
+            <a:off x="1066800" y="2103119"/>
+            <a:ext cx="10058400" cy="4192577"/>
+          </a:xfrm>
+        </p:spPr>
+        <p:txBody>
+          <a:bodyPr>
+            <a:normAutofit fontScale="62500" lnSpcReduction="20000"/>
+          </a:bodyPr>
+          <a:lstStyle/>
+          <a:p>
+            <a:pPr marL="0" indent="0">
+              <a:buNone/>
+            </a:pPr>
+            <a:r>
+              <a:rPr lang="en-US" sz="2100" dirty="0"/>
+              <a:t>Now, consider now the expression Q v P … We can construct a “truth table” for this:</a:t>
+            </a:r>
+          </a:p>
+          <a:p>
+            <a:pPr marL="0" indent="0">
+              <a:buNone/>
+            </a:pPr>
+            <a:endParaRPr lang="en-US" sz="2100" dirty="0"/>
+          </a:p>
+          <a:p>
+            <a:pPr marL="0" indent="0">
+              <a:buNone/>
+            </a:pPr>
+            <a:endParaRPr lang="en-US" sz="2100" dirty="0"/>
+          </a:p>
+          <a:p>
+            <a:pPr marL="0" indent="0">
+              <a:buNone/>
+            </a:pPr>
+            <a:endParaRPr lang="en-US" sz="2100" dirty="0"/>
+          </a:p>
+          <a:p>
+            <a:pPr marL="0" indent="0">
+              <a:buNone/>
+            </a:pPr>
+            <a:endParaRPr lang="en-US" sz="2100" dirty="0"/>
+          </a:p>
+          <a:p>
+            <a:pPr marL="0" indent="0">
+              <a:buNone/>
+            </a:pPr>
+            <a:endParaRPr lang="en-US" sz="2100" dirty="0"/>
+          </a:p>
+          <a:p>
+            <a:pPr marL="0" indent="0">
+              <a:buNone/>
+            </a:pPr>
+            <a:endParaRPr lang="en-US" sz="2100" dirty="0"/>
+          </a:p>
+          <a:p>
+            <a:pPr marL="0" indent="0">
+              <a:buNone/>
+            </a:pPr>
+            <a:endParaRPr lang="en-US" sz="2100" dirty="0"/>
+          </a:p>
+          <a:p>
+            <a:pPr marL="0" indent="0">
+              <a:buNone/>
+            </a:pPr>
+            <a:r>
+              <a:rPr lang="en-US" sz="2100" dirty="0"/>
+              <a:t>Of course, it’s exactly the same!  So, we can then write that:</a:t>
+            </a:r>
+          </a:p>
+          <a:p>
+            <a:pPr marL="0" indent="0">
+              <a:buNone/>
+            </a:pPr>
+            <a:endParaRPr lang="en-US" sz="2100" dirty="0"/>
+          </a:p>
+          <a:p>
+            <a:pPr marL="0" indent="0">
+              <a:buNone/>
+            </a:pPr>
+            <a:r>
+              <a:rPr lang="en-US" sz="2100" dirty="0"/>
+              <a:t>				</a:t>
+            </a:r>
+            <a:r>
+              <a:rPr lang="en-US" sz="4600" dirty="0"/>
+              <a:t>P v Q = Q v P</a:t>
+            </a:r>
+          </a:p>
+          <a:p>
+            <a:pPr marL="0" indent="0">
+              <a:buNone/>
+            </a:pPr>
+            <a:endParaRPr lang="en-US" sz="2100" dirty="0"/>
+          </a:p>
+          <a:p>
+            <a:pPr marL="0" indent="0">
+              <a:buNone/>
+            </a:pPr>
+            <a:r>
+              <a:rPr lang="en-US" sz="2100" dirty="0"/>
+              <a:t>This is known as an AXIOM.  We can’t really “prove” axioms, but we accept them to be true statements, and can use them as parts of proofs of other statements.</a:t>
+            </a:r>
+          </a:p>
+          <a:p>
+            <a:endParaRPr lang="en-US" dirty="0"/>
+          </a:p>
+        </p:txBody>
+      </p:sp>
+      <p:graphicFrame>
+        <p:nvGraphicFramePr>
+          <p:cNvPr id="4" name="Table 3">
+            <a:extLst>
+              <a:ext uri="{FF2B5EF4-FFF2-40B4-BE49-F238E27FC236}">
+                <a16:creationId xmlns:a16="http://schemas.microsoft.com/office/drawing/2014/main" id="{2269F1C2-1387-22EB-ACCB-79B308690E7C}"/>
+              </a:ext>
+            </a:extLst>
+          </p:cNvPr>
+          <p:cNvGraphicFramePr>
+            <a:graphicFrameLocks noGrp="1"/>
+          </p:cNvGraphicFramePr>
+          <p:nvPr>
+            <p:extLst>
+              <p:ext uri="{D42A27DB-BD31-4B8C-83A1-F6EECF244321}">
+                <p14:modId xmlns:p14="http://schemas.microsoft.com/office/powerpoint/2010/main" val="468814059"/>
+              </p:ext>
+            </p:extLst>
+          </p:nvPr>
+        </p:nvGraphicFramePr>
+        <p:xfrm>
+          <a:off x="4291726" y="2656332"/>
+          <a:ext cx="2550510" cy="1371600"/>
+        </p:xfrm>
+        <a:graphic>
+          <a:graphicData uri="http://schemas.openxmlformats.org/drawingml/2006/table">
+            <a:tbl>
+              <a:tblPr firstRow="1" bandRow="1">
+                <a:tableStyleId>{5C22544A-7EE6-4342-B048-85BDC9FD1C3A}</a:tableStyleId>
+              </a:tblPr>
+              <a:tblGrid>
+                <a:gridCol w="850170">
+                  <a:extLst>
+                    <a:ext uri="{9D8B030D-6E8A-4147-A177-3AD203B41FA5}">
+                      <a16:colId xmlns:a16="http://schemas.microsoft.com/office/drawing/2014/main" val="2185026017"/>
+                    </a:ext>
+                  </a:extLst>
+                </a:gridCol>
+                <a:gridCol w="850170">
+                  <a:extLst>
+                    <a:ext uri="{9D8B030D-6E8A-4147-A177-3AD203B41FA5}">
+                      <a16:colId xmlns:a16="http://schemas.microsoft.com/office/drawing/2014/main" val="1339434458"/>
+                    </a:ext>
+                  </a:extLst>
+                </a:gridCol>
+                <a:gridCol w="850170">
+                  <a:extLst>
+                    <a:ext uri="{9D8B030D-6E8A-4147-A177-3AD203B41FA5}">
+                      <a16:colId xmlns:a16="http://schemas.microsoft.com/office/drawing/2014/main" val="635204006"/>
+                    </a:ext>
+                  </a:extLst>
+                </a:gridCol>
+              </a:tblGrid>
+              <a:tr h="457200">
+                <a:tc>
+                  <a:txBody>
+                    <a:bodyPr/>
+                    <a:lstStyle/>
+                    <a:p>
+                      <a:endParaRPr lang="en-US"/>
+                    </a:p>
+                  </a:txBody>
+                  <a:tcPr/>
+                </a:tc>
+                <a:tc>
+                  <a:txBody>
+                    <a:bodyPr/>
+                    <a:lstStyle/>
+                    <a:p>
+                      <a:r>
+                        <a:rPr lang="en-US" dirty="0"/>
+                        <a:t>Q=0</a:t>
+                      </a:r>
+                    </a:p>
+                  </a:txBody>
+                  <a:tcPr/>
+                </a:tc>
+                <a:tc>
+                  <a:txBody>
+                    <a:bodyPr/>
+                    <a:lstStyle/>
+                    <a:p>
+                      <a:r>
+                        <a:rPr lang="en-US" dirty="0"/>
+                        <a:t>Q=1</a:t>
+                      </a:r>
+                    </a:p>
+                  </a:txBody>
+                  <a:tcPr/>
+                </a:tc>
+                <a:extLst>
+                  <a:ext uri="{0D108BD9-81ED-4DB2-BD59-A6C34878D82A}">
+                    <a16:rowId xmlns:a16="http://schemas.microsoft.com/office/drawing/2014/main" val="2685495327"/>
+                  </a:ext>
+                </a:extLst>
+              </a:tr>
+              <a:tr h="457200">
+                <a:tc>
+                  <a:txBody>
+                    <a:bodyPr/>
+                    <a:lstStyle/>
+                    <a:p>
+                      <a:r>
+                        <a:rPr lang="en-US" dirty="0"/>
+                        <a:t>P=0</a:t>
+                      </a:r>
+                    </a:p>
+                  </a:txBody>
+                  <a:tcPr/>
+                </a:tc>
+                <a:tc>
+                  <a:txBody>
+                    <a:bodyPr/>
+                    <a:lstStyle/>
+                    <a:p>
+                      <a:r>
+                        <a:rPr lang="en-US" dirty="0"/>
+                        <a:t>0</a:t>
+                      </a:r>
+                    </a:p>
+                  </a:txBody>
+                  <a:tcPr/>
+                </a:tc>
+                <a:tc>
+                  <a:txBody>
+                    <a:bodyPr/>
+                    <a:lstStyle/>
+                    <a:p>
+                      <a:r>
+                        <a:rPr lang="en-US" dirty="0"/>
+                        <a:t>1</a:t>
+                      </a:r>
+                    </a:p>
+                  </a:txBody>
+                  <a:tcPr/>
+                </a:tc>
+                <a:extLst>
+                  <a:ext uri="{0D108BD9-81ED-4DB2-BD59-A6C34878D82A}">
+                    <a16:rowId xmlns:a16="http://schemas.microsoft.com/office/drawing/2014/main" val="3836322281"/>
+                  </a:ext>
+                </a:extLst>
+              </a:tr>
+              <a:tr h="457200">
+                <a:tc>
+                  <a:txBody>
+                    <a:bodyPr/>
+                    <a:lstStyle/>
+                    <a:p>
+                      <a:r>
+                        <a:rPr lang="en-US" dirty="0"/>
+                        <a:t>P=1</a:t>
+                      </a:r>
+                    </a:p>
+                  </a:txBody>
+                  <a:tcPr/>
+                </a:tc>
+                <a:tc>
+                  <a:txBody>
+                    <a:bodyPr/>
+                    <a:lstStyle/>
+                    <a:p>
+                      <a:r>
+                        <a:rPr lang="en-US" dirty="0"/>
+                        <a:t>1</a:t>
+                      </a:r>
+                    </a:p>
+                  </a:txBody>
+                  <a:tcPr/>
+                </a:tc>
+                <a:tc>
+                  <a:txBody>
+                    <a:bodyPr/>
+                    <a:lstStyle/>
+                    <a:p>
+                      <a:r>
+                        <a:rPr lang="en-US" dirty="0"/>
+                        <a:t>1</a:t>
+                      </a:r>
+                    </a:p>
+                  </a:txBody>
+                  <a:tcPr/>
+                </a:tc>
+                <a:extLst>
+                  <a:ext uri="{0D108BD9-81ED-4DB2-BD59-A6C34878D82A}">
+                    <a16:rowId xmlns:a16="http://schemas.microsoft.com/office/drawing/2014/main" val="634899189"/>
+                  </a:ext>
+                </a:extLst>
+              </a:tr>
+            </a:tbl>
+          </a:graphicData>
+        </a:graphic>
+      </p:graphicFrame>
+    </p:spTree>
+    <p:extLst>
+      <p:ext uri="{BB962C8B-B14F-4D97-AF65-F5344CB8AC3E}">
+        <p14:creationId xmlns:p14="http://schemas.microsoft.com/office/powerpoint/2010/main" val="362937745"/>
+      </p:ext>
+    </p:extLst>
+  </p:cSld>
+  <p:clrMapOvr>
+    <a:masterClrMapping/>
+  </p:clrMapOvr>
+</p:sld>
+</file>
+
+<file path=ppt/slides/slide33.xml><?xml version="1.0" encoding="utf-8"?>
+<p:sld xmlns:a="http://schemas.openxmlformats.org/drawingml/2006/main" xmlns:r="http://schemas.openxmlformats.org/officeDocument/2006/relationships" xmlns:p="http://schemas.openxmlformats.org/presentationml/2006/main">
+  <p:cSld>
+    <p:spTree>
+      <p:nvGrpSpPr>
+        <p:cNvPr id="1" name=""/>
+        <p:cNvGrpSpPr/>
+        <p:nvPr/>
+      </p:nvGrpSpPr>
+      <p:grpSpPr>
+        <a:xfrm>
+          <a:off x="0" y="0"/>
+          <a:ext cx="0" cy="0"/>
+          <a:chOff x="0" y="0"/>
+          <a:chExt cx="0" cy="0"/>
+        </a:xfrm>
+      </p:grpSpPr>
+      <p:sp>
+        <p:nvSpPr>
+          <p:cNvPr id="2" name="Title 1">
+            <a:extLst>
+              <a:ext uri="{FF2B5EF4-FFF2-40B4-BE49-F238E27FC236}">
+                <a16:creationId xmlns:a16="http://schemas.microsoft.com/office/drawing/2014/main" id="{A48154E5-CEAD-F1F1-22EF-37025DA34D9A}"/>
+              </a:ext>
+            </a:extLst>
+          </p:cNvPr>
+          <p:cNvSpPr>
+            <a:spLocks noGrp="1"/>
+          </p:cNvSpPr>
+          <p:nvPr>
+            <p:ph type="title"/>
+          </p:nvPr>
+        </p:nvSpPr>
+        <p:spPr/>
+        <p:txBody>
+          <a:bodyPr/>
+          <a:lstStyle/>
+          <a:p>
+            <a:r>
+              <a:rPr lang="en-US" dirty="0"/>
+              <a:t>Logical Reasoning</a:t>
+            </a:r>
+          </a:p>
+        </p:txBody>
+      </p:sp>
+      <p:sp>
+        <p:nvSpPr>
+          <p:cNvPr id="3" name="Content Placeholder 2">
+            <a:extLst>
+              <a:ext uri="{FF2B5EF4-FFF2-40B4-BE49-F238E27FC236}">
+                <a16:creationId xmlns:a16="http://schemas.microsoft.com/office/drawing/2014/main" id="{8C1EB91C-BD17-ABA2-694A-C46F62C5E8D1}"/>
+              </a:ext>
+            </a:extLst>
+          </p:cNvPr>
+          <p:cNvSpPr>
+            <a:spLocks noGrp="1"/>
+          </p:cNvSpPr>
+          <p:nvPr>
+            <p:ph idx="1"/>
+          </p:nvPr>
+        </p:nvSpPr>
+        <p:spPr/>
+        <p:txBody>
+          <a:bodyPr>
+            <a:normAutofit lnSpcReduction="10000"/>
+          </a:bodyPr>
+          <a:lstStyle/>
+          <a:p>
+            <a:r>
+              <a:rPr lang="en-US" dirty="0"/>
+              <a:t>Example 3:</a:t>
+            </a:r>
+          </a:p>
+          <a:p>
+            <a:r>
+              <a:rPr lang="en-US" dirty="0"/>
+              <a:t>Consider the following conversation:</a:t>
+            </a:r>
+          </a:p>
+          <a:p>
+            <a:r>
+              <a:rPr lang="en-US" dirty="0"/>
+              <a:t>Alice: “It is raining or snowing.”</a:t>
+            </a:r>
+          </a:p>
+          <a:p>
+            <a:r>
+              <a:rPr lang="en-US" dirty="0"/>
+              <a:t>Bob:  “No, Alice, you are wrong.”</a:t>
+            </a:r>
+          </a:p>
+          <a:p>
+            <a:r>
+              <a:rPr lang="en-US" dirty="0"/>
+              <a:t>Charlie: “Oh, OK, I understand.  It is … ?”</a:t>
+            </a:r>
+          </a:p>
+          <a:p>
+            <a:endParaRPr lang="en-US" dirty="0"/>
+          </a:p>
+          <a:p>
+            <a:r>
+              <a:rPr lang="en-US" dirty="0"/>
+              <a:t>What should Charlie say?</a:t>
+            </a:r>
+          </a:p>
+          <a:p>
+            <a:r>
+              <a:rPr lang="en-US" dirty="0"/>
+              <a:t>Let “is raining” be represented by P, and “is snowing” be represented by Q.</a:t>
+            </a:r>
+          </a:p>
+          <a:p>
+            <a:r>
+              <a:rPr lang="en-US" dirty="0"/>
+              <a:t>Alice:  P v Q.  (i.e. “is raining or snowing).”)</a:t>
+            </a:r>
+          </a:p>
+          <a:p>
+            <a:r>
+              <a:rPr lang="en-US" dirty="0"/>
+              <a:t>Bob:  ~(P v Q) (i.e. “is NOT (raining or snowing”)</a:t>
+            </a:r>
+          </a:p>
+          <a:p>
+            <a:pPr lvl="1"/>
+            <a:endParaRPr lang="en-US" dirty="0"/>
+          </a:p>
+        </p:txBody>
+      </p:sp>
+    </p:spTree>
+    <p:extLst>
+      <p:ext uri="{BB962C8B-B14F-4D97-AF65-F5344CB8AC3E}">
+        <p14:creationId xmlns:p14="http://schemas.microsoft.com/office/powerpoint/2010/main" val="1277985810"/>
+      </p:ext>
+    </p:extLst>
+  </p:cSld>
+  <p:clrMapOvr>
+    <a:masterClrMapping/>
+  </p:clrMapOvr>
+</p:sld>
+</file>
+
+<file path=ppt/slides/slide34.xml><?xml version="1.0" encoding="utf-8"?>
+<p:sld xmlns:a="http://schemas.openxmlformats.org/drawingml/2006/main" xmlns:r="http://schemas.openxmlformats.org/officeDocument/2006/relationships" xmlns:p="http://schemas.openxmlformats.org/presentationml/2006/main">
+  <p:cSld>
+    <p:spTree>
+      <p:nvGrpSpPr>
+        <p:cNvPr id="1" name=""/>
+        <p:cNvGrpSpPr/>
+        <p:nvPr/>
+      </p:nvGrpSpPr>
+      <p:grpSpPr>
+        <a:xfrm>
+          <a:off x="0" y="0"/>
+          <a:ext cx="0" cy="0"/>
+          <a:chOff x="0" y="0"/>
+          <a:chExt cx="0" cy="0"/>
+        </a:xfrm>
+      </p:grpSpPr>
+      <p:sp>
+        <p:nvSpPr>
+          <p:cNvPr id="2" name="Title 1">
+            <a:extLst>
+              <a:ext uri="{FF2B5EF4-FFF2-40B4-BE49-F238E27FC236}">
+                <a16:creationId xmlns:a16="http://schemas.microsoft.com/office/drawing/2014/main" id="{A48154E5-CEAD-F1F1-22EF-37025DA34D9A}"/>
+              </a:ext>
+            </a:extLst>
+          </p:cNvPr>
+          <p:cNvSpPr>
+            <a:spLocks noGrp="1"/>
+          </p:cNvSpPr>
+          <p:nvPr>
+            <p:ph type="title"/>
+          </p:nvPr>
+        </p:nvSpPr>
+        <p:spPr/>
+        <p:txBody>
+          <a:bodyPr/>
+          <a:lstStyle/>
+          <a:p>
+            <a:r>
+              <a:rPr lang="en-US" dirty="0"/>
+              <a:t>Logical Reasoning</a:t>
+            </a:r>
+          </a:p>
+        </p:txBody>
+      </p:sp>
+      <p:sp>
+        <p:nvSpPr>
+          <p:cNvPr id="3" name="Content Placeholder 2">
+            <a:extLst>
+              <a:ext uri="{FF2B5EF4-FFF2-40B4-BE49-F238E27FC236}">
+                <a16:creationId xmlns:a16="http://schemas.microsoft.com/office/drawing/2014/main" id="{8C1EB91C-BD17-ABA2-694A-C46F62C5E8D1}"/>
+              </a:ext>
+            </a:extLst>
+          </p:cNvPr>
+          <p:cNvSpPr>
+            <a:spLocks noGrp="1"/>
+          </p:cNvSpPr>
+          <p:nvPr>
+            <p:ph idx="1"/>
+          </p:nvPr>
+        </p:nvSpPr>
+        <p:spPr/>
+        <p:txBody>
+          <a:bodyPr>
+            <a:normAutofit/>
+          </a:bodyPr>
+          <a:lstStyle/>
+          <a:p>
+            <a:r>
+              <a:rPr lang="en-US" dirty="0"/>
+              <a:t>Example 3:</a:t>
+            </a:r>
+          </a:p>
+          <a:p>
+            <a:endParaRPr lang="en-US" dirty="0"/>
+          </a:p>
+          <a:p>
+            <a:pPr lvl="1"/>
+            <a:endParaRPr lang="en-US" dirty="0"/>
+          </a:p>
+          <a:p>
+            <a:pPr marL="274320" lvl="1" indent="0">
+              <a:buNone/>
+            </a:pPr>
+            <a:endParaRPr lang="en-US" dirty="0"/>
+          </a:p>
+          <a:p>
+            <a:pPr lvl="8"/>
+            <a:r>
+              <a:rPr lang="en-US" dirty="0"/>
+              <a:t>          Alice					Bob</a:t>
+            </a:r>
+          </a:p>
+        </p:txBody>
+      </p:sp>
+      <p:graphicFrame>
+        <p:nvGraphicFramePr>
+          <p:cNvPr id="4" name="Table 3">
+            <a:extLst>
+              <a:ext uri="{FF2B5EF4-FFF2-40B4-BE49-F238E27FC236}">
+                <a16:creationId xmlns:a16="http://schemas.microsoft.com/office/drawing/2014/main" id="{4B392FE2-E3F9-3E02-FC27-9A3B58600616}"/>
+              </a:ext>
+            </a:extLst>
+          </p:cNvPr>
+          <p:cNvGraphicFramePr>
+            <a:graphicFrameLocks noGrp="1"/>
+          </p:cNvGraphicFramePr>
+          <p:nvPr>
+            <p:extLst>
+              <p:ext uri="{D42A27DB-BD31-4B8C-83A1-F6EECF244321}">
+                <p14:modId xmlns:p14="http://schemas.microsoft.com/office/powerpoint/2010/main" val="1201335674"/>
+              </p:ext>
+            </p:extLst>
+          </p:nvPr>
+        </p:nvGraphicFramePr>
+        <p:xfrm>
+          <a:off x="4363546" y="3897009"/>
+          <a:ext cx="4284716" cy="2475480"/>
+        </p:xfrm>
+        <a:graphic>
+          <a:graphicData uri="http://schemas.openxmlformats.org/drawingml/2006/table">
+            <a:tbl>
+              <a:tblPr firstRow="1" bandRow="1">
+                <a:tableStyleId>{5C22544A-7EE6-4342-B048-85BDC9FD1C3A}</a:tableStyleId>
+              </a:tblPr>
+              <a:tblGrid>
+                <a:gridCol w="1071179">
+                  <a:extLst>
+                    <a:ext uri="{9D8B030D-6E8A-4147-A177-3AD203B41FA5}">
+                      <a16:colId xmlns:a16="http://schemas.microsoft.com/office/drawing/2014/main" val="3515834882"/>
+                    </a:ext>
+                  </a:extLst>
+                </a:gridCol>
+                <a:gridCol w="1071179">
+                  <a:extLst>
+                    <a:ext uri="{9D8B030D-6E8A-4147-A177-3AD203B41FA5}">
+                      <a16:colId xmlns:a16="http://schemas.microsoft.com/office/drawing/2014/main" val="423988179"/>
+                    </a:ext>
+                  </a:extLst>
+                </a:gridCol>
+                <a:gridCol w="1071179">
+                  <a:extLst>
+                    <a:ext uri="{9D8B030D-6E8A-4147-A177-3AD203B41FA5}">
+                      <a16:colId xmlns:a16="http://schemas.microsoft.com/office/drawing/2014/main" val="851229261"/>
+                    </a:ext>
+                  </a:extLst>
+                </a:gridCol>
+                <a:gridCol w="1071179">
+                  <a:extLst>
+                    <a:ext uri="{9D8B030D-6E8A-4147-A177-3AD203B41FA5}">
+                      <a16:colId xmlns:a16="http://schemas.microsoft.com/office/drawing/2014/main" val="983766327"/>
+                    </a:ext>
+                  </a:extLst>
+                </a:gridCol>
+              </a:tblGrid>
+              <a:tr h="618870">
+                <a:tc>
+                  <a:txBody>
+                    <a:bodyPr/>
+                    <a:lstStyle/>
+                    <a:p>
+                      <a:endParaRPr lang="en-US"/>
+                    </a:p>
+                  </a:txBody>
+                  <a:tcPr/>
+                </a:tc>
+                <a:tc>
+                  <a:txBody>
+                    <a:bodyPr/>
+                    <a:lstStyle/>
+                    <a:p>
+                      <a:endParaRPr lang="en-US" dirty="0"/>
+                    </a:p>
+                  </a:txBody>
+                  <a:tcPr/>
+                </a:tc>
+                <a:tc>
+                  <a:txBody>
+                    <a:bodyPr/>
+                    <a:lstStyle/>
+                    <a:p>
+                      <a:r>
+                        <a:rPr lang="en-US" dirty="0"/>
+                        <a:t>P = 0</a:t>
+                      </a:r>
+                    </a:p>
+                  </a:txBody>
+                  <a:tcPr/>
+                </a:tc>
+                <a:tc>
+                  <a:txBody>
+                    <a:bodyPr/>
+                    <a:lstStyle/>
+                    <a:p>
+                      <a:r>
+                        <a:rPr lang="en-US" dirty="0"/>
+                        <a:t>P = 1</a:t>
+                      </a:r>
+                    </a:p>
+                  </a:txBody>
+                  <a:tcPr/>
+                </a:tc>
+                <a:extLst>
+                  <a:ext uri="{0D108BD9-81ED-4DB2-BD59-A6C34878D82A}">
+                    <a16:rowId xmlns:a16="http://schemas.microsoft.com/office/drawing/2014/main" val="1123132895"/>
+                  </a:ext>
+                </a:extLst>
+              </a:tr>
+              <a:tr h="618870">
+                <a:tc>
+                  <a:txBody>
+                    <a:bodyPr/>
+                    <a:lstStyle/>
+                    <a:p>
+                      <a:endParaRPr lang="en-US" dirty="0"/>
+                    </a:p>
+                  </a:txBody>
+                  <a:tcPr/>
+                </a:tc>
+                <a:tc>
+                  <a:txBody>
+                    <a:bodyPr/>
+                    <a:lstStyle/>
+                    <a:p>
+                      <a:endParaRPr lang="en-US" dirty="0"/>
+                    </a:p>
+                  </a:txBody>
+                  <a:tcPr/>
+                </a:tc>
+                <a:tc>
+                  <a:txBody>
+                    <a:bodyPr/>
+                    <a:lstStyle/>
+                    <a:p>
+                      <a:r>
+                        <a:rPr lang="en-US" dirty="0"/>
+                        <a:t>~P = 1</a:t>
+                      </a:r>
+                    </a:p>
+                  </a:txBody>
+                  <a:tcPr/>
+                </a:tc>
+                <a:tc>
+                  <a:txBody>
+                    <a:bodyPr/>
+                    <a:lstStyle/>
+                    <a:p>
+                      <a:r>
+                        <a:rPr lang="en-US" dirty="0"/>
+                        <a:t>~P = 0</a:t>
+                      </a:r>
+                    </a:p>
+                  </a:txBody>
+                  <a:tcPr/>
+                </a:tc>
+                <a:extLst>
+                  <a:ext uri="{0D108BD9-81ED-4DB2-BD59-A6C34878D82A}">
+                    <a16:rowId xmlns:a16="http://schemas.microsoft.com/office/drawing/2014/main" val="3555492024"/>
+                  </a:ext>
+                </a:extLst>
+              </a:tr>
+              <a:tr h="618870">
+                <a:tc>
+                  <a:txBody>
+                    <a:bodyPr/>
+                    <a:lstStyle/>
+                    <a:p>
+                      <a:r>
+                        <a:rPr lang="en-US" dirty="0"/>
+                        <a:t>Q = 0</a:t>
+                      </a:r>
+                    </a:p>
+                  </a:txBody>
+                  <a:tcPr/>
+                </a:tc>
+                <a:tc>
+                  <a:txBody>
+                    <a:bodyPr/>
+                    <a:lstStyle/>
+                    <a:p>
+                      <a:r>
+                        <a:rPr lang="en-US" dirty="0"/>
+                        <a:t>~Q = 1</a:t>
+                      </a:r>
+                    </a:p>
+                  </a:txBody>
+                  <a:tcPr/>
+                </a:tc>
+                <a:tc>
+                  <a:txBody>
+                    <a:bodyPr/>
+                    <a:lstStyle/>
+                    <a:p>
+                      <a:r>
+                        <a:rPr lang="en-US" dirty="0"/>
+                        <a:t>1</a:t>
+                      </a:r>
+                    </a:p>
+                  </a:txBody>
+                  <a:tcPr/>
+                </a:tc>
+                <a:tc>
+                  <a:txBody>
+                    <a:bodyPr/>
+                    <a:lstStyle/>
+                    <a:p>
+                      <a:r>
+                        <a:rPr lang="en-US" dirty="0"/>
+                        <a:t>0</a:t>
+                      </a:r>
+                    </a:p>
+                  </a:txBody>
+                  <a:tcPr/>
+                </a:tc>
+                <a:extLst>
+                  <a:ext uri="{0D108BD9-81ED-4DB2-BD59-A6C34878D82A}">
+                    <a16:rowId xmlns:a16="http://schemas.microsoft.com/office/drawing/2014/main" val="1608894833"/>
+                  </a:ext>
+                </a:extLst>
+              </a:tr>
+              <a:tr h="618870">
+                <a:tc>
+                  <a:txBody>
+                    <a:bodyPr/>
+                    <a:lstStyle/>
+                    <a:p>
+                      <a:r>
+                        <a:rPr lang="en-US" dirty="0"/>
+                        <a:t>Q = 1</a:t>
+                      </a:r>
+                    </a:p>
+                  </a:txBody>
+                  <a:tcPr/>
+                </a:tc>
+                <a:tc>
+                  <a:txBody>
+                    <a:bodyPr/>
+                    <a:lstStyle/>
+                    <a:p>
+                      <a:r>
+                        <a:rPr lang="en-US" dirty="0"/>
+                        <a:t>~Q = 0</a:t>
+                      </a:r>
+                    </a:p>
+                  </a:txBody>
+                  <a:tcPr/>
+                </a:tc>
+                <a:tc>
+                  <a:txBody>
+                    <a:bodyPr/>
+                    <a:lstStyle/>
+                    <a:p>
+                      <a:r>
+                        <a:rPr lang="en-US" dirty="0"/>
+                        <a:t>0</a:t>
+                      </a:r>
+                    </a:p>
+                  </a:txBody>
+                  <a:tcPr/>
+                </a:tc>
+                <a:tc>
+                  <a:txBody>
+                    <a:bodyPr/>
+                    <a:lstStyle/>
+                    <a:p>
+                      <a:r>
+                        <a:rPr lang="en-US" dirty="0"/>
+                        <a:t>0</a:t>
+                      </a:r>
+                    </a:p>
+                  </a:txBody>
+                  <a:tcPr/>
+                </a:tc>
+                <a:extLst>
+                  <a:ext uri="{0D108BD9-81ED-4DB2-BD59-A6C34878D82A}">
+                    <a16:rowId xmlns:a16="http://schemas.microsoft.com/office/drawing/2014/main" val="591111720"/>
+                  </a:ext>
+                </a:extLst>
+              </a:tr>
+            </a:tbl>
+          </a:graphicData>
+        </a:graphic>
+      </p:graphicFrame>
+      <p:graphicFrame>
+        <p:nvGraphicFramePr>
+          <p:cNvPr id="7" name="Table 6">
+            <a:extLst>
+              <a:ext uri="{FF2B5EF4-FFF2-40B4-BE49-F238E27FC236}">
+                <a16:creationId xmlns:a16="http://schemas.microsoft.com/office/drawing/2014/main" id="{16ACCF71-ED2F-B840-0450-BA316ED8526A}"/>
+              </a:ext>
+            </a:extLst>
+          </p:cNvPr>
+          <p:cNvGraphicFramePr>
+            <a:graphicFrameLocks noGrp="1"/>
+          </p:cNvGraphicFramePr>
+          <p:nvPr>
+            <p:extLst>
+              <p:ext uri="{D42A27DB-BD31-4B8C-83A1-F6EECF244321}">
+                <p14:modId xmlns:p14="http://schemas.microsoft.com/office/powerpoint/2010/main" val="3255572988"/>
+              </p:ext>
+            </p:extLst>
+          </p:nvPr>
+        </p:nvGraphicFramePr>
+        <p:xfrm>
+          <a:off x="3062016" y="1721487"/>
+          <a:ext cx="2886840" cy="1707513"/>
+        </p:xfrm>
+        <a:graphic>
+          <a:graphicData uri="http://schemas.openxmlformats.org/drawingml/2006/table">
+            <a:tbl>
+              <a:tblPr firstRow="1" bandRow="1">
+                <a:tableStyleId>{5C22544A-7EE6-4342-B048-85BDC9FD1C3A}</a:tableStyleId>
+              </a:tblPr>
+              <a:tblGrid>
+                <a:gridCol w="962280">
+                  <a:extLst>
+                    <a:ext uri="{9D8B030D-6E8A-4147-A177-3AD203B41FA5}">
+                      <a16:colId xmlns:a16="http://schemas.microsoft.com/office/drawing/2014/main" val="3555564645"/>
+                    </a:ext>
+                  </a:extLst>
+                </a:gridCol>
+                <a:gridCol w="962280">
+                  <a:extLst>
+                    <a:ext uri="{9D8B030D-6E8A-4147-A177-3AD203B41FA5}">
+                      <a16:colId xmlns:a16="http://schemas.microsoft.com/office/drawing/2014/main" val="2319811787"/>
+                    </a:ext>
+                  </a:extLst>
+                </a:gridCol>
+                <a:gridCol w="962280">
+                  <a:extLst>
+                    <a:ext uri="{9D8B030D-6E8A-4147-A177-3AD203B41FA5}">
+                      <a16:colId xmlns:a16="http://schemas.microsoft.com/office/drawing/2014/main" val="4227729274"/>
+                    </a:ext>
+                  </a:extLst>
+                </a:gridCol>
+              </a:tblGrid>
+              <a:tr h="569171">
+                <a:tc>
+                  <a:txBody>
+                    <a:bodyPr/>
+                    <a:lstStyle/>
+                    <a:p>
+                      <a:endParaRPr lang="en-US"/>
+                    </a:p>
+                  </a:txBody>
+                  <a:tcPr/>
+                </a:tc>
+                <a:tc>
+                  <a:txBody>
+                    <a:bodyPr/>
+                    <a:lstStyle/>
+                    <a:p>
+                      <a:r>
+                        <a:rPr lang="en-US" dirty="0"/>
+                        <a:t>P = 0</a:t>
+                      </a:r>
+                    </a:p>
+                  </a:txBody>
+                  <a:tcPr/>
+                </a:tc>
+                <a:tc>
+                  <a:txBody>
+                    <a:bodyPr/>
+                    <a:lstStyle/>
+                    <a:p>
+                      <a:r>
+                        <a:rPr lang="en-US" dirty="0"/>
+                        <a:t>P = 1</a:t>
+                      </a:r>
+                    </a:p>
+                  </a:txBody>
+                  <a:tcPr/>
+                </a:tc>
+                <a:extLst>
+                  <a:ext uri="{0D108BD9-81ED-4DB2-BD59-A6C34878D82A}">
+                    <a16:rowId xmlns:a16="http://schemas.microsoft.com/office/drawing/2014/main" val="3900086757"/>
+                  </a:ext>
+                </a:extLst>
+              </a:tr>
+              <a:tr h="569171">
+                <a:tc>
+                  <a:txBody>
+                    <a:bodyPr/>
+                    <a:lstStyle/>
+                    <a:p>
+                      <a:r>
+                        <a:rPr lang="en-US" dirty="0"/>
+                        <a:t>Q = 0</a:t>
+                      </a:r>
+                    </a:p>
+                  </a:txBody>
+                  <a:tcPr/>
+                </a:tc>
+                <a:tc>
+                  <a:txBody>
+                    <a:bodyPr/>
+                    <a:lstStyle/>
+                    <a:p>
+                      <a:r>
+                        <a:rPr lang="en-US" dirty="0"/>
+                        <a:t>0</a:t>
+                      </a:r>
+                    </a:p>
+                  </a:txBody>
+                  <a:tcPr/>
+                </a:tc>
+                <a:tc>
+                  <a:txBody>
+                    <a:bodyPr/>
+                    <a:lstStyle/>
+                    <a:p>
+                      <a:r>
+                        <a:rPr lang="en-US" dirty="0"/>
+                        <a:t>1</a:t>
+                      </a:r>
+                    </a:p>
+                  </a:txBody>
+                  <a:tcPr/>
+                </a:tc>
+                <a:extLst>
+                  <a:ext uri="{0D108BD9-81ED-4DB2-BD59-A6C34878D82A}">
+                    <a16:rowId xmlns:a16="http://schemas.microsoft.com/office/drawing/2014/main" val="1319882806"/>
+                  </a:ext>
+                </a:extLst>
+              </a:tr>
+              <a:tr h="569171">
+                <a:tc>
+                  <a:txBody>
+                    <a:bodyPr/>
+                    <a:lstStyle/>
+                    <a:p>
+                      <a:r>
+                        <a:rPr lang="en-US" dirty="0"/>
+                        <a:t>Q = 1</a:t>
+                      </a:r>
+                    </a:p>
+                  </a:txBody>
+                  <a:tcPr/>
+                </a:tc>
+                <a:tc>
+                  <a:txBody>
+                    <a:bodyPr/>
+                    <a:lstStyle/>
+                    <a:p>
+                      <a:r>
+                        <a:rPr lang="en-US" dirty="0"/>
+                        <a:t>1</a:t>
+                      </a:r>
+                    </a:p>
+                  </a:txBody>
+                  <a:tcPr/>
+                </a:tc>
+                <a:tc>
+                  <a:txBody>
+                    <a:bodyPr/>
+                    <a:lstStyle/>
+                    <a:p>
+                      <a:r>
+                        <a:rPr lang="en-US" dirty="0"/>
+                        <a:t>1</a:t>
+                      </a:r>
+                    </a:p>
+                  </a:txBody>
+                  <a:tcPr/>
+                </a:tc>
+                <a:extLst>
+                  <a:ext uri="{0D108BD9-81ED-4DB2-BD59-A6C34878D82A}">
+                    <a16:rowId xmlns:a16="http://schemas.microsoft.com/office/drawing/2014/main" val="2285766246"/>
+                  </a:ext>
+                </a:extLst>
+              </a:tr>
+            </a:tbl>
+          </a:graphicData>
+        </a:graphic>
+      </p:graphicFrame>
+      <p:graphicFrame>
+        <p:nvGraphicFramePr>
+          <p:cNvPr id="8" name="Table 7">
+            <a:extLst>
+              <a:ext uri="{FF2B5EF4-FFF2-40B4-BE49-F238E27FC236}">
+                <a16:creationId xmlns:a16="http://schemas.microsoft.com/office/drawing/2014/main" id="{BEA0B7EC-6C40-BA94-8178-E1E7F8A65B64}"/>
+              </a:ext>
+            </a:extLst>
+          </p:cNvPr>
+          <p:cNvGraphicFramePr>
+            <a:graphicFrameLocks noGrp="1"/>
+          </p:cNvGraphicFramePr>
+          <p:nvPr>
+            <p:extLst>
+              <p:ext uri="{D42A27DB-BD31-4B8C-83A1-F6EECF244321}">
+                <p14:modId xmlns:p14="http://schemas.microsoft.com/office/powerpoint/2010/main" val="3417852361"/>
+              </p:ext>
+            </p:extLst>
+          </p:nvPr>
+        </p:nvGraphicFramePr>
+        <p:xfrm>
+          <a:off x="7204842" y="1721487"/>
+          <a:ext cx="2886840" cy="1707513"/>
+        </p:xfrm>
+        <a:graphic>
+          <a:graphicData uri="http://schemas.openxmlformats.org/drawingml/2006/table">
+            <a:tbl>
+              <a:tblPr firstRow="1" bandRow="1">
+                <a:tableStyleId>{5C22544A-7EE6-4342-B048-85BDC9FD1C3A}</a:tableStyleId>
+              </a:tblPr>
+              <a:tblGrid>
+                <a:gridCol w="962280">
+                  <a:extLst>
+                    <a:ext uri="{9D8B030D-6E8A-4147-A177-3AD203B41FA5}">
+                      <a16:colId xmlns:a16="http://schemas.microsoft.com/office/drawing/2014/main" val="1657160738"/>
+                    </a:ext>
+                  </a:extLst>
+                </a:gridCol>
+                <a:gridCol w="962280">
+                  <a:extLst>
+                    <a:ext uri="{9D8B030D-6E8A-4147-A177-3AD203B41FA5}">
+                      <a16:colId xmlns:a16="http://schemas.microsoft.com/office/drawing/2014/main" val="4177012632"/>
+                    </a:ext>
+                  </a:extLst>
+                </a:gridCol>
+                <a:gridCol w="962280">
+                  <a:extLst>
+                    <a:ext uri="{9D8B030D-6E8A-4147-A177-3AD203B41FA5}">
+                      <a16:colId xmlns:a16="http://schemas.microsoft.com/office/drawing/2014/main" val="1471052344"/>
+                    </a:ext>
+                  </a:extLst>
+                </a:gridCol>
+              </a:tblGrid>
+              <a:tr h="569171">
+                <a:tc>
+                  <a:txBody>
+                    <a:bodyPr/>
+                    <a:lstStyle/>
+                    <a:p>
+                      <a:endParaRPr lang="en-US"/>
+                    </a:p>
+                  </a:txBody>
+                  <a:tcPr/>
+                </a:tc>
+                <a:tc>
+                  <a:txBody>
+                    <a:bodyPr/>
+                    <a:lstStyle/>
+                    <a:p>
+                      <a:r>
+                        <a:rPr lang="en-US" dirty="0"/>
+                        <a:t>P = 0</a:t>
+                      </a:r>
+                    </a:p>
+                  </a:txBody>
+                  <a:tcPr/>
+                </a:tc>
+                <a:tc>
+                  <a:txBody>
+                    <a:bodyPr/>
+                    <a:lstStyle/>
+                    <a:p>
+                      <a:r>
+                        <a:rPr lang="en-US" dirty="0"/>
+                        <a:t>P = 1</a:t>
+                      </a:r>
+                    </a:p>
+                  </a:txBody>
+                  <a:tcPr/>
+                </a:tc>
+                <a:extLst>
+                  <a:ext uri="{0D108BD9-81ED-4DB2-BD59-A6C34878D82A}">
+                    <a16:rowId xmlns:a16="http://schemas.microsoft.com/office/drawing/2014/main" val="2232656076"/>
+                  </a:ext>
+                </a:extLst>
+              </a:tr>
+              <a:tr h="569171">
+                <a:tc>
+                  <a:txBody>
+                    <a:bodyPr/>
+                    <a:lstStyle/>
+                    <a:p>
+                      <a:r>
+                        <a:rPr lang="en-US" dirty="0"/>
+                        <a:t>Q = 0</a:t>
+                      </a:r>
+                    </a:p>
+                  </a:txBody>
+                  <a:tcPr/>
+                </a:tc>
+                <a:tc>
+                  <a:txBody>
+                    <a:bodyPr/>
+                    <a:lstStyle/>
+                    <a:p>
+                      <a:r>
+                        <a:rPr lang="en-US" dirty="0"/>
+                        <a:t>1</a:t>
+                      </a:r>
+                    </a:p>
+                  </a:txBody>
+                  <a:tcPr/>
+                </a:tc>
+                <a:tc>
+                  <a:txBody>
+                    <a:bodyPr/>
+                    <a:lstStyle/>
+                    <a:p>
+                      <a:r>
+                        <a:rPr lang="en-US" dirty="0"/>
+                        <a:t>0</a:t>
+                      </a:r>
+                    </a:p>
+                  </a:txBody>
+                  <a:tcPr/>
+                </a:tc>
+                <a:extLst>
+                  <a:ext uri="{0D108BD9-81ED-4DB2-BD59-A6C34878D82A}">
+                    <a16:rowId xmlns:a16="http://schemas.microsoft.com/office/drawing/2014/main" val="4186473312"/>
+                  </a:ext>
+                </a:extLst>
+              </a:tr>
+              <a:tr h="569171">
+                <a:tc>
+                  <a:txBody>
+                    <a:bodyPr/>
+                    <a:lstStyle/>
+                    <a:p>
+                      <a:r>
+                        <a:rPr lang="en-US" dirty="0"/>
+                        <a:t>Q = 1</a:t>
+                      </a:r>
+                    </a:p>
+                  </a:txBody>
+                  <a:tcPr/>
+                </a:tc>
+                <a:tc>
+                  <a:txBody>
+                    <a:bodyPr/>
+                    <a:lstStyle/>
+                    <a:p>
+                      <a:r>
+                        <a:rPr lang="en-US" dirty="0"/>
+                        <a:t>0</a:t>
+                      </a:r>
+                    </a:p>
+                  </a:txBody>
+                  <a:tcPr/>
+                </a:tc>
+                <a:tc>
+                  <a:txBody>
+                    <a:bodyPr/>
+                    <a:lstStyle/>
+                    <a:p>
+                      <a:r>
+                        <a:rPr lang="en-US" dirty="0"/>
+                        <a:t>0</a:t>
+                      </a:r>
+                    </a:p>
+                  </a:txBody>
+                  <a:tcPr/>
+                </a:tc>
+                <a:extLst>
+                  <a:ext uri="{0D108BD9-81ED-4DB2-BD59-A6C34878D82A}">
+                    <a16:rowId xmlns:a16="http://schemas.microsoft.com/office/drawing/2014/main" val="853326949"/>
+                  </a:ext>
+                </a:extLst>
+              </a:tr>
+            </a:tbl>
+          </a:graphicData>
+        </a:graphic>
+      </p:graphicFrame>
+      <p:sp>
+        <p:nvSpPr>
+          <p:cNvPr id="9" name="TextBox 8">
+            <a:extLst>
+              <a:ext uri="{FF2B5EF4-FFF2-40B4-BE49-F238E27FC236}">
+                <a16:creationId xmlns:a16="http://schemas.microsoft.com/office/drawing/2014/main" id="{19DD6E15-6EE6-ADA0-F1C8-1BA36A447C67}"/>
+              </a:ext>
+            </a:extLst>
+          </p:cNvPr>
+          <p:cNvSpPr txBox="1"/>
+          <p:nvPr/>
+        </p:nvSpPr>
+        <p:spPr>
+          <a:xfrm>
+            <a:off x="455740" y="4474474"/>
+            <a:ext cx="3674826" cy="1292662"/>
+          </a:xfrm>
+          <a:prstGeom prst="rect">
+            <a:avLst/>
+          </a:prstGeom>
+          <a:noFill/>
+        </p:spPr>
+        <p:txBody>
+          <a:bodyPr wrap="square" rtlCol="0">
+            <a:spAutoFit/>
+          </a:bodyPr>
+          <a:lstStyle/>
+          <a:p>
+            <a:r>
+              <a:rPr lang="en-US" dirty="0"/>
+              <a:t>Charlie:  ”It is not raining and it is not snowing.”</a:t>
+            </a:r>
+          </a:p>
+          <a:p>
+            <a:endParaRPr lang="en-US" dirty="0"/>
+          </a:p>
+          <a:p>
+            <a:r>
+              <a:rPr lang="en-US" sz="2400" dirty="0"/>
+              <a:t>~(P v Q) = ~P * ~Q</a:t>
+            </a:r>
+          </a:p>
+        </p:txBody>
+      </p:sp>
+    </p:spTree>
+    <p:extLst>
+      <p:ext uri="{BB962C8B-B14F-4D97-AF65-F5344CB8AC3E}">
+        <p14:creationId xmlns:p14="http://schemas.microsoft.com/office/powerpoint/2010/main" val="2253203619"/>
       </p:ext>
     </p:extLst>
   </p:cSld>

--- a/JupyterNotebooks/LLS/Lecture3.pptx
+++ b/JupyterNotebooks/LLS/Lecture3.pptx
@@ -5,7 +5,7 @@
     <p:sldMasterId id="2147483660" r:id="rId1"/>
   </p:sldMasterIdLst>
   <p:notesMasterIdLst>
-    <p:notesMasterId r:id="rId36"/>
+    <p:notesMasterId r:id="rId37"/>
   </p:notesMasterIdLst>
   <p:sldIdLst>
     <p:sldId id="256" r:id="rId2"/>
@@ -42,6 +42,7 @@
     <p:sldId id="339" r:id="rId33"/>
     <p:sldId id="337" r:id="rId34"/>
     <p:sldId id="341" r:id="rId35"/>
+    <p:sldId id="342" r:id="rId36"/>
   </p:sldIdLst>
   <p:sldSz cx="12192000" cy="6858000"/>
   <p:notesSz cx="6858000" cy="9144000"/>
@@ -22973,7 +22974,11 @@
           </a:p>
           <a:p>
             <a:r>
-              <a:rPr lang="en-US" sz="2400" dirty="0"/>
+              <a:rPr lang="en-US" sz="2400" dirty="0">
+                <a:solidFill>
+                  <a:srgbClr val="FF0000"/>
+                </a:solidFill>
+              </a:rPr>
               <a:t>~(P v Q) = ~P * ~Q</a:t>
             </a:r>
           </a:p>
@@ -22983,6 +22988,106 @@
     <p:extLst>
       <p:ext uri="{BB962C8B-B14F-4D97-AF65-F5344CB8AC3E}">
         <p14:creationId xmlns:p14="http://schemas.microsoft.com/office/powerpoint/2010/main" val="2253203619"/>
+      </p:ext>
+    </p:extLst>
+  </p:cSld>
+  <p:clrMapOvr>
+    <a:masterClrMapping/>
+  </p:clrMapOvr>
+</p:sld>
+</file>
+
+<file path=ppt/slides/slide35.xml><?xml version="1.0" encoding="utf-8"?>
+<p:sld xmlns:a="http://schemas.openxmlformats.org/drawingml/2006/main" xmlns:r="http://schemas.openxmlformats.org/officeDocument/2006/relationships" xmlns:p="http://schemas.openxmlformats.org/presentationml/2006/main">
+  <p:cSld>
+    <p:spTree>
+      <p:nvGrpSpPr>
+        <p:cNvPr id="1" name=""/>
+        <p:cNvGrpSpPr/>
+        <p:nvPr/>
+      </p:nvGrpSpPr>
+      <p:grpSpPr>
+        <a:xfrm>
+          <a:off x="0" y="0"/>
+          <a:ext cx="0" cy="0"/>
+          <a:chOff x="0" y="0"/>
+          <a:chExt cx="0" cy="0"/>
+        </a:xfrm>
+      </p:grpSpPr>
+      <p:sp>
+        <p:nvSpPr>
+          <p:cNvPr id="2" name="Title 1">
+            <a:extLst>
+              <a:ext uri="{FF2B5EF4-FFF2-40B4-BE49-F238E27FC236}">
+                <a16:creationId xmlns:a16="http://schemas.microsoft.com/office/drawing/2014/main" id="{167EB810-1334-A52C-4795-E23FF8B1FF89}"/>
+              </a:ext>
+            </a:extLst>
+          </p:cNvPr>
+          <p:cNvSpPr>
+            <a:spLocks noGrp="1"/>
+          </p:cNvSpPr>
+          <p:nvPr>
+            <p:ph type="title"/>
+          </p:nvPr>
+        </p:nvSpPr>
+        <p:spPr/>
+        <p:txBody>
+          <a:bodyPr/>
+          <a:lstStyle/>
+          <a:p>
+            <a:r>
+              <a:rPr lang="en-US" dirty="0"/>
+              <a:t>So, what’s the point?</a:t>
+            </a:r>
+          </a:p>
+        </p:txBody>
+      </p:sp>
+      <p:sp>
+        <p:nvSpPr>
+          <p:cNvPr id="3" name="Content Placeholder 2">
+            <a:extLst>
+              <a:ext uri="{FF2B5EF4-FFF2-40B4-BE49-F238E27FC236}">
+                <a16:creationId xmlns:a16="http://schemas.microsoft.com/office/drawing/2014/main" id="{6BF6E168-EBD0-2C7A-F6E4-637DAD23AEFC}"/>
+              </a:ext>
+            </a:extLst>
+          </p:cNvPr>
+          <p:cNvSpPr>
+            <a:spLocks noGrp="1"/>
+          </p:cNvSpPr>
+          <p:nvPr>
+            <p:ph idx="1"/>
+          </p:nvPr>
+        </p:nvSpPr>
+        <p:spPr/>
+        <p:txBody>
+          <a:bodyPr/>
+          <a:lstStyle/>
+          <a:p>
+            <a:r>
+              <a:rPr lang="en-US" dirty="0"/>
+              <a:t>In 1910, Whitehead and Russell published Principia Mathematica, where they developed a series of logical PROOFS,  starting from a set of six basic axioms</a:t>
+            </a:r>
+          </a:p>
+          <a:p>
+            <a:r>
+              <a:rPr lang="en-US" dirty="0"/>
+              <a:t>The two guys that wrote Logic Theorist set out to write a computer program that could  figure out these proofs, using only the </a:t>
+            </a:r>
+            <a:r>
+              <a:rPr lang="en-US"/>
+              <a:t>six axioms:</a:t>
+            </a:r>
+            <a:endParaRPr lang="en-US" dirty="0"/>
+          </a:p>
+          <a:p>
+            <a:endParaRPr lang="en-US" dirty="0"/>
+          </a:p>
+        </p:txBody>
+      </p:sp>
+    </p:spTree>
+    <p:extLst>
+      <p:ext uri="{BB962C8B-B14F-4D97-AF65-F5344CB8AC3E}">
+        <p14:creationId xmlns:p14="http://schemas.microsoft.com/office/powerpoint/2010/main" val="2774476009"/>
       </p:ext>
     </p:extLst>
   </p:cSld>

--- a/JupyterNotebooks/LLS/Lecture3.pptx
+++ b/JupyterNotebooks/LLS/Lecture3.pptx
@@ -5,7 +5,7 @@
     <p:sldMasterId id="2147483660" r:id="rId1"/>
   </p:sldMasterIdLst>
   <p:notesMasterIdLst>
-    <p:notesMasterId r:id="rId37"/>
+    <p:notesMasterId r:id="rId40"/>
   </p:notesMasterIdLst>
   <p:sldIdLst>
     <p:sldId id="256" r:id="rId2"/>
@@ -23,26 +23,29 @@
     <p:sldId id="318" r:id="rId14"/>
     <p:sldId id="319" r:id="rId15"/>
     <p:sldId id="320" r:id="rId16"/>
-    <p:sldId id="321" r:id="rId17"/>
-    <p:sldId id="322" r:id="rId18"/>
-    <p:sldId id="323" r:id="rId19"/>
-    <p:sldId id="324" r:id="rId20"/>
-    <p:sldId id="325" r:id="rId21"/>
-    <p:sldId id="326" r:id="rId22"/>
-    <p:sldId id="327" r:id="rId23"/>
-    <p:sldId id="328" r:id="rId24"/>
-    <p:sldId id="329" r:id="rId25"/>
-    <p:sldId id="330" r:id="rId26"/>
-    <p:sldId id="331" r:id="rId27"/>
-    <p:sldId id="334" r:id="rId28"/>
-    <p:sldId id="335" r:id="rId29"/>
-    <p:sldId id="336" r:id="rId30"/>
-    <p:sldId id="340" r:id="rId31"/>
-    <p:sldId id="338" r:id="rId32"/>
-    <p:sldId id="339" r:id="rId33"/>
-    <p:sldId id="337" r:id="rId34"/>
-    <p:sldId id="341" r:id="rId35"/>
-    <p:sldId id="342" r:id="rId36"/>
+    <p:sldId id="344" r:id="rId17"/>
+    <p:sldId id="345" r:id="rId18"/>
+    <p:sldId id="321" r:id="rId19"/>
+    <p:sldId id="322" r:id="rId20"/>
+    <p:sldId id="323" r:id="rId21"/>
+    <p:sldId id="324" r:id="rId22"/>
+    <p:sldId id="325" r:id="rId23"/>
+    <p:sldId id="326" r:id="rId24"/>
+    <p:sldId id="327" r:id="rId25"/>
+    <p:sldId id="328" r:id="rId26"/>
+    <p:sldId id="329" r:id="rId27"/>
+    <p:sldId id="330" r:id="rId28"/>
+    <p:sldId id="331" r:id="rId29"/>
+    <p:sldId id="334" r:id="rId30"/>
+    <p:sldId id="335" r:id="rId31"/>
+    <p:sldId id="336" r:id="rId32"/>
+    <p:sldId id="340" r:id="rId33"/>
+    <p:sldId id="338" r:id="rId34"/>
+    <p:sldId id="339" r:id="rId35"/>
+    <p:sldId id="337" r:id="rId36"/>
+    <p:sldId id="341" r:id="rId37"/>
+    <p:sldId id="342" r:id="rId38"/>
+    <p:sldId id="343" r:id="rId39"/>
   </p:sldIdLst>
   <p:sldSz cx="12192000" cy="6858000"/>
   <p:notesSz cx="6858000" cy="9144000"/>
@@ -3826,7 +3829,7 @@
           <a:p>
             <a:fld id="{0FEFD86A-3F7B-9E47-9DF1-6D07663F4762}" type="slidenum">
               <a:rPr lang="en-US" smtClean="0"/>
-              <a:t>21</a:t>
+              <a:t>23</a:t>
             </a:fld>
             <a:endParaRPr lang="en-US"/>
           </a:p>
@@ -3910,7 +3913,7 @@
           <a:p>
             <a:fld id="{0FEFD86A-3F7B-9E47-9DF1-6D07663F4762}" type="slidenum">
               <a:rPr lang="en-US" smtClean="0"/>
-              <a:t>23</a:t>
+              <a:t>25</a:t>
             </a:fld>
             <a:endParaRPr lang="en-US"/>
           </a:p>
@@ -10545,6 +10548,405 @@
           <p:cNvPr id="2" name="Title 1">
             <a:extLst>
               <a:ext uri="{FF2B5EF4-FFF2-40B4-BE49-F238E27FC236}">
+                <a16:creationId xmlns:a16="http://schemas.microsoft.com/office/drawing/2014/main" id="{764F0383-23D4-4669-435A-F30BBCFF5E29}"/>
+              </a:ext>
+            </a:extLst>
+          </p:cNvPr>
+          <p:cNvSpPr>
+            <a:spLocks noGrp="1"/>
+          </p:cNvSpPr>
+          <p:nvPr>
+            <p:ph type="title"/>
+          </p:nvPr>
+        </p:nvSpPr>
+        <p:spPr/>
+        <p:txBody>
+          <a:bodyPr>
+            <a:normAutofit fontScale="90000"/>
+          </a:bodyPr>
+          <a:lstStyle/>
+          <a:p>
+            <a:r>
+              <a:rPr lang="en-US" dirty="0"/>
+              <a:t>What Questions Would You Ask in a Turing Test?</a:t>
+            </a:r>
+          </a:p>
+        </p:txBody>
+      </p:sp>
+      <p:sp>
+        <p:nvSpPr>
+          <p:cNvPr id="3" name="Content Placeholder 2">
+            <a:extLst>
+              <a:ext uri="{FF2B5EF4-FFF2-40B4-BE49-F238E27FC236}">
+                <a16:creationId xmlns:a16="http://schemas.microsoft.com/office/drawing/2014/main" id="{091FA357-B3E2-E35B-010D-FEF50371514F}"/>
+              </a:ext>
+            </a:extLst>
+          </p:cNvPr>
+          <p:cNvSpPr>
+            <a:spLocks noGrp="1"/>
+          </p:cNvSpPr>
+          <p:nvPr>
+            <p:ph idx="1"/>
+          </p:nvPr>
+        </p:nvSpPr>
+        <p:spPr/>
+        <p:txBody>
+          <a:bodyPr>
+            <a:normAutofit lnSpcReduction="10000"/>
+          </a:bodyPr>
+          <a:lstStyle/>
+          <a:p>
+            <a:r>
+              <a:rPr lang="en-US" b="1" i="0" u="none" strike="noStrike" dirty="0">
+                <a:solidFill>
+                  <a:srgbClr val="FF0000"/>
+                </a:solidFill>
+                <a:effectLst/>
+                <a:latin typeface="sohne"/>
+              </a:rPr>
+              <a:t>How come time flies like an arrow but fruit flies like an apple?</a:t>
+            </a:r>
+          </a:p>
+          <a:p>
+            <a:r>
+              <a:rPr lang="en-US" b="1" i="0" u="none" strike="noStrike" dirty="0">
+                <a:solidFill>
+                  <a:srgbClr val="242424"/>
+                </a:solidFill>
+                <a:effectLst/>
+                <a:latin typeface="sohne"/>
+              </a:rPr>
+              <a:t>Is the difference between a fish purely that one of its legs are both the same?</a:t>
+            </a:r>
+          </a:p>
+          <a:p>
+            <a:r>
+              <a:rPr lang="en-US" b="1" i="0" u="none" strike="noStrike" dirty="0">
+                <a:solidFill>
+                  <a:srgbClr val="FF0000"/>
+                </a:solidFill>
+                <a:effectLst/>
+                <a:latin typeface="sohne"/>
+              </a:rPr>
+              <a:t>The following sentence is true. The previous sentence is false. Which of those two sentences is true?</a:t>
+            </a:r>
+          </a:p>
+          <a:p>
+            <a:r>
+              <a:rPr lang="en-US" b="1" i="0" u="none" strike="noStrike" dirty="0">
+                <a:solidFill>
+                  <a:srgbClr val="242424"/>
+                </a:solidFill>
+                <a:effectLst/>
+                <a:latin typeface="sohne"/>
+              </a:rPr>
+              <a:t> I wasn’t originally going to get a brain transplant, but then I changed my mind.</a:t>
+            </a:r>
+          </a:p>
+          <a:p>
+            <a:r>
+              <a:rPr lang="en-US" b="1" i="0" u="none" strike="noStrike" dirty="0">
+                <a:solidFill>
+                  <a:srgbClr val="FF0000"/>
+                </a:solidFill>
+                <a:effectLst/>
+                <a:latin typeface="sohne"/>
+              </a:rPr>
+              <a:t>What do you get if you cross a joke with a rhetorical question?</a:t>
+            </a:r>
+          </a:p>
+          <a:p>
+            <a:r>
+              <a:rPr lang="en-US" b="1" i="0" u="none" strike="noStrike" dirty="0">
+                <a:solidFill>
+                  <a:srgbClr val="242424"/>
+                </a:solidFill>
+                <a:effectLst/>
+                <a:latin typeface="sohne"/>
+              </a:rPr>
+              <a:t>Due ewe no wart the thyme ears?</a:t>
+            </a:r>
+          </a:p>
+          <a:p>
+            <a:r>
+              <a:rPr lang="en-US" b="1" i="0" u="none" strike="noStrike" dirty="0">
+                <a:solidFill>
+                  <a:srgbClr val="FF0000"/>
+                </a:solidFill>
+                <a:effectLst/>
+                <a:latin typeface="sohne"/>
+              </a:rPr>
+              <a:t>Was six afraid of seven because seven eight nine, or because seven was a registered six offender?</a:t>
+            </a:r>
+          </a:p>
+          <a:p>
+            <a:r>
+              <a:rPr lang="en-US" b="1" i="0" u="none" strike="noStrike" dirty="0">
+                <a:solidFill>
+                  <a:srgbClr val="242424"/>
+                </a:solidFill>
+                <a:effectLst/>
+                <a:latin typeface="sohne"/>
+              </a:rPr>
+              <a:t>God asked Abraham to sacrifice his son Isaac because he wanted to test his faith. Whose son and whose faith are we talking about?</a:t>
+            </a:r>
+          </a:p>
+          <a:p>
+            <a:r>
+              <a:rPr lang="en-US" b="1" i="0" u="none" strike="noStrike" dirty="0">
+                <a:solidFill>
+                  <a:srgbClr val="FF0000"/>
+                </a:solidFill>
+                <a:effectLst/>
+                <a:latin typeface="sohne"/>
+              </a:rPr>
+              <a:t>Would you rather sacrifice one adult to save two children, or two children to save five adults, and why?</a:t>
+            </a:r>
+          </a:p>
+          <a:p>
+            <a:endParaRPr lang="en-US" dirty="0"/>
+          </a:p>
+        </p:txBody>
+      </p:sp>
+    </p:spTree>
+    <p:extLst>
+      <p:ext uri="{BB962C8B-B14F-4D97-AF65-F5344CB8AC3E}">
+        <p14:creationId xmlns:p14="http://schemas.microsoft.com/office/powerpoint/2010/main" val="730871239"/>
+      </p:ext>
+    </p:extLst>
+  </p:cSld>
+  <p:clrMapOvr>
+    <a:masterClrMapping/>
+  </p:clrMapOvr>
+</p:sld>
+</file>
+
+<file path=ppt/slides/slide17.xml><?xml version="1.0" encoding="utf-8"?>
+<p:sld xmlns:a="http://schemas.openxmlformats.org/drawingml/2006/main" xmlns:r="http://schemas.openxmlformats.org/officeDocument/2006/relationships" xmlns:p="http://schemas.openxmlformats.org/presentationml/2006/main">
+  <p:cSld>
+    <p:spTree>
+      <p:nvGrpSpPr>
+        <p:cNvPr id="1" name=""/>
+        <p:cNvGrpSpPr/>
+        <p:nvPr/>
+      </p:nvGrpSpPr>
+      <p:grpSpPr>
+        <a:xfrm>
+          <a:off x="0" y="0"/>
+          <a:ext cx="0" cy="0"/>
+          <a:chOff x="0" y="0"/>
+          <a:chExt cx="0" cy="0"/>
+        </a:xfrm>
+      </p:grpSpPr>
+      <p:sp>
+        <p:nvSpPr>
+          <p:cNvPr id="2" name="Title 1">
+            <a:extLst>
+              <a:ext uri="{FF2B5EF4-FFF2-40B4-BE49-F238E27FC236}">
+                <a16:creationId xmlns:a16="http://schemas.microsoft.com/office/drawing/2014/main" id="{95BD04DB-A026-3162-E120-42504939DF82}"/>
+              </a:ext>
+            </a:extLst>
+          </p:cNvPr>
+          <p:cNvSpPr>
+            <a:spLocks noGrp="1"/>
+          </p:cNvSpPr>
+          <p:nvPr>
+            <p:ph type="title"/>
+          </p:nvPr>
+        </p:nvSpPr>
+        <p:spPr/>
+        <p:txBody>
+          <a:bodyPr/>
+          <a:lstStyle/>
+          <a:p>
+            <a:r>
+              <a:rPr lang="en-US" dirty="0"/>
+              <a:t>What did </a:t>
+            </a:r>
+            <a:r>
+              <a:rPr lang="en-US" dirty="0" err="1"/>
+              <a:t>ChatGPT</a:t>
+            </a:r>
+            <a:r>
+              <a:rPr lang="en-US" dirty="0"/>
+              <a:t> say?</a:t>
+            </a:r>
+          </a:p>
+        </p:txBody>
+      </p:sp>
+      <p:sp>
+        <p:nvSpPr>
+          <p:cNvPr id="3" name="Content Placeholder 2">
+            <a:extLst>
+              <a:ext uri="{FF2B5EF4-FFF2-40B4-BE49-F238E27FC236}">
+                <a16:creationId xmlns:a16="http://schemas.microsoft.com/office/drawing/2014/main" id="{48A0454F-2654-357D-6C5A-8E485E18C679}"/>
+              </a:ext>
+            </a:extLst>
+          </p:cNvPr>
+          <p:cNvSpPr>
+            <a:spLocks noGrp="1"/>
+          </p:cNvSpPr>
+          <p:nvPr>
+            <p:ph idx="1"/>
+          </p:nvPr>
+        </p:nvSpPr>
+        <p:spPr/>
+        <p:txBody>
+          <a:bodyPr>
+            <a:normAutofit fontScale="85000" lnSpcReduction="10000"/>
+          </a:bodyPr>
+          <a:lstStyle/>
+          <a:p>
+            <a:pPr algn="l"/>
+            <a:r>
+              <a:rPr lang="en-US" sz="1900" b="0" i="0" dirty="0">
+                <a:effectLst/>
+                <a:latin typeface="Söhne"/>
+              </a:rPr>
+              <a:t>Your sentence, "Do ewe no wart the thyme ears?" is a playful twist on words, similar to a riddle or wordplay known as a spoonerism or malapropism. It appears to be a humorous variation of the phrase "Do you know what the time is?" but with each word replaced with a homophone or similarly sounding word:</a:t>
+            </a:r>
+          </a:p>
+          <a:p>
+            <a:pPr algn="l">
+              <a:buFont typeface="Arial" panose="020B0604020202020204" pitchFamily="34" charset="0"/>
+              <a:buChar char="•"/>
+            </a:pPr>
+            <a:r>
+              <a:rPr lang="en-US" sz="1900" b="0" i="0" dirty="0">
+                <a:effectLst/>
+                <a:latin typeface="Söhne"/>
+              </a:rPr>
+              <a:t>"Do" remains the same.</a:t>
+            </a:r>
+          </a:p>
+          <a:p>
+            <a:pPr algn="l">
+              <a:buFont typeface="Arial" panose="020B0604020202020204" pitchFamily="34" charset="0"/>
+              <a:buChar char="•"/>
+            </a:pPr>
+            <a:r>
+              <a:rPr lang="en-US" sz="1900" b="0" i="0" dirty="0">
+                <a:effectLst/>
+                <a:latin typeface="Söhne"/>
+              </a:rPr>
+              <a:t>"ewe" is a homophone for "you" and refers to a female sheep.</a:t>
+            </a:r>
+          </a:p>
+          <a:p>
+            <a:pPr algn="l">
+              <a:buFont typeface="Arial" panose="020B0604020202020204" pitchFamily="34" charset="0"/>
+              <a:buChar char="•"/>
+            </a:pPr>
+            <a:r>
+              <a:rPr lang="en-US" sz="1900" b="0" i="0" dirty="0">
+                <a:effectLst/>
+                <a:latin typeface="Söhne"/>
+              </a:rPr>
+              <a:t>"no" is a homophone for "know" but means "to be unaware of" or "to reject."</a:t>
+            </a:r>
+          </a:p>
+          <a:p>
+            <a:pPr algn="l">
+              <a:buFont typeface="Arial" panose="020B0604020202020204" pitchFamily="34" charset="0"/>
+              <a:buChar char="•"/>
+            </a:pPr>
+            <a:r>
+              <a:rPr lang="en-US" sz="1900" b="0" i="0" dirty="0">
+                <a:effectLst/>
+                <a:latin typeface="Söhne"/>
+              </a:rPr>
+              <a:t>"wart" sounds like "what" but actually refers to a small, hard growth on the skin.</a:t>
+            </a:r>
+          </a:p>
+          <a:p>
+            <a:pPr algn="l">
+              <a:buFont typeface="Arial" panose="020B0604020202020204" pitchFamily="34" charset="0"/>
+              <a:buChar char="•"/>
+            </a:pPr>
+            <a:r>
+              <a:rPr lang="en-US" sz="1900" b="0" i="0" dirty="0">
+                <a:effectLst/>
+                <a:latin typeface="Söhne"/>
+              </a:rPr>
+              <a:t>"the" remains the same.</a:t>
+            </a:r>
+          </a:p>
+          <a:p>
+            <a:pPr algn="l">
+              <a:buFont typeface="Arial" panose="020B0604020202020204" pitchFamily="34" charset="0"/>
+              <a:buChar char="•"/>
+            </a:pPr>
+            <a:r>
+              <a:rPr lang="en-US" sz="1900" b="0" i="0" dirty="0">
+                <a:effectLst/>
+                <a:latin typeface="Söhne"/>
+              </a:rPr>
+              <a:t>"thyme" is an herb, homophonic to "time."</a:t>
+            </a:r>
+          </a:p>
+          <a:p>
+            <a:pPr algn="l">
+              <a:buFont typeface="Arial" panose="020B0604020202020204" pitchFamily="34" charset="0"/>
+              <a:buChar char="•"/>
+            </a:pPr>
+            <a:r>
+              <a:rPr lang="en-US" sz="1900" b="0" i="0" dirty="0">
+                <a:effectLst/>
+                <a:latin typeface="Söhne"/>
+              </a:rPr>
+              <a:t>"ears" sounds like "is" but refers to the organ for hearing.</a:t>
+            </a:r>
+          </a:p>
+          <a:p>
+            <a:pPr algn="l"/>
+            <a:r>
+              <a:rPr lang="en-US" sz="1900" b="0" i="0" dirty="0">
+                <a:effectLst/>
+                <a:latin typeface="Söhne"/>
+              </a:rPr>
+              <a:t>Put together, it seems like a nonsensical question, but with context, one might interpret it as a humorous way to ask if someone knows the current time.</a:t>
+            </a:r>
+          </a:p>
+          <a:p>
+            <a:endParaRPr lang="en-US" dirty="0"/>
+          </a:p>
+        </p:txBody>
+      </p:sp>
+    </p:spTree>
+    <p:extLst>
+      <p:ext uri="{BB962C8B-B14F-4D97-AF65-F5344CB8AC3E}">
+        <p14:creationId xmlns:p14="http://schemas.microsoft.com/office/powerpoint/2010/main" val="959002160"/>
+      </p:ext>
+    </p:extLst>
+  </p:cSld>
+  <p:clrMapOvr>
+    <a:masterClrMapping/>
+  </p:clrMapOvr>
+</p:sld>
+</file>
+
+<file path=ppt/slides/slide18.xml><?xml version="1.0" encoding="utf-8"?>
+<p:sld xmlns:a="http://schemas.openxmlformats.org/drawingml/2006/main" xmlns:r="http://schemas.openxmlformats.org/officeDocument/2006/relationships" xmlns:p="http://schemas.openxmlformats.org/presentationml/2006/main">
+  <p:cSld>
+    <p:spTree>
+      <p:nvGrpSpPr>
+        <p:cNvPr id="1" name=""/>
+        <p:cNvGrpSpPr/>
+        <p:nvPr/>
+      </p:nvGrpSpPr>
+      <p:grpSpPr>
+        <a:xfrm>
+          <a:off x="0" y="0"/>
+          <a:ext cx="0" cy="0"/>
+          <a:chOff x="0" y="0"/>
+          <a:chExt cx="0" cy="0"/>
+        </a:xfrm>
+      </p:grpSpPr>
+      <p:sp>
+        <p:nvSpPr>
+          <p:cNvPr id="2" name="Title 1">
+            <a:extLst>
+              <a:ext uri="{FF2B5EF4-FFF2-40B4-BE49-F238E27FC236}">
                 <a16:creationId xmlns:a16="http://schemas.microsoft.com/office/drawing/2014/main" id="{06560B5E-E025-E039-08C1-655681F493A9}"/>
               </a:ext>
             </a:extLst>
@@ -10989,7 +11391,7 @@
 </p:sld>
 </file>
 
-<file path=ppt/slides/slide17.xml><?xml version="1.0" encoding="utf-8"?>
+<file path=ppt/slides/slide19.xml><?xml version="1.0" encoding="utf-8"?>
 <p:sld xmlns:a="http://schemas.openxmlformats.org/drawingml/2006/main" xmlns:r="http://schemas.openxmlformats.org/officeDocument/2006/relationships" xmlns:p="http://schemas.openxmlformats.org/presentationml/2006/main">
   <p:cSld>
     <p:spTree>
@@ -11123,7 +11525,378 @@
 </p:sld>
 </file>
 
-<file path=ppt/slides/slide18.xml><?xml version="1.0" encoding="utf-8"?>
+<file path=ppt/slides/slide2.xml><?xml version="1.0" encoding="utf-8"?>
+<p:sld xmlns:a="http://schemas.openxmlformats.org/drawingml/2006/main" xmlns:r="http://schemas.openxmlformats.org/officeDocument/2006/relationships" xmlns:p="http://schemas.openxmlformats.org/presentationml/2006/main">
+  <p:cSld>
+    <p:spTree>
+      <p:nvGrpSpPr>
+        <p:cNvPr id="1" name=""/>
+        <p:cNvGrpSpPr/>
+        <p:nvPr/>
+      </p:nvGrpSpPr>
+      <p:grpSpPr>
+        <a:xfrm>
+          <a:off x="0" y="0"/>
+          <a:ext cx="0" cy="0"/>
+          <a:chOff x="0" y="0"/>
+          <a:chExt cx="0" cy="0"/>
+        </a:xfrm>
+      </p:grpSpPr>
+      <p:sp>
+        <p:nvSpPr>
+          <p:cNvPr id="2" name="Title 1">
+            <a:extLst>
+              <a:ext uri="{FF2B5EF4-FFF2-40B4-BE49-F238E27FC236}">
+                <a16:creationId xmlns:a16="http://schemas.microsoft.com/office/drawing/2014/main" id="{D2A01703-5135-05A6-B46F-845CAA5E0F09}"/>
+              </a:ext>
+            </a:extLst>
+          </p:cNvPr>
+          <p:cNvSpPr>
+            <a:spLocks noGrp="1"/>
+          </p:cNvSpPr>
+          <p:nvPr>
+            <p:ph type="title"/>
+          </p:nvPr>
+        </p:nvSpPr>
+        <p:spPr/>
+        <p:txBody>
+          <a:bodyPr/>
+          <a:lstStyle/>
+          <a:p>
+            <a:r>
+              <a:rPr lang="en-US" dirty="0"/>
+              <a:t>A More Detailed History of AI</a:t>
+            </a:r>
+          </a:p>
+        </p:txBody>
+      </p:sp>
+      <p:sp>
+        <p:nvSpPr>
+          <p:cNvPr id="3" name="Content Placeholder 2">
+            <a:extLst>
+              <a:ext uri="{FF2B5EF4-FFF2-40B4-BE49-F238E27FC236}">
+                <a16:creationId xmlns:a16="http://schemas.microsoft.com/office/drawing/2014/main" id="{263A633D-D649-4399-3C8E-68D643DE650E}"/>
+              </a:ext>
+            </a:extLst>
+          </p:cNvPr>
+          <p:cNvSpPr>
+            <a:spLocks noGrp="1"/>
+          </p:cNvSpPr>
+          <p:nvPr>
+            <p:ph idx="1"/>
+          </p:nvPr>
+        </p:nvSpPr>
+        <p:spPr/>
+        <p:txBody>
+          <a:bodyPr>
+            <a:normAutofit fontScale="85000" lnSpcReduction="10000"/>
+          </a:bodyPr>
+          <a:lstStyle/>
+          <a:p>
+            <a:pPr marL="0" marR="0">
+              <a:spcBef>
+                <a:spcPts val="0"/>
+              </a:spcBef>
+              <a:spcAft>
+                <a:spcPts val="1500"/>
+              </a:spcAft>
+            </a:pPr>
+            <a:r>
+              <a:rPr lang="en-US" sz="1800" dirty="0">
+                <a:effectLst/>
+                <a:latin typeface="Segoe UI" panose="020B0502040204020203" pitchFamily="34" charset="0"/>
+                <a:ea typeface="Times New Roman" panose="02020603050405020304" pitchFamily="18" charset="0"/>
+              </a:rPr>
+              <a:t>The conceptualization of artificial intelligent entities has been </a:t>
+            </a:r>
+            <a:r>
+              <a:rPr lang="en-US" sz="1800" dirty="0">
+                <a:solidFill>
+                  <a:srgbClr val="FF0000"/>
+                </a:solidFill>
+                <a:effectLst/>
+                <a:latin typeface="Segoe UI" panose="020B0502040204020203" pitchFamily="34" charset="0"/>
+                <a:ea typeface="Times New Roman" panose="02020603050405020304" pitchFamily="18" charset="0"/>
+              </a:rPr>
+              <a:t>embedded in human thought and culture</a:t>
+            </a:r>
+            <a:r>
+              <a:rPr lang="en-US" sz="1800" dirty="0">
+                <a:effectLst/>
+                <a:latin typeface="Segoe UI" panose="020B0502040204020203" pitchFamily="34" charset="0"/>
+                <a:ea typeface="Times New Roman" panose="02020603050405020304" pitchFamily="18" charset="0"/>
+              </a:rPr>
+              <a:t> for millennia. </a:t>
+            </a:r>
+          </a:p>
+          <a:p>
+            <a:pPr marL="0" marR="0">
+              <a:spcBef>
+                <a:spcPts val="0"/>
+              </a:spcBef>
+              <a:spcAft>
+                <a:spcPts val="1500"/>
+              </a:spcAft>
+            </a:pPr>
+            <a:r>
+              <a:rPr lang="en-US" sz="1800" dirty="0">
+                <a:effectLst/>
+                <a:latin typeface="Segoe UI" panose="020B0502040204020203" pitchFamily="34" charset="0"/>
+                <a:ea typeface="Times New Roman" panose="02020603050405020304" pitchFamily="18" charset="0"/>
+              </a:rPr>
+              <a:t>Ancient myths, legends, and stories from various civilizations have contemplated the creation of </a:t>
+            </a:r>
+            <a:r>
+              <a:rPr lang="en-US" sz="1800" dirty="0">
+                <a:solidFill>
+                  <a:srgbClr val="FF0000"/>
+                </a:solidFill>
+                <a:effectLst/>
+                <a:latin typeface="Segoe UI" panose="020B0502040204020203" pitchFamily="34" charset="0"/>
+                <a:ea typeface="Times New Roman" panose="02020603050405020304" pitchFamily="18" charset="0"/>
+              </a:rPr>
+              <a:t>non-biological entities that exhibit forms of intelligence or life-like attributes.</a:t>
+            </a:r>
+          </a:p>
+          <a:p>
+            <a:pPr marL="0" marR="0">
+              <a:spcBef>
+                <a:spcPts val="0"/>
+              </a:spcBef>
+              <a:spcAft>
+                <a:spcPts val="1500"/>
+              </a:spcAft>
+            </a:pPr>
+            <a:r>
+              <a:rPr lang="en-US" sz="1800" dirty="0">
+                <a:solidFill>
+                  <a:srgbClr val="00B050"/>
+                </a:solidFill>
+                <a:effectLst/>
+                <a:latin typeface="Segoe UI" panose="020B0502040204020203" pitchFamily="34" charset="0"/>
+                <a:ea typeface="Times New Roman" panose="02020603050405020304" pitchFamily="18" charset="0"/>
+              </a:rPr>
+              <a:t>Much like the idea that “exploration” drives humans to go beyond their natural habitat (NASA Space </a:t>
+            </a:r>
+            <a:r>
+              <a:rPr lang="en-US" sz="1800" dirty="0" err="1">
+                <a:solidFill>
+                  <a:srgbClr val="00B050"/>
+                </a:solidFill>
+                <a:effectLst/>
+                <a:latin typeface="Segoe UI" panose="020B0502040204020203" pitchFamily="34" charset="0"/>
+                <a:ea typeface="Times New Roman" panose="02020603050405020304" pitchFamily="18" charset="0"/>
+              </a:rPr>
+              <a:t>Progam</a:t>
+            </a:r>
+            <a:r>
+              <a:rPr lang="en-US" sz="1800" dirty="0">
+                <a:solidFill>
+                  <a:srgbClr val="00B050"/>
+                </a:solidFill>
+                <a:effectLst/>
+                <a:latin typeface="Segoe UI" panose="020B0502040204020203" pitchFamily="34" charset="0"/>
+                <a:ea typeface="Times New Roman" panose="02020603050405020304" pitchFamily="18" charset="0"/>
+              </a:rPr>
+              <a:t>!), it seems that the concept of developing forms of artificial intelligence is ingrained </a:t>
+            </a:r>
+            <a:r>
+              <a:rPr lang="en-US" dirty="0">
+                <a:solidFill>
+                  <a:srgbClr val="00B050"/>
+                </a:solidFill>
+                <a:latin typeface="Segoe UI" panose="020B0502040204020203" pitchFamily="34" charset="0"/>
+                <a:ea typeface="Times New Roman" panose="02020603050405020304" pitchFamily="18" charset="0"/>
+              </a:rPr>
+              <a:t>into the human experience.</a:t>
+            </a:r>
+            <a:endParaRPr lang="en-US" sz="1800" dirty="0">
+              <a:solidFill>
+                <a:srgbClr val="00B050"/>
+              </a:solidFill>
+              <a:effectLst/>
+              <a:latin typeface="Segoe UI" panose="020B0502040204020203" pitchFamily="34" charset="0"/>
+              <a:ea typeface="Times New Roman" panose="02020603050405020304" pitchFamily="18" charset="0"/>
+            </a:endParaRPr>
+          </a:p>
+          <a:p>
+            <a:pPr marL="0" marR="0">
+              <a:spcBef>
+                <a:spcPts val="0"/>
+              </a:spcBef>
+              <a:spcAft>
+                <a:spcPts val="1500"/>
+              </a:spcAft>
+            </a:pPr>
+            <a:r>
+              <a:rPr lang="en-US" sz="1800" b="0" i="1" dirty="0">
+                <a:solidFill>
+                  <a:srgbClr val="2F5496"/>
+                </a:solidFill>
+                <a:effectLst/>
+                <a:latin typeface="Segoe UI" panose="020B0502040204020203" pitchFamily="34" charset="0"/>
+                <a:ea typeface="Times New Roman" panose="02020603050405020304" pitchFamily="18" charset="0"/>
+                <a:cs typeface="Times New Roman" panose="02020603050405020304" pitchFamily="18" charset="0"/>
+              </a:rPr>
+              <a:t>Greek Mythology: Talos and Automata</a:t>
+            </a:r>
+            <a:endParaRPr lang="en-US" sz="1800" b="1" i="1" dirty="0">
+              <a:solidFill>
+                <a:srgbClr val="2F5496"/>
+              </a:solidFill>
+              <a:effectLst/>
+              <a:latin typeface="Calibri Light" panose="020F0302020204030204" pitchFamily="34" charset="0"/>
+              <a:ea typeface="Times New Roman" panose="02020603050405020304" pitchFamily="18" charset="0"/>
+              <a:cs typeface="Times New Roman" panose="02020603050405020304" pitchFamily="18" charset="0"/>
+            </a:endParaRPr>
+          </a:p>
+          <a:p>
+            <a:pPr marL="342900" marR="0" lvl="0" indent="-342900">
+              <a:spcBef>
+                <a:spcPts val="0"/>
+              </a:spcBef>
+              <a:spcAft>
+                <a:spcPts val="0"/>
+              </a:spcAft>
+              <a:buSzPts val="1000"/>
+              <a:buFont typeface="Symbol" pitchFamily="2" charset="2"/>
+              <a:buChar char=""/>
+              <a:tabLst>
+                <a:tab pos="457200" algn="l"/>
+              </a:tabLst>
+            </a:pPr>
+            <a:r>
+              <a:rPr lang="en-US" sz="1800" b="1" dirty="0">
+                <a:effectLst/>
+                <a:latin typeface="Segoe UI" panose="020B0502040204020203" pitchFamily="34" charset="0"/>
+                <a:ea typeface="Times New Roman" panose="02020603050405020304" pitchFamily="18" charset="0"/>
+              </a:rPr>
+              <a:t>Talos:</a:t>
+            </a:r>
+            <a:r>
+              <a:rPr lang="en-US" sz="1800" dirty="0">
+                <a:effectLst/>
+                <a:latin typeface="Segoe UI" panose="020B0502040204020203" pitchFamily="34" charset="0"/>
+                <a:ea typeface="Times New Roman" panose="02020603050405020304" pitchFamily="18" charset="0"/>
+              </a:rPr>
+              <a:t> In Greek mythology, Talos was a </a:t>
+            </a:r>
+            <a:r>
+              <a:rPr lang="en-US" sz="1800" dirty="0">
+                <a:solidFill>
+                  <a:srgbClr val="FF0000"/>
+                </a:solidFill>
+                <a:effectLst/>
+                <a:latin typeface="Segoe UI" panose="020B0502040204020203" pitchFamily="34" charset="0"/>
+                <a:ea typeface="Times New Roman" panose="02020603050405020304" pitchFamily="18" charset="0"/>
+              </a:rPr>
+              <a:t>giant bronze automaton </a:t>
+            </a:r>
+            <a:r>
+              <a:rPr lang="en-US" sz="1800" dirty="0">
+                <a:effectLst/>
+                <a:latin typeface="Segoe UI" panose="020B0502040204020203" pitchFamily="34" charset="0"/>
+                <a:ea typeface="Times New Roman" panose="02020603050405020304" pitchFamily="18" charset="0"/>
+              </a:rPr>
+              <a:t>created by Hephaestus, the god of blacksmiths and invention, to protect the island of Crete. Talos would patrol the island, throwing rocks at intruding ships and heating himself red-hot to burn invaders.</a:t>
+            </a:r>
+          </a:p>
+          <a:p>
+            <a:pPr marL="342900" marR="0" lvl="0" indent="-342900">
+              <a:spcBef>
+                <a:spcPts val="0"/>
+              </a:spcBef>
+              <a:spcAft>
+                <a:spcPts val="0"/>
+              </a:spcAft>
+              <a:buSzPts val="1000"/>
+              <a:buFont typeface="Symbol" pitchFamily="2" charset="2"/>
+              <a:buChar char=""/>
+              <a:tabLst>
+                <a:tab pos="457200" algn="l"/>
+              </a:tabLst>
+            </a:pPr>
+            <a:endParaRPr lang="en-US" sz="1800" dirty="0">
+              <a:effectLst/>
+              <a:latin typeface="Times New Roman" panose="02020603050405020304" pitchFamily="18" charset="0"/>
+              <a:ea typeface="Times New Roman" panose="02020603050405020304" pitchFamily="18" charset="0"/>
+            </a:endParaRPr>
+          </a:p>
+          <a:p>
+            <a:pPr marL="342900" marR="0" lvl="0" indent="-342900">
+              <a:spcBef>
+                <a:spcPts val="0"/>
+              </a:spcBef>
+              <a:spcAft>
+                <a:spcPts val="0"/>
+              </a:spcAft>
+              <a:buSzPts val="1000"/>
+              <a:buFont typeface="Symbol" pitchFamily="2" charset="2"/>
+              <a:buChar char=""/>
+              <a:tabLst>
+                <a:tab pos="457200" algn="l"/>
+              </a:tabLst>
+            </a:pPr>
+            <a:r>
+              <a:rPr lang="en-US" sz="1800" b="1" dirty="0">
+                <a:effectLst/>
+                <a:latin typeface="Segoe UI" panose="020B0502040204020203" pitchFamily="34" charset="0"/>
+                <a:ea typeface="Times New Roman" panose="02020603050405020304" pitchFamily="18" charset="0"/>
+              </a:rPr>
+              <a:t>Automata:</a:t>
+            </a:r>
+            <a:r>
+              <a:rPr lang="en-US" sz="1800" dirty="0">
+                <a:effectLst/>
+                <a:latin typeface="Segoe UI" panose="020B0502040204020203" pitchFamily="34" charset="0"/>
+                <a:ea typeface="Times New Roman" panose="02020603050405020304" pitchFamily="18" charset="0"/>
+              </a:rPr>
+              <a:t> Ancient Greeks also imagined elaborate automata. Notably, Hephaestus was said to have created </a:t>
+            </a:r>
+            <a:r>
+              <a:rPr lang="en-US" sz="1800" dirty="0">
+                <a:solidFill>
+                  <a:srgbClr val="FF0000"/>
+                </a:solidFill>
+                <a:effectLst/>
+                <a:latin typeface="Segoe UI" panose="020B0502040204020203" pitchFamily="34" charset="0"/>
+                <a:ea typeface="Times New Roman" panose="02020603050405020304" pitchFamily="18" charset="0"/>
+              </a:rPr>
+              <a:t>mechanical servants </a:t>
+            </a:r>
+            <a:r>
+              <a:rPr lang="en-US" sz="1800" dirty="0">
+                <a:effectLst/>
+                <a:latin typeface="Segoe UI" panose="020B0502040204020203" pitchFamily="34" charset="0"/>
+                <a:ea typeface="Times New Roman" panose="02020603050405020304" pitchFamily="18" charset="0"/>
+              </a:rPr>
+              <a:t>that assisted in his forge, demonstrating an ancient fascination with automating labor and crafting mechanical life.</a:t>
+            </a:r>
+            <a:endParaRPr lang="en-US" sz="1800" dirty="0">
+              <a:effectLst/>
+              <a:latin typeface="Times New Roman" panose="02020603050405020304" pitchFamily="18" charset="0"/>
+              <a:ea typeface="Times New Roman" panose="02020603050405020304" pitchFamily="18" charset="0"/>
+            </a:endParaRPr>
+          </a:p>
+          <a:p>
+            <a:endParaRPr lang="en-US" dirty="0"/>
+          </a:p>
+        </p:txBody>
+      </p:sp>
+    </p:spTree>
+    <p:extLst>
+      <p:ext uri="{BB962C8B-B14F-4D97-AF65-F5344CB8AC3E}">
+        <p14:creationId xmlns:p14="http://schemas.microsoft.com/office/powerpoint/2010/main" val="3263715794"/>
+      </p:ext>
+    </p:extLst>
+  </p:cSld>
+  <p:clrMapOvr>
+    <a:masterClrMapping/>
+  </p:clrMapOvr>
+</p:sld>
+</file>
+
+<file path=ppt/slides/slide20.xml><?xml version="1.0" encoding="utf-8"?>
 <p:sld xmlns:a="http://schemas.openxmlformats.org/drawingml/2006/main" xmlns:r="http://schemas.openxmlformats.org/officeDocument/2006/relationships" xmlns:p="http://schemas.openxmlformats.org/presentationml/2006/main">
   <p:cSld>
     <p:spTree>
@@ -11584,7 +12357,7 @@
 </p:sld>
 </file>
 
-<file path=ppt/slides/slide19.xml><?xml version="1.0" encoding="utf-8"?>
+<file path=ppt/slides/slide21.xml><?xml version="1.0" encoding="utf-8"?>
 <p:sld xmlns:a="http://schemas.openxmlformats.org/drawingml/2006/main" xmlns:r="http://schemas.openxmlformats.org/officeDocument/2006/relationships" xmlns:p="http://schemas.openxmlformats.org/presentationml/2006/main">
   <p:cSld>
     <p:spTree>
@@ -11801,378 +12574,7 @@
 </p:sld>
 </file>
 
-<file path=ppt/slides/slide2.xml><?xml version="1.0" encoding="utf-8"?>
-<p:sld xmlns:a="http://schemas.openxmlformats.org/drawingml/2006/main" xmlns:r="http://schemas.openxmlformats.org/officeDocument/2006/relationships" xmlns:p="http://schemas.openxmlformats.org/presentationml/2006/main">
-  <p:cSld>
-    <p:spTree>
-      <p:nvGrpSpPr>
-        <p:cNvPr id="1" name=""/>
-        <p:cNvGrpSpPr/>
-        <p:nvPr/>
-      </p:nvGrpSpPr>
-      <p:grpSpPr>
-        <a:xfrm>
-          <a:off x="0" y="0"/>
-          <a:ext cx="0" cy="0"/>
-          <a:chOff x="0" y="0"/>
-          <a:chExt cx="0" cy="0"/>
-        </a:xfrm>
-      </p:grpSpPr>
-      <p:sp>
-        <p:nvSpPr>
-          <p:cNvPr id="2" name="Title 1">
-            <a:extLst>
-              <a:ext uri="{FF2B5EF4-FFF2-40B4-BE49-F238E27FC236}">
-                <a16:creationId xmlns:a16="http://schemas.microsoft.com/office/drawing/2014/main" id="{D2A01703-5135-05A6-B46F-845CAA5E0F09}"/>
-              </a:ext>
-            </a:extLst>
-          </p:cNvPr>
-          <p:cNvSpPr>
-            <a:spLocks noGrp="1"/>
-          </p:cNvSpPr>
-          <p:nvPr>
-            <p:ph type="title"/>
-          </p:nvPr>
-        </p:nvSpPr>
-        <p:spPr/>
-        <p:txBody>
-          <a:bodyPr/>
-          <a:lstStyle/>
-          <a:p>
-            <a:r>
-              <a:rPr lang="en-US" dirty="0"/>
-              <a:t>A More Detailed History of AI</a:t>
-            </a:r>
-          </a:p>
-        </p:txBody>
-      </p:sp>
-      <p:sp>
-        <p:nvSpPr>
-          <p:cNvPr id="3" name="Content Placeholder 2">
-            <a:extLst>
-              <a:ext uri="{FF2B5EF4-FFF2-40B4-BE49-F238E27FC236}">
-                <a16:creationId xmlns:a16="http://schemas.microsoft.com/office/drawing/2014/main" id="{263A633D-D649-4399-3C8E-68D643DE650E}"/>
-              </a:ext>
-            </a:extLst>
-          </p:cNvPr>
-          <p:cNvSpPr>
-            <a:spLocks noGrp="1"/>
-          </p:cNvSpPr>
-          <p:nvPr>
-            <p:ph idx="1"/>
-          </p:nvPr>
-        </p:nvSpPr>
-        <p:spPr/>
-        <p:txBody>
-          <a:bodyPr>
-            <a:normAutofit fontScale="85000" lnSpcReduction="10000"/>
-          </a:bodyPr>
-          <a:lstStyle/>
-          <a:p>
-            <a:pPr marL="0" marR="0">
-              <a:spcBef>
-                <a:spcPts val="0"/>
-              </a:spcBef>
-              <a:spcAft>
-                <a:spcPts val="1500"/>
-              </a:spcAft>
-            </a:pPr>
-            <a:r>
-              <a:rPr lang="en-US" sz="1800" dirty="0">
-                <a:effectLst/>
-                <a:latin typeface="Segoe UI" panose="020B0502040204020203" pitchFamily="34" charset="0"/>
-                <a:ea typeface="Times New Roman" panose="02020603050405020304" pitchFamily="18" charset="0"/>
-              </a:rPr>
-              <a:t>The conceptualization of artificial intelligent entities has been </a:t>
-            </a:r>
-            <a:r>
-              <a:rPr lang="en-US" sz="1800" dirty="0">
-                <a:solidFill>
-                  <a:srgbClr val="FF0000"/>
-                </a:solidFill>
-                <a:effectLst/>
-                <a:latin typeface="Segoe UI" panose="020B0502040204020203" pitchFamily="34" charset="0"/>
-                <a:ea typeface="Times New Roman" panose="02020603050405020304" pitchFamily="18" charset="0"/>
-              </a:rPr>
-              <a:t>embedded in human thought and culture</a:t>
-            </a:r>
-            <a:r>
-              <a:rPr lang="en-US" sz="1800" dirty="0">
-                <a:effectLst/>
-                <a:latin typeface="Segoe UI" panose="020B0502040204020203" pitchFamily="34" charset="0"/>
-                <a:ea typeface="Times New Roman" panose="02020603050405020304" pitchFamily="18" charset="0"/>
-              </a:rPr>
-              <a:t> for millennia. </a:t>
-            </a:r>
-          </a:p>
-          <a:p>
-            <a:pPr marL="0" marR="0">
-              <a:spcBef>
-                <a:spcPts val="0"/>
-              </a:spcBef>
-              <a:spcAft>
-                <a:spcPts val="1500"/>
-              </a:spcAft>
-            </a:pPr>
-            <a:r>
-              <a:rPr lang="en-US" sz="1800" dirty="0">
-                <a:effectLst/>
-                <a:latin typeface="Segoe UI" panose="020B0502040204020203" pitchFamily="34" charset="0"/>
-                <a:ea typeface="Times New Roman" panose="02020603050405020304" pitchFamily="18" charset="0"/>
-              </a:rPr>
-              <a:t>Ancient myths, legends, and stories from various civilizations have contemplated the creation of </a:t>
-            </a:r>
-            <a:r>
-              <a:rPr lang="en-US" sz="1800" dirty="0">
-                <a:solidFill>
-                  <a:srgbClr val="FF0000"/>
-                </a:solidFill>
-                <a:effectLst/>
-                <a:latin typeface="Segoe UI" panose="020B0502040204020203" pitchFamily="34" charset="0"/>
-                <a:ea typeface="Times New Roman" panose="02020603050405020304" pitchFamily="18" charset="0"/>
-              </a:rPr>
-              <a:t>non-biological entities that exhibit forms of intelligence or life-like attributes.</a:t>
-            </a:r>
-          </a:p>
-          <a:p>
-            <a:pPr marL="0" marR="0">
-              <a:spcBef>
-                <a:spcPts val="0"/>
-              </a:spcBef>
-              <a:spcAft>
-                <a:spcPts val="1500"/>
-              </a:spcAft>
-            </a:pPr>
-            <a:r>
-              <a:rPr lang="en-US" sz="1800" dirty="0">
-                <a:solidFill>
-                  <a:srgbClr val="00B050"/>
-                </a:solidFill>
-                <a:effectLst/>
-                <a:latin typeface="Segoe UI" panose="020B0502040204020203" pitchFamily="34" charset="0"/>
-                <a:ea typeface="Times New Roman" panose="02020603050405020304" pitchFamily="18" charset="0"/>
-              </a:rPr>
-              <a:t>Much like the idea that “exploration” drives humans to go beyond their natural habitat (NASA Space </a:t>
-            </a:r>
-            <a:r>
-              <a:rPr lang="en-US" sz="1800" dirty="0" err="1">
-                <a:solidFill>
-                  <a:srgbClr val="00B050"/>
-                </a:solidFill>
-                <a:effectLst/>
-                <a:latin typeface="Segoe UI" panose="020B0502040204020203" pitchFamily="34" charset="0"/>
-                <a:ea typeface="Times New Roman" panose="02020603050405020304" pitchFamily="18" charset="0"/>
-              </a:rPr>
-              <a:t>Progam</a:t>
-            </a:r>
-            <a:r>
-              <a:rPr lang="en-US" sz="1800" dirty="0">
-                <a:solidFill>
-                  <a:srgbClr val="00B050"/>
-                </a:solidFill>
-                <a:effectLst/>
-                <a:latin typeface="Segoe UI" panose="020B0502040204020203" pitchFamily="34" charset="0"/>
-                <a:ea typeface="Times New Roman" panose="02020603050405020304" pitchFamily="18" charset="0"/>
-              </a:rPr>
-              <a:t>!), it seems that the concept of developing forms of artificial intelligence is ingrained </a:t>
-            </a:r>
-            <a:r>
-              <a:rPr lang="en-US" dirty="0">
-                <a:solidFill>
-                  <a:srgbClr val="00B050"/>
-                </a:solidFill>
-                <a:latin typeface="Segoe UI" panose="020B0502040204020203" pitchFamily="34" charset="0"/>
-                <a:ea typeface="Times New Roman" panose="02020603050405020304" pitchFamily="18" charset="0"/>
-              </a:rPr>
-              <a:t>into the human experience.</a:t>
-            </a:r>
-            <a:endParaRPr lang="en-US" sz="1800" dirty="0">
-              <a:solidFill>
-                <a:srgbClr val="00B050"/>
-              </a:solidFill>
-              <a:effectLst/>
-              <a:latin typeface="Segoe UI" panose="020B0502040204020203" pitchFamily="34" charset="0"/>
-              <a:ea typeface="Times New Roman" panose="02020603050405020304" pitchFamily="18" charset="0"/>
-            </a:endParaRPr>
-          </a:p>
-          <a:p>
-            <a:pPr marL="0" marR="0">
-              <a:spcBef>
-                <a:spcPts val="0"/>
-              </a:spcBef>
-              <a:spcAft>
-                <a:spcPts val="1500"/>
-              </a:spcAft>
-            </a:pPr>
-            <a:r>
-              <a:rPr lang="en-US" sz="1800" b="0" i="1" dirty="0">
-                <a:solidFill>
-                  <a:srgbClr val="2F5496"/>
-                </a:solidFill>
-                <a:effectLst/>
-                <a:latin typeface="Segoe UI" panose="020B0502040204020203" pitchFamily="34" charset="0"/>
-                <a:ea typeface="Times New Roman" panose="02020603050405020304" pitchFamily="18" charset="0"/>
-                <a:cs typeface="Times New Roman" panose="02020603050405020304" pitchFamily="18" charset="0"/>
-              </a:rPr>
-              <a:t>Greek Mythology: Talos and Automata</a:t>
-            </a:r>
-            <a:endParaRPr lang="en-US" sz="1800" b="1" i="1" dirty="0">
-              <a:solidFill>
-                <a:srgbClr val="2F5496"/>
-              </a:solidFill>
-              <a:effectLst/>
-              <a:latin typeface="Calibri Light" panose="020F0302020204030204" pitchFamily="34" charset="0"/>
-              <a:ea typeface="Times New Roman" panose="02020603050405020304" pitchFamily="18" charset="0"/>
-              <a:cs typeface="Times New Roman" panose="02020603050405020304" pitchFamily="18" charset="0"/>
-            </a:endParaRPr>
-          </a:p>
-          <a:p>
-            <a:pPr marL="342900" marR="0" lvl="0" indent="-342900">
-              <a:spcBef>
-                <a:spcPts val="0"/>
-              </a:spcBef>
-              <a:spcAft>
-                <a:spcPts val="0"/>
-              </a:spcAft>
-              <a:buSzPts val="1000"/>
-              <a:buFont typeface="Symbol" pitchFamily="2" charset="2"/>
-              <a:buChar char=""/>
-              <a:tabLst>
-                <a:tab pos="457200" algn="l"/>
-              </a:tabLst>
-            </a:pPr>
-            <a:r>
-              <a:rPr lang="en-US" sz="1800" b="1" dirty="0">
-                <a:effectLst/>
-                <a:latin typeface="Segoe UI" panose="020B0502040204020203" pitchFamily="34" charset="0"/>
-                <a:ea typeface="Times New Roman" panose="02020603050405020304" pitchFamily="18" charset="0"/>
-              </a:rPr>
-              <a:t>Talos:</a:t>
-            </a:r>
-            <a:r>
-              <a:rPr lang="en-US" sz="1800" dirty="0">
-                <a:effectLst/>
-                <a:latin typeface="Segoe UI" panose="020B0502040204020203" pitchFamily="34" charset="0"/>
-                <a:ea typeface="Times New Roman" panose="02020603050405020304" pitchFamily="18" charset="0"/>
-              </a:rPr>
-              <a:t> In Greek mythology, Talos was a </a:t>
-            </a:r>
-            <a:r>
-              <a:rPr lang="en-US" sz="1800" dirty="0">
-                <a:solidFill>
-                  <a:srgbClr val="FF0000"/>
-                </a:solidFill>
-                <a:effectLst/>
-                <a:latin typeface="Segoe UI" panose="020B0502040204020203" pitchFamily="34" charset="0"/>
-                <a:ea typeface="Times New Roman" panose="02020603050405020304" pitchFamily="18" charset="0"/>
-              </a:rPr>
-              <a:t>giant bronze automaton </a:t>
-            </a:r>
-            <a:r>
-              <a:rPr lang="en-US" sz="1800" dirty="0">
-                <a:effectLst/>
-                <a:latin typeface="Segoe UI" panose="020B0502040204020203" pitchFamily="34" charset="0"/>
-                <a:ea typeface="Times New Roman" panose="02020603050405020304" pitchFamily="18" charset="0"/>
-              </a:rPr>
-              <a:t>created by Hephaestus, the god of blacksmiths and invention, to protect the island of Crete. Talos would patrol the island, throwing rocks at intruding ships and heating himself red-hot to burn invaders.</a:t>
-            </a:r>
-          </a:p>
-          <a:p>
-            <a:pPr marL="342900" marR="0" lvl="0" indent="-342900">
-              <a:spcBef>
-                <a:spcPts val="0"/>
-              </a:spcBef>
-              <a:spcAft>
-                <a:spcPts val="0"/>
-              </a:spcAft>
-              <a:buSzPts val="1000"/>
-              <a:buFont typeface="Symbol" pitchFamily="2" charset="2"/>
-              <a:buChar char=""/>
-              <a:tabLst>
-                <a:tab pos="457200" algn="l"/>
-              </a:tabLst>
-            </a:pPr>
-            <a:endParaRPr lang="en-US" sz="1800" dirty="0">
-              <a:effectLst/>
-              <a:latin typeface="Times New Roman" panose="02020603050405020304" pitchFamily="18" charset="0"/>
-              <a:ea typeface="Times New Roman" panose="02020603050405020304" pitchFamily="18" charset="0"/>
-            </a:endParaRPr>
-          </a:p>
-          <a:p>
-            <a:pPr marL="342900" marR="0" lvl="0" indent="-342900">
-              <a:spcBef>
-                <a:spcPts val="0"/>
-              </a:spcBef>
-              <a:spcAft>
-                <a:spcPts val="0"/>
-              </a:spcAft>
-              <a:buSzPts val="1000"/>
-              <a:buFont typeface="Symbol" pitchFamily="2" charset="2"/>
-              <a:buChar char=""/>
-              <a:tabLst>
-                <a:tab pos="457200" algn="l"/>
-              </a:tabLst>
-            </a:pPr>
-            <a:r>
-              <a:rPr lang="en-US" sz="1800" b="1" dirty="0">
-                <a:effectLst/>
-                <a:latin typeface="Segoe UI" panose="020B0502040204020203" pitchFamily="34" charset="0"/>
-                <a:ea typeface="Times New Roman" panose="02020603050405020304" pitchFamily="18" charset="0"/>
-              </a:rPr>
-              <a:t>Automata:</a:t>
-            </a:r>
-            <a:r>
-              <a:rPr lang="en-US" sz="1800" dirty="0">
-                <a:effectLst/>
-                <a:latin typeface="Segoe UI" panose="020B0502040204020203" pitchFamily="34" charset="0"/>
-                <a:ea typeface="Times New Roman" panose="02020603050405020304" pitchFamily="18" charset="0"/>
-              </a:rPr>
-              <a:t> Ancient Greeks also imagined elaborate automata. Notably, Hephaestus was said to have created </a:t>
-            </a:r>
-            <a:r>
-              <a:rPr lang="en-US" sz="1800" dirty="0">
-                <a:solidFill>
-                  <a:srgbClr val="FF0000"/>
-                </a:solidFill>
-                <a:effectLst/>
-                <a:latin typeface="Segoe UI" panose="020B0502040204020203" pitchFamily="34" charset="0"/>
-                <a:ea typeface="Times New Roman" panose="02020603050405020304" pitchFamily="18" charset="0"/>
-              </a:rPr>
-              <a:t>mechanical servants </a:t>
-            </a:r>
-            <a:r>
-              <a:rPr lang="en-US" sz="1800" dirty="0">
-                <a:effectLst/>
-                <a:latin typeface="Segoe UI" panose="020B0502040204020203" pitchFamily="34" charset="0"/>
-                <a:ea typeface="Times New Roman" panose="02020603050405020304" pitchFamily="18" charset="0"/>
-              </a:rPr>
-              <a:t>that assisted in his forge, demonstrating an ancient fascination with automating labor and crafting mechanical life.</a:t>
-            </a:r>
-            <a:endParaRPr lang="en-US" sz="1800" dirty="0">
-              <a:effectLst/>
-              <a:latin typeface="Times New Roman" panose="02020603050405020304" pitchFamily="18" charset="0"/>
-              <a:ea typeface="Times New Roman" panose="02020603050405020304" pitchFamily="18" charset="0"/>
-            </a:endParaRPr>
-          </a:p>
-          <a:p>
-            <a:endParaRPr lang="en-US" dirty="0"/>
-          </a:p>
-        </p:txBody>
-      </p:sp>
-    </p:spTree>
-    <p:extLst>
-      <p:ext uri="{BB962C8B-B14F-4D97-AF65-F5344CB8AC3E}">
-        <p14:creationId xmlns:p14="http://schemas.microsoft.com/office/powerpoint/2010/main" val="3263715794"/>
-      </p:ext>
-    </p:extLst>
-  </p:cSld>
-  <p:clrMapOvr>
-    <a:masterClrMapping/>
-  </p:clrMapOvr>
-</p:sld>
-</file>
-
-<file path=ppt/slides/slide20.xml><?xml version="1.0" encoding="utf-8"?>
+<file path=ppt/slides/slide22.xml><?xml version="1.0" encoding="utf-8"?>
 <p:sld xmlns:a="http://schemas.openxmlformats.org/drawingml/2006/main" xmlns:r="http://schemas.openxmlformats.org/officeDocument/2006/relationships" xmlns:p="http://schemas.openxmlformats.org/presentationml/2006/main">
   <p:cSld>
     <p:spTree>
@@ -15034,7 +15436,7 @@
 </p:sld>
 </file>
 
-<file path=ppt/slides/slide21.xml><?xml version="1.0" encoding="utf-8"?>
+<file path=ppt/slides/slide23.xml><?xml version="1.0" encoding="utf-8"?>
 <p:sld xmlns:a="http://schemas.openxmlformats.org/drawingml/2006/main" xmlns:r="http://schemas.openxmlformats.org/officeDocument/2006/relationships" xmlns:p="http://schemas.openxmlformats.org/presentationml/2006/main">
   <p:cSld>
     <p:spTree>
@@ -15194,7 +15596,7 @@
 </p:sld>
 </file>
 
-<file path=ppt/slides/slide22.xml><?xml version="1.0" encoding="utf-8"?>
+<file path=ppt/slides/slide24.xml><?xml version="1.0" encoding="utf-8"?>
 <p:sld xmlns:a="http://schemas.openxmlformats.org/drawingml/2006/main" xmlns:r="http://schemas.openxmlformats.org/officeDocument/2006/relationships" xmlns:p="http://schemas.openxmlformats.org/presentationml/2006/main">
   <p:cSld>
     <p:spTree>
@@ -19187,7 +19589,7 @@
 </p:sld>
 </file>
 
-<file path=ppt/slides/slide23.xml><?xml version="1.0" encoding="utf-8"?>
+<file path=ppt/slides/slide25.xml><?xml version="1.0" encoding="utf-8"?>
 <p:sld xmlns:a="http://schemas.openxmlformats.org/drawingml/2006/main" xmlns:r="http://schemas.openxmlformats.org/officeDocument/2006/relationships" xmlns:p="http://schemas.openxmlformats.org/presentationml/2006/main">
   <p:cSld>
     <p:spTree>
@@ -19333,7 +19735,7 @@
 </p:sld>
 </file>
 
-<file path=ppt/slides/slide24.xml><?xml version="1.0" encoding="utf-8"?>
+<file path=ppt/slides/slide26.xml><?xml version="1.0" encoding="utf-8"?>
 <p:sld xmlns:a="http://schemas.openxmlformats.org/drawingml/2006/main" xmlns:r="http://schemas.openxmlformats.org/officeDocument/2006/relationships" xmlns:p="http://schemas.openxmlformats.org/presentationml/2006/main">
   <p:cSld>
     <p:spTree>
@@ -19537,7 +19939,7 @@
 </p:sld>
 </file>
 
-<file path=ppt/slides/slide25.xml><?xml version="1.0" encoding="utf-8"?>
+<file path=ppt/slides/slide27.xml><?xml version="1.0" encoding="utf-8"?>
 <p:sld xmlns:a="http://schemas.openxmlformats.org/drawingml/2006/main" xmlns:r="http://schemas.openxmlformats.org/officeDocument/2006/relationships" xmlns:p="http://schemas.openxmlformats.org/presentationml/2006/main">
   <p:cSld>
     <p:spTree>
@@ -19729,7 +20131,7 @@
 </p:sld>
 </file>
 
-<file path=ppt/slides/slide26.xml><?xml version="1.0" encoding="utf-8"?>
+<file path=ppt/slides/slide28.xml><?xml version="1.0" encoding="utf-8"?>
 <p:sld xmlns:a="http://schemas.openxmlformats.org/drawingml/2006/main" xmlns:r="http://schemas.openxmlformats.org/officeDocument/2006/relationships" xmlns:p="http://schemas.openxmlformats.org/presentationml/2006/main">
   <p:cSld>
     <p:spTree>
@@ -19867,7 +20269,7 @@
 </p:sld>
 </file>
 
-<file path=ppt/slides/slide27.xml><?xml version="1.0" encoding="utf-8"?>
+<file path=ppt/slides/slide29.xml><?xml version="1.0" encoding="utf-8"?>
 <p:sld xmlns:a="http://schemas.openxmlformats.org/drawingml/2006/main" xmlns:r="http://schemas.openxmlformats.org/officeDocument/2006/relationships" xmlns:p="http://schemas.openxmlformats.org/presentationml/2006/main">
   <p:cSld>
     <p:spTree>
@@ -20286,598 +20688,6 @@
     <p:extLst>
       <p:ext uri="{BB962C8B-B14F-4D97-AF65-F5344CB8AC3E}">
         <p14:creationId xmlns:p14="http://schemas.microsoft.com/office/powerpoint/2010/main" val="2000258545"/>
-      </p:ext>
-    </p:extLst>
-  </p:cSld>
-  <p:clrMapOvr>
-    <a:masterClrMapping/>
-  </p:clrMapOvr>
-</p:sld>
-</file>
-
-<file path=ppt/slides/slide28.xml><?xml version="1.0" encoding="utf-8"?>
-<p:sld xmlns:a="http://schemas.openxmlformats.org/drawingml/2006/main" xmlns:r="http://schemas.openxmlformats.org/officeDocument/2006/relationships" xmlns:p="http://schemas.openxmlformats.org/presentationml/2006/main">
-  <p:cSld>
-    <p:spTree>
-      <p:nvGrpSpPr>
-        <p:cNvPr id="1" name=""/>
-        <p:cNvGrpSpPr/>
-        <p:nvPr/>
-      </p:nvGrpSpPr>
-      <p:grpSpPr>
-        <a:xfrm>
-          <a:off x="0" y="0"/>
-          <a:ext cx="0" cy="0"/>
-          <a:chOff x="0" y="0"/>
-          <a:chExt cx="0" cy="0"/>
-        </a:xfrm>
-      </p:grpSpPr>
-      <p:sp>
-        <p:nvSpPr>
-          <p:cNvPr id="2" name="Title 1">
-            <a:extLst>
-              <a:ext uri="{FF2B5EF4-FFF2-40B4-BE49-F238E27FC236}">
-                <a16:creationId xmlns:a16="http://schemas.microsoft.com/office/drawing/2014/main" id="{8BE78074-2AB9-3BE4-11F2-0706213A12B1}"/>
-              </a:ext>
-            </a:extLst>
-          </p:cNvPr>
-          <p:cNvSpPr>
-            <a:spLocks noGrp="1"/>
-          </p:cNvSpPr>
-          <p:nvPr>
-            <p:ph type="title"/>
-          </p:nvPr>
-        </p:nvSpPr>
-        <p:spPr/>
-        <p:txBody>
-          <a:bodyPr>
-            <a:normAutofit/>
-          </a:bodyPr>
-          <a:lstStyle/>
-          <a:p>
-            <a:r>
-              <a:rPr lang="en-US" dirty="0"/>
-              <a:t>The </a:t>
-            </a:r>
-            <a:r>
-              <a:rPr lang="en-US" dirty="0" err="1"/>
-              <a:t>Darthmouth</a:t>
-            </a:r>
-            <a:r>
-              <a:rPr lang="en-US" dirty="0"/>
-              <a:t> Conference (1956)</a:t>
-            </a:r>
-          </a:p>
-        </p:txBody>
-      </p:sp>
-      <p:sp>
-        <p:nvSpPr>
-          <p:cNvPr id="3" name="Content Placeholder 2">
-            <a:extLst>
-              <a:ext uri="{FF2B5EF4-FFF2-40B4-BE49-F238E27FC236}">
-                <a16:creationId xmlns:a16="http://schemas.microsoft.com/office/drawing/2014/main" id="{78757FB6-7FF6-A9E5-F416-67DB236C18C2}"/>
-              </a:ext>
-            </a:extLst>
-          </p:cNvPr>
-          <p:cNvSpPr>
-            <a:spLocks noGrp="1"/>
-          </p:cNvSpPr>
-          <p:nvPr>
-            <p:ph idx="1"/>
-          </p:nvPr>
-        </p:nvSpPr>
-        <p:spPr>
-          <a:xfrm>
-            <a:off x="1066800" y="2103120"/>
-            <a:ext cx="10058400" cy="4112286"/>
-          </a:xfrm>
-        </p:spPr>
-        <p:txBody>
-          <a:bodyPr>
-            <a:normAutofit/>
-          </a:bodyPr>
-          <a:lstStyle/>
-          <a:p>
-            <a:pPr marL="0" marR="0" indent="0">
-              <a:spcBef>
-                <a:spcPts val="200"/>
-              </a:spcBef>
-              <a:spcAft>
-                <a:spcPts val="0"/>
-              </a:spcAft>
-              <a:buNone/>
-            </a:pPr>
-            <a:r>
-              <a:rPr lang="en-US" sz="1800" b="0" i="1" dirty="0">
-                <a:solidFill>
-                  <a:srgbClr val="2F5496"/>
-                </a:solidFill>
-                <a:effectLst/>
-                <a:latin typeface="Segoe UI" panose="020B0502040204020203" pitchFamily="34" charset="0"/>
-                <a:ea typeface="Times New Roman" panose="02020603050405020304" pitchFamily="18" charset="0"/>
-                <a:cs typeface="Times New Roman" panose="02020603050405020304" pitchFamily="18" charset="0"/>
-              </a:rPr>
-              <a:t>Legacy and Criticisms</a:t>
-            </a:r>
-          </a:p>
-          <a:p>
-            <a:pPr marL="0" marR="0">
-              <a:spcBef>
-                <a:spcPts val="200"/>
-              </a:spcBef>
-              <a:spcAft>
-                <a:spcPts val="0"/>
-              </a:spcAft>
-            </a:pPr>
-            <a:endParaRPr lang="en-US" sz="1800" b="1" i="1" dirty="0">
-              <a:solidFill>
-                <a:srgbClr val="2F5496"/>
-              </a:solidFill>
-              <a:effectLst/>
-              <a:latin typeface="Calibri Light" panose="020F0302020204030204" pitchFamily="34" charset="0"/>
-              <a:ea typeface="Times New Roman" panose="02020603050405020304" pitchFamily="18" charset="0"/>
-              <a:cs typeface="Times New Roman" panose="02020603050405020304" pitchFamily="18" charset="0"/>
-            </a:endParaRPr>
-          </a:p>
-          <a:p>
-            <a:pPr marL="0" marR="0">
-              <a:spcBef>
-                <a:spcPts val="0"/>
-              </a:spcBef>
-              <a:spcAft>
-                <a:spcPts val="1500"/>
-              </a:spcAft>
-            </a:pPr>
-            <a:r>
-              <a:rPr lang="en-US" sz="1800" dirty="0">
-                <a:effectLst/>
-                <a:latin typeface="Segoe UI" panose="020B0502040204020203" pitchFamily="34" charset="0"/>
-                <a:ea typeface="Times New Roman" panose="02020603050405020304" pitchFamily="18" charset="0"/>
-              </a:rPr>
-              <a:t>The Dartmouth Conference undeniably cast </a:t>
-            </a:r>
-            <a:r>
-              <a:rPr lang="en-US" sz="1800" dirty="0">
-                <a:solidFill>
-                  <a:srgbClr val="FF0000"/>
-                </a:solidFill>
-                <a:effectLst/>
-                <a:latin typeface="Segoe UI" panose="020B0502040204020203" pitchFamily="34" charset="0"/>
-                <a:ea typeface="Times New Roman" panose="02020603050405020304" pitchFamily="18" charset="0"/>
-              </a:rPr>
-              <a:t>foundational</a:t>
-            </a:r>
-            <a:r>
-              <a:rPr lang="en-US" sz="1800" dirty="0">
-                <a:effectLst/>
-                <a:latin typeface="Segoe UI" panose="020B0502040204020203" pitchFamily="34" charset="0"/>
-                <a:ea typeface="Times New Roman" panose="02020603050405020304" pitchFamily="18" charset="0"/>
-              </a:rPr>
-              <a:t> stones for the formalization of artificial intelligence as a field. </a:t>
-            </a:r>
-          </a:p>
-          <a:p>
-            <a:pPr marL="0" marR="0">
-              <a:spcBef>
-                <a:spcPts val="0"/>
-              </a:spcBef>
-              <a:spcAft>
-                <a:spcPts val="1500"/>
-              </a:spcAft>
-            </a:pPr>
-            <a:r>
-              <a:rPr lang="en-US" kern="0" dirty="0">
-                <a:latin typeface="Segoe UI" panose="020B0502040204020203" pitchFamily="34" charset="0"/>
-                <a:ea typeface="Times New Roman" panose="02020603050405020304" pitchFamily="18" charset="0"/>
-              </a:rPr>
-              <a:t>It l</a:t>
-            </a:r>
-            <a:r>
-              <a:rPr lang="en-US" sz="1800" kern="0" dirty="0">
-                <a:effectLst/>
-                <a:latin typeface="Segoe UI" panose="020B0502040204020203" pitchFamily="34" charset="0"/>
-                <a:ea typeface="Times New Roman" panose="02020603050405020304" pitchFamily="18" charset="0"/>
-              </a:rPr>
-              <a:t>aid critical groundwork, propelling forward a multitude of research areas within artificial intelligence, from </a:t>
-            </a:r>
-            <a:r>
-              <a:rPr lang="en-US" sz="1800" kern="0" dirty="0">
-                <a:solidFill>
-                  <a:srgbClr val="FF0000"/>
-                </a:solidFill>
-                <a:effectLst/>
-                <a:latin typeface="Segoe UI" panose="020B0502040204020203" pitchFamily="34" charset="0"/>
-                <a:ea typeface="Times New Roman" panose="02020603050405020304" pitchFamily="18" charset="0"/>
-              </a:rPr>
-              <a:t>machine learning to robotics</a:t>
-            </a:r>
-            <a:r>
-              <a:rPr lang="en-US" dirty="0">
-                <a:solidFill>
-                  <a:srgbClr val="FF0000"/>
-                </a:solidFill>
-                <a:effectLst/>
-              </a:rPr>
-              <a:t> </a:t>
-            </a:r>
-            <a:endParaRPr lang="en-US" sz="1800" dirty="0">
-              <a:solidFill>
-                <a:srgbClr val="FF0000"/>
-              </a:solidFill>
-              <a:effectLst/>
-              <a:latin typeface="Segoe UI" panose="020B0502040204020203" pitchFamily="34" charset="0"/>
-              <a:ea typeface="Times New Roman" panose="02020603050405020304" pitchFamily="18" charset="0"/>
-            </a:endParaRPr>
-          </a:p>
-          <a:p>
-            <a:pPr marL="0" marR="0">
-              <a:spcBef>
-                <a:spcPts val="0"/>
-              </a:spcBef>
-              <a:spcAft>
-                <a:spcPts val="1500"/>
-              </a:spcAft>
-            </a:pPr>
-            <a:r>
-              <a:rPr lang="en-US" sz="1800" dirty="0">
-                <a:effectLst/>
-                <a:latin typeface="Segoe UI" panose="020B0502040204020203" pitchFamily="34" charset="0"/>
-                <a:ea typeface="Times New Roman" panose="02020603050405020304" pitchFamily="18" charset="0"/>
-              </a:rPr>
-              <a:t>The optimism embedded in the original proposal, which suggested that </a:t>
-            </a:r>
-            <a:r>
-              <a:rPr lang="en-US" sz="1800" dirty="0">
-                <a:solidFill>
-                  <a:srgbClr val="FF0000"/>
-                </a:solidFill>
-                <a:effectLst/>
-                <a:latin typeface="Segoe UI" panose="020B0502040204020203" pitchFamily="34" charset="0"/>
-                <a:ea typeface="Times New Roman" panose="02020603050405020304" pitchFamily="18" charset="0"/>
-              </a:rPr>
-              <a:t>significant advances in machine intelligence could be achieved over a single summer</a:t>
-            </a:r>
-            <a:r>
-              <a:rPr lang="en-US" sz="1800" dirty="0">
-                <a:effectLst/>
-                <a:latin typeface="Segoe UI" panose="020B0502040204020203" pitchFamily="34" charset="0"/>
-                <a:ea typeface="Times New Roman" panose="02020603050405020304" pitchFamily="18" charset="0"/>
-              </a:rPr>
-              <a:t>, was perhaps overly ambitious, as the challenges and complexities inherent in mimicking human intelligence proved to be significantly deeper and more nuanced than initially comprehended.</a:t>
-            </a:r>
-            <a:endParaRPr lang="en-US" sz="1800" dirty="0">
-              <a:effectLst/>
-              <a:latin typeface="Times New Roman" panose="02020603050405020304" pitchFamily="18" charset="0"/>
-              <a:ea typeface="Times New Roman" panose="02020603050405020304" pitchFamily="18" charset="0"/>
-            </a:endParaRPr>
-          </a:p>
-          <a:p>
-            <a:endParaRPr lang="en-US" sz="1800" dirty="0">
-              <a:effectLst/>
-              <a:latin typeface="Times New Roman" panose="02020603050405020304" pitchFamily="18" charset="0"/>
-              <a:ea typeface="Times New Roman" panose="02020603050405020304" pitchFamily="18" charset="0"/>
-            </a:endParaRPr>
-          </a:p>
-          <a:p>
-            <a:endParaRPr lang="en-US" dirty="0"/>
-          </a:p>
-        </p:txBody>
-      </p:sp>
-    </p:spTree>
-    <p:extLst>
-      <p:ext uri="{BB962C8B-B14F-4D97-AF65-F5344CB8AC3E}">
-        <p14:creationId xmlns:p14="http://schemas.microsoft.com/office/powerpoint/2010/main" val="546125803"/>
-      </p:ext>
-    </p:extLst>
-  </p:cSld>
-  <p:clrMapOvr>
-    <a:masterClrMapping/>
-  </p:clrMapOvr>
-</p:sld>
-</file>
-
-<file path=ppt/slides/slide29.xml><?xml version="1.0" encoding="utf-8"?>
-<p:sld xmlns:a="http://schemas.openxmlformats.org/drawingml/2006/main" xmlns:r="http://schemas.openxmlformats.org/officeDocument/2006/relationships" xmlns:p="http://schemas.openxmlformats.org/presentationml/2006/main">
-  <p:cSld>
-    <p:spTree>
-      <p:nvGrpSpPr>
-        <p:cNvPr id="1" name=""/>
-        <p:cNvGrpSpPr/>
-        <p:nvPr/>
-      </p:nvGrpSpPr>
-      <p:grpSpPr>
-        <a:xfrm>
-          <a:off x="0" y="0"/>
-          <a:ext cx="0" cy="0"/>
-          <a:chOff x="0" y="0"/>
-          <a:chExt cx="0" cy="0"/>
-        </a:xfrm>
-      </p:grpSpPr>
-      <p:sp>
-        <p:nvSpPr>
-          <p:cNvPr id="2" name="Title 1">
-            <a:extLst>
-              <a:ext uri="{FF2B5EF4-FFF2-40B4-BE49-F238E27FC236}">
-                <a16:creationId xmlns:a16="http://schemas.microsoft.com/office/drawing/2014/main" id="{CA2F323A-1DDF-7673-BE0A-20FA4C1F8D67}"/>
-              </a:ext>
-            </a:extLst>
-          </p:cNvPr>
-          <p:cNvSpPr>
-            <a:spLocks noGrp="1"/>
-          </p:cNvSpPr>
-          <p:nvPr>
-            <p:ph type="title"/>
-          </p:nvPr>
-        </p:nvSpPr>
-        <p:spPr/>
-        <p:txBody>
-          <a:bodyPr/>
-          <a:lstStyle/>
-          <a:p>
-            <a:r>
-              <a:rPr lang="en-US" dirty="0"/>
-              <a:t>Early Successes in AI</a:t>
-            </a:r>
-          </a:p>
-        </p:txBody>
-      </p:sp>
-      <p:sp>
-        <p:nvSpPr>
-          <p:cNvPr id="3" name="Content Placeholder 2">
-            <a:extLst>
-              <a:ext uri="{FF2B5EF4-FFF2-40B4-BE49-F238E27FC236}">
-                <a16:creationId xmlns:a16="http://schemas.microsoft.com/office/drawing/2014/main" id="{2835EFD9-ACD3-8161-24E4-7DF08DAB521F}"/>
-              </a:ext>
-            </a:extLst>
-          </p:cNvPr>
-          <p:cNvSpPr>
-            <a:spLocks noGrp="1"/>
-          </p:cNvSpPr>
-          <p:nvPr>
-            <p:ph idx="1"/>
-          </p:nvPr>
-        </p:nvSpPr>
-        <p:spPr/>
-        <p:txBody>
-          <a:bodyPr>
-            <a:normAutofit lnSpcReduction="10000"/>
-          </a:bodyPr>
-          <a:lstStyle/>
-          <a:p>
-            <a:pPr marL="0" marR="0" indent="0">
-              <a:spcBef>
-                <a:spcPts val="200"/>
-              </a:spcBef>
-              <a:spcAft>
-                <a:spcPts val="0"/>
-              </a:spcAft>
-              <a:buNone/>
-            </a:pPr>
-            <a:r>
-              <a:rPr lang="en-US" sz="2400" b="1" i="1" dirty="0">
-                <a:solidFill>
-                  <a:srgbClr val="2F5496"/>
-                </a:solidFill>
-                <a:effectLst/>
-                <a:latin typeface="Segoe UI" panose="020B0502040204020203" pitchFamily="34" charset="0"/>
-                <a:ea typeface="Times New Roman" panose="02020603050405020304" pitchFamily="18" charset="0"/>
-                <a:cs typeface="Times New Roman" panose="02020603050405020304" pitchFamily="18" charset="0"/>
-              </a:rPr>
-              <a:t>Logic Theorist (1955)</a:t>
-            </a:r>
-          </a:p>
-          <a:p>
-            <a:pPr marL="0" marR="0">
-              <a:spcBef>
-                <a:spcPts val="200"/>
-              </a:spcBef>
-              <a:spcAft>
-                <a:spcPts val="0"/>
-              </a:spcAft>
-            </a:pPr>
-            <a:endParaRPr lang="en-US" sz="1800" b="1" i="1" dirty="0">
-              <a:solidFill>
-                <a:srgbClr val="2F5496"/>
-              </a:solidFill>
-              <a:effectLst/>
-              <a:latin typeface="Calibri Light" panose="020F0302020204030204" pitchFamily="34" charset="0"/>
-              <a:ea typeface="Times New Roman" panose="02020603050405020304" pitchFamily="18" charset="0"/>
-              <a:cs typeface="Times New Roman" panose="02020603050405020304" pitchFamily="18" charset="0"/>
-            </a:endParaRPr>
-          </a:p>
-          <a:p>
-            <a:pPr marL="0" marR="0" indent="0">
-              <a:spcBef>
-                <a:spcPts val="0"/>
-              </a:spcBef>
-              <a:spcAft>
-                <a:spcPts val="0"/>
-              </a:spcAft>
-              <a:buNone/>
-            </a:pPr>
-            <a:r>
-              <a:rPr lang="en-US" sz="1800" b="1" i="1" dirty="0">
-                <a:solidFill>
-                  <a:srgbClr val="2F5496"/>
-                </a:solidFill>
-                <a:effectLst/>
-                <a:latin typeface="Segoe UI" panose="020B0502040204020203" pitchFamily="34" charset="0"/>
-                <a:ea typeface="Times New Roman" panose="02020603050405020304" pitchFamily="18" charset="0"/>
-                <a:cs typeface="Times New Roman" panose="02020603050405020304" pitchFamily="18" charset="0"/>
-              </a:rPr>
-              <a:t>Capabilities:</a:t>
-            </a:r>
-          </a:p>
-          <a:p>
-            <a:pPr marL="0" marR="0" indent="0">
-              <a:spcBef>
-                <a:spcPts val="0"/>
-              </a:spcBef>
-              <a:spcAft>
-                <a:spcPts val="0"/>
-              </a:spcAft>
-              <a:buNone/>
-            </a:pPr>
-            <a:endParaRPr lang="en-US" sz="1800" b="1" dirty="0">
-              <a:solidFill>
-                <a:srgbClr val="2F5496"/>
-              </a:solidFill>
-              <a:effectLst/>
-              <a:latin typeface="Calibri Light" panose="020F0302020204030204" pitchFamily="34" charset="0"/>
-              <a:ea typeface="Times New Roman" panose="02020603050405020304" pitchFamily="18" charset="0"/>
-              <a:cs typeface="Times New Roman" panose="02020603050405020304" pitchFamily="18" charset="0"/>
-            </a:endParaRPr>
-          </a:p>
-          <a:p>
-            <a:pPr marL="342900" marR="0" lvl="0" indent="-342900">
-              <a:spcBef>
-                <a:spcPts val="0"/>
-              </a:spcBef>
-              <a:spcAft>
-                <a:spcPts val="0"/>
-              </a:spcAft>
-              <a:buSzPts val="1000"/>
-              <a:buFont typeface="Symbol" pitchFamily="2" charset="2"/>
-              <a:buChar char=""/>
-              <a:tabLst>
-                <a:tab pos="457200" algn="l"/>
-              </a:tabLst>
-            </a:pPr>
-            <a:r>
-              <a:rPr lang="en-US" sz="1800" b="1" dirty="0">
-                <a:effectLst/>
-                <a:latin typeface="Segoe UI" panose="020B0502040204020203" pitchFamily="34" charset="0"/>
-                <a:ea typeface="Times New Roman" panose="02020603050405020304" pitchFamily="18" charset="0"/>
-              </a:rPr>
-              <a:t>Symbolic Reasoning:</a:t>
-            </a:r>
-            <a:r>
-              <a:rPr lang="en-US" sz="1800" dirty="0">
-                <a:effectLst/>
-                <a:latin typeface="Segoe UI" panose="020B0502040204020203" pitchFamily="34" charset="0"/>
-                <a:ea typeface="Times New Roman" panose="02020603050405020304" pitchFamily="18" charset="0"/>
-              </a:rPr>
-              <a:t> Developed by Allen Newell, J.C. Shaw, and Herbert A. Simon, the Logic Theorist was the first program to mimic human problem-solving skills, utilizing symbolic reasoning to solve mathematical theorems.</a:t>
-            </a:r>
-          </a:p>
-          <a:p>
-            <a:pPr marL="0" marR="0" lvl="0" indent="0">
-              <a:spcBef>
-                <a:spcPts val="0"/>
-              </a:spcBef>
-              <a:spcAft>
-                <a:spcPts val="0"/>
-              </a:spcAft>
-              <a:buSzPts val="1000"/>
-              <a:buNone/>
-              <a:tabLst>
-                <a:tab pos="457200" algn="l"/>
-              </a:tabLst>
-            </a:pPr>
-            <a:endParaRPr lang="en-US" sz="1800" dirty="0">
-              <a:effectLst/>
-              <a:latin typeface="Times New Roman" panose="02020603050405020304" pitchFamily="18" charset="0"/>
-              <a:ea typeface="Times New Roman" panose="02020603050405020304" pitchFamily="18" charset="0"/>
-            </a:endParaRPr>
-          </a:p>
-          <a:p>
-            <a:pPr marL="342900" marR="0" lvl="0" indent="-342900">
-              <a:spcBef>
-                <a:spcPts val="0"/>
-              </a:spcBef>
-              <a:spcAft>
-                <a:spcPts val="0"/>
-              </a:spcAft>
-              <a:buSzPts val="1000"/>
-              <a:buFont typeface="Symbol" pitchFamily="2" charset="2"/>
-              <a:buChar char=""/>
-              <a:tabLst>
-                <a:tab pos="457200" algn="l"/>
-              </a:tabLst>
-            </a:pPr>
-            <a:r>
-              <a:rPr lang="en-US" sz="1800" b="1" dirty="0">
-                <a:effectLst/>
-                <a:latin typeface="Segoe UI" panose="020B0502040204020203" pitchFamily="34" charset="0"/>
-                <a:ea typeface="Times New Roman" panose="02020603050405020304" pitchFamily="18" charset="0"/>
-              </a:rPr>
-              <a:t>Proof Generation:</a:t>
-            </a:r>
-            <a:r>
-              <a:rPr lang="en-US" sz="1800" dirty="0">
-                <a:effectLst/>
-                <a:latin typeface="Segoe UI" panose="020B0502040204020203" pitchFamily="34" charset="0"/>
-                <a:ea typeface="Times New Roman" panose="02020603050405020304" pitchFamily="18" charset="0"/>
-              </a:rPr>
-              <a:t> It was capable of proving mathematical theorems by representing them as logical statements and utilizing a search tree to explore possible proofs, finding alternative solutions to the ones used by humans.</a:t>
-            </a:r>
-          </a:p>
-          <a:p>
-            <a:pPr marL="0" marR="0" lvl="0" indent="0">
-              <a:spcBef>
-                <a:spcPts val="0"/>
-              </a:spcBef>
-              <a:spcAft>
-                <a:spcPts val="0"/>
-              </a:spcAft>
-              <a:buSzPts val="1000"/>
-              <a:buNone/>
-              <a:tabLst>
-                <a:tab pos="457200" algn="l"/>
-              </a:tabLst>
-            </a:pPr>
-            <a:endParaRPr lang="en-US" sz="1800" dirty="0">
-              <a:effectLst/>
-              <a:latin typeface="Times New Roman" panose="02020603050405020304" pitchFamily="18" charset="0"/>
-              <a:ea typeface="Times New Roman" panose="02020603050405020304" pitchFamily="18" charset="0"/>
-            </a:endParaRPr>
-          </a:p>
-          <a:p>
-            <a:pPr marL="342900" marR="0" lvl="0" indent="-342900">
-              <a:spcBef>
-                <a:spcPts val="0"/>
-              </a:spcBef>
-              <a:spcAft>
-                <a:spcPts val="0"/>
-              </a:spcAft>
-              <a:buSzPts val="1000"/>
-              <a:buFont typeface="Symbol" pitchFamily="2" charset="2"/>
-              <a:buChar char=""/>
-              <a:tabLst>
-                <a:tab pos="457200" algn="l"/>
-              </a:tabLst>
-            </a:pPr>
-            <a:r>
-              <a:rPr lang="en-US" sz="1800" b="1" dirty="0">
-                <a:effectLst/>
-                <a:latin typeface="Segoe UI" panose="020B0502040204020203" pitchFamily="34" charset="0"/>
-                <a:ea typeface="Times New Roman" panose="02020603050405020304" pitchFamily="18" charset="0"/>
-              </a:rPr>
-              <a:t>Learning and Optimization:</a:t>
-            </a:r>
-            <a:r>
-              <a:rPr lang="en-US" sz="1800" dirty="0">
-                <a:effectLst/>
-                <a:latin typeface="Segoe UI" panose="020B0502040204020203" pitchFamily="34" charset="0"/>
-                <a:ea typeface="Times New Roman" panose="02020603050405020304" pitchFamily="18" charset="0"/>
-              </a:rPr>
-              <a:t> The Logic Theorist could learn and improve upon its previous solutions, optimizing its performance in theorem proving.</a:t>
-            </a:r>
-            <a:endParaRPr lang="en-US" sz="1800" dirty="0">
-              <a:effectLst/>
-              <a:latin typeface="Times New Roman" panose="02020603050405020304" pitchFamily="18" charset="0"/>
-              <a:ea typeface="Times New Roman" panose="02020603050405020304" pitchFamily="18" charset="0"/>
-            </a:endParaRPr>
-          </a:p>
-          <a:p>
-            <a:endParaRPr lang="en-US" dirty="0"/>
-          </a:p>
-        </p:txBody>
-      </p:sp>
-    </p:spTree>
-    <p:extLst>
-      <p:ext uri="{BB962C8B-B14F-4D97-AF65-F5344CB8AC3E}">
-        <p14:creationId xmlns:p14="http://schemas.microsoft.com/office/powerpoint/2010/main" val="2303119063"/>
       </p:ext>
     </p:extLst>
   </p:cSld>
@@ -21220,6 +21030,598 @@
           <p:cNvPr id="2" name="Title 1">
             <a:extLst>
               <a:ext uri="{FF2B5EF4-FFF2-40B4-BE49-F238E27FC236}">
+                <a16:creationId xmlns:a16="http://schemas.microsoft.com/office/drawing/2014/main" id="{8BE78074-2AB9-3BE4-11F2-0706213A12B1}"/>
+              </a:ext>
+            </a:extLst>
+          </p:cNvPr>
+          <p:cNvSpPr>
+            <a:spLocks noGrp="1"/>
+          </p:cNvSpPr>
+          <p:nvPr>
+            <p:ph type="title"/>
+          </p:nvPr>
+        </p:nvSpPr>
+        <p:spPr/>
+        <p:txBody>
+          <a:bodyPr>
+            <a:normAutofit/>
+          </a:bodyPr>
+          <a:lstStyle/>
+          <a:p>
+            <a:r>
+              <a:rPr lang="en-US" dirty="0"/>
+              <a:t>The </a:t>
+            </a:r>
+            <a:r>
+              <a:rPr lang="en-US" dirty="0" err="1"/>
+              <a:t>Darthmouth</a:t>
+            </a:r>
+            <a:r>
+              <a:rPr lang="en-US" dirty="0"/>
+              <a:t> Conference (1956)</a:t>
+            </a:r>
+          </a:p>
+        </p:txBody>
+      </p:sp>
+      <p:sp>
+        <p:nvSpPr>
+          <p:cNvPr id="3" name="Content Placeholder 2">
+            <a:extLst>
+              <a:ext uri="{FF2B5EF4-FFF2-40B4-BE49-F238E27FC236}">
+                <a16:creationId xmlns:a16="http://schemas.microsoft.com/office/drawing/2014/main" id="{78757FB6-7FF6-A9E5-F416-67DB236C18C2}"/>
+              </a:ext>
+            </a:extLst>
+          </p:cNvPr>
+          <p:cNvSpPr>
+            <a:spLocks noGrp="1"/>
+          </p:cNvSpPr>
+          <p:nvPr>
+            <p:ph idx="1"/>
+          </p:nvPr>
+        </p:nvSpPr>
+        <p:spPr>
+          <a:xfrm>
+            <a:off x="1066800" y="2103120"/>
+            <a:ext cx="10058400" cy="4112286"/>
+          </a:xfrm>
+        </p:spPr>
+        <p:txBody>
+          <a:bodyPr>
+            <a:normAutofit/>
+          </a:bodyPr>
+          <a:lstStyle/>
+          <a:p>
+            <a:pPr marL="0" marR="0" indent="0">
+              <a:spcBef>
+                <a:spcPts val="200"/>
+              </a:spcBef>
+              <a:spcAft>
+                <a:spcPts val="0"/>
+              </a:spcAft>
+              <a:buNone/>
+            </a:pPr>
+            <a:r>
+              <a:rPr lang="en-US" sz="1800" b="0" i="1" dirty="0">
+                <a:solidFill>
+                  <a:srgbClr val="2F5496"/>
+                </a:solidFill>
+                <a:effectLst/>
+                <a:latin typeface="Segoe UI" panose="020B0502040204020203" pitchFamily="34" charset="0"/>
+                <a:ea typeface="Times New Roman" panose="02020603050405020304" pitchFamily="18" charset="0"/>
+                <a:cs typeface="Times New Roman" panose="02020603050405020304" pitchFamily="18" charset="0"/>
+              </a:rPr>
+              <a:t>Legacy and Criticisms</a:t>
+            </a:r>
+          </a:p>
+          <a:p>
+            <a:pPr marL="0" marR="0">
+              <a:spcBef>
+                <a:spcPts val="200"/>
+              </a:spcBef>
+              <a:spcAft>
+                <a:spcPts val="0"/>
+              </a:spcAft>
+            </a:pPr>
+            <a:endParaRPr lang="en-US" sz="1800" b="1" i="1" dirty="0">
+              <a:solidFill>
+                <a:srgbClr val="2F5496"/>
+              </a:solidFill>
+              <a:effectLst/>
+              <a:latin typeface="Calibri Light" panose="020F0302020204030204" pitchFamily="34" charset="0"/>
+              <a:ea typeface="Times New Roman" panose="02020603050405020304" pitchFamily="18" charset="0"/>
+              <a:cs typeface="Times New Roman" panose="02020603050405020304" pitchFamily="18" charset="0"/>
+            </a:endParaRPr>
+          </a:p>
+          <a:p>
+            <a:pPr marL="0" marR="0">
+              <a:spcBef>
+                <a:spcPts val="0"/>
+              </a:spcBef>
+              <a:spcAft>
+                <a:spcPts val="1500"/>
+              </a:spcAft>
+            </a:pPr>
+            <a:r>
+              <a:rPr lang="en-US" sz="1800" dirty="0">
+                <a:effectLst/>
+                <a:latin typeface="Segoe UI" panose="020B0502040204020203" pitchFamily="34" charset="0"/>
+                <a:ea typeface="Times New Roman" panose="02020603050405020304" pitchFamily="18" charset="0"/>
+              </a:rPr>
+              <a:t>The Dartmouth Conference undeniably cast </a:t>
+            </a:r>
+            <a:r>
+              <a:rPr lang="en-US" sz="1800" dirty="0">
+                <a:solidFill>
+                  <a:srgbClr val="FF0000"/>
+                </a:solidFill>
+                <a:effectLst/>
+                <a:latin typeface="Segoe UI" panose="020B0502040204020203" pitchFamily="34" charset="0"/>
+                <a:ea typeface="Times New Roman" panose="02020603050405020304" pitchFamily="18" charset="0"/>
+              </a:rPr>
+              <a:t>foundational</a:t>
+            </a:r>
+            <a:r>
+              <a:rPr lang="en-US" sz="1800" dirty="0">
+                <a:effectLst/>
+                <a:latin typeface="Segoe UI" panose="020B0502040204020203" pitchFamily="34" charset="0"/>
+                <a:ea typeface="Times New Roman" panose="02020603050405020304" pitchFamily="18" charset="0"/>
+              </a:rPr>
+              <a:t> stones for the formalization of artificial intelligence as a field. </a:t>
+            </a:r>
+          </a:p>
+          <a:p>
+            <a:pPr marL="0" marR="0">
+              <a:spcBef>
+                <a:spcPts val="0"/>
+              </a:spcBef>
+              <a:spcAft>
+                <a:spcPts val="1500"/>
+              </a:spcAft>
+            </a:pPr>
+            <a:r>
+              <a:rPr lang="en-US" kern="0" dirty="0">
+                <a:latin typeface="Segoe UI" panose="020B0502040204020203" pitchFamily="34" charset="0"/>
+                <a:ea typeface="Times New Roman" panose="02020603050405020304" pitchFamily="18" charset="0"/>
+              </a:rPr>
+              <a:t>It l</a:t>
+            </a:r>
+            <a:r>
+              <a:rPr lang="en-US" sz="1800" kern="0" dirty="0">
+                <a:effectLst/>
+                <a:latin typeface="Segoe UI" panose="020B0502040204020203" pitchFamily="34" charset="0"/>
+                <a:ea typeface="Times New Roman" panose="02020603050405020304" pitchFamily="18" charset="0"/>
+              </a:rPr>
+              <a:t>aid critical groundwork, propelling forward a multitude of research areas within artificial intelligence, from </a:t>
+            </a:r>
+            <a:r>
+              <a:rPr lang="en-US" sz="1800" kern="0" dirty="0">
+                <a:solidFill>
+                  <a:srgbClr val="FF0000"/>
+                </a:solidFill>
+                <a:effectLst/>
+                <a:latin typeface="Segoe UI" panose="020B0502040204020203" pitchFamily="34" charset="0"/>
+                <a:ea typeface="Times New Roman" panose="02020603050405020304" pitchFamily="18" charset="0"/>
+              </a:rPr>
+              <a:t>machine learning to robotics</a:t>
+            </a:r>
+            <a:r>
+              <a:rPr lang="en-US" dirty="0">
+                <a:solidFill>
+                  <a:srgbClr val="FF0000"/>
+                </a:solidFill>
+                <a:effectLst/>
+              </a:rPr>
+              <a:t> </a:t>
+            </a:r>
+            <a:endParaRPr lang="en-US" sz="1800" dirty="0">
+              <a:solidFill>
+                <a:srgbClr val="FF0000"/>
+              </a:solidFill>
+              <a:effectLst/>
+              <a:latin typeface="Segoe UI" panose="020B0502040204020203" pitchFamily="34" charset="0"/>
+              <a:ea typeface="Times New Roman" panose="02020603050405020304" pitchFamily="18" charset="0"/>
+            </a:endParaRPr>
+          </a:p>
+          <a:p>
+            <a:pPr marL="0" marR="0">
+              <a:spcBef>
+                <a:spcPts val="0"/>
+              </a:spcBef>
+              <a:spcAft>
+                <a:spcPts val="1500"/>
+              </a:spcAft>
+            </a:pPr>
+            <a:r>
+              <a:rPr lang="en-US" sz="1800" dirty="0">
+                <a:effectLst/>
+                <a:latin typeface="Segoe UI" panose="020B0502040204020203" pitchFamily="34" charset="0"/>
+                <a:ea typeface="Times New Roman" panose="02020603050405020304" pitchFamily="18" charset="0"/>
+              </a:rPr>
+              <a:t>The optimism embedded in the original proposal, which suggested that </a:t>
+            </a:r>
+            <a:r>
+              <a:rPr lang="en-US" sz="1800" dirty="0">
+                <a:solidFill>
+                  <a:srgbClr val="FF0000"/>
+                </a:solidFill>
+                <a:effectLst/>
+                <a:latin typeface="Segoe UI" panose="020B0502040204020203" pitchFamily="34" charset="0"/>
+                <a:ea typeface="Times New Roman" panose="02020603050405020304" pitchFamily="18" charset="0"/>
+              </a:rPr>
+              <a:t>significant advances in machine intelligence could be achieved over a single summer</a:t>
+            </a:r>
+            <a:r>
+              <a:rPr lang="en-US" sz="1800" dirty="0">
+                <a:effectLst/>
+                <a:latin typeface="Segoe UI" panose="020B0502040204020203" pitchFamily="34" charset="0"/>
+                <a:ea typeface="Times New Roman" panose="02020603050405020304" pitchFamily="18" charset="0"/>
+              </a:rPr>
+              <a:t>, was perhaps overly ambitious, as the challenges and complexities inherent in mimicking human intelligence proved to be significantly deeper and more nuanced than initially comprehended.</a:t>
+            </a:r>
+            <a:endParaRPr lang="en-US" sz="1800" dirty="0">
+              <a:effectLst/>
+              <a:latin typeface="Times New Roman" panose="02020603050405020304" pitchFamily="18" charset="0"/>
+              <a:ea typeface="Times New Roman" panose="02020603050405020304" pitchFamily="18" charset="0"/>
+            </a:endParaRPr>
+          </a:p>
+          <a:p>
+            <a:endParaRPr lang="en-US" sz="1800" dirty="0">
+              <a:effectLst/>
+              <a:latin typeface="Times New Roman" panose="02020603050405020304" pitchFamily="18" charset="0"/>
+              <a:ea typeface="Times New Roman" panose="02020603050405020304" pitchFamily="18" charset="0"/>
+            </a:endParaRPr>
+          </a:p>
+          <a:p>
+            <a:endParaRPr lang="en-US" dirty="0"/>
+          </a:p>
+        </p:txBody>
+      </p:sp>
+    </p:spTree>
+    <p:extLst>
+      <p:ext uri="{BB962C8B-B14F-4D97-AF65-F5344CB8AC3E}">
+        <p14:creationId xmlns:p14="http://schemas.microsoft.com/office/powerpoint/2010/main" val="546125803"/>
+      </p:ext>
+    </p:extLst>
+  </p:cSld>
+  <p:clrMapOvr>
+    <a:masterClrMapping/>
+  </p:clrMapOvr>
+</p:sld>
+</file>
+
+<file path=ppt/slides/slide31.xml><?xml version="1.0" encoding="utf-8"?>
+<p:sld xmlns:a="http://schemas.openxmlformats.org/drawingml/2006/main" xmlns:r="http://schemas.openxmlformats.org/officeDocument/2006/relationships" xmlns:p="http://schemas.openxmlformats.org/presentationml/2006/main">
+  <p:cSld>
+    <p:spTree>
+      <p:nvGrpSpPr>
+        <p:cNvPr id="1" name=""/>
+        <p:cNvGrpSpPr/>
+        <p:nvPr/>
+      </p:nvGrpSpPr>
+      <p:grpSpPr>
+        <a:xfrm>
+          <a:off x="0" y="0"/>
+          <a:ext cx="0" cy="0"/>
+          <a:chOff x="0" y="0"/>
+          <a:chExt cx="0" cy="0"/>
+        </a:xfrm>
+      </p:grpSpPr>
+      <p:sp>
+        <p:nvSpPr>
+          <p:cNvPr id="2" name="Title 1">
+            <a:extLst>
+              <a:ext uri="{FF2B5EF4-FFF2-40B4-BE49-F238E27FC236}">
+                <a16:creationId xmlns:a16="http://schemas.microsoft.com/office/drawing/2014/main" id="{CA2F323A-1DDF-7673-BE0A-20FA4C1F8D67}"/>
+              </a:ext>
+            </a:extLst>
+          </p:cNvPr>
+          <p:cNvSpPr>
+            <a:spLocks noGrp="1"/>
+          </p:cNvSpPr>
+          <p:nvPr>
+            <p:ph type="title"/>
+          </p:nvPr>
+        </p:nvSpPr>
+        <p:spPr/>
+        <p:txBody>
+          <a:bodyPr/>
+          <a:lstStyle/>
+          <a:p>
+            <a:r>
+              <a:rPr lang="en-US" dirty="0"/>
+              <a:t>Early Successes in AI</a:t>
+            </a:r>
+          </a:p>
+        </p:txBody>
+      </p:sp>
+      <p:sp>
+        <p:nvSpPr>
+          <p:cNvPr id="3" name="Content Placeholder 2">
+            <a:extLst>
+              <a:ext uri="{FF2B5EF4-FFF2-40B4-BE49-F238E27FC236}">
+                <a16:creationId xmlns:a16="http://schemas.microsoft.com/office/drawing/2014/main" id="{2835EFD9-ACD3-8161-24E4-7DF08DAB521F}"/>
+              </a:ext>
+            </a:extLst>
+          </p:cNvPr>
+          <p:cNvSpPr>
+            <a:spLocks noGrp="1"/>
+          </p:cNvSpPr>
+          <p:nvPr>
+            <p:ph idx="1"/>
+          </p:nvPr>
+        </p:nvSpPr>
+        <p:spPr/>
+        <p:txBody>
+          <a:bodyPr>
+            <a:normAutofit lnSpcReduction="10000"/>
+          </a:bodyPr>
+          <a:lstStyle/>
+          <a:p>
+            <a:pPr marL="0" marR="0" indent="0">
+              <a:spcBef>
+                <a:spcPts val="200"/>
+              </a:spcBef>
+              <a:spcAft>
+                <a:spcPts val="0"/>
+              </a:spcAft>
+              <a:buNone/>
+            </a:pPr>
+            <a:r>
+              <a:rPr lang="en-US" sz="2400" b="1" i="1" dirty="0">
+                <a:solidFill>
+                  <a:srgbClr val="2F5496"/>
+                </a:solidFill>
+                <a:effectLst/>
+                <a:latin typeface="Segoe UI" panose="020B0502040204020203" pitchFamily="34" charset="0"/>
+                <a:ea typeface="Times New Roman" panose="02020603050405020304" pitchFamily="18" charset="0"/>
+                <a:cs typeface="Times New Roman" panose="02020603050405020304" pitchFamily="18" charset="0"/>
+              </a:rPr>
+              <a:t>Logic Theorist (1955)</a:t>
+            </a:r>
+          </a:p>
+          <a:p>
+            <a:pPr marL="0" marR="0">
+              <a:spcBef>
+                <a:spcPts val="200"/>
+              </a:spcBef>
+              <a:spcAft>
+                <a:spcPts val="0"/>
+              </a:spcAft>
+            </a:pPr>
+            <a:endParaRPr lang="en-US" sz="1800" b="1" i="1" dirty="0">
+              <a:solidFill>
+                <a:srgbClr val="2F5496"/>
+              </a:solidFill>
+              <a:effectLst/>
+              <a:latin typeface="Calibri Light" panose="020F0302020204030204" pitchFamily="34" charset="0"/>
+              <a:ea typeface="Times New Roman" panose="02020603050405020304" pitchFamily="18" charset="0"/>
+              <a:cs typeface="Times New Roman" panose="02020603050405020304" pitchFamily="18" charset="0"/>
+            </a:endParaRPr>
+          </a:p>
+          <a:p>
+            <a:pPr marL="0" marR="0" indent="0">
+              <a:spcBef>
+                <a:spcPts val="0"/>
+              </a:spcBef>
+              <a:spcAft>
+                <a:spcPts val="0"/>
+              </a:spcAft>
+              <a:buNone/>
+            </a:pPr>
+            <a:r>
+              <a:rPr lang="en-US" sz="1800" b="1" i="1" dirty="0">
+                <a:solidFill>
+                  <a:srgbClr val="2F5496"/>
+                </a:solidFill>
+                <a:effectLst/>
+                <a:latin typeface="Segoe UI" panose="020B0502040204020203" pitchFamily="34" charset="0"/>
+                <a:ea typeface="Times New Roman" panose="02020603050405020304" pitchFamily="18" charset="0"/>
+                <a:cs typeface="Times New Roman" panose="02020603050405020304" pitchFamily="18" charset="0"/>
+              </a:rPr>
+              <a:t>Capabilities:</a:t>
+            </a:r>
+          </a:p>
+          <a:p>
+            <a:pPr marL="0" marR="0" indent="0">
+              <a:spcBef>
+                <a:spcPts val="0"/>
+              </a:spcBef>
+              <a:spcAft>
+                <a:spcPts val="0"/>
+              </a:spcAft>
+              <a:buNone/>
+            </a:pPr>
+            <a:endParaRPr lang="en-US" sz="1800" b="1" dirty="0">
+              <a:solidFill>
+                <a:srgbClr val="2F5496"/>
+              </a:solidFill>
+              <a:effectLst/>
+              <a:latin typeface="Calibri Light" panose="020F0302020204030204" pitchFamily="34" charset="0"/>
+              <a:ea typeface="Times New Roman" panose="02020603050405020304" pitchFamily="18" charset="0"/>
+              <a:cs typeface="Times New Roman" panose="02020603050405020304" pitchFamily="18" charset="0"/>
+            </a:endParaRPr>
+          </a:p>
+          <a:p>
+            <a:pPr marL="342900" marR="0" lvl="0" indent="-342900">
+              <a:spcBef>
+                <a:spcPts val="0"/>
+              </a:spcBef>
+              <a:spcAft>
+                <a:spcPts val="0"/>
+              </a:spcAft>
+              <a:buSzPts val="1000"/>
+              <a:buFont typeface="Symbol" pitchFamily="2" charset="2"/>
+              <a:buChar char=""/>
+              <a:tabLst>
+                <a:tab pos="457200" algn="l"/>
+              </a:tabLst>
+            </a:pPr>
+            <a:r>
+              <a:rPr lang="en-US" sz="1800" b="1" dirty="0">
+                <a:effectLst/>
+                <a:latin typeface="Segoe UI" panose="020B0502040204020203" pitchFamily="34" charset="0"/>
+                <a:ea typeface="Times New Roman" panose="02020603050405020304" pitchFamily="18" charset="0"/>
+              </a:rPr>
+              <a:t>Symbolic Reasoning:</a:t>
+            </a:r>
+            <a:r>
+              <a:rPr lang="en-US" sz="1800" dirty="0">
+                <a:effectLst/>
+                <a:latin typeface="Segoe UI" panose="020B0502040204020203" pitchFamily="34" charset="0"/>
+                <a:ea typeface="Times New Roman" panose="02020603050405020304" pitchFamily="18" charset="0"/>
+              </a:rPr>
+              <a:t> Developed by Allen Newell, J.C. Shaw, and Herbert A. Simon, the Logic Theorist was the first program to mimic human problem-solving skills, utilizing symbolic reasoning to solve mathematical theorems.</a:t>
+            </a:r>
+          </a:p>
+          <a:p>
+            <a:pPr marL="0" marR="0" lvl="0" indent="0">
+              <a:spcBef>
+                <a:spcPts val="0"/>
+              </a:spcBef>
+              <a:spcAft>
+                <a:spcPts val="0"/>
+              </a:spcAft>
+              <a:buSzPts val="1000"/>
+              <a:buNone/>
+              <a:tabLst>
+                <a:tab pos="457200" algn="l"/>
+              </a:tabLst>
+            </a:pPr>
+            <a:endParaRPr lang="en-US" sz="1800" dirty="0">
+              <a:effectLst/>
+              <a:latin typeface="Times New Roman" panose="02020603050405020304" pitchFamily="18" charset="0"/>
+              <a:ea typeface="Times New Roman" panose="02020603050405020304" pitchFamily="18" charset="0"/>
+            </a:endParaRPr>
+          </a:p>
+          <a:p>
+            <a:pPr marL="342900" marR="0" lvl="0" indent="-342900">
+              <a:spcBef>
+                <a:spcPts val="0"/>
+              </a:spcBef>
+              <a:spcAft>
+                <a:spcPts val="0"/>
+              </a:spcAft>
+              <a:buSzPts val="1000"/>
+              <a:buFont typeface="Symbol" pitchFamily="2" charset="2"/>
+              <a:buChar char=""/>
+              <a:tabLst>
+                <a:tab pos="457200" algn="l"/>
+              </a:tabLst>
+            </a:pPr>
+            <a:r>
+              <a:rPr lang="en-US" sz="1800" b="1" dirty="0">
+                <a:effectLst/>
+                <a:latin typeface="Segoe UI" panose="020B0502040204020203" pitchFamily="34" charset="0"/>
+                <a:ea typeface="Times New Roman" panose="02020603050405020304" pitchFamily="18" charset="0"/>
+              </a:rPr>
+              <a:t>Proof Generation:</a:t>
+            </a:r>
+            <a:r>
+              <a:rPr lang="en-US" sz="1800" dirty="0">
+                <a:effectLst/>
+                <a:latin typeface="Segoe UI" panose="020B0502040204020203" pitchFamily="34" charset="0"/>
+                <a:ea typeface="Times New Roman" panose="02020603050405020304" pitchFamily="18" charset="0"/>
+              </a:rPr>
+              <a:t> It was capable of proving mathematical theorems by representing them as logical statements and utilizing a search tree to explore possible proofs, finding alternative solutions to the ones used by humans.</a:t>
+            </a:r>
+          </a:p>
+          <a:p>
+            <a:pPr marL="0" marR="0" lvl="0" indent="0">
+              <a:spcBef>
+                <a:spcPts val="0"/>
+              </a:spcBef>
+              <a:spcAft>
+                <a:spcPts val="0"/>
+              </a:spcAft>
+              <a:buSzPts val="1000"/>
+              <a:buNone/>
+              <a:tabLst>
+                <a:tab pos="457200" algn="l"/>
+              </a:tabLst>
+            </a:pPr>
+            <a:endParaRPr lang="en-US" sz="1800" dirty="0">
+              <a:effectLst/>
+              <a:latin typeface="Times New Roman" panose="02020603050405020304" pitchFamily="18" charset="0"/>
+              <a:ea typeface="Times New Roman" panose="02020603050405020304" pitchFamily="18" charset="0"/>
+            </a:endParaRPr>
+          </a:p>
+          <a:p>
+            <a:pPr marL="342900" marR="0" lvl="0" indent="-342900">
+              <a:spcBef>
+                <a:spcPts val="0"/>
+              </a:spcBef>
+              <a:spcAft>
+                <a:spcPts val="0"/>
+              </a:spcAft>
+              <a:buSzPts val="1000"/>
+              <a:buFont typeface="Symbol" pitchFamily="2" charset="2"/>
+              <a:buChar char=""/>
+              <a:tabLst>
+                <a:tab pos="457200" algn="l"/>
+              </a:tabLst>
+            </a:pPr>
+            <a:r>
+              <a:rPr lang="en-US" sz="1800" b="1" dirty="0">
+                <a:effectLst/>
+                <a:latin typeface="Segoe UI" panose="020B0502040204020203" pitchFamily="34" charset="0"/>
+                <a:ea typeface="Times New Roman" panose="02020603050405020304" pitchFamily="18" charset="0"/>
+              </a:rPr>
+              <a:t>Learning and Optimization:</a:t>
+            </a:r>
+            <a:r>
+              <a:rPr lang="en-US" sz="1800" dirty="0">
+                <a:effectLst/>
+                <a:latin typeface="Segoe UI" panose="020B0502040204020203" pitchFamily="34" charset="0"/>
+                <a:ea typeface="Times New Roman" panose="02020603050405020304" pitchFamily="18" charset="0"/>
+              </a:rPr>
+              <a:t> The Logic Theorist could learn and improve upon its previous solutions, optimizing its performance in theorem proving.</a:t>
+            </a:r>
+            <a:endParaRPr lang="en-US" sz="1800" dirty="0">
+              <a:effectLst/>
+              <a:latin typeface="Times New Roman" panose="02020603050405020304" pitchFamily="18" charset="0"/>
+              <a:ea typeface="Times New Roman" panose="02020603050405020304" pitchFamily="18" charset="0"/>
+            </a:endParaRPr>
+          </a:p>
+          <a:p>
+            <a:endParaRPr lang="en-US" dirty="0"/>
+          </a:p>
+        </p:txBody>
+      </p:sp>
+    </p:spTree>
+    <p:extLst>
+      <p:ext uri="{BB962C8B-B14F-4D97-AF65-F5344CB8AC3E}">
+        <p14:creationId xmlns:p14="http://schemas.microsoft.com/office/powerpoint/2010/main" val="2303119063"/>
+      </p:ext>
+    </p:extLst>
+  </p:cSld>
+  <p:clrMapOvr>
+    <a:masterClrMapping/>
+  </p:clrMapOvr>
+</p:sld>
+</file>
+
+<file path=ppt/slides/slide32.xml><?xml version="1.0" encoding="utf-8"?>
+<p:sld xmlns:a="http://schemas.openxmlformats.org/drawingml/2006/main" xmlns:r="http://schemas.openxmlformats.org/officeDocument/2006/relationships" xmlns:p="http://schemas.openxmlformats.org/presentationml/2006/main">
+  <p:cSld>
+    <p:spTree>
+      <p:nvGrpSpPr>
+        <p:cNvPr id="1" name=""/>
+        <p:cNvGrpSpPr/>
+        <p:nvPr/>
+      </p:nvGrpSpPr>
+      <p:grpSpPr>
+        <a:xfrm>
+          <a:off x="0" y="0"/>
+          <a:ext cx="0" cy="0"/>
+          <a:chOff x="0" y="0"/>
+          <a:chExt cx="0" cy="0"/>
+        </a:xfrm>
+      </p:grpSpPr>
+      <p:sp>
+        <p:nvSpPr>
+          <p:cNvPr id="2" name="Title 1">
+            <a:extLst>
+              <a:ext uri="{FF2B5EF4-FFF2-40B4-BE49-F238E27FC236}">
                 <a16:creationId xmlns:a16="http://schemas.microsoft.com/office/drawing/2014/main" id="{A48154E5-CEAD-F1F1-22EF-37025DA34D9A}"/>
               </a:ext>
             </a:extLst>
@@ -21337,7 +21739,7 @@
 </p:sld>
 </file>
 
-<file path=ppt/slides/slide31.xml><?xml version="1.0" encoding="utf-8"?>
+<file path=ppt/slides/slide33.xml><?xml version="1.0" encoding="utf-8"?>
 <p:sld xmlns:a="http://schemas.openxmlformats.org/drawingml/2006/main" xmlns:r="http://schemas.openxmlformats.org/officeDocument/2006/relationships" xmlns:p="http://schemas.openxmlformats.org/presentationml/2006/main">
   <p:cSld>
     <p:spTree>
@@ -21650,7 +22052,7 @@
 </p:sld>
 </file>
 
-<file path=ppt/slides/slide32.xml><?xml version="1.0" encoding="utf-8"?>
+<file path=ppt/slides/slide34.xml><?xml version="1.0" encoding="utf-8"?>
 <p:sld xmlns:a="http://schemas.openxmlformats.org/drawingml/2006/main" xmlns:r="http://schemas.openxmlformats.org/officeDocument/2006/relationships" xmlns:p="http://schemas.openxmlformats.org/presentationml/2006/main">
   <p:cSld>
     <p:spTree>
@@ -22026,7 +22428,7 @@
 </p:sld>
 </file>
 
-<file path=ppt/slides/slide33.xml><?xml version="1.0" encoding="utf-8"?>
+<file path=ppt/slides/slide35.xml><?xml version="1.0" encoding="utf-8"?>
 <p:sld xmlns:a="http://schemas.openxmlformats.org/drawingml/2006/main" xmlns:r="http://schemas.openxmlformats.org/officeDocument/2006/relationships" xmlns:p="http://schemas.openxmlformats.org/presentationml/2006/main">
   <p:cSld>
     <p:spTree>
@@ -22169,7 +22571,7 @@
 </p:sld>
 </file>
 
-<file path=ppt/slides/slide34.xml><?xml version="1.0" encoding="utf-8"?>
+<file path=ppt/slides/slide36.xml><?xml version="1.0" encoding="utf-8"?>
 <p:sld xmlns:a="http://schemas.openxmlformats.org/drawingml/2006/main" xmlns:r="http://schemas.openxmlformats.org/officeDocument/2006/relationships" xmlns:p="http://schemas.openxmlformats.org/presentationml/2006/main">
   <p:cSld>
     <p:spTree>
@@ -22997,7 +23399,350 @@
 </p:sld>
 </file>
 
-<file path=ppt/slides/slide35.xml><?xml version="1.0" encoding="utf-8"?>
+<file path=ppt/slides/slide37.xml><?xml version="1.0" encoding="utf-8"?>
+<p:sld xmlns:a="http://schemas.openxmlformats.org/drawingml/2006/main" xmlns:r="http://schemas.openxmlformats.org/officeDocument/2006/relationships" xmlns:p="http://schemas.openxmlformats.org/presentationml/2006/main">
+  <p:cSld>
+    <p:bg>
+      <p:bgPr>
+        <a:solidFill>
+          <a:schemeClr val="bg1"/>
+        </a:solidFill>
+        <a:effectLst/>
+      </p:bgPr>
+    </p:bg>
+    <p:spTree>
+      <p:nvGrpSpPr>
+        <p:cNvPr id="1" name=""/>
+        <p:cNvGrpSpPr/>
+        <p:nvPr/>
+      </p:nvGrpSpPr>
+      <p:grpSpPr>
+        <a:xfrm>
+          <a:off x="0" y="0"/>
+          <a:ext cx="0" cy="0"/>
+          <a:chOff x="0" y="0"/>
+          <a:chExt cx="0" cy="0"/>
+        </a:xfrm>
+      </p:grpSpPr>
+      <p:sp useBgFill="1">
+        <p:nvSpPr>
+          <p:cNvPr id="10" name="Rectangle 9">
+            <a:extLst>
+              <a:ext uri="{FF2B5EF4-FFF2-40B4-BE49-F238E27FC236}">
+                <a16:creationId xmlns:a16="http://schemas.microsoft.com/office/drawing/2014/main" id="{11657BF2-BFFB-4FF0-9FE2-4D7F7A7C9D50}"/>
+              </a:ext>
+              <a:ext uri="{C183D7F6-B498-43B3-948B-1728B52AA6E4}">
+                <adec:decorative xmlns:adec="http://schemas.microsoft.com/office/drawing/2017/decorative" val="1"/>
+              </a:ext>
+            </a:extLst>
+          </p:cNvPr>
+          <p:cNvSpPr>
+            <a:spLocks noGrp="1" noRot="1" noChangeAspect="1" noMove="1" noResize="1" noEditPoints="1" noAdjustHandles="1" noChangeArrowheads="1" noChangeShapeType="1" noTextEdit="1"/>
+          </p:cNvSpPr>
+          <p:nvPr>
+            <p:extLst>
+              <p:ext uri="{386F3935-93C4-4BCD-93E2-E3B085C9AB24}">
+                <p16:designElem xmlns:p16="http://schemas.microsoft.com/office/powerpoint/2015/main" val="1"/>
+              </p:ext>
+            </p:extLst>
+          </p:nvPr>
+        </p:nvSpPr>
+        <p:spPr>
+          <a:xfrm>
+            <a:off x="0" y="0"/>
+            <a:ext cx="12192000" cy="6858000"/>
+          </a:xfrm>
+          <a:prstGeom prst="rect">
+            <a:avLst/>
+          </a:prstGeom>
+          <a:ln>
+            <a:noFill/>
+          </a:ln>
+        </p:spPr>
+        <p:style>
+          <a:lnRef idx="2">
+            <a:schemeClr val="accent1">
+              <a:shade val="50000"/>
+            </a:schemeClr>
+          </a:lnRef>
+          <a:fillRef idx="1">
+            <a:schemeClr val="accent1"/>
+          </a:fillRef>
+          <a:effectRef idx="0">
+            <a:schemeClr val="accent1"/>
+          </a:effectRef>
+          <a:fontRef idx="minor">
+            <a:schemeClr val="lt1"/>
+          </a:fontRef>
+        </p:style>
+        <p:txBody>
+          <a:bodyPr rtlCol="0" anchor="ctr"/>
+          <a:lstStyle/>
+          <a:p>
+            <a:pPr algn="ctr"/>
+            <a:endParaRPr lang="en-US"/>
+          </a:p>
+        </p:txBody>
+      </p:sp>
+      <p:sp>
+        <p:nvSpPr>
+          <p:cNvPr id="12" name="Rectangle 11">
+            <a:extLst>
+              <a:ext uri="{FF2B5EF4-FFF2-40B4-BE49-F238E27FC236}">
+                <a16:creationId xmlns:a16="http://schemas.microsoft.com/office/drawing/2014/main" id="{25397171-E233-4F26-9A8C-29C436537DC4}"/>
+              </a:ext>
+              <a:ext uri="{C183D7F6-B498-43B3-948B-1728B52AA6E4}">
+                <adec:decorative xmlns:adec="http://schemas.microsoft.com/office/drawing/2017/decorative" val="1"/>
+              </a:ext>
+            </a:extLst>
+          </p:cNvPr>
+          <p:cNvSpPr>
+            <a:spLocks noGrp="1" noRot="1" noChangeAspect="1" noMove="1" noResize="1" noEditPoints="1" noAdjustHandles="1" noChangeArrowheads="1" noChangeShapeType="1" noTextEdit="1"/>
+          </p:cNvSpPr>
+          <p:nvPr>
+            <p:extLst>
+              <p:ext uri="{386F3935-93C4-4BCD-93E2-E3B085C9AB24}">
+                <p16:designElem xmlns:p16="http://schemas.microsoft.com/office/powerpoint/2015/main" val="1"/>
+              </p:ext>
+            </p:extLst>
+          </p:nvPr>
+        </p:nvSpPr>
+        <p:spPr>
+          <a:xfrm>
+            <a:off x="184393" y="237744"/>
+            <a:ext cx="7652977" cy="6382512"/>
+          </a:xfrm>
+          <a:prstGeom prst="rect">
+            <a:avLst/>
+          </a:prstGeom>
+          <a:solidFill>
+            <a:schemeClr val="bg1">
+              <a:lumMod val="85000"/>
+              <a:alpha val="60000"/>
+            </a:schemeClr>
+          </a:solidFill>
+          <a:ln>
+            <a:noFill/>
+          </a:ln>
+        </p:spPr>
+        <p:style>
+          <a:lnRef idx="2">
+            <a:schemeClr val="accent1">
+              <a:shade val="50000"/>
+            </a:schemeClr>
+          </a:lnRef>
+          <a:fillRef idx="1">
+            <a:schemeClr val="accent1"/>
+          </a:fillRef>
+          <a:effectRef idx="0">
+            <a:schemeClr val="accent1"/>
+          </a:effectRef>
+          <a:fontRef idx="minor">
+            <a:schemeClr val="lt1"/>
+          </a:fontRef>
+        </p:style>
+        <p:txBody>
+          <a:bodyPr/>
+          <a:lstStyle/>
+          <a:p>
+            <a:endParaRPr lang="en-US"/>
+          </a:p>
+        </p:txBody>
+      </p:sp>
+      <p:sp>
+        <p:nvSpPr>
+          <p:cNvPr id="14" name="Rectangle 13">
+            <a:extLst>
+              <a:ext uri="{FF2B5EF4-FFF2-40B4-BE49-F238E27FC236}">
+                <a16:creationId xmlns:a16="http://schemas.microsoft.com/office/drawing/2014/main" id="{EA830B9C-C9EB-4D80-9552-AE9DE30758C9}"/>
+              </a:ext>
+              <a:ext uri="{C183D7F6-B498-43B3-948B-1728B52AA6E4}">
+                <adec:decorative xmlns:adec="http://schemas.microsoft.com/office/drawing/2017/decorative" val="1"/>
+              </a:ext>
+            </a:extLst>
+          </p:cNvPr>
+          <p:cNvSpPr>
+            <a:spLocks noGrp="1" noRot="1" noChangeAspect="1" noMove="1" noResize="1" noEditPoints="1" noAdjustHandles="1" noChangeArrowheads="1" noChangeShapeType="1" noTextEdit="1"/>
+          </p:cNvSpPr>
+          <p:nvPr>
+            <p:extLst>
+              <p:ext uri="{386F3935-93C4-4BCD-93E2-E3B085C9AB24}">
+                <p16:designElem xmlns:p16="http://schemas.microsoft.com/office/powerpoint/2015/main" val="1"/>
+              </p:ext>
+            </p:extLst>
+          </p:nvPr>
+        </p:nvSpPr>
+        <p:spPr>
+          <a:xfrm>
+            <a:off x="321553" y="374904"/>
+            <a:ext cx="7340156" cy="6108192"/>
+          </a:xfrm>
+          <a:prstGeom prst="rect">
+            <a:avLst/>
+          </a:prstGeom>
+          <a:noFill/>
+          <a:ln w="6350" cap="sq">
+            <a:solidFill>
+              <a:schemeClr val="tx1">
+                <a:lumMod val="75000"/>
+                <a:lumOff val="25000"/>
+              </a:schemeClr>
+            </a:solidFill>
+            <a:miter lim="800000"/>
+          </a:ln>
+        </p:spPr>
+        <p:style>
+          <a:lnRef idx="2">
+            <a:schemeClr val="accent1">
+              <a:shade val="50000"/>
+            </a:schemeClr>
+          </a:lnRef>
+          <a:fillRef idx="1">
+            <a:schemeClr val="accent1"/>
+          </a:fillRef>
+          <a:effectRef idx="0">
+            <a:schemeClr val="accent1"/>
+          </a:effectRef>
+          <a:fontRef idx="minor">
+            <a:schemeClr val="lt1"/>
+          </a:fontRef>
+        </p:style>
+        <p:txBody>
+          <a:bodyPr/>
+          <a:lstStyle/>
+          <a:p>
+            <a:endParaRPr lang="en-US"/>
+          </a:p>
+        </p:txBody>
+      </p:sp>
+      <p:sp>
+        <p:nvSpPr>
+          <p:cNvPr id="2" name="Title 1">
+            <a:extLst>
+              <a:ext uri="{FF2B5EF4-FFF2-40B4-BE49-F238E27FC236}">
+                <a16:creationId xmlns:a16="http://schemas.microsoft.com/office/drawing/2014/main" id="{167EB810-1334-A52C-4795-E23FF8B1FF89}"/>
+              </a:ext>
+            </a:extLst>
+          </p:cNvPr>
+          <p:cNvSpPr>
+            <a:spLocks noGrp="1"/>
+          </p:cNvSpPr>
+          <p:nvPr>
+            <p:ph type="title"/>
+          </p:nvPr>
+        </p:nvSpPr>
+        <p:spPr>
+          <a:xfrm>
+            <a:off x="868680" y="642593"/>
+            <a:ext cx="6281928" cy="1744183"/>
+          </a:xfrm>
+        </p:spPr>
+        <p:txBody>
+          <a:bodyPr>
+            <a:normAutofit/>
+          </a:bodyPr>
+          <a:lstStyle/>
+          <a:p>
+            <a:r>
+              <a:rPr lang="en-US" dirty="0"/>
+              <a:t>So, what’s the point?</a:t>
+            </a:r>
+          </a:p>
+        </p:txBody>
+      </p:sp>
+      <p:sp>
+        <p:nvSpPr>
+          <p:cNvPr id="3" name="Content Placeholder 2">
+            <a:extLst>
+              <a:ext uri="{FF2B5EF4-FFF2-40B4-BE49-F238E27FC236}">
+                <a16:creationId xmlns:a16="http://schemas.microsoft.com/office/drawing/2014/main" id="{6BF6E168-EBD0-2C7A-F6E4-637DAD23AEFC}"/>
+              </a:ext>
+            </a:extLst>
+          </p:cNvPr>
+          <p:cNvSpPr>
+            <a:spLocks noGrp="1"/>
+          </p:cNvSpPr>
+          <p:nvPr>
+            <p:ph idx="1"/>
+          </p:nvPr>
+        </p:nvSpPr>
+        <p:spPr>
+          <a:xfrm>
+            <a:off x="868680" y="2386584"/>
+            <a:ext cx="6281928" cy="3648456"/>
+          </a:xfrm>
+        </p:spPr>
+        <p:txBody>
+          <a:bodyPr>
+            <a:normAutofit/>
+          </a:bodyPr>
+          <a:lstStyle/>
+          <a:p>
+            <a:r>
+              <a:rPr lang="en-US" dirty="0"/>
+              <a:t>In 1910, Whitehead and Russell published Principia Mathematica, where they developed a series of logical PROOFS,  starting from a set of six basic axioms</a:t>
+            </a:r>
+          </a:p>
+          <a:p>
+            <a:r>
+              <a:rPr lang="en-US" dirty="0"/>
+              <a:t>The guys (Simon, Newell, and Shaw) that designed and wrote Logic Theorist set out to write a computer program that could  figure out these proofs, using only the six axioms</a:t>
+            </a:r>
+          </a:p>
+          <a:p>
+            <a:r>
+              <a:rPr lang="en-US" dirty="0"/>
+              <a:t>The results were quite fascinating!</a:t>
+            </a:r>
+          </a:p>
+          <a:p>
+            <a:endParaRPr lang="en-US" dirty="0"/>
+          </a:p>
+        </p:txBody>
+      </p:sp>
+      <p:pic>
+        <p:nvPicPr>
+          <p:cNvPr id="5" name="Picture 4" descr="A paper with math equations&#10;&#10;Description automatically generated with medium confidence">
+            <a:extLst>
+              <a:ext uri="{FF2B5EF4-FFF2-40B4-BE49-F238E27FC236}">
+                <a16:creationId xmlns:a16="http://schemas.microsoft.com/office/drawing/2014/main" id="{49242F9E-F372-CC86-24F7-A2BD32AA7453}"/>
+              </a:ext>
+            </a:extLst>
+          </p:cNvPr>
+          <p:cNvPicPr>
+            <a:picLocks noChangeAspect="1"/>
+          </p:cNvPicPr>
+          <p:nvPr/>
+        </p:nvPicPr>
+        <p:blipFill rotWithShape="1">
+          <a:blip r:embed="rId2"/>
+          <a:srcRect r="2824" b="-2"/>
+          <a:stretch/>
+        </p:blipFill>
+        <p:spPr>
+          <a:xfrm>
+            <a:off x="7837370" y="237744"/>
+            <a:ext cx="4124416" cy="6382512"/>
+          </a:xfrm>
+          <a:prstGeom prst="rect">
+            <a:avLst/>
+          </a:prstGeom>
+        </p:spPr>
+      </p:pic>
+    </p:spTree>
+    <p:extLst>
+      <p:ext uri="{BB962C8B-B14F-4D97-AF65-F5344CB8AC3E}">
+        <p14:creationId xmlns:p14="http://schemas.microsoft.com/office/powerpoint/2010/main" val="2774476009"/>
+      </p:ext>
+    </p:extLst>
+  </p:cSld>
+  <p:clrMapOvr>
+    <a:masterClrMapping/>
+  </p:clrMapOvr>
+</p:sld>
+</file>
+
+<file path=ppt/slides/slide38.xml><?xml version="1.0" encoding="utf-8"?>
 <p:sld xmlns:a="http://schemas.openxmlformats.org/drawingml/2006/main" xmlns:r="http://schemas.openxmlformats.org/officeDocument/2006/relationships" xmlns:p="http://schemas.openxmlformats.org/presentationml/2006/main">
   <p:cSld>
     <p:spTree>
@@ -23019,7 +23764,7 @@
           <p:cNvPr id="2" name="Title 1">
             <a:extLst>
               <a:ext uri="{FF2B5EF4-FFF2-40B4-BE49-F238E27FC236}">
-                <a16:creationId xmlns:a16="http://schemas.microsoft.com/office/drawing/2014/main" id="{167EB810-1334-A52C-4795-E23FF8B1FF89}"/>
+                <a16:creationId xmlns:a16="http://schemas.microsoft.com/office/drawing/2014/main" id="{C5F37716-5146-DCCE-D3BF-8C7ED8653258}"/>
               </a:ext>
             </a:extLst>
           </p:cNvPr>
@@ -23037,7 +23782,7 @@
           <a:p>
             <a:r>
               <a:rPr lang="en-US" dirty="0"/>
-              <a:t>So, what’s the point?</a:t>
+              <a:t>Logic Theorist</a:t>
             </a:r>
           </a:p>
         </p:txBody>
@@ -23047,7 +23792,7 @@
           <p:cNvPr id="3" name="Content Placeholder 2">
             <a:extLst>
               <a:ext uri="{FF2B5EF4-FFF2-40B4-BE49-F238E27FC236}">
-                <a16:creationId xmlns:a16="http://schemas.microsoft.com/office/drawing/2014/main" id="{6BF6E168-EBD0-2C7A-F6E4-637DAD23AEFC}"/>
+                <a16:creationId xmlns:a16="http://schemas.microsoft.com/office/drawing/2014/main" id="{E8EA1AD5-3604-886C-CD22-585D0CFC9B68}"/>
               </a:ext>
             </a:extLst>
           </p:cNvPr>
@@ -23060,34 +23805,218 @@
         </p:nvSpPr>
         <p:spPr/>
         <p:txBody>
-          <a:bodyPr/>
+          <a:bodyPr>
+            <a:normAutofit lnSpcReduction="10000"/>
+          </a:bodyPr>
           <a:lstStyle/>
           <a:p>
             <a:r>
-              <a:rPr lang="en-US" dirty="0"/>
-              <a:t>In 1910, Whitehead and Russell published Principia Mathematica, where they developed a series of logical PROOFS,  starting from a set of six basic axioms</a:t>
-            </a:r>
-          </a:p>
-          <a:p>
-            <a:r>
-              <a:rPr lang="en-US" dirty="0"/>
-              <a:t>The two guys that wrote Logic Theorist set out to write a computer program that could  figure out these proofs, using only the </a:t>
-            </a:r>
-            <a:r>
-              <a:rPr lang="en-US"/>
-              <a:t>six axioms:</a:t>
-            </a:r>
-            <a:endParaRPr lang="en-US" dirty="0"/>
-          </a:p>
-          <a:p>
-            <a:endParaRPr lang="en-US" dirty="0"/>
+              <a:rPr lang="en-US" dirty="0">
+                <a:latin typeface="Arial" panose="020B0604020202020204" pitchFamily="34" charset="0"/>
+                <a:cs typeface="Arial" panose="020B0604020202020204" pitchFamily="34" charset="0"/>
+              </a:rPr>
+              <a:t>Simon: </a:t>
+            </a:r>
+            <a:r>
+              <a:rPr lang="en-US" b="0" i="0" dirty="0">
+                <a:solidFill>
+                  <a:srgbClr val="212529"/>
+                </a:solidFill>
+                <a:effectLst/>
+                <a:latin typeface="Arial" panose="020B0604020202020204" pitchFamily="34" charset="0"/>
+                <a:cs typeface="Arial" panose="020B0604020202020204" pitchFamily="34" charset="0"/>
+              </a:rPr>
+              <a:t>“We </a:t>
+            </a:r>
+            <a:r>
+              <a:rPr lang="en-US" b="0" i="0" dirty="0">
+                <a:solidFill>
+                  <a:srgbClr val="FF0000"/>
+                </a:solidFill>
+                <a:effectLst/>
+                <a:latin typeface="Arial" panose="020B0604020202020204" pitchFamily="34" charset="0"/>
+                <a:cs typeface="Arial" panose="020B0604020202020204" pitchFamily="34" charset="0"/>
+              </a:rPr>
+              <a:t>invented a computer program capable of thinking non-numerically</a:t>
+            </a:r>
+            <a:r>
+              <a:rPr lang="en-US" b="0" i="0" dirty="0">
+                <a:solidFill>
+                  <a:srgbClr val="212529"/>
+                </a:solidFill>
+                <a:effectLst/>
+                <a:latin typeface="Arial" panose="020B0604020202020204" pitchFamily="34" charset="0"/>
+                <a:cs typeface="Arial" panose="020B0604020202020204" pitchFamily="34" charset="0"/>
+              </a:rPr>
+              <a:t>, and thereby solved the venerable mind-body problem, explaining how a system composed of matter can have the properties of mind.”</a:t>
+            </a:r>
+          </a:p>
+          <a:p>
+            <a:endParaRPr lang="en-US" dirty="0">
+              <a:solidFill>
+                <a:srgbClr val="212529"/>
+              </a:solidFill>
+              <a:latin typeface="Arial" panose="020B0604020202020204" pitchFamily="34" charset="0"/>
+              <a:cs typeface="Arial" panose="020B0604020202020204" pitchFamily="34" charset="0"/>
+            </a:endParaRPr>
+          </a:p>
+          <a:p>
+            <a:r>
+              <a:rPr lang="en-US" dirty="0">
+                <a:solidFill>
+                  <a:srgbClr val="212529"/>
+                </a:solidFill>
+                <a:latin typeface="Arial" panose="020B0604020202020204" pitchFamily="34" charset="0"/>
+                <a:cs typeface="Arial" panose="020B0604020202020204" pitchFamily="34" charset="0"/>
+              </a:rPr>
+              <a:t>The proofs were, in some cases, </a:t>
+            </a:r>
+            <a:r>
+              <a:rPr lang="en-US" dirty="0">
+                <a:solidFill>
+                  <a:srgbClr val="FF0000"/>
+                </a:solidFill>
+                <a:latin typeface="Arial" panose="020B0604020202020204" pitchFamily="34" charset="0"/>
+                <a:cs typeface="Arial" panose="020B0604020202020204" pitchFamily="34" charset="0"/>
+              </a:rPr>
+              <a:t>more direct </a:t>
+            </a:r>
+            <a:r>
+              <a:rPr lang="en-US" dirty="0">
+                <a:solidFill>
+                  <a:srgbClr val="212529"/>
+                </a:solidFill>
+                <a:latin typeface="Arial" panose="020B0604020202020204" pitchFamily="34" charset="0"/>
+                <a:cs typeface="Arial" panose="020B0604020202020204" pitchFamily="34" charset="0"/>
+              </a:rPr>
+              <a:t>(fewer steps) than the human proofs offered by Russell and Whitehead</a:t>
+            </a:r>
+          </a:p>
+          <a:p>
+            <a:endParaRPr lang="en-US" dirty="0">
+              <a:solidFill>
+                <a:srgbClr val="212529"/>
+              </a:solidFill>
+              <a:latin typeface="Arial" panose="020B0604020202020204" pitchFamily="34" charset="0"/>
+              <a:cs typeface="Arial" panose="020B0604020202020204" pitchFamily="34" charset="0"/>
+            </a:endParaRPr>
+          </a:p>
+          <a:p>
+            <a:r>
+              <a:rPr lang="en-US" dirty="0">
+                <a:solidFill>
+                  <a:srgbClr val="212529"/>
+                </a:solidFill>
+                <a:latin typeface="Arial" panose="020B0604020202020204" pitchFamily="34" charset="0"/>
+                <a:cs typeface="Arial" panose="020B0604020202020204" pitchFamily="34" charset="0"/>
+              </a:rPr>
+              <a:t>The proofs were, in some cases, </a:t>
+            </a:r>
+            <a:r>
+              <a:rPr lang="en-US" dirty="0">
+                <a:solidFill>
+                  <a:srgbClr val="FF0000"/>
+                </a:solidFill>
+                <a:latin typeface="Arial" panose="020B0604020202020204" pitchFamily="34" charset="0"/>
+                <a:cs typeface="Arial" panose="020B0604020202020204" pitchFamily="34" charset="0"/>
+              </a:rPr>
+              <a:t>much more detailed </a:t>
+            </a:r>
+            <a:r>
+              <a:rPr lang="en-US" dirty="0">
+                <a:solidFill>
+                  <a:srgbClr val="212529"/>
+                </a:solidFill>
+                <a:latin typeface="Arial" panose="020B0604020202020204" pitchFamily="34" charset="0"/>
+                <a:cs typeface="Arial" panose="020B0604020202020204" pitchFamily="34" charset="0"/>
+              </a:rPr>
+              <a:t>than the human proofs offered by Russell and Whitehead</a:t>
+            </a:r>
+          </a:p>
+          <a:p>
+            <a:endParaRPr lang="en-US" dirty="0">
+              <a:solidFill>
+                <a:srgbClr val="212529"/>
+              </a:solidFill>
+              <a:latin typeface="Arial" panose="020B0604020202020204" pitchFamily="34" charset="0"/>
+              <a:cs typeface="Arial" panose="020B0604020202020204" pitchFamily="34" charset="0"/>
+            </a:endParaRPr>
+          </a:p>
+          <a:p>
+            <a:r>
+              <a:rPr lang="en-US" dirty="0">
+                <a:solidFill>
+                  <a:srgbClr val="212529"/>
+                </a:solidFill>
+                <a:latin typeface="Arial" panose="020B0604020202020204" pitchFamily="34" charset="0"/>
+                <a:cs typeface="Arial" panose="020B0604020202020204" pitchFamily="34" charset="0"/>
+              </a:rPr>
+              <a:t>Pamela </a:t>
+            </a:r>
+            <a:r>
+              <a:rPr lang="en-US" dirty="0" err="1">
+                <a:solidFill>
+                  <a:srgbClr val="212529"/>
+                </a:solidFill>
+                <a:latin typeface="Arial" panose="020B0604020202020204" pitchFamily="34" charset="0"/>
+                <a:cs typeface="Arial" panose="020B0604020202020204" pitchFamily="34" charset="0"/>
+              </a:rPr>
+              <a:t>McCorduck</a:t>
+            </a:r>
+            <a:r>
+              <a:rPr lang="en-US" dirty="0">
+                <a:solidFill>
+                  <a:srgbClr val="212529"/>
+                </a:solidFill>
+                <a:latin typeface="Arial" panose="020B0604020202020204" pitchFamily="34" charset="0"/>
+                <a:cs typeface="Arial" panose="020B0604020202020204" pitchFamily="34" charset="0"/>
+              </a:rPr>
+              <a:t>: “</a:t>
+            </a:r>
+            <a:r>
+              <a:rPr lang="en-US" b="0" i="0" dirty="0">
+                <a:solidFill>
+                  <a:srgbClr val="202122"/>
+                </a:solidFill>
+                <a:effectLst/>
+                <a:latin typeface="Arial" panose="020B0604020202020204" pitchFamily="34" charset="0"/>
+                <a:cs typeface="Arial" panose="020B0604020202020204" pitchFamily="34" charset="0"/>
+              </a:rPr>
+              <a:t>proof positive that a machine could perform tasks heretofore considered </a:t>
+            </a:r>
+            <a:r>
+              <a:rPr lang="en-US" b="0" i="0" dirty="0">
+                <a:solidFill>
+                  <a:srgbClr val="FF0000"/>
+                </a:solidFill>
+                <a:effectLst/>
+                <a:latin typeface="Arial" panose="020B0604020202020204" pitchFamily="34" charset="0"/>
+                <a:cs typeface="Arial" panose="020B0604020202020204" pitchFamily="34" charset="0"/>
+              </a:rPr>
+              <a:t>intelligent, creative and uniquely human</a:t>
+            </a:r>
+            <a:r>
+              <a:rPr lang="en-US" b="0" i="0" dirty="0">
+                <a:solidFill>
+                  <a:srgbClr val="202122"/>
+                </a:solidFill>
+                <a:effectLst/>
+                <a:latin typeface="Arial" panose="020B0604020202020204" pitchFamily="34" charset="0"/>
+                <a:cs typeface="Arial" panose="020B0604020202020204" pitchFamily="34" charset="0"/>
+              </a:rPr>
+              <a:t>” -&gt; Strong AI</a:t>
+            </a:r>
+            <a:endParaRPr lang="en-US" dirty="0">
+              <a:latin typeface="Arial" panose="020B0604020202020204" pitchFamily="34" charset="0"/>
+              <a:cs typeface="Arial" panose="020B0604020202020204" pitchFamily="34" charset="0"/>
+            </a:endParaRPr>
           </a:p>
         </p:txBody>
       </p:sp>
     </p:spTree>
     <p:extLst>
       <p:ext uri="{BB962C8B-B14F-4D97-AF65-F5344CB8AC3E}">
-        <p14:creationId xmlns:p14="http://schemas.microsoft.com/office/powerpoint/2010/main" val="2774476009"/>
+        <p14:creationId xmlns:p14="http://schemas.microsoft.com/office/powerpoint/2010/main" val="3782650884"/>
       </p:ext>
     </p:extLst>
   </p:cSld>

--- a/JupyterNotebooks/LLS/Lecture3.pptx
+++ b/JupyterNotebooks/LLS/Lecture3.pptx
@@ -5,7 +5,7 @@
     <p:sldMasterId id="2147483660" r:id="rId1"/>
   </p:sldMasterIdLst>
   <p:notesMasterIdLst>
-    <p:notesMasterId r:id="rId40"/>
+    <p:notesMasterId r:id="rId45"/>
   </p:notesMasterIdLst>
   <p:sldIdLst>
     <p:sldId id="256" r:id="rId2"/>
@@ -46,6 +46,11 @@
     <p:sldId id="341" r:id="rId37"/>
     <p:sldId id="342" r:id="rId38"/>
     <p:sldId id="343" r:id="rId39"/>
+    <p:sldId id="346" r:id="rId40"/>
+    <p:sldId id="349" r:id="rId41"/>
+    <p:sldId id="350" r:id="rId42"/>
+    <p:sldId id="347" r:id="rId43"/>
+    <p:sldId id="348" r:id="rId44"/>
   </p:sldIdLst>
   <p:sldSz cx="12192000" cy="6858000"/>
   <p:notesSz cx="6858000" cy="9144000"/>
@@ -24026,6 +24031,401 @@
 </p:sld>
 </file>
 
+<file path=ppt/slides/slide39.xml><?xml version="1.0" encoding="utf-8"?>
+<p:sld xmlns:a="http://schemas.openxmlformats.org/drawingml/2006/main" xmlns:r="http://schemas.openxmlformats.org/officeDocument/2006/relationships" xmlns:p="http://schemas.openxmlformats.org/presentationml/2006/main">
+  <p:cSld>
+    <p:spTree>
+      <p:nvGrpSpPr>
+        <p:cNvPr id="1" name=""/>
+        <p:cNvGrpSpPr/>
+        <p:nvPr/>
+      </p:nvGrpSpPr>
+      <p:grpSpPr>
+        <a:xfrm>
+          <a:off x="0" y="0"/>
+          <a:ext cx="0" cy="0"/>
+          <a:chOff x="0" y="0"/>
+          <a:chExt cx="0" cy="0"/>
+        </a:xfrm>
+      </p:grpSpPr>
+      <p:sp>
+        <p:nvSpPr>
+          <p:cNvPr id="2" name="Title 1">
+            <a:extLst>
+              <a:ext uri="{FF2B5EF4-FFF2-40B4-BE49-F238E27FC236}">
+                <a16:creationId xmlns:a16="http://schemas.microsoft.com/office/drawing/2014/main" id="{F5051BBE-835A-7215-9BA1-C5CBA90F9014}"/>
+              </a:ext>
+            </a:extLst>
+          </p:cNvPr>
+          <p:cNvSpPr>
+            <a:spLocks noGrp="1"/>
+          </p:cNvSpPr>
+          <p:nvPr>
+            <p:ph type="title"/>
+          </p:nvPr>
+        </p:nvSpPr>
+        <p:spPr/>
+        <p:txBody>
+          <a:bodyPr/>
+          <a:lstStyle/>
+          <a:p>
+            <a:r>
+              <a:rPr lang="en-US" dirty="0"/>
+              <a:t>Early Successes in AI</a:t>
+            </a:r>
+          </a:p>
+        </p:txBody>
+      </p:sp>
+      <p:sp>
+        <p:nvSpPr>
+          <p:cNvPr id="3" name="Content Placeholder 2">
+            <a:extLst>
+              <a:ext uri="{FF2B5EF4-FFF2-40B4-BE49-F238E27FC236}">
+                <a16:creationId xmlns:a16="http://schemas.microsoft.com/office/drawing/2014/main" id="{137326C9-6568-515E-0573-0E7B8E54BD1A}"/>
+              </a:ext>
+            </a:extLst>
+          </p:cNvPr>
+          <p:cNvSpPr>
+            <a:spLocks noGrp="1"/>
+          </p:cNvSpPr>
+          <p:nvPr>
+            <p:ph idx="1"/>
+          </p:nvPr>
+        </p:nvSpPr>
+        <p:spPr/>
+        <p:txBody>
+          <a:bodyPr>
+            <a:normAutofit fontScale="92500"/>
+          </a:bodyPr>
+          <a:lstStyle/>
+          <a:p>
+            <a:pPr marL="0" marR="0" indent="0">
+              <a:spcBef>
+                <a:spcPts val="0"/>
+              </a:spcBef>
+              <a:spcAft>
+                <a:spcPts val="0"/>
+              </a:spcAft>
+              <a:buNone/>
+            </a:pPr>
+            <a:r>
+              <a:rPr lang="en-US" sz="2400" b="1" i="1" dirty="0">
+                <a:solidFill>
+                  <a:srgbClr val="2F5496"/>
+                </a:solidFill>
+                <a:effectLst/>
+                <a:latin typeface="Segoe UI" panose="020B0502040204020203" pitchFamily="34" charset="0"/>
+                <a:ea typeface="Times New Roman" panose="02020603050405020304" pitchFamily="18" charset="0"/>
+                <a:cs typeface="Times New Roman" panose="02020603050405020304" pitchFamily="18" charset="0"/>
+              </a:rPr>
+              <a:t>ELIZA (1966)</a:t>
+            </a:r>
+          </a:p>
+          <a:p>
+            <a:pPr marL="0" marR="0" indent="0">
+              <a:spcBef>
+                <a:spcPts val="0"/>
+              </a:spcBef>
+              <a:spcAft>
+                <a:spcPts val="0"/>
+              </a:spcAft>
+              <a:buNone/>
+            </a:pPr>
+            <a:endParaRPr lang="en-US" sz="1800" b="1" i="1" dirty="0">
+              <a:solidFill>
+                <a:srgbClr val="2F5496"/>
+              </a:solidFill>
+              <a:effectLst/>
+              <a:latin typeface="Segoe UI" panose="020B0502040204020203" pitchFamily="34" charset="0"/>
+              <a:ea typeface="Times New Roman" panose="02020603050405020304" pitchFamily="18" charset="0"/>
+              <a:cs typeface="Times New Roman" panose="02020603050405020304" pitchFamily="18" charset="0"/>
+            </a:endParaRPr>
+          </a:p>
+          <a:p>
+            <a:pPr marL="0" marR="0" indent="0">
+              <a:spcBef>
+                <a:spcPts val="0"/>
+              </a:spcBef>
+              <a:spcAft>
+                <a:spcPts val="0"/>
+              </a:spcAft>
+              <a:buNone/>
+            </a:pPr>
+            <a:r>
+              <a:rPr lang="en-US" sz="1800" b="1" i="1" dirty="0">
+                <a:solidFill>
+                  <a:srgbClr val="2F5496"/>
+                </a:solidFill>
+                <a:effectLst/>
+                <a:latin typeface="Segoe UI" panose="020B0502040204020203" pitchFamily="34" charset="0"/>
+                <a:ea typeface="Times New Roman" panose="02020603050405020304" pitchFamily="18" charset="0"/>
+                <a:cs typeface="Times New Roman" panose="02020603050405020304" pitchFamily="18" charset="0"/>
+              </a:rPr>
+              <a:t>Capabilities:</a:t>
+            </a:r>
+          </a:p>
+          <a:p>
+            <a:pPr marL="0" marR="0">
+              <a:spcBef>
+                <a:spcPts val="0"/>
+              </a:spcBef>
+              <a:spcAft>
+                <a:spcPts val="0"/>
+              </a:spcAft>
+            </a:pPr>
+            <a:endParaRPr lang="en-US" sz="1800" b="1" dirty="0">
+              <a:solidFill>
+                <a:srgbClr val="2F5496"/>
+              </a:solidFill>
+              <a:effectLst/>
+              <a:latin typeface="Calibri Light" panose="020F0302020204030204" pitchFamily="34" charset="0"/>
+              <a:ea typeface="Times New Roman" panose="02020603050405020304" pitchFamily="18" charset="0"/>
+              <a:cs typeface="Times New Roman" panose="02020603050405020304" pitchFamily="18" charset="0"/>
+            </a:endParaRPr>
+          </a:p>
+          <a:p>
+            <a:pPr marL="342900" marR="0" lvl="0" indent="-342900">
+              <a:spcBef>
+                <a:spcPts val="0"/>
+              </a:spcBef>
+              <a:spcAft>
+                <a:spcPts val="0"/>
+              </a:spcAft>
+              <a:buSzPts val="1000"/>
+              <a:buFont typeface="Symbol" pitchFamily="2" charset="2"/>
+              <a:buChar char=""/>
+              <a:tabLst>
+                <a:tab pos="457200" algn="l"/>
+              </a:tabLst>
+            </a:pPr>
+            <a:r>
+              <a:rPr lang="en-US" sz="1800" b="1" dirty="0">
+                <a:effectLst/>
+                <a:latin typeface="Segoe UI" panose="020B0502040204020203" pitchFamily="34" charset="0"/>
+                <a:ea typeface="Times New Roman" panose="02020603050405020304" pitchFamily="18" charset="0"/>
+              </a:rPr>
+              <a:t>Natural Language Processing:</a:t>
+            </a:r>
+            <a:r>
+              <a:rPr lang="en-US" sz="1800" dirty="0">
+                <a:effectLst/>
+                <a:latin typeface="Segoe UI" panose="020B0502040204020203" pitchFamily="34" charset="0"/>
+                <a:ea typeface="Times New Roman" panose="02020603050405020304" pitchFamily="18" charset="0"/>
+              </a:rPr>
+              <a:t> Developed by Joseph </a:t>
+            </a:r>
+            <a:r>
+              <a:rPr lang="en-US" sz="1800" dirty="0" err="1">
+                <a:effectLst/>
+                <a:latin typeface="Segoe UI" panose="020B0502040204020203" pitchFamily="34" charset="0"/>
+                <a:ea typeface="Times New Roman" panose="02020603050405020304" pitchFamily="18" charset="0"/>
+              </a:rPr>
+              <a:t>Weizenbaum</a:t>
+            </a:r>
+            <a:r>
+              <a:rPr lang="en-US" sz="1800" dirty="0">
+                <a:effectLst/>
+                <a:latin typeface="Segoe UI" panose="020B0502040204020203" pitchFamily="34" charset="0"/>
+                <a:ea typeface="Times New Roman" panose="02020603050405020304" pitchFamily="18" charset="0"/>
+              </a:rPr>
+              <a:t> at the MIT AI Lab, ELIZA was one of the first AI programs to conduct conversations in natural English, showcasing early capabilities in </a:t>
+            </a:r>
+            <a:r>
+              <a:rPr lang="en-US" sz="1800" dirty="0">
+                <a:solidFill>
+                  <a:srgbClr val="FF0000"/>
+                </a:solidFill>
+                <a:effectLst/>
+                <a:latin typeface="Segoe UI" panose="020B0502040204020203" pitchFamily="34" charset="0"/>
+                <a:ea typeface="Times New Roman" panose="02020603050405020304" pitchFamily="18" charset="0"/>
+              </a:rPr>
+              <a:t>Natural Language Processing (NLP) – the first chatbot!!!</a:t>
+            </a:r>
+          </a:p>
+          <a:p>
+            <a:pPr marL="0" marR="0" lvl="0" indent="0">
+              <a:spcBef>
+                <a:spcPts val="0"/>
+              </a:spcBef>
+              <a:spcAft>
+                <a:spcPts val="0"/>
+              </a:spcAft>
+              <a:buSzPts val="1000"/>
+              <a:buNone/>
+              <a:tabLst>
+                <a:tab pos="457200" algn="l"/>
+              </a:tabLst>
+            </a:pPr>
+            <a:endParaRPr lang="en-US" sz="1800" dirty="0">
+              <a:effectLst/>
+              <a:latin typeface="Times New Roman" panose="02020603050405020304" pitchFamily="18" charset="0"/>
+              <a:ea typeface="Times New Roman" panose="02020603050405020304" pitchFamily="18" charset="0"/>
+            </a:endParaRPr>
+          </a:p>
+          <a:p>
+            <a:pPr marL="342900" marR="0" lvl="0" indent="-342900">
+              <a:spcBef>
+                <a:spcPts val="0"/>
+              </a:spcBef>
+              <a:spcAft>
+                <a:spcPts val="0"/>
+              </a:spcAft>
+              <a:buSzPts val="1000"/>
+              <a:buFont typeface="Symbol" pitchFamily="2" charset="2"/>
+              <a:buChar char=""/>
+              <a:tabLst>
+                <a:tab pos="457200" algn="l"/>
+              </a:tabLst>
+            </a:pPr>
+            <a:r>
+              <a:rPr lang="en-US" sz="1800" b="1" dirty="0">
+                <a:effectLst/>
+                <a:latin typeface="Segoe UI" panose="020B0502040204020203" pitchFamily="34" charset="0"/>
+                <a:ea typeface="Times New Roman" panose="02020603050405020304" pitchFamily="18" charset="0"/>
+              </a:rPr>
+              <a:t>User Interaction:</a:t>
+            </a:r>
+            <a:r>
+              <a:rPr lang="en-US" sz="1800" dirty="0">
+                <a:effectLst/>
+                <a:latin typeface="Segoe UI" panose="020B0502040204020203" pitchFamily="34" charset="0"/>
+                <a:ea typeface="Times New Roman" panose="02020603050405020304" pitchFamily="18" charset="0"/>
+              </a:rPr>
+              <a:t> It could engage with users in a seemingly empathetic manner, </a:t>
+            </a:r>
+            <a:r>
+              <a:rPr lang="en-US" sz="1800" dirty="0">
+                <a:solidFill>
+                  <a:srgbClr val="FF0000"/>
+                </a:solidFill>
+                <a:effectLst/>
+                <a:latin typeface="Segoe UI" panose="020B0502040204020203" pitchFamily="34" charset="0"/>
+                <a:ea typeface="Times New Roman" panose="02020603050405020304" pitchFamily="18" charset="0"/>
+              </a:rPr>
+              <a:t>mimicking a Rogerian psychotherapist </a:t>
+            </a:r>
+            <a:r>
+              <a:rPr lang="en-US" sz="1800" dirty="0">
+                <a:effectLst/>
+                <a:latin typeface="Segoe UI" panose="020B0502040204020203" pitchFamily="34" charset="0"/>
+                <a:ea typeface="Times New Roman" panose="02020603050405020304" pitchFamily="18" charset="0"/>
+              </a:rPr>
+              <a:t>and providing responses that reflected understanding and engagement.</a:t>
+            </a:r>
+          </a:p>
+          <a:p>
+            <a:pPr marL="0" marR="0" lvl="0" indent="0">
+              <a:spcBef>
+                <a:spcPts val="0"/>
+              </a:spcBef>
+              <a:spcAft>
+                <a:spcPts val="0"/>
+              </a:spcAft>
+              <a:buSzPts val="1000"/>
+              <a:buNone/>
+              <a:tabLst>
+                <a:tab pos="457200" algn="l"/>
+              </a:tabLst>
+            </a:pPr>
+            <a:endParaRPr lang="en-US" sz="1800" dirty="0">
+              <a:effectLst/>
+              <a:latin typeface="Times New Roman" panose="02020603050405020304" pitchFamily="18" charset="0"/>
+              <a:ea typeface="Times New Roman" panose="02020603050405020304" pitchFamily="18" charset="0"/>
+            </a:endParaRPr>
+          </a:p>
+          <a:p>
+            <a:pPr marL="342900" marR="0" lvl="0" indent="-342900">
+              <a:spcBef>
+                <a:spcPts val="0"/>
+              </a:spcBef>
+              <a:spcAft>
+                <a:spcPts val="0"/>
+              </a:spcAft>
+              <a:buSzPts val="1000"/>
+              <a:buFont typeface="Symbol" pitchFamily="2" charset="2"/>
+              <a:buChar char=""/>
+              <a:tabLst>
+                <a:tab pos="457200" algn="l"/>
+              </a:tabLst>
+            </a:pPr>
+            <a:r>
+              <a:rPr lang="en-US" sz="1800" b="1" dirty="0">
+                <a:effectLst/>
+                <a:latin typeface="Segoe UI" panose="020B0502040204020203" pitchFamily="34" charset="0"/>
+                <a:ea typeface="Times New Roman" panose="02020603050405020304" pitchFamily="18" charset="0"/>
+              </a:rPr>
+              <a:t>Script-Based Responses:</a:t>
+            </a:r>
+            <a:r>
+              <a:rPr lang="en-US" sz="1800" dirty="0">
+                <a:effectLst/>
+                <a:latin typeface="Segoe UI" panose="020B0502040204020203" pitchFamily="34" charset="0"/>
+                <a:ea typeface="Times New Roman" panose="02020603050405020304" pitchFamily="18" charset="0"/>
+              </a:rPr>
+              <a:t> ELIZA utilized scripts (the most famous being DOCTOR) </a:t>
+            </a:r>
+            <a:r>
+              <a:rPr lang="en-US" sz="1800" dirty="0">
+                <a:solidFill>
+                  <a:srgbClr val="FF0000"/>
+                </a:solidFill>
+                <a:effectLst/>
+                <a:latin typeface="Segoe UI" panose="020B0502040204020203" pitchFamily="34" charset="0"/>
+                <a:ea typeface="Times New Roman" panose="02020603050405020304" pitchFamily="18" charset="0"/>
+              </a:rPr>
+              <a:t>to identify keywords in user inputs and formulate responses,</a:t>
+            </a:r>
+            <a:r>
+              <a:rPr lang="en-US" sz="1800" dirty="0">
+                <a:effectLst/>
+                <a:latin typeface="Segoe UI" panose="020B0502040204020203" pitchFamily="34" charset="0"/>
+                <a:ea typeface="Times New Roman" panose="02020603050405020304" pitchFamily="18" charset="0"/>
+              </a:rPr>
+              <a:t> providing an </a:t>
+            </a:r>
+            <a:r>
+              <a:rPr lang="en-US" sz="1800" dirty="0">
+                <a:solidFill>
+                  <a:srgbClr val="00B050"/>
+                </a:solidFill>
+                <a:effectLst/>
+                <a:latin typeface="Segoe UI" panose="020B0502040204020203" pitchFamily="34" charset="0"/>
+                <a:ea typeface="Times New Roman" panose="02020603050405020304" pitchFamily="18" charset="0"/>
+              </a:rPr>
+              <a:t>illusion</a:t>
+            </a:r>
+            <a:r>
+              <a:rPr lang="en-US" sz="1800" dirty="0">
+                <a:effectLst/>
+                <a:latin typeface="Segoe UI" panose="020B0502040204020203" pitchFamily="34" charset="0"/>
+                <a:ea typeface="Times New Roman" panose="02020603050405020304" pitchFamily="18" charset="0"/>
+              </a:rPr>
+              <a:t> of comprehension and interaction.</a:t>
+            </a:r>
+            <a:endParaRPr lang="en-US" sz="1800" dirty="0">
+              <a:effectLst/>
+              <a:latin typeface="Times New Roman" panose="02020603050405020304" pitchFamily="18" charset="0"/>
+              <a:ea typeface="Times New Roman" panose="02020603050405020304" pitchFamily="18" charset="0"/>
+            </a:endParaRPr>
+          </a:p>
+          <a:p>
+            <a:endParaRPr lang="en-US" dirty="0"/>
+          </a:p>
+        </p:txBody>
+      </p:sp>
+    </p:spTree>
+    <p:extLst>
+      <p:ext uri="{BB962C8B-B14F-4D97-AF65-F5344CB8AC3E}">
+        <p14:creationId xmlns:p14="http://schemas.microsoft.com/office/powerpoint/2010/main" val="1396155467"/>
+      </p:ext>
+    </p:extLst>
+  </p:cSld>
+  <p:clrMapOvr>
+    <a:masterClrMapping/>
+  </p:clrMapOvr>
+</p:sld>
+</file>
+
 <file path=ppt/slides/slide4.xml><?xml version="1.0" encoding="utf-8"?>
 <p:sld xmlns:a="http://schemas.openxmlformats.org/drawingml/2006/main" xmlns:r="http://schemas.openxmlformats.org/officeDocument/2006/relationships" xmlns:p="http://schemas.openxmlformats.org/presentationml/2006/main">
   <p:cSld>
@@ -24395,6 +24795,1159 @@
     <p:extLst>
       <p:ext uri="{BB962C8B-B14F-4D97-AF65-F5344CB8AC3E}">
         <p14:creationId xmlns:p14="http://schemas.microsoft.com/office/powerpoint/2010/main" val="3620666713"/>
+      </p:ext>
+    </p:extLst>
+  </p:cSld>
+  <p:clrMapOvr>
+    <a:masterClrMapping/>
+  </p:clrMapOvr>
+</p:sld>
+</file>
+
+<file path=ppt/slides/slide40.xml><?xml version="1.0" encoding="utf-8"?>
+<p:sld xmlns:a="http://schemas.openxmlformats.org/drawingml/2006/main" xmlns:r="http://schemas.openxmlformats.org/officeDocument/2006/relationships" xmlns:p="http://schemas.openxmlformats.org/presentationml/2006/main">
+  <p:cSld>
+    <p:spTree>
+      <p:nvGrpSpPr>
+        <p:cNvPr id="1" name=""/>
+        <p:cNvGrpSpPr/>
+        <p:nvPr/>
+      </p:nvGrpSpPr>
+      <p:grpSpPr>
+        <a:xfrm>
+          <a:off x="0" y="0"/>
+          <a:ext cx="0" cy="0"/>
+          <a:chOff x="0" y="0"/>
+          <a:chExt cx="0" cy="0"/>
+        </a:xfrm>
+      </p:grpSpPr>
+      <p:sp>
+        <p:nvSpPr>
+          <p:cNvPr id="2" name="Title 1">
+            <a:extLst>
+              <a:ext uri="{FF2B5EF4-FFF2-40B4-BE49-F238E27FC236}">
+                <a16:creationId xmlns:a16="http://schemas.microsoft.com/office/drawing/2014/main" id="{C6E0283C-DA29-730B-AF9A-77A8E6902D74}"/>
+              </a:ext>
+            </a:extLst>
+          </p:cNvPr>
+          <p:cNvSpPr>
+            <a:spLocks noGrp="1"/>
+          </p:cNvSpPr>
+          <p:nvPr>
+            <p:ph type="title"/>
+          </p:nvPr>
+        </p:nvSpPr>
+        <p:spPr/>
+        <p:txBody>
+          <a:bodyPr/>
+          <a:lstStyle/>
+          <a:p>
+            <a:r>
+              <a:rPr lang="en-US" dirty="0"/>
+              <a:t>ELIZA Example Conversation</a:t>
+            </a:r>
+          </a:p>
+        </p:txBody>
+      </p:sp>
+      <p:sp>
+        <p:nvSpPr>
+          <p:cNvPr id="3" name="Content Placeholder 2">
+            <a:extLst>
+              <a:ext uri="{FF2B5EF4-FFF2-40B4-BE49-F238E27FC236}">
+                <a16:creationId xmlns:a16="http://schemas.microsoft.com/office/drawing/2014/main" id="{7728B2E0-9F6F-EDA2-FE5E-8BA1DF41B57A}"/>
+              </a:ext>
+            </a:extLst>
+          </p:cNvPr>
+          <p:cNvSpPr>
+            <a:spLocks noGrp="1"/>
+          </p:cNvSpPr>
+          <p:nvPr>
+            <p:ph idx="1"/>
+          </p:nvPr>
+        </p:nvSpPr>
+        <p:spPr/>
+        <p:txBody>
+          <a:bodyPr/>
+          <a:lstStyle/>
+          <a:p>
+            <a:pPr algn="l"/>
+            <a:r>
+              <a:rPr lang="en-US" b="0" i="0" u="none" strike="noStrike" dirty="0">
+                <a:solidFill>
+                  <a:srgbClr val="800000"/>
+                </a:solidFill>
+                <a:effectLst/>
+                <a:latin typeface="PT Serif" panose="020A0603040505020204" pitchFamily="18" charset="77"/>
+              </a:rPr>
+              <a:t>ELIZA: Hi. What seems to be your problem ?  </a:t>
+            </a:r>
+            <a:endParaRPr lang="en-US" b="0" i="0" u="none" strike="noStrike" dirty="0">
+              <a:solidFill>
+                <a:srgbClr val="000000"/>
+              </a:solidFill>
+              <a:effectLst/>
+              <a:latin typeface="PT Serif" panose="020A0603040505020204" pitchFamily="18" charset="77"/>
+            </a:endParaRPr>
+          </a:p>
+          <a:p>
+            <a:pPr algn="l"/>
+            <a:r>
+              <a:rPr lang="en-US" b="0" i="0" u="none" strike="noStrike" dirty="0">
+                <a:solidFill>
+                  <a:srgbClr val="000000"/>
+                </a:solidFill>
+                <a:effectLst/>
+                <a:latin typeface="PT Serif" panose="020A0603040505020204" pitchFamily="18" charset="77"/>
+              </a:rPr>
+              <a:t>ME:   Lately, I’ve been feeling a little depressed.</a:t>
+            </a:r>
+          </a:p>
+          <a:p>
+            <a:pPr algn="l"/>
+            <a:r>
+              <a:rPr lang="en-US" b="0" i="0" u="none" strike="noStrike" dirty="0">
+                <a:solidFill>
+                  <a:srgbClr val="800000"/>
+                </a:solidFill>
+                <a:effectLst/>
+                <a:latin typeface="PT Serif" panose="020A0603040505020204" pitchFamily="18" charset="77"/>
+              </a:rPr>
+              <a:t>ELIZA: And how do you feel right now ?      </a:t>
+            </a:r>
+            <a:endParaRPr lang="en-US" b="0" i="0" u="none" strike="noStrike" dirty="0">
+              <a:solidFill>
+                <a:srgbClr val="000000"/>
+              </a:solidFill>
+              <a:effectLst/>
+              <a:latin typeface="PT Serif" panose="020A0603040505020204" pitchFamily="18" charset="77"/>
+            </a:endParaRPr>
+          </a:p>
+          <a:p>
+            <a:pPr algn="l"/>
+            <a:r>
+              <a:rPr lang="en-US" b="0" i="0" u="none" strike="noStrike" dirty="0">
+                <a:solidFill>
+                  <a:srgbClr val="000000"/>
+                </a:solidFill>
+                <a:effectLst/>
+                <a:latin typeface="PT Serif" panose="020A0603040505020204" pitchFamily="18" charset="77"/>
+              </a:rPr>
+              <a:t>ME:   I feel sad, but relieved to be writing.</a:t>
+            </a:r>
+          </a:p>
+          <a:p>
+            <a:pPr algn="l"/>
+            <a:r>
+              <a:rPr lang="en-US" b="0" i="0" u="none" strike="noStrike" dirty="0">
+                <a:solidFill>
+                  <a:srgbClr val="800000"/>
+                </a:solidFill>
+                <a:effectLst/>
+                <a:latin typeface="PT Serif" panose="020A0603040505020204" pitchFamily="18" charset="77"/>
+              </a:rPr>
+              <a:t>ELIZA: Of what does feeling sad remind you ?   </a:t>
+            </a:r>
+            <a:endParaRPr lang="en-US" b="0" i="0" u="none" strike="noStrike" dirty="0">
+              <a:solidFill>
+                <a:srgbClr val="000000"/>
+              </a:solidFill>
+              <a:effectLst/>
+              <a:latin typeface="PT Serif" panose="020A0603040505020204" pitchFamily="18" charset="77"/>
+            </a:endParaRPr>
+          </a:p>
+          <a:p>
+            <a:pPr algn="l"/>
+            <a:r>
+              <a:rPr lang="en-US" b="0" i="0" u="none" strike="noStrike" dirty="0">
+                <a:solidFill>
+                  <a:srgbClr val="000000"/>
+                </a:solidFill>
+                <a:effectLst/>
+                <a:latin typeface="PT Serif" panose="020A0603040505020204" pitchFamily="18" charset="77"/>
+              </a:rPr>
+              <a:t>ME:   Well, I’m an alcoholic, and I’ve been sober for a long time, but I drank yesterday.  And then I decided to stop drinking again. But still; that makes me feel sad.</a:t>
+            </a:r>
+          </a:p>
+          <a:p>
+            <a:pPr algn="l"/>
+            <a:r>
+              <a:rPr lang="en-US" b="0" i="0" u="none" strike="noStrike" dirty="0">
+                <a:solidFill>
+                  <a:srgbClr val="800000"/>
+                </a:solidFill>
+                <a:effectLst/>
+                <a:latin typeface="PT Serif" panose="020A0603040505020204" pitchFamily="18" charset="77"/>
+              </a:rPr>
+              <a:t>ELIZA: Is it because you are an alcoholic that you came to me ?    </a:t>
+            </a:r>
+            <a:endParaRPr lang="en-US" b="0" i="0" u="none" strike="noStrike" dirty="0">
+              <a:solidFill>
+                <a:srgbClr val="000000"/>
+              </a:solidFill>
+              <a:effectLst/>
+              <a:latin typeface="PT Serif" panose="020A0603040505020204" pitchFamily="18" charset="77"/>
+            </a:endParaRPr>
+          </a:p>
+          <a:p>
+            <a:pPr algn="l"/>
+            <a:r>
+              <a:rPr lang="en-US" b="0" i="0" u="none" strike="noStrike" dirty="0">
+                <a:solidFill>
+                  <a:srgbClr val="000000"/>
+                </a:solidFill>
+                <a:effectLst/>
+                <a:latin typeface="PT Serif" panose="020A0603040505020204" pitchFamily="18" charset="77"/>
+              </a:rPr>
+              <a:t>ME:   I suppose that that’s one of the reasons.</a:t>
+            </a:r>
+          </a:p>
+          <a:p>
+            <a:pPr algn="l"/>
+            <a:r>
+              <a:rPr lang="en-US" b="0" i="0" u="none" strike="noStrike" dirty="0">
+                <a:solidFill>
+                  <a:srgbClr val="800000"/>
+                </a:solidFill>
+                <a:effectLst/>
+                <a:latin typeface="PT Serif" panose="020A0603040505020204" pitchFamily="18" charset="77"/>
+              </a:rPr>
+              <a:t>ELIZA: Can you elaborate on that ?  </a:t>
+            </a:r>
+            <a:endParaRPr lang="en-US" b="0" i="0" u="none" strike="noStrike" dirty="0">
+              <a:solidFill>
+                <a:srgbClr val="000000"/>
+              </a:solidFill>
+              <a:effectLst/>
+              <a:latin typeface="PT Serif" panose="020A0603040505020204" pitchFamily="18" charset="77"/>
+            </a:endParaRPr>
+          </a:p>
+        </p:txBody>
+      </p:sp>
+    </p:spTree>
+    <p:extLst>
+      <p:ext uri="{BB962C8B-B14F-4D97-AF65-F5344CB8AC3E}">
+        <p14:creationId xmlns:p14="http://schemas.microsoft.com/office/powerpoint/2010/main" val="1941804822"/>
+      </p:ext>
+    </p:extLst>
+  </p:cSld>
+  <p:clrMapOvr>
+    <a:masterClrMapping/>
+  </p:clrMapOvr>
+</p:sld>
+</file>
+
+<file path=ppt/slides/slide41.xml><?xml version="1.0" encoding="utf-8"?>
+<p:sld xmlns:a="http://schemas.openxmlformats.org/drawingml/2006/main" xmlns:r="http://schemas.openxmlformats.org/officeDocument/2006/relationships" xmlns:p="http://schemas.openxmlformats.org/presentationml/2006/main">
+  <p:cSld>
+    <p:spTree>
+      <p:nvGrpSpPr>
+        <p:cNvPr id="1" name=""/>
+        <p:cNvGrpSpPr/>
+        <p:nvPr/>
+      </p:nvGrpSpPr>
+      <p:grpSpPr>
+        <a:xfrm>
+          <a:off x="0" y="0"/>
+          <a:ext cx="0" cy="0"/>
+          <a:chOff x="0" y="0"/>
+          <a:chExt cx="0" cy="0"/>
+        </a:xfrm>
+      </p:grpSpPr>
+      <p:sp>
+        <p:nvSpPr>
+          <p:cNvPr id="2" name="Title 1">
+            <a:extLst>
+              <a:ext uri="{FF2B5EF4-FFF2-40B4-BE49-F238E27FC236}">
+                <a16:creationId xmlns:a16="http://schemas.microsoft.com/office/drawing/2014/main" id="{F5051BBE-835A-7215-9BA1-C5CBA90F9014}"/>
+              </a:ext>
+            </a:extLst>
+          </p:cNvPr>
+          <p:cNvSpPr>
+            <a:spLocks noGrp="1"/>
+          </p:cNvSpPr>
+          <p:nvPr>
+            <p:ph type="title"/>
+          </p:nvPr>
+        </p:nvSpPr>
+        <p:spPr/>
+        <p:txBody>
+          <a:bodyPr/>
+          <a:lstStyle/>
+          <a:p>
+            <a:r>
+              <a:rPr lang="en-US" dirty="0"/>
+              <a:t>Early Successes in AI</a:t>
+            </a:r>
+          </a:p>
+        </p:txBody>
+      </p:sp>
+      <p:sp>
+        <p:nvSpPr>
+          <p:cNvPr id="3" name="Content Placeholder 2">
+            <a:extLst>
+              <a:ext uri="{FF2B5EF4-FFF2-40B4-BE49-F238E27FC236}">
+                <a16:creationId xmlns:a16="http://schemas.microsoft.com/office/drawing/2014/main" id="{137326C9-6568-515E-0573-0E7B8E54BD1A}"/>
+              </a:ext>
+            </a:extLst>
+          </p:cNvPr>
+          <p:cNvSpPr>
+            <a:spLocks noGrp="1"/>
+          </p:cNvSpPr>
+          <p:nvPr>
+            <p:ph idx="1"/>
+          </p:nvPr>
+        </p:nvSpPr>
+        <p:spPr/>
+        <p:txBody>
+          <a:bodyPr>
+            <a:normAutofit/>
+          </a:bodyPr>
+          <a:lstStyle/>
+          <a:p>
+            <a:pPr marL="0" marR="0" indent="0">
+              <a:spcBef>
+                <a:spcPts val="0"/>
+              </a:spcBef>
+              <a:spcAft>
+                <a:spcPts val="0"/>
+              </a:spcAft>
+              <a:buNone/>
+            </a:pPr>
+            <a:r>
+              <a:rPr lang="en-US" sz="1800" b="1" i="1" dirty="0">
+                <a:solidFill>
+                  <a:srgbClr val="2F5496"/>
+                </a:solidFill>
+                <a:effectLst/>
+                <a:latin typeface="Segoe UI" panose="020B0502040204020203" pitchFamily="34" charset="0"/>
+                <a:ea typeface="Times New Roman" panose="02020603050405020304" pitchFamily="18" charset="0"/>
+                <a:cs typeface="Times New Roman" panose="02020603050405020304" pitchFamily="18" charset="0"/>
+              </a:rPr>
+              <a:t>Limitations:</a:t>
+            </a:r>
+          </a:p>
+          <a:p>
+            <a:pPr marL="0" marR="0">
+              <a:spcBef>
+                <a:spcPts val="0"/>
+              </a:spcBef>
+              <a:spcAft>
+                <a:spcPts val="0"/>
+              </a:spcAft>
+            </a:pPr>
+            <a:endParaRPr lang="en-US" sz="1800" b="1" dirty="0">
+              <a:solidFill>
+                <a:srgbClr val="2F5496"/>
+              </a:solidFill>
+              <a:effectLst/>
+              <a:latin typeface="Calibri Light" panose="020F0302020204030204" pitchFamily="34" charset="0"/>
+              <a:ea typeface="Times New Roman" panose="02020603050405020304" pitchFamily="18" charset="0"/>
+              <a:cs typeface="Times New Roman" panose="02020603050405020304" pitchFamily="18" charset="0"/>
+            </a:endParaRPr>
+          </a:p>
+          <a:p>
+            <a:pPr marL="342900" marR="0" lvl="0" indent="-342900">
+              <a:spcBef>
+                <a:spcPts val="0"/>
+              </a:spcBef>
+              <a:spcAft>
+                <a:spcPts val="0"/>
+              </a:spcAft>
+              <a:buSzPts val="1000"/>
+              <a:buFont typeface="Symbol" pitchFamily="2" charset="2"/>
+              <a:buChar char=""/>
+              <a:tabLst>
+                <a:tab pos="457200" algn="l"/>
+              </a:tabLst>
+            </a:pPr>
+            <a:r>
+              <a:rPr lang="en-US" sz="1800" b="1" dirty="0">
+                <a:effectLst/>
+                <a:latin typeface="Segoe UI" panose="020B0502040204020203" pitchFamily="34" charset="0"/>
+                <a:ea typeface="Times New Roman" panose="02020603050405020304" pitchFamily="18" charset="0"/>
+              </a:rPr>
+              <a:t>Lack of Genuine Understanding:</a:t>
+            </a:r>
+            <a:r>
+              <a:rPr lang="en-US" sz="1800" dirty="0">
+                <a:effectLst/>
+                <a:latin typeface="Segoe UI" panose="020B0502040204020203" pitchFamily="34" charset="0"/>
+                <a:ea typeface="Times New Roman" panose="02020603050405020304" pitchFamily="18" charset="0"/>
+              </a:rPr>
+              <a:t> ELIZA </a:t>
+            </a:r>
+            <a:r>
+              <a:rPr lang="en-US" sz="1800" dirty="0">
+                <a:solidFill>
+                  <a:srgbClr val="FF0000"/>
+                </a:solidFill>
+                <a:effectLst/>
+                <a:latin typeface="Segoe UI" panose="020B0502040204020203" pitchFamily="34" charset="0"/>
+                <a:ea typeface="Times New Roman" panose="02020603050405020304" pitchFamily="18" charset="0"/>
+              </a:rPr>
+              <a:t>did not understand language or context </a:t>
+            </a:r>
+            <a:r>
+              <a:rPr lang="en-US" sz="1800" dirty="0">
+                <a:effectLst/>
+                <a:latin typeface="Segoe UI" panose="020B0502040204020203" pitchFamily="34" charset="0"/>
+                <a:ea typeface="Times New Roman" panose="02020603050405020304" pitchFamily="18" charset="0"/>
+              </a:rPr>
+              <a:t>in a genuine sense. It operated through </a:t>
+            </a:r>
+            <a:r>
+              <a:rPr lang="en-US" sz="1800" dirty="0">
+                <a:solidFill>
+                  <a:srgbClr val="00B050"/>
+                </a:solidFill>
+                <a:effectLst/>
+                <a:latin typeface="Segoe UI" panose="020B0502040204020203" pitchFamily="34" charset="0"/>
+                <a:ea typeface="Times New Roman" panose="02020603050405020304" pitchFamily="18" charset="0"/>
+              </a:rPr>
+              <a:t>pattern matching and substitution methodology </a:t>
+            </a:r>
+            <a:r>
+              <a:rPr lang="en-US" sz="1800" dirty="0">
+                <a:effectLst/>
+                <a:latin typeface="Segoe UI" panose="020B0502040204020203" pitchFamily="34" charset="0"/>
+                <a:ea typeface="Times New Roman" panose="02020603050405020304" pitchFamily="18" charset="0"/>
+              </a:rPr>
+              <a:t>without grasping the semantic or emotional underpinnings of a conversation.</a:t>
+            </a:r>
+          </a:p>
+          <a:p>
+            <a:pPr marL="342900" marR="0" lvl="0" indent="-342900">
+              <a:spcBef>
+                <a:spcPts val="0"/>
+              </a:spcBef>
+              <a:spcAft>
+                <a:spcPts val="0"/>
+              </a:spcAft>
+              <a:buSzPts val="1000"/>
+              <a:buFont typeface="Symbol" pitchFamily="2" charset="2"/>
+              <a:buChar char=""/>
+              <a:tabLst>
+                <a:tab pos="457200" algn="l"/>
+              </a:tabLst>
+            </a:pPr>
+            <a:endParaRPr lang="en-US" sz="1800" dirty="0">
+              <a:effectLst/>
+              <a:latin typeface="Times New Roman" panose="02020603050405020304" pitchFamily="18" charset="0"/>
+              <a:ea typeface="Times New Roman" panose="02020603050405020304" pitchFamily="18" charset="0"/>
+            </a:endParaRPr>
+          </a:p>
+          <a:p>
+            <a:pPr marL="342900" marR="0" lvl="0" indent="-342900">
+              <a:spcBef>
+                <a:spcPts val="0"/>
+              </a:spcBef>
+              <a:spcAft>
+                <a:spcPts val="0"/>
+              </a:spcAft>
+              <a:buSzPts val="1000"/>
+              <a:buFont typeface="Symbol" pitchFamily="2" charset="2"/>
+              <a:buChar char=""/>
+              <a:tabLst>
+                <a:tab pos="457200" algn="l"/>
+              </a:tabLst>
+            </a:pPr>
+            <a:r>
+              <a:rPr lang="en-US" sz="1800" b="1" dirty="0">
+                <a:effectLst/>
+                <a:latin typeface="Segoe UI" panose="020B0502040204020203" pitchFamily="34" charset="0"/>
+                <a:ea typeface="Times New Roman" panose="02020603050405020304" pitchFamily="18" charset="0"/>
+              </a:rPr>
+              <a:t>Limited Conversational Depth:</a:t>
+            </a:r>
+            <a:r>
+              <a:rPr lang="en-US" sz="1800" dirty="0">
+                <a:effectLst/>
+                <a:latin typeface="Segoe UI" panose="020B0502040204020203" pitchFamily="34" charset="0"/>
+                <a:ea typeface="Times New Roman" panose="02020603050405020304" pitchFamily="18" charset="0"/>
+              </a:rPr>
+              <a:t> While it could mimic conversational interaction, </a:t>
+            </a:r>
+            <a:r>
+              <a:rPr lang="en-US" sz="1800" dirty="0">
+                <a:solidFill>
+                  <a:srgbClr val="FF0000"/>
+                </a:solidFill>
+                <a:effectLst/>
+                <a:latin typeface="Segoe UI" panose="020B0502040204020203" pitchFamily="34" charset="0"/>
+                <a:ea typeface="Times New Roman" panose="02020603050405020304" pitchFamily="18" charset="0"/>
+              </a:rPr>
+              <a:t>ELIZA lacked depth in managing prolonged or intricate dialogues,</a:t>
+            </a:r>
+            <a:r>
+              <a:rPr lang="en-US" sz="1800" dirty="0">
+                <a:effectLst/>
+                <a:latin typeface="Segoe UI" panose="020B0502040204020203" pitchFamily="34" charset="0"/>
+                <a:ea typeface="Times New Roman" panose="02020603050405020304" pitchFamily="18" charset="0"/>
+              </a:rPr>
+              <a:t> particularly when user inputs deviated from anticipated patterns.</a:t>
+            </a:r>
+            <a:endParaRPr lang="en-US" sz="1800" dirty="0">
+              <a:effectLst/>
+              <a:latin typeface="Times New Roman" panose="02020603050405020304" pitchFamily="18" charset="0"/>
+              <a:ea typeface="Times New Roman" panose="02020603050405020304" pitchFamily="18" charset="0"/>
+            </a:endParaRPr>
+          </a:p>
+          <a:p>
+            <a:pPr marL="0" marR="0" indent="0">
+              <a:spcBef>
+                <a:spcPts val="0"/>
+              </a:spcBef>
+              <a:spcAft>
+                <a:spcPts val="0"/>
+              </a:spcAft>
+              <a:buNone/>
+            </a:pPr>
+            <a:endParaRPr lang="en-US" sz="1800" b="1" i="1" dirty="0">
+              <a:solidFill>
+                <a:srgbClr val="2F5496"/>
+              </a:solidFill>
+              <a:effectLst/>
+              <a:latin typeface="Segoe UI" panose="020B0502040204020203" pitchFamily="34" charset="0"/>
+              <a:ea typeface="Times New Roman" panose="02020603050405020304" pitchFamily="18" charset="0"/>
+              <a:cs typeface="Times New Roman" panose="02020603050405020304" pitchFamily="18" charset="0"/>
+            </a:endParaRPr>
+          </a:p>
+          <a:p>
+            <a:pPr marL="0" marR="0">
+              <a:spcBef>
+                <a:spcPts val="0"/>
+              </a:spcBef>
+              <a:spcAft>
+                <a:spcPts val="0"/>
+              </a:spcAft>
+            </a:pPr>
+            <a:endParaRPr lang="en-US" sz="1800" b="1" dirty="0">
+              <a:solidFill>
+                <a:srgbClr val="2F5496"/>
+              </a:solidFill>
+              <a:effectLst/>
+              <a:latin typeface="Calibri Light" panose="020F0302020204030204" pitchFamily="34" charset="0"/>
+              <a:ea typeface="Times New Roman" panose="02020603050405020304" pitchFamily="18" charset="0"/>
+              <a:cs typeface="Times New Roman" panose="02020603050405020304" pitchFamily="18" charset="0"/>
+            </a:endParaRPr>
+          </a:p>
+          <a:p>
+            <a:pPr marL="0" indent="0">
+              <a:buNone/>
+            </a:pPr>
+            <a:endParaRPr lang="en-US" dirty="0"/>
+          </a:p>
+        </p:txBody>
+      </p:sp>
+    </p:spTree>
+    <p:extLst>
+      <p:ext uri="{BB962C8B-B14F-4D97-AF65-F5344CB8AC3E}">
+        <p14:creationId xmlns:p14="http://schemas.microsoft.com/office/powerpoint/2010/main" val="3476009960"/>
+      </p:ext>
+    </p:extLst>
+  </p:cSld>
+  <p:clrMapOvr>
+    <a:masterClrMapping/>
+  </p:clrMapOvr>
+</p:sld>
+</file>
+
+<file path=ppt/slides/slide42.xml><?xml version="1.0" encoding="utf-8"?>
+<p:sld xmlns:a="http://schemas.openxmlformats.org/drawingml/2006/main" xmlns:r="http://schemas.openxmlformats.org/officeDocument/2006/relationships" xmlns:p="http://schemas.openxmlformats.org/presentationml/2006/main">
+  <p:cSld>
+    <p:spTree>
+      <p:nvGrpSpPr>
+        <p:cNvPr id="1" name=""/>
+        <p:cNvGrpSpPr/>
+        <p:nvPr/>
+      </p:nvGrpSpPr>
+      <p:grpSpPr>
+        <a:xfrm>
+          <a:off x="0" y="0"/>
+          <a:ext cx="0" cy="0"/>
+          <a:chOff x="0" y="0"/>
+          <a:chExt cx="0" cy="0"/>
+        </a:xfrm>
+      </p:grpSpPr>
+      <p:sp>
+        <p:nvSpPr>
+          <p:cNvPr id="2" name="Title 1">
+            <a:extLst>
+              <a:ext uri="{FF2B5EF4-FFF2-40B4-BE49-F238E27FC236}">
+                <a16:creationId xmlns:a16="http://schemas.microsoft.com/office/drawing/2014/main" id="{F5051BBE-835A-7215-9BA1-C5CBA90F9014}"/>
+              </a:ext>
+            </a:extLst>
+          </p:cNvPr>
+          <p:cNvSpPr>
+            <a:spLocks noGrp="1"/>
+          </p:cNvSpPr>
+          <p:nvPr>
+            <p:ph type="title"/>
+          </p:nvPr>
+        </p:nvSpPr>
+        <p:spPr/>
+        <p:txBody>
+          <a:bodyPr/>
+          <a:lstStyle/>
+          <a:p>
+            <a:r>
+              <a:rPr lang="en-US" dirty="0"/>
+              <a:t>Early Successes in AI</a:t>
+            </a:r>
+          </a:p>
+        </p:txBody>
+      </p:sp>
+      <p:sp>
+        <p:nvSpPr>
+          <p:cNvPr id="3" name="Content Placeholder 2">
+            <a:extLst>
+              <a:ext uri="{FF2B5EF4-FFF2-40B4-BE49-F238E27FC236}">
+                <a16:creationId xmlns:a16="http://schemas.microsoft.com/office/drawing/2014/main" id="{137326C9-6568-515E-0573-0E7B8E54BD1A}"/>
+              </a:ext>
+            </a:extLst>
+          </p:cNvPr>
+          <p:cNvSpPr>
+            <a:spLocks noGrp="1"/>
+          </p:cNvSpPr>
+          <p:nvPr>
+            <p:ph idx="1"/>
+          </p:nvPr>
+        </p:nvSpPr>
+        <p:spPr/>
+        <p:txBody>
+          <a:bodyPr/>
+          <a:lstStyle/>
+          <a:p>
+            <a:pPr marL="0" marR="0" indent="0">
+              <a:spcBef>
+                <a:spcPts val="0"/>
+              </a:spcBef>
+              <a:spcAft>
+                <a:spcPts val="0"/>
+              </a:spcAft>
+              <a:buNone/>
+            </a:pPr>
+            <a:r>
+              <a:rPr lang="en-US" sz="1800" b="1" i="1" dirty="0">
+                <a:solidFill>
+                  <a:srgbClr val="2F5496"/>
+                </a:solidFill>
+                <a:effectLst/>
+                <a:latin typeface="Segoe UI" panose="020B0502040204020203" pitchFamily="34" charset="0"/>
+                <a:ea typeface="Times New Roman" panose="02020603050405020304" pitchFamily="18" charset="0"/>
+                <a:cs typeface="Times New Roman" panose="02020603050405020304" pitchFamily="18" charset="0"/>
+              </a:rPr>
+              <a:t>Limitations:</a:t>
+            </a:r>
+          </a:p>
+          <a:p>
+            <a:pPr marL="0" marR="0" indent="0">
+              <a:spcBef>
+                <a:spcPts val="0"/>
+              </a:spcBef>
+              <a:spcAft>
+                <a:spcPts val="0"/>
+              </a:spcAft>
+              <a:buNone/>
+            </a:pPr>
+            <a:endParaRPr lang="en-US" sz="1800" b="1" dirty="0">
+              <a:solidFill>
+                <a:srgbClr val="2F5496"/>
+              </a:solidFill>
+              <a:effectLst/>
+              <a:latin typeface="Calibri Light" panose="020F0302020204030204" pitchFamily="34" charset="0"/>
+              <a:ea typeface="Times New Roman" panose="02020603050405020304" pitchFamily="18" charset="0"/>
+              <a:cs typeface="Times New Roman" panose="02020603050405020304" pitchFamily="18" charset="0"/>
+            </a:endParaRPr>
+          </a:p>
+          <a:p>
+            <a:r>
+              <a:rPr lang="en-US" b="0" i="0" u="none" strike="noStrike" dirty="0">
+                <a:solidFill>
+                  <a:srgbClr val="4C4E4D"/>
+                </a:solidFill>
+                <a:effectLst/>
+                <a:latin typeface="Balto"/>
+              </a:rPr>
+              <a:t>Ironically, though </a:t>
+            </a:r>
+            <a:r>
+              <a:rPr lang="en-US" b="0" i="0" u="none" strike="noStrike" dirty="0" err="1">
+                <a:solidFill>
+                  <a:srgbClr val="4C4E4D"/>
+                </a:solidFill>
+                <a:effectLst/>
+                <a:latin typeface="Balto"/>
+              </a:rPr>
+              <a:t>Weizenbaum</a:t>
+            </a:r>
+            <a:r>
+              <a:rPr lang="en-US" b="0" i="0" u="none" strike="noStrike" dirty="0">
+                <a:solidFill>
+                  <a:srgbClr val="4C4E4D"/>
+                </a:solidFill>
+                <a:effectLst/>
+                <a:latin typeface="Balto"/>
+              </a:rPr>
+              <a:t> had designed ELIZA to demonstrate how superficial the state of human-to-machine conversation was, it had the </a:t>
+            </a:r>
+            <a:r>
+              <a:rPr lang="en-US" b="1" i="0" dirty="0">
+                <a:solidFill>
+                  <a:srgbClr val="4F7177"/>
+                </a:solidFill>
+                <a:effectLst/>
+                <a:latin typeface="Balto"/>
+                <a:hlinkClick r:id="rId2"/>
+              </a:rPr>
+              <a:t>opposite effect</a:t>
+            </a:r>
+            <a:r>
+              <a:rPr lang="en-US" b="0" i="0" u="none" strike="noStrike" dirty="0">
+                <a:solidFill>
+                  <a:srgbClr val="4C4E4D"/>
+                </a:solidFill>
+                <a:effectLst/>
+                <a:latin typeface="Balto"/>
+              </a:rPr>
+              <a:t>. </a:t>
+            </a:r>
+          </a:p>
+          <a:p>
+            <a:endParaRPr lang="en-US" dirty="0">
+              <a:solidFill>
+                <a:srgbClr val="4C4E4D"/>
+              </a:solidFill>
+              <a:latin typeface="Balto"/>
+            </a:endParaRPr>
+          </a:p>
+          <a:p>
+            <a:r>
+              <a:rPr lang="en-US" b="0" i="0" u="none" strike="noStrike" dirty="0">
+                <a:solidFill>
+                  <a:srgbClr val="4C4E4D"/>
+                </a:solidFill>
+                <a:effectLst/>
+                <a:latin typeface="Balto"/>
+              </a:rPr>
+              <a:t>People were entranced, engaging in long, deep, and private conversations with a program that was only capable of reflecting users’ words back to them. </a:t>
+            </a:r>
+          </a:p>
+          <a:p>
+            <a:endParaRPr lang="en-US" dirty="0">
+              <a:solidFill>
+                <a:srgbClr val="4C4E4D"/>
+              </a:solidFill>
+              <a:latin typeface="Balto"/>
+            </a:endParaRPr>
+          </a:p>
+          <a:p>
+            <a:r>
+              <a:rPr lang="en-US" b="0" i="0" u="none" strike="noStrike" dirty="0" err="1">
+                <a:solidFill>
+                  <a:srgbClr val="4C4E4D"/>
+                </a:solidFill>
+                <a:effectLst/>
+                <a:latin typeface="Balto"/>
+              </a:rPr>
+              <a:t>Weizenbaum</a:t>
+            </a:r>
+            <a:r>
+              <a:rPr lang="en-US" b="0" i="0" u="none" strike="noStrike" dirty="0">
+                <a:solidFill>
+                  <a:srgbClr val="4C4E4D"/>
+                </a:solidFill>
+                <a:effectLst/>
+                <a:latin typeface="Balto"/>
+              </a:rPr>
+              <a:t> was so disturbed by the public response that he spent the </a:t>
+            </a:r>
+            <a:r>
+              <a:rPr lang="en-US" b="1" i="0" dirty="0">
+                <a:solidFill>
+                  <a:srgbClr val="4F7177"/>
+                </a:solidFill>
+                <a:effectLst/>
+                <a:latin typeface="Balto"/>
+                <a:hlinkClick r:id="rId3"/>
+              </a:rPr>
+              <a:t>rest of his life warning against</a:t>
+            </a:r>
+            <a:r>
+              <a:rPr lang="en-US" b="0" i="0" u="none" strike="noStrike" dirty="0">
+                <a:solidFill>
+                  <a:srgbClr val="4C4E4D"/>
+                </a:solidFill>
+                <a:effectLst/>
+                <a:latin typeface="Balto"/>
+              </a:rPr>
+              <a:t> the perils of letting computers — and, by extension, the field of AI he helped launch — play too large a role in society.</a:t>
+            </a:r>
+            <a:endParaRPr lang="en-US" dirty="0"/>
+          </a:p>
+        </p:txBody>
+      </p:sp>
+    </p:spTree>
+    <p:extLst>
+      <p:ext uri="{BB962C8B-B14F-4D97-AF65-F5344CB8AC3E}">
+        <p14:creationId xmlns:p14="http://schemas.microsoft.com/office/powerpoint/2010/main" val="3436267554"/>
+      </p:ext>
+    </p:extLst>
+  </p:cSld>
+  <p:clrMapOvr>
+    <a:masterClrMapping/>
+  </p:clrMapOvr>
+</p:sld>
+</file>
+
+<file path=ppt/slides/slide43.xml><?xml version="1.0" encoding="utf-8"?>
+<p:sld xmlns:a="http://schemas.openxmlformats.org/drawingml/2006/main" xmlns:r="http://schemas.openxmlformats.org/officeDocument/2006/relationships" xmlns:p="http://schemas.openxmlformats.org/presentationml/2006/main">
+  <p:cSld>
+    <p:spTree>
+      <p:nvGrpSpPr>
+        <p:cNvPr id="1" name=""/>
+        <p:cNvGrpSpPr/>
+        <p:nvPr/>
+      </p:nvGrpSpPr>
+      <p:grpSpPr>
+        <a:xfrm>
+          <a:off x="0" y="0"/>
+          <a:ext cx="0" cy="0"/>
+          <a:chOff x="0" y="0"/>
+          <a:chExt cx="0" cy="0"/>
+        </a:xfrm>
+      </p:grpSpPr>
+      <p:sp>
+        <p:nvSpPr>
+          <p:cNvPr id="2" name="Title 1">
+            <a:extLst>
+              <a:ext uri="{FF2B5EF4-FFF2-40B4-BE49-F238E27FC236}">
+                <a16:creationId xmlns:a16="http://schemas.microsoft.com/office/drawing/2014/main" id="{DCFFDD53-3C4B-D873-BDAB-167A9A7794E6}"/>
+              </a:ext>
+            </a:extLst>
+          </p:cNvPr>
+          <p:cNvSpPr>
+            <a:spLocks noGrp="1"/>
+          </p:cNvSpPr>
+          <p:nvPr>
+            <p:ph type="title"/>
+          </p:nvPr>
+        </p:nvSpPr>
+        <p:spPr/>
+        <p:txBody>
+          <a:bodyPr/>
+          <a:lstStyle/>
+          <a:p>
+            <a:r>
+              <a:rPr lang="en-US" dirty="0"/>
+              <a:t>Impact of Logic Theorist and ELIZA</a:t>
+            </a:r>
+          </a:p>
+        </p:txBody>
+      </p:sp>
+      <p:sp>
+        <p:nvSpPr>
+          <p:cNvPr id="3" name="Content Placeholder 2">
+            <a:extLst>
+              <a:ext uri="{FF2B5EF4-FFF2-40B4-BE49-F238E27FC236}">
+                <a16:creationId xmlns:a16="http://schemas.microsoft.com/office/drawing/2014/main" id="{0780F413-4FD5-5188-6EF1-B23641E483AA}"/>
+              </a:ext>
+            </a:extLst>
+          </p:cNvPr>
+          <p:cNvSpPr>
+            <a:spLocks noGrp="1"/>
+          </p:cNvSpPr>
+          <p:nvPr>
+            <p:ph idx="1"/>
+          </p:nvPr>
+        </p:nvSpPr>
+        <p:spPr/>
+        <p:txBody>
+          <a:bodyPr>
+            <a:normAutofit lnSpcReduction="10000"/>
+          </a:bodyPr>
+          <a:lstStyle/>
+          <a:p>
+            <a:pPr marL="0" marR="0" indent="0">
+              <a:spcBef>
+                <a:spcPts val="200"/>
+              </a:spcBef>
+              <a:spcAft>
+                <a:spcPts val="0"/>
+              </a:spcAft>
+              <a:buNone/>
+            </a:pPr>
+            <a:r>
+              <a:rPr lang="en-US" sz="1800" b="0" i="1" dirty="0">
+                <a:solidFill>
+                  <a:srgbClr val="2F5496"/>
+                </a:solidFill>
+                <a:effectLst/>
+                <a:latin typeface="Segoe UI" panose="020B0502040204020203" pitchFamily="34" charset="0"/>
+                <a:ea typeface="Times New Roman" panose="02020603050405020304" pitchFamily="18" charset="0"/>
+                <a:cs typeface="Times New Roman" panose="02020603050405020304" pitchFamily="18" charset="0"/>
+              </a:rPr>
+              <a:t>Significance and Impact:</a:t>
+            </a:r>
+          </a:p>
+          <a:p>
+            <a:pPr marL="0" marR="0">
+              <a:spcBef>
+                <a:spcPts val="200"/>
+              </a:spcBef>
+              <a:spcAft>
+                <a:spcPts val="0"/>
+              </a:spcAft>
+            </a:pPr>
+            <a:endParaRPr lang="en-US" sz="1800" b="1" i="1" dirty="0">
+              <a:solidFill>
+                <a:srgbClr val="2F5496"/>
+              </a:solidFill>
+              <a:effectLst/>
+              <a:latin typeface="Calibri Light" panose="020F0302020204030204" pitchFamily="34" charset="0"/>
+              <a:ea typeface="Times New Roman" panose="02020603050405020304" pitchFamily="18" charset="0"/>
+              <a:cs typeface="Times New Roman" panose="02020603050405020304" pitchFamily="18" charset="0"/>
+            </a:endParaRPr>
+          </a:p>
+          <a:p>
+            <a:pPr marL="342900" marR="0" lvl="0" indent="-342900">
+              <a:spcBef>
+                <a:spcPts val="0"/>
+              </a:spcBef>
+              <a:spcAft>
+                <a:spcPts val="0"/>
+              </a:spcAft>
+              <a:buSzPts val="1000"/>
+              <a:buFont typeface="Symbol" pitchFamily="2" charset="2"/>
+              <a:buChar char=""/>
+              <a:tabLst>
+                <a:tab pos="457200" algn="l"/>
+              </a:tabLst>
+            </a:pPr>
+            <a:r>
+              <a:rPr lang="en-US" sz="1800" b="1" dirty="0">
+                <a:effectLst/>
+                <a:latin typeface="Segoe UI" panose="020B0502040204020203" pitchFamily="34" charset="0"/>
+                <a:ea typeface="Times New Roman" panose="02020603050405020304" pitchFamily="18" charset="0"/>
+              </a:rPr>
+              <a:t>Pioneering Efforts:</a:t>
+            </a:r>
+            <a:r>
+              <a:rPr lang="en-US" sz="1800" dirty="0">
+                <a:effectLst/>
+                <a:latin typeface="Segoe UI" panose="020B0502040204020203" pitchFamily="34" charset="0"/>
+                <a:ea typeface="Times New Roman" panose="02020603050405020304" pitchFamily="18" charset="0"/>
+              </a:rPr>
+              <a:t> Both the Logic Theorist and ELIZA represented pioneering efforts in AI, exploring the realms of </a:t>
+            </a:r>
+            <a:r>
+              <a:rPr lang="en-US" sz="1800" dirty="0">
+                <a:solidFill>
+                  <a:srgbClr val="FF0000"/>
+                </a:solidFill>
+                <a:effectLst/>
+                <a:latin typeface="Segoe UI" panose="020B0502040204020203" pitchFamily="34" charset="0"/>
+                <a:ea typeface="Times New Roman" panose="02020603050405020304" pitchFamily="18" charset="0"/>
+              </a:rPr>
+              <a:t>problem-solving, learning, and conversational interaction</a:t>
+            </a:r>
+            <a:r>
+              <a:rPr lang="en-US" sz="1800" dirty="0">
+                <a:effectLst/>
+                <a:latin typeface="Segoe UI" panose="020B0502040204020203" pitchFamily="34" charset="0"/>
+                <a:ea typeface="Times New Roman" panose="02020603050405020304" pitchFamily="18" charset="0"/>
+              </a:rPr>
+              <a:t> through computational models.</a:t>
+            </a:r>
+          </a:p>
+          <a:p>
+            <a:pPr marL="0" marR="0" lvl="0" indent="0">
+              <a:spcBef>
+                <a:spcPts val="0"/>
+              </a:spcBef>
+              <a:spcAft>
+                <a:spcPts val="0"/>
+              </a:spcAft>
+              <a:buSzPts val="1000"/>
+              <a:buNone/>
+              <a:tabLst>
+                <a:tab pos="457200" algn="l"/>
+              </a:tabLst>
+            </a:pPr>
+            <a:endParaRPr lang="en-US" sz="1800" dirty="0">
+              <a:effectLst/>
+              <a:latin typeface="Times New Roman" panose="02020603050405020304" pitchFamily="18" charset="0"/>
+              <a:ea typeface="Times New Roman" panose="02020603050405020304" pitchFamily="18" charset="0"/>
+            </a:endParaRPr>
+          </a:p>
+          <a:p>
+            <a:pPr marL="342900" marR="0" lvl="0" indent="-342900">
+              <a:spcBef>
+                <a:spcPts val="0"/>
+              </a:spcBef>
+              <a:spcAft>
+                <a:spcPts val="0"/>
+              </a:spcAft>
+              <a:buSzPts val="1000"/>
+              <a:buFont typeface="Symbol" pitchFamily="2" charset="2"/>
+              <a:buChar char=""/>
+              <a:tabLst>
+                <a:tab pos="457200" algn="l"/>
+              </a:tabLst>
+            </a:pPr>
+            <a:r>
+              <a:rPr lang="en-US" sz="1800" b="1" dirty="0">
+                <a:effectLst/>
+                <a:latin typeface="Segoe UI" panose="020B0502040204020203" pitchFamily="34" charset="0"/>
+                <a:ea typeface="Times New Roman" panose="02020603050405020304" pitchFamily="18" charset="0"/>
+              </a:rPr>
+              <a:t>Insights into Possibilities and Challenges:</a:t>
+            </a:r>
+            <a:r>
+              <a:rPr lang="en-US" sz="1800" dirty="0">
+                <a:effectLst/>
+                <a:latin typeface="Segoe UI" panose="020B0502040204020203" pitchFamily="34" charset="0"/>
+                <a:ea typeface="Times New Roman" panose="02020603050405020304" pitchFamily="18" charset="0"/>
+              </a:rPr>
+              <a:t> They illuminated the </a:t>
+            </a:r>
+            <a:r>
+              <a:rPr lang="en-US" sz="1800" dirty="0">
+                <a:solidFill>
+                  <a:srgbClr val="FF0000"/>
+                </a:solidFill>
+                <a:effectLst/>
+                <a:latin typeface="Segoe UI" panose="020B0502040204020203" pitchFamily="34" charset="0"/>
+                <a:ea typeface="Times New Roman" panose="02020603050405020304" pitchFamily="18" charset="0"/>
+              </a:rPr>
+              <a:t>possibilities</a:t>
+            </a:r>
+            <a:r>
+              <a:rPr lang="en-US" sz="1800" dirty="0">
+                <a:effectLst/>
+                <a:latin typeface="Segoe UI" panose="020B0502040204020203" pitchFamily="34" charset="0"/>
+                <a:ea typeface="Times New Roman" panose="02020603050405020304" pitchFamily="18" charset="0"/>
+              </a:rPr>
+              <a:t> of machines engaging in intelligent behaviors (theorem proving, conversational interaction) while simultaneously </a:t>
+            </a:r>
+            <a:r>
+              <a:rPr lang="en-US" sz="1800" dirty="0">
+                <a:solidFill>
+                  <a:srgbClr val="FF0000"/>
+                </a:solidFill>
+                <a:effectLst/>
+                <a:latin typeface="Segoe UI" panose="020B0502040204020203" pitchFamily="34" charset="0"/>
+                <a:ea typeface="Times New Roman" panose="02020603050405020304" pitchFamily="18" charset="0"/>
+              </a:rPr>
+              <a:t>highlighting the intrinsic challenges </a:t>
+            </a:r>
+            <a:r>
+              <a:rPr lang="en-US" sz="1800" dirty="0">
+                <a:effectLst/>
+                <a:latin typeface="Segoe UI" panose="020B0502040204020203" pitchFamily="34" charset="0"/>
+                <a:ea typeface="Times New Roman" panose="02020603050405020304" pitchFamily="18" charset="0"/>
+              </a:rPr>
+              <a:t>(genuine understanding, domain generalization).</a:t>
+            </a:r>
+          </a:p>
+          <a:p>
+            <a:pPr marL="342900" marR="0" lvl="0" indent="-342900">
+              <a:spcBef>
+                <a:spcPts val="0"/>
+              </a:spcBef>
+              <a:spcAft>
+                <a:spcPts val="0"/>
+              </a:spcAft>
+              <a:buSzPts val="1000"/>
+              <a:buFont typeface="Symbol" pitchFamily="2" charset="2"/>
+              <a:buChar char=""/>
+              <a:tabLst>
+                <a:tab pos="457200" algn="l"/>
+              </a:tabLst>
+            </a:pPr>
+            <a:endParaRPr lang="en-US" dirty="0">
+              <a:latin typeface="Segoe UI" panose="020B0502040204020203" pitchFamily="34" charset="0"/>
+              <a:ea typeface="Times New Roman" panose="02020603050405020304" pitchFamily="18" charset="0"/>
+            </a:endParaRPr>
+          </a:p>
+          <a:p>
+            <a:pPr marL="342900" indent="-342900">
+              <a:spcBef>
+                <a:spcPts val="0"/>
+              </a:spcBef>
+              <a:buSzPts val="1000"/>
+              <a:buFont typeface="Symbol" pitchFamily="2" charset="2"/>
+              <a:buChar char=""/>
+              <a:tabLst>
+                <a:tab pos="457200" algn="l"/>
+              </a:tabLst>
+            </a:pPr>
+            <a:r>
+              <a:rPr lang="en-US" sz="1800" b="1" dirty="0">
+                <a:effectLst/>
+                <a:latin typeface="Segoe UI" panose="020B0502040204020203" pitchFamily="34" charset="0"/>
+                <a:ea typeface="Times New Roman" panose="02020603050405020304" pitchFamily="18" charset="0"/>
+              </a:rPr>
+              <a:t>Ethical and Social Considerations:</a:t>
+            </a:r>
+            <a:r>
+              <a:rPr lang="en-US" sz="1800" dirty="0">
+                <a:effectLst/>
+                <a:latin typeface="Segoe UI" panose="020B0502040204020203" pitchFamily="34" charset="0"/>
+                <a:ea typeface="Times New Roman" panose="02020603050405020304" pitchFamily="18" charset="0"/>
+              </a:rPr>
+              <a:t> Particularly in the case of ELIZA, questions about the </a:t>
+            </a:r>
+            <a:r>
+              <a:rPr lang="en-US" sz="1800" dirty="0">
+                <a:solidFill>
+                  <a:srgbClr val="FF0000"/>
+                </a:solidFill>
+                <a:effectLst/>
+                <a:latin typeface="Segoe UI" panose="020B0502040204020203" pitchFamily="34" charset="0"/>
+                <a:ea typeface="Times New Roman" panose="02020603050405020304" pitchFamily="18" charset="0"/>
+              </a:rPr>
+              <a:t>social and psychological impacts of AI </a:t>
+            </a:r>
+            <a:r>
+              <a:rPr lang="en-US" sz="1800" dirty="0">
+                <a:effectLst/>
+                <a:latin typeface="Segoe UI" panose="020B0502040204020203" pitchFamily="34" charset="0"/>
+                <a:ea typeface="Times New Roman" panose="02020603050405020304" pitchFamily="18" charset="0"/>
+              </a:rPr>
+              <a:t>began to surface, touching upon issues related to </a:t>
+            </a:r>
+            <a:r>
+              <a:rPr lang="en-US" sz="1800" dirty="0">
+                <a:solidFill>
+                  <a:srgbClr val="00B050"/>
+                </a:solidFill>
+                <a:effectLst/>
+                <a:latin typeface="Segoe UI" panose="020B0502040204020203" pitchFamily="34" charset="0"/>
+                <a:ea typeface="Times New Roman" panose="02020603050405020304" pitchFamily="18" charset="0"/>
+              </a:rPr>
+              <a:t>empathy, deception, and emotional engagement</a:t>
+            </a:r>
+            <a:r>
+              <a:rPr lang="en-US" sz="1800" dirty="0">
+                <a:effectLst/>
+                <a:latin typeface="Segoe UI" panose="020B0502040204020203" pitchFamily="34" charset="0"/>
+                <a:ea typeface="Times New Roman" panose="02020603050405020304" pitchFamily="18" charset="0"/>
+              </a:rPr>
+              <a:t>.</a:t>
+            </a:r>
+            <a:endParaRPr lang="en-US" sz="1800" dirty="0">
+              <a:effectLst/>
+              <a:latin typeface="Times New Roman" panose="02020603050405020304" pitchFamily="18" charset="0"/>
+              <a:ea typeface="Times New Roman" panose="02020603050405020304" pitchFamily="18" charset="0"/>
+            </a:endParaRPr>
+          </a:p>
+        </p:txBody>
+      </p:sp>
+    </p:spTree>
+    <p:extLst>
+      <p:ext uri="{BB962C8B-B14F-4D97-AF65-F5344CB8AC3E}">
+        <p14:creationId xmlns:p14="http://schemas.microsoft.com/office/powerpoint/2010/main" val="766563547"/>
       </p:ext>
     </p:extLst>
   </p:cSld>

--- a/JupyterNotebooks/LLS/Lecture3.pptx
+++ b/JupyterNotebooks/LLS/Lecture3.pptx
@@ -5,7 +5,7 @@
     <p:sldMasterId id="2147483660" r:id="rId1"/>
   </p:sldMasterIdLst>
   <p:notesMasterIdLst>
-    <p:notesMasterId r:id="rId45"/>
+    <p:notesMasterId r:id="rId32"/>
   </p:notesMasterIdLst>
   <p:sldIdLst>
     <p:sldId id="256" r:id="rId2"/>
@@ -38,19 +38,6 @@
     <p:sldId id="331" r:id="rId29"/>
     <p:sldId id="334" r:id="rId30"/>
     <p:sldId id="335" r:id="rId31"/>
-    <p:sldId id="336" r:id="rId32"/>
-    <p:sldId id="340" r:id="rId33"/>
-    <p:sldId id="338" r:id="rId34"/>
-    <p:sldId id="339" r:id="rId35"/>
-    <p:sldId id="337" r:id="rId36"/>
-    <p:sldId id="341" r:id="rId37"/>
-    <p:sldId id="342" r:id="rId38"/>
-    <p:sldId id="343" r:id="rId39"/>
-    <p:sldId id="346" r:id="rId40"/>
-    <p:sldId id="349" r:id="rId41"/>
-    <p:sldId id="350" r:id="rId42"/>
-    <p:sldId id="347" r:id="rId43"/>
-    <p:sldId id="348" r:id="rId44"/>
   </p:sldIdLst>
   <p:sldSz cx="12192000" cy="6858000"/>
   <p:notesSz cx="6858000" cy="9144000"/>
@@ -3502,7 +3489,7 @@
           <a:p>
             <a:fld id="{4E9467BC-F030-794F-8F81-C00FF4D1EED8}" type="datetimeFigureOut">
               <a:rPr lang="en-US" smtClean="0"/>
-              <a:t>10/31/23</a:t>
+              <a:t>11/6/23</a:t>
             </a:fld>
             <a:endParaRPr lang="en-US"/>
           </a:p>
@@ -4406,7 +4393,7 @@
           <a:p>
             <a:fld id="{EA0C0817-A112-4847-8014-A94B7D2A4EA3}" type="datetime1">
               <a:rPr lang="en-US" smtClean="0"/>
-              <a:t>10/31/23</a:t>
+              <a:t>11/6/23</a:t>
             </a:fld>
             <a:endParaRPr lang="en-US" dirty="0"/>
           </a:p>
@@ -4608,7 +4595,7 @@
           <a:p>
             <a:fld id="{134F40B7-36AB-4376-BE14-EF7004D79BB9}" type="datetime1">
               <a:rPr lang="en-US" smtClean="0"/>
-              <a:t>10/31/23</a:t>
+              <a:t>11/6/23</a:t>
             </a:fld>
             <a:endParaRPr lang="en-US"/>
           </a:p>
@@ -4788,7 +4775,7 @@
           <a:p>
             <a:fld id="{FF87CAB8-DCAE-46A5-AADA-B3FAD11A54E0}" type="datetime1">
               <a:rPr lang="en-US" smtClean="0"/>
-              <a:t>10/31/23</a:t>
+              <a:t>11/6/23</a:t>
             </a:fld>
             <a:endParaRPr lang="en-US"/>
           </a:p>
@@ -4958,7 +4945,7 @@
           <a:p>
             <a:fld id="{7332B432-ACDA-4023-A761-2BAB76577B62}" type="datetime1">
               <a:rPr lang="en-US" smtClean="0"/>
-              <a:t>10/31/23</a:t>
+              <a:t>11/6/23</a:t>
             </a:fld>
             <a:endParaRPr lang="en-US"/>
           </a:p>
@@ -5557,7 +5544,7 @@
           <a:p>
             <a:fld id="{D9C646AA-F36E-4540-911D-FFFC0A0EF24A}" type="datetime1">
               <a:rPr lang="en-US" smtClean="0"/>
-              <a:t>10/31/23</a:t>
+              <a:t>11/6/23</a:t>
             </a:fld>
             <a:endParaRPr lang="en-US" dirty="0"/>
           </a:p>
@@ -5877,7 +5864,7 @@
           <a:p>
             <a:fld id="{69186D26-FA5F-4637-B602-B7C2DC34CFD4}" type="datetime1">
               <a:rPr lang="en-US" smtClean="0"/>
-              <a:t>10/31/23</a:t>
+              <a:t>11/6/23</a:t>
             </a:fld>
             <a:endParaRPr lang="en-US"/>
           </a:p>
@@ -6312,7 +6299,7 @@
           <a:p>
             <a:fld id="{8A7F15D8-96D1-4781-BC50-CA8A088B2FE4}" type="datetime1">
               <a:rPr lang="en-US" smtClean="0"/>
-              <a:t>10/31/23</a:t>
+              <a:t>11/6/23</a:t>
             </a:fld>
             <a:endParaRPr lang="en-US"/>
           </a:p>
@@ -6430,7 +6417,7 @@
           <a:p>
             <a:fld id="{F9A96C99-B8F8-4528-BD05-0E16E943DC09}" type="datetime1">
               <a:rPr lang="en-US" smtClean="0"/>
-              <a:t>10/31/23</a:t>
+              <a:t>11/6/23</a:t>
             </a:fld>
             <a:endParaRPr lang="en-US"/>
           </a:p>
@@ -6525,7 +6512,7 @@
           <a:p>
             <a:fld id="{03636942-C211-4B28-8DBD-C953E00AF71B}" type="datetime1">
               <a:rPr lang="en-US" smtClean="0"/>
-              <a:t>10/31/23</a:t>
+              <a:t>11/6/23</a:t>
             </a:fld>
             <a:endParaRPr lang="en-US"/>
           </a:p>
@@ -6942,7 +6929,7 @@
           <a:p>
             <a:fld id="{7E8D12A6-918A-48BD-8CB9-CA713993B0EA}" type="datetime1">
               <a:rPr lang="en-US" smtClean="0"/>
-              <a:t>10/31/23</a:t>
+              <a:t>11/6/23</a:t>
             </a:fld>
             <a:endParaRPr lang="en-US"/>
           </a:p>
@@ -7204,7 +7191,7 @@
             <a:fld id="{E778CE86-875F-4587-BCF6-FA054AFC0D53}" type="datetime1">
               <a:rPr lang="en-US" smtClean="0"/>
               <a:pPr/>
-              <a:t>10/31/23</a:t>
+              <a:t>11/6/23</a:t>
             </a:fld>
             <a:endParaRPr lang="en-US" dirty="0"/>
           </a:p>
@@ -7720,7 +7707,7 @@
           <a:p>
             <a:fld id="{F6FA2B21-3FCD-4721-B95C-427943F61125}" type="datetime1">
               <a:rPr lang="en-US" smtClean="0"/>
-              <a:t>10/31/23</a:t>
+              <a:t>11/6/23</a:t>
             </a:fld>
             <a:endParaRPr lang="en-US"/>
           </a:p>
@@ -21294,3138 +21281,6 @@
 </p:sld>
 </file>
 
-<file path=ppt/slides/slide31.xml><?xml version="1.0" encoding="utf-8"?>
-<p:sld xmlns:a="http://schemas.openxmlformats.org/drawingml/2006/main" xmlns:r="http://schemas.openxmlformats.org/officeDocument/2006/relationships" xmlns:p="http://schemas.openxmlformats.org/presentationml/2006/main">
-  <p:cSld>
-    <p:spTree>
-      <p:nvGrpSpPr>
-        <p:cNvPr id="1" name=""/>
-        <p:cNvGrpSpPr/>
-        <p:nvPr/>
-      </p:nvGrpSpPr>
-      <p:grpSpPr>
-        <a:xfrm>
-          <a:off x="0" y="0"/>
-          <a:ext cx="0" cy="0"/>
-          <a:chOff x="0" y="0"/>
-          <a:chExt cx="0" cy="0"/>
-        </a:xfrm>
-      </p:grpSpPr>
-      <p:sp>
-        <p:nvSpPr>
-          <p:cNvPr id="2" name="Title 1">
-            <a:extLst>
-              <a:ext uri="{FF2B5EF4-FFF2-40B4-BE49-F238E27FC236}">
-                <a16:creationId xmlns:a16="http://schemas.microsoft.com/office/drawing/2014/main" id="{CA2F323A-1DDF-7673-BE0A-20FA4C1F8D67}"/>
-              </a:ext>
-            </a:extLst>
-          </p:cNvPr>
-          <p:cNvSpPr>
-            <a:spLocks noGrp="1"/>
-          </p:cNvSpPr>
-          <p:nvPr>
-            <p:ph type="title"/>
-          </p:nvPr>
-        </p:nvSpPr>
-        <p:spPr/>
-        <p:txBody>
-          <a:bodyPr/>
-          <a:lstStyle/>
-          <a:p>
-            <a:r>
-              <a:rPr lang="en-US" dirty="0"/>
-              <a:t>Early Successes in AI</a:t>
-            </a:r>
-          </a:p>
-        </p:txBody>
-      </p:sp>
-      <p:sp>
-        <p:nvSpPr>
-          <p:cNvPr id="3" name="Content Placeholder 2">
-            <a:extLst>
-              <a:ext uri="{FF2B5EF4-FFF2-40B4-BE49-F238E27FC236}">
-                <a16:creationId xmlns:a16="http://schemas.microsoft.com/office/drawing/2014/main" id="{2835EFD9-ACD3-8161-24E4-7DF08DAB521F}"/>
-              </a:ext>
-            </a:extLst>
-          </p:cNvPr>
-          <p:cNvSpPr>
-            <a:spLocks noGrp="1"/>
-          </p:cNvSpPr>
-          <p:nvPr>
-            <p:ph idx="1"/>
-          </p:nvPr>
-        </p:nvSpPr>
-        <p:spPr/>
-        <p:txBody>
-          <a:bodyPr>
-            <a:normAutofit lnSpcReduction="10000"/>
-          </a:bodyPr>
-          <a:lstStyle/>
-          <a:p>
-            <a:pPr marL="0" marR="0" indent="0">
-              <a:spcBef>
-                <a:spcPts val="200"/>
-              </a:spcBef>
-              <a:spcAft>
-                <a:spcPts val="0"/>
-              </a:spcAft>
-              <a:buNone/>
-            </a:pPr>
-            <a:r>
-              <a:rPr lang="en-US" sz="2400" b="1" i="1" dirty="0">
-                <a:solidFill>
-                  <a:srgbClr val="2F5496"/>
-                </a:solidFill>
-                <a:effectLst/>
-                <a:latin typeface="Segoe UI" panose="020B0502040204020203" pitchFamily="34" charset="0"/>
-                <a:ea typeface="Times New Roman" panose="02020603050405020304" pitchFamily="18" charset="0"/>
-                <a:cs typeface="Times New Roman" panose="02020603050405020304" pitchFamily="18" charset="0"/>
-              </a:rPr>
-              <a:t>Logic Theorist (1955)</a:t>
-            </a:r>
-          </a:p>
-          <a:p>
-            <a:pPr marL="0" marR="0">
-              <a:spcBef>
-                <a:spcPts val="200"/>
-              </a:spcBef>
-              <a:spcAft>
-                <a:spcPts val="0"/>
-              </a:spcAft>
-            </a:pPr>
-            <a:endParaRPr lang="en-US" sz="1800" b="1" i="1" dirty="0">
-              <a:solidFill>
-                <a:srgbClr val="2F5496"/>
-              </a:solidFill>
-              <a:effectLst/>
-              <a:latin typeface="Calibri Light" panose="020F0302020204030204" pitchFamily="34" charset="0"/>
-              <a:ea typeface="Times New Roman" panose="02020603050405020304" pitchFamily="18" charset="0"/>
-              <a:cs typeface="Times New Roman" panose="02020603050405020304" pitchFamily="18" charset="0"/>
-            </a:endParaRPr>
-          </a:p>
-          <a:p>
-            <a:pPr marL="0" marR="0" indent="0">
-              <a:spcBef>
-                <a:spcPts val="0"/>
-              </a:spcBef>
-              <a:spcAft>
-                <a:spcPts val="0"/>
-              </a:spcAft>
-              <a:buNone/>
-            </a:pPr>
-            <a:r>
-              <a:rPr lang="en-US" sz="1800" b="1" i="1" dirty="0">
-                <a:solidFill>
-                  <a:srgbClr val="2F5496"/>
-                </a:solidFill>
-                <a:effectLst/>
-                <a:latin typeface="Segoe UI" panose="020B0502040204020203" pitchFamily="34" charset="0"/>
-                <a:ea typeface="Times New Roman" panose="02020603050405020304" pitchFamily="18" charset="0"/>
-                <a:cs typeface="Times New Roman" panose="02020603050405020304" pitchFamily="18" charset="0"/>
-              </a:rPr>
-              <a:t>Capabilities:</a:t>
-            </a:r>
-          </a:p>
-          <a:p>
-            <a:pPr marL="0" marR="0" indent="0">
-              <a:spcBef>
-                <a:spcPts val="0"/>
-              </a:spcBef>
-              <a:spcAft>
-                <a:spcPts val="0"/>
-              </a:spcAft>
-              <a:buNone/>
-            </a:pPr>
-            <a:endParaRPr lang="en-US" sz="1800" b="1" dirty="0">
-              <a:solidFill>
-                <a:srgbClr val="2F5496"/>
-              </a:solidFill>
-              <a:effectLst/>
-              <a:latin typeface="Calibri Light" panose="020F0302020204030204" pitchFamily="34" charset="0"/>
-              <a:ea typeface="Times New Roman" panose="02020603050405020304" pitchFamily="18" charset="0"/>
-              <a:cs typeface="Times New Roman" panose="02020603050405020304" pitchFamily="18" charset="0"/>
-            </a:endParaRPr>
-          </a:p>
-          <a:p>
-            <a:pPr marL="342900" marR="0" lvl="0" indent="-342900">
-              <a:spcBef>
-                <a:spcPts val="0"/>
-              </a:spcBef>
-              <a:spcAft>
-                <a:spcPts val="0"/>
-              </a:spcAft>
-              <a:buSzPts val="1000"/>
-              <a:buFont typeface="Symbol" pitchFamily="2" charset="2"/>
-              <a:buChar char=""/>
-              <a:tabLst>
-                <a:tab pos="457200" algn="l"/>
-              </a:tabLst>
-            </a:pPr>
-            <a:r>
-              <a:rPr lang="en-US" sz="1800" b="1" dirty="0">
-                <a:effectLst/>
-                <a:latin typeface="Segoe UI" panose="020B0502040204020203" pitchFamily="34" charset="0"/>
-                <a:ea typeface="Times New Roman" panose="02020603050405020304" pitchFamily="18" charset="0"/>
-              </a:rPr>
-              <a:t>Symbolic Reasoning:</a:t>
-            </a:r>
-            <a:r>
-              <a:rPr lang="en-US" sz="1800" dirty="0">
-                <a:effectLst/>
-                <a:latin typeface="Segoe UI" panose="020B0502040204020203" pitchFamily="34" charset="0"/>
-                <a:ea typeface="Times New Roman" panose="02020603050405020304" pitchFamily="18" charset="0"/>
-              </a:rPr>
-              <a:t> Developed by Allen Newell, J.C. Shaw, and Herbert A. Simon, the Logic Theorist was the first program to mimic human problem-solving skills, utilizing symbolic reasoning to solve mathematical theorems.</a:t>
-            </a:r>
-          </a:p>
-          <a:p>
-            <a:pPr marL="0" marR="0" lvl="0" indent="0">
-              <a:spcBef>
-                <a:spcPts val="0"/>
-              </a:spcBef>
-              <a:spcAft>
-                <a:spcPts val="0"/>
-              </a:spcAft>
-              <a:buSzPts val="1000"/>
-              <a:buNone/>
-              <a:tabLst>
-                <a:tab pos="457200" algn="l"/>
-              </a:tabLst>
-            </a:pPr>
-            <a:endParaRPr lang="en-US" sz="1800" dirty="0">
-              <a:effectLst/>
-              <a:latin typeface="Times New Roman" panose="02020603050405020304" pitchFamily="18" charset="0"/>
-              <a:ea typeface="Times New Roman" panose="02020603050405020304" pitchFamily="18" charset="0"/>
-            </a:endParaRPr>
-          </a:p>
-          <a:p>
-            <a:pPr marL="342900" marR="0" lvl="0" indent="-342900">
-              <a:spcBef>
-                <a:spcPts val="0"/>
-              </a:spcBef>
-              <a:spcAft>
-                <a:spcPts val="0"/>
-              </a:spcAft>
-              <a:buSzPts val="1000"/>
-              <a:buFont typeface="Symbol" pitchFamily="2" charset="2"/>
-              <a:buChar char=""/>
-              <a:tabLst>
-                <a:tab pos="457200" algn="l"/>
-              </a:tabLst>
-            </a:pPr>
-            <a:r>
-              <a:rPr lang="en-US" sz="1800" b="1" dirty="0">
-                <a:effectLst/>
-                <a:latin typeface="Segoe UI" panose="020B0502040204020203" pitchFamily="34" charset="0"/>
-                <a:ea typeface="Times New Roman" panose="02020603050405020304" pitchFamily="18" charset="0"/>
-              </a:rPr>
-              <a:t>Proof Generation:</a:t>
-            </a:r>
-            <a:r>
-              <a:rPr lang="en-US" sz="1800" dirty="0">
-                <a:effectLst/>
-                <a:latin typeface="Segoe UI" panose="020B0502040204020203" pitchFamily="34" charset="0"/>
-                <a:ea typeface="Times New Roman" panose="02020603050405020304" pitchFamily="18" charset="0"/>
-              </a:rPr>
-              <a:t> It was capable of proving mathematical theorems by representing them as logical statements and utilizing a search tree to explore possible proofs, finding alternative solutions to the ones used by humans.</a:t>
-            </a:r>
-          </a:p>
-          <a:p>
-            <a:pPr marL="0" marR="0" lvl="0" indent="0">
-              <a:spcBef>
-                <a:spcPts val="0"/>
-              </a:spcBef>
-              <a:spcAft>
-                <a:spcPts val="0"/>
-              </a:spcAft>
-              <a:buSzPts val="1000"/>
-              <a:buNone/>
-              <a:tabLst>
-                <a:tab pos="457200" algn="l"/>
-              </a:tabLst>
-            </a:pPr>
-            <a:endParaRPr lang="en-US" sz="1800" dirty="0">
-              <a:effectLst/>
-              <a:latin typeface="Times New Roman" panose="02020603050405020304" pitchFamily="18" charset="0"/>
-              <a:ea typeface="Times New Roman" panose="02020603050405020304" pitchFamily="18" charset="0"/>
-            </a:endParaRPr>
-          </a:p>
-          <a:p>
-            <a:pPr marL="342900" marR="0" lvl="0" indent="-342900">
-              <a:spcBef>
-                <a:spcPts val="0"/>
-              </a:spcBef>
-              <a:spcAft>
-                <a:spcPts val="0"/>
-              </a:spcAft>
-              <a:buSzPts val="1000"/>
-              <a:buFont typeface="Symbol" pitchFamily="2" charset="2"/>
-              <a:buChar char=""/>
-              <a:tabLst>
-                <a:tab pos="457200" algn="l"/>
-              </a:tabLst>
-            </a:pPr>
-            <a:r>
-              <a:rPr lang="en-US" sz="1800" b="1" dirty="0">
-                <a:effectLst/>
-                <a:latin typeface="Segoe UI" panose="020B0502040204020203" pitchFamily="34" charset="0"/>
-                <a:ea typeface="Times New Roman" panose="02020603050405020304" pitchFamily="18" charset="0"/>
-              </a:rPr>
-              <a:t>Learning and Optimization:</a:t>
-            </a:r>
-            <a:r>
-              <a:rPr lang="en-US" sz="1800" dirty="0">
-                <a:effectLst/>
-                <a:latin typeface="Segoe UI" panose="020B0502040204020203" pitchFamily="34" charset="0"/>
-                <a:ea typeface="Times New Roman" panose="02020603050405020304" pitchFamily="18" charset="0"/>
-              </a:rPr>
-              <a:t> The Logic Theorist could learn and improve upon its previous solutions, optimizing its performance in theorem proving.</a:t>
-            </a:r>
-            <a:endParaRPr lang="en-US" sz="1800" dirty="0">
-              <a:effectLst/>
-              <a:latin typeface="Times New Roman" panose="02020603050405020304" pitchFamily="18" charset="0"/>
-              <a:ea typeface="Times New Roman" panose="02020603050405020304" pitchFamily="18" charset="0"/>
-            </a:endParaRPr>
-          </a:p>
-          <a:p>
-            <a:endParaRPr lang="en-US" dirty="0"/>
-          </a:p>
-        </p:txBody>
-      </p:sp>
-    </p:spTree>
-    <p:extLst>
-      <p:ext uri="{BB962C8B-B14F-4D97-AF65-F5344CB8AC3E}">
-        <p14:creationId xmlns:p14="http://schemas.microsoft.com/office/powerpoint/2010/main" val="2303119063"/>
-      </p:ext>
-    </p:extLst>
-  </p:cSld>
-  <p:clrMapOvr>
-    <a:masterClrMapping/>
-  </p:clrMapOvr>
-</p:sld>
-</file>
-
-<file path=ppt/slides/slide32.xml><?xml version="1.0" encoding="utf-8"?>
-<p:sld xmlns:a="http://schemas.openxmlformats.org/drawingml/2006/main" xmlns:r="http://schemas.openxmlformats.org/officeDocument/2006/relationships" xmlns:p="http://schemas.openxmlformats.org/presentationml/2006/main">
-  <p:cSld>
-    <p:spTree>
-      <p:nvGrpSpPr>
-        <p:cNvPr id="1" name=""/>
-        <p:cNvGrpSpPr/>
-        <p:nvPr/>
-      </p:nvGrpSpPr>
-      <p:grpSpPr>
-        <a:xfrm>
-          <a:off x="0" y="0"/>
-          <a:ext cx="0" cy="0"/>
-          <a:chOff x="0" y="0"/>
-          <a:chExt cx="0" cy="0"/>
-        </a:xfrm>
-      </p:grpSpPr>
-      <p:sp>
-        <p:nvSpPr>
-          <p:cNvPr id="2" name="Title 1">
-            <a:extLst>
-              <a:ext uri="{FF2B5EF4-FFF2-40B4-BE49-F238E27FC236}">
-                <a16:creationId xmlns:a16="http://schemas.microsoft.com/office/drawing/2014/main" id="{A48154E5-CEAD-F1F1-22EF-37025DA34D9A}"/>
-              </a:ext>
-            </a:extLst>
-          </p:cNvPr>
-          <p:cNvSpPr>
-            <a:spLocks noGrp="1"/>
-          </p:cNvSpPr>
-          <p:nvPr>
-            <p:ph type="title"/>
-          </p:nvPr>
-        </p:nvSpPr>
-        <p:spPr/>
-        <p:txBody>
-          <a:bodyPr/>
-          <a:lstStyle/>
-          <a:p>
-            <a:r>
-              <a:rPr lang="en-US" dirty="0"/>
-              <a:t>Logical Reasoning</a:t>
-            </a:r>
-          </a:p>
-        </p:txBody>
-      </p:sp>
-      <p:sp>
-        <p:nvSpPr>
-          <p:cNvPr id="3" name="Content Placeholder 2">
-            <a:extLst>
-              <a:ext uri="{FF2B5EF4-FFF2-40B4-BE49-F238E27FC236}">
-                <a16:creationId xmlns:a16="http://schemas.microsoft.com/office/drawing/2014/main" id="{8C1EB91C-BD17-ABA2-694A-C46F62C5E8D1}"/>
-              </a:ext>
-            </a:extLst>
-          </p:cNvPr>
-          <p:cNvSpPr>
-            <a:spLocks noGrp="1"/>
-          </p:cNvSpPr>
-          <p:nvPr>
-            <p:ph idx="1"/>
-          </p:nvPr>
-        </p:nvSpPr>
-        <p:spPr/>
-        <p:txBody>
-          <a:bodyPr>
-            <a:normAutofit fontScale="92500" lnSpcReduction="20000"/>
-          </a:bodyPr>
-          <a:lstStyle/>
-          <a:p>
-            <a:r>
-              <a:rPr lang="en-US" dirty="0"/>
-              <a:t>This is extremely interesting!  It is a topic at the boundary between mathematics and philosophy</a:t>
-            </a:r>
-          </a:p>
-          <a:p>
-            <a:r>
-              <a:rPr lang="en-US" dirty="0"/>
-              <a:t>The idea is that logical human thought processes can be expressed in terms of mathematical expressions involving True/False statements.</a:t>
-            </a:r>
-          </a:p>
-          <a:p>
-            <a:endParaRPr lang="en-US" dirty="0"/>
-          </a:p>
-          <a:p>
-            <a:r>
-              <a:rPr lang="en-US" dirty="0"/>
-              <a:t>Example:  Jane is a medical doctor.  All medical doctors are human.  Therefore, Jane is a human.</a:t>
-            </a:r>
-          </a:p>
-          <a:p>
-            <a:endParaRPr lang="en-US" dirty="0"/>
-          </a:p>
-          <a:p>
-            <a:r>
-              <a:rPr lang="en-US" dirty="0"/>
-              <a:t>Let the (predicate) statement “is a doctor” be represented by P</a:t>
-            </a:r>
-          </a:p>
-          <a:p>
-            <a:r>
-              <a:rPr lang="en-US" dirty="0"/>
-              <a:t>Let the (predicate) statement ”is human” be represented by Q</a:t>
-            </a:r>
-          </a:p>
-          <a:p>
-            <a:endParaRPr lang="en-US" dirty="0"/>
-          </a:p>
-          <a:p>
-            <a:r>
-              <a:rPr lang="en-US" dirty="0"/>
-              <a:t>We can then represent the statement “All medical doctors are human” by:  P ➔ Q   (”P implies Q”)</a:t>
-            </a:r>
-          </a:p>
-          <a:p>
-            <a:r>
-              <a:rPr lang="en-US" dirty="0"/>
-              <a:t>We can represent the statement “Jane is a doctor” by:  P = True</a:t>
-            </a:r>
-          </a:p>
-          <a:p>
-            <a:r>
-              <a:rPr lang="en-US" dirty="0"/>
-              <a:t>Thus, we can infer that Q = True.  Therefore, Jane is human.</a:t>
-            </a:r>
-          </a:p>
-        </p:txBody>
-      </p:sp>
-    </p:spTree>
-    <p:extLst>
-      <p:ext uri="{BB962C8B-B14F-4D97-AF65-F5344CB8AC3E}">
-        <p14:creationId xmlns:p14="http://schemas.microsoft.com/office/powerpoint/2010/main" val="140886106"/>
-      </p:ext>
-    </p:extLst>
-  </p:cSld>
-  <p:clrMapOvr>
-    <a:masterClrMapping/>
-  </p:clrMapOvr>
-</p:sld>
-</file>
-
-<file path=ppt/slides/slide33.xml><?xml version="1.0" encoding="utf-8"?>
-<p:sld xmlns:a="http://schemas.openxmlformats.org/drawingml/2006/main" xmlns:r="http://schemas.openxmlformats.org/officeDocument/2006/relationships" xmlns:p="http://schemas.openxmlformats.org/presentationml/2006/main">
-  <p:cSld>
-    <p:spTree>
-      <p:nvGrpSpPr>
-        <p:cNvPr id="1" name=""/>
-        <p:cNvGrpSpPr/>
-        <p:nvPr/>
-      </p:nvGrpSpPr>
-      <p:grpSpPr>
-        <a:xfrm>
-          <a:off x="0" y="0"/>
-          <a:ext cx="0" cy="0"/>
-          <a:chOff x="0" y="0"/>
-          <a:chExt cx="0" cy="0"/>
-        </a:xfrm>
-      </p:grpSpPr>
-      <p:sp>
-        <p:nvSpPr>
-          <p:cNvPr id="2" name="Title 1">
-            <a:extLst>
-              <a:ext uri="{FF2B5EF4-FFF2-40B4-BE49-F238E27FC236}">
-                <a16:creationId xmlns:a16="http://schemas.microsoft.com/office/drawing/2014/main" id="{A48154E5-CEAD-F1F1-22EF-37025DA34D9A}"/>
-              </a:ext>
-            </a:extLst>
-          </p:cNvPr>
-          <p:cNvSpPr>
-            <a:spLocks noGrp="1"/>
-          </p:cNvSpPr>
-          <p:nvPr>
-            <p:ph type="title"/>
-          </p:nvPr>
-        </p:nvSpPr>
-        <p:spPr/>
-        <p:txBody>
-          <a:bodyPr/>
-          <a:lstStyle/>
-          <a:p>
-            <a:r>
-              <a:rPr lang="en-US" dirty="0"/>
-              <a:t>Logical Reasoning</a:t>
-            </a:r>
-          </a:p>
-        </p:txBody>
-      </p:sp>
-      <p:sp>
-        <p:nvSpPr>
-          <p:cNvPr id="3" name="Content Placeholder 2">
-            <a:extLst>
-              <a:ext uri="{FF2B5EF4-FFF2-40B4-BE49-F238E27FC236}">
-                <a16:creationId xmlns:a16="http://schemas.microsoft.com/office/drawing/2014/main" id="{8C1EB91C-BD17-ABA2-694A-C46F62C5E8D1}"/>
-              </a:ext>
-            </a:extLst>
-          </p:cNvPr>
-          <p:cNvSpPr>
-            <a:spLocks noGrp="1"/>
-          </p:cNvSpPr>
-          <p:nvPr>
-            <p:ph idx="1"/>
-          </p:nvPr>
-        </p:nvSpPr>
-        <p:spPr/>
-        <p:txBody>
-          <a:bodyPr>
-            <a:normAutofit/>
-          </a:bodyPr>
-          <a:lstStyle/>
-          <a:p>
-            <a:r>
-              <a:rPr lang="en-US" dirty="0"/>
-              <a:t>Example 2:</a:t>
-            </a:r>
-          </a:p>
-          <a:p>
-            <a:endParaRPr lang="en-US" dirty="0"/>
-          </a:p>
-          <a:p>
-            <a:r>
-              <a:rPr lang="en-US" dirty="0"/>
-              <a:t>“In Newport News, sometimes it is raining, and sometimes a person is asleep.”</a:t>
-            </a:r>
-          </a:p>
-          <a:p>
-            <a:r>
-              <a:rPr lang="en-US" dirty="0"/>
-              <a:t>Let “is raining” be represented by P</a:t>
-            </a:r>
-          </a:p>
-          <a:p>
-            <a:r>
-              <a:rPr lang="en-US" dirty="0"/>
-              <a:t>Let ”is asleep” by represented by Q</a:t>
-            </a:r>
-          </a:p>
-          <a:p>
-            <a:endParaRPr lang="en-US" dirty="0"/>
-          </a:p>
-          <a:p>
-            <a:r>
-              <a:rPr lang="en-US" dirty="0"/>
-              <a:t>Consider now the expression P v Q … this means “P or Q”.  We can construct a “truth table” for this:</a:t>
-            </a:r>
-          </a:p>
-          <a:p>
-            <a:endParaRPr lang="en-US" dirty="0"/>
-          </a:p>
-        </p:txBody>
-      </p:sp>
-      <p:graphicFrame>
-        <p:nvGraphicFramePr>
-          <p:cNvPr id="4" name="Table 3">
-            <a:extLst>
-              <a:ext uri="{FF2B5EF4-FFF2-40B4-BE49-F238E27FC236}">
-                <a16:creationId xmlns:a16="http://schemas.microsoft.com/office/drawing/2014/main" id="{2269F1C2-1387-22EB-ACCB-79B308690E7C}"/>
-              </a:ext>
-            </a:extLst>
-          </p:cNvPr>
-          <p:cNvGraphicFramePr>
-            <a:graphicFrameLocks noGrp="1"/>
-          </p:cNvGraphicFramePr>
-          <p:nvPr>
-            <p:extLst>
-              <p:ext uri="{D42A27DB-BD31-4B8C-83A1-F6EECF244321}">
-                <p14:modId xmlns:p14="http://schemas.microsoft.com/office/powerpoint/2010/main" val="3710638262"/>
-              </p:ext>
-            </p:extLst>
-          </p:nvPr>
-        </p:nvGraphicFramePr>
-        <p:xfrm>
-          <a:off x="4733160" y="4976355"/>
-          <a:ext cx="2550510" cy="1371600"/>
-        </p:xfrm>
-        <a:graphic>
-          <a:graphicData uri="http://schemas.openxmlformats.org/drawingml/2006/table">
-            <a:tbl>
-              <a:tblPr firstRow="1" bandRow="1">
-                <a:tableStyleId>{5C22544A-7EE6-4342-B048-85BDC9FD1C3A}</a:tableStyleId>
-              </a:tblPr>
-              <a:tblGrid>
-                <a:gridCol w="850170">
-                  <a:extLst>
-                    <a:ext uri="{9D8B030D-6E8A-4147-A177-3AD203B41FA5}">
-                      <a16:colId xmlns:a16="http://schemas.microsoft.com/office/drawing/2014/main" val="2185026017"/>
-                    </a:ext>
-                  </a:extLst>
-                </a:gridCol>
-                <a:gridCol w="850170">
-                  <a:extLst>
-                    <a:ext uri="{9D8B030D-6E8A-4147-A177-3AD203B41FA5}">
-                      <a16:colId xmlns:a16="http://schemas.microsoft.com/office/drawing/2014/main" val="1339434458"/>
-                    </a:ext>
-                  </a:extLst>
-                </a:gridCol>
-                <a:gridCol w="850170">
-                  <a:extLst>
-                    <a:ext uri="{9D8B030D-6E8A-4147-A177-3AD203B41FA5}">
-                      <a16:colId xmlns:a16="http://schemas.microsoft.com/office/drawing/2014/main" val="635204006"/>
-                    </a:ext>
-                  </a:extLst>
-                </a:gridCol>
-              </a:tblGrid>
-              <a:tr h="457200">
-                <a:tc>
-                  <a:txBody>
-                    <a:bodyPr/>
-                    <a:lstStyle/>
-                    <a:p>
-                      <a:endParaRPr lang="en-US"/>
-                    </a:p>
-                  </a:txBody>
-                  <a:tcPr/>
-                </a:tc>
-                <a:tc>
-                  <a:txBody>
-                    <a:bodyPr/>
-                    <a:lstStyle/>
-                    <a:p>
-                      <a:r>
-                        <a:rPr lang="en-US" dirty="0"/>
-                        <a:t>P=0</a:t>
-                      </a:r>
-                    </a:p>
-                  </a:txBody>
-                  <a:tcPr/>
-                </a:tc>
-                <a:tc>
-                  <a:txBody>
-                    <a:bodyPr/>
-                    <a:lstStyle/>
-                    <a:p>
-                      <a:r>
-                        <a:rPr lang="en-US" dirty="0"/>
-                        <a:t>P=1</a:t>
-                      </a:r>
-                    </a:p>
-                  </a:txBody>
-                  <a:tcPr/>
-                </a:tc>
-                <a:extLst>
-                  <a:ext uri="{0D108BD9-81ED-4DB2-BD59-A6C34878D82A}">
-                    <a16:rowId xmlns:a16="http://schemas.microsoft.com/office/drawing/2014/main" val="2685495327"/>
-                  </a:ext>
-                </a:extLst>
-              </a:tr>
-              <a:tr h="457200">
-                <a:tc>
-                  <a:txBody>
-                    <a:bodyPr/>
-                    <a:lstStyle/>
-                    <a:p>
-                      <a:r>
-                        <a:rPr lang="en-US" dirty="0"/>
-                        <a:t>Q=0</a:t>
-                      </a:r>
-                    </a:p>
-                  </a:txBody>
-                  <a:tcPr/>
-                </a:tc>
-                <a:tc>
-                  <a:txBody>
-                    <a:bodyPr/>
-                    <a:lstStyle/>
-                    <a:p>
-                      <a:r>
-                        <a:rPr lang="en-US" dirty="0"/>
-                        <a:t>0</a:t>
-                      </a:r>
-                    </a:p>
-                  </a:txBody>
-                  <a:tcPr/>
-                </a:tc>
-                <a:tc>
-                  <a:txBody>
-                    <a:bodyPr/>
-                    <a:lstStyle/>
-                    <a:p>
-                      <a:r>
-                        <a:rPr lang="en-US" dirty="0"/>
-                        <a:t>1</a:t>
-                      </a:r>
-                    </a:p>
-                  </a:txBody>
-                  <a:tcPr/>
-                </a:tc>
-                <a:extLst>
-                  <a:ext uri="{0D108BD9-81ED-4DB2-BD59-A6C34878D82A}">
-                    <a16:rowId xmlns:a16="http://schemas.microsoft.com/office/drawing/2014/main" val="3836322281"/>
-                  </a:ext>
-                </a:extLst>
-              </a:tr>
-              <a:tr h="457200">
-                <a:tc>
-                  <a:txBody>
-                    <a:bodyPr/>
-                    <a:lstStyle/>
-                    <a:p>
-                      <a:r>
-                        <a:rPr lang="en-US" dirty="0"/>
-                        <a:t>Q=1</a:t>
-                      </a:r>
-                    </a:p>
-                  </a:txBody>
-                  <a:tcPr/>
-                </a:tc>
-                <a:tc>
-                  <a:txBody>
-                    <a:bodyPr/>
-                    <a:lstStyle/>
-                    <a:p>
-                      <a:r>
-                        <a:rPr lang="en-US" dirty="0"/>
-                        <a:t>1</a:t>
-                      </a:r>
-                    </a:p>
-                  </a:txBody>
-                  <a:tcPr/>
-                </a:tc>
-                <a:tc>
-                  <a:txBody>
-                    <a:bodyPr/>
-                    <a:lstStyle/>
-                    <a:p>
-                      <a:r>
-                        <a:rPr lang="en-US" dirty="0"/>
-                        <a:t>1</a:t>
-                      </a:r>
-                    </a:p>
-                  </a:txBody>
-                  <a:tcPr/>
-                </a:tc>
-                <a:extLst>
-                  <a:ext uri="{0D108BD9-81ED-4DB2-BD59-A6C34878D82A}">
-                    <a16:rowId xmlns:a16="http://schemas.microsoft.com/office/drawing/2014/main" val="634899189"/>
-                  </a:ext>
-                </a:extLst>
-              </a:tr>
-            </a:tbl>
-          </a:graphicData>
-        </a:graphic>
-      </p:graphicFrame>
-    </p:spTree>
-    <p:extLst>
-      <p:ext uri="{BB962C8B-B14F-4D97-AF65-F5344CB8AC3E}">
-        <p14:creationId xmlns:p14="http://schemas.microsoft.com/office/powerpoint/2010/main" val="105931157"/>
-      </p:ext>
-    </p:extLst>
-  </p:cSld>
-  <p:clrMapOvr>
-    <a:masterClrMapping/>
-  </p:clrMapOvr>
-</p:sld>
-</file>
-
-<file path=ppt/slides/slide34.xml><?xml version="1.0" encoding="utf-8"?>
-<p:sld xmlns:a="http://schemas.openxmlformats.org/drawingml/2006/main" xmlns:r="http://schemas.openxmlformats.org/officeDocument/2006/relationships" xmlns:p="http://schemas.openxmlformats.org/presentationml/2006/main">
-  <p:cSld>
-    <p:spTree>
-      <p:nvGrpSpPr>
-        <p:cNvPr id="1" name=""/>
-        <p:cNvGrpSpPr/>
-        <p:nvPr/>
-      </p:nvGrpSpPr>
-      <p:grpSpPr>
-        <a:xfrm>
-          <a:off x="0" y="0"/>
-          <a:ext cx="0" cy="0"/>
-          <a:chOff x="0" y="0"/>
-          <a:chExt cx="0" cy="0"/>
-        </a:xfrm>
-      </p:grpSpPr>
-      <p:sp>
-        <p:nvSpPr>
-          <p:cNvPr id="2" name="Title 1">
-            <a:extLst>
-              <a:ext uri="{FF2B5EF4-FFF2-40B4-BE49-F238E27FC236}">
-                <a16:creationId xmlns:a16="http://schemas.microsoft.com/office/drawing/2014/main" id="{A48154E5-CEAD-F1F1-22EF-37025DA34D9A}"/>
-              </a:ext>
-            </a:extLst>
-          </p:cNvPr>
-          <p:cNvSpPr>
-            <a:spLocks noGrp="1"/>
-          </p:cNvSpPr>
-          <p:nvPr>
-            <p:ph type="title"/>
-          </p:nvPr>
-        </p:nvSpPr>
-        <p:spPr/>
-        <p:txBody>
-          <a:bodyPr/>
-          <a:lstStyle/>
-          <a:p>
-            <a:r>
-              <a:rPr lang="en-US" dirty="0"/>
-              <a:t>Logical Reasoning</a:t>
-            </a:r>
-          </a:p>
-        </p:txBody>
-      </p:sp>
-      <p:sp>
-        <p:nvSpPr>
-          <p:cNvPr id="3" name="Content Placeholder 2">
-            <a:extLst>
-              <a:ext uri="{FF2B5EF4-FFF2-40B4-BE49-F238E27FC236}">
-                <a16:creationId xmlns:a16="http://schemas.microsoft.com/office/drawing/2014/main" id="{8C1EB91C-BD17-ABA2-694A-C46F62C5E8D1}"/>
-              </a:ext>
-            </a:extLst>
-          </p:cNvPr>
-          <p:cNvSpPr>
-            <a:spLocks noGrp="1"/>
-          </p:cNvSpPr>
-          <p:nvPr>
-            <p:ph idx="1"/>
-          </p:nvPr>
-        </p:nvSpPr>
-        <p:spPr>
-          <a:xfrm>
-            <a:off x="1066800" y="2103119"/>
-            <a:ext cx="10058400" cy="4192577"/>
-          </a:xfrm>
-        </p:spPr>
-        <p:txBody>
-          <a:bodyPr>
-            <a:normAutofit fontScale="62500" lnSpcReduction="20000"/>
-          </a:bodyPr>
-          <a:lstStyle/>
-          <a:p>
-            <a:pPr marL="0" indent="0">
-              <a:buNone/>
-            </a:pPr>
-            <a:r>
-              <a:rPr lang="en-US" sz="2100" dirty="0"/>
-              <a:t>Now, consider now the expression Q v P … We can construct a “truth table” for this:</a:t>
-            </a:r>
-          </a:p>
-          <a:p>
-            <a:pPr marL="0" indent="0">
-              <a:buNone/>
-            </a:pPr>
-            <a:endParaRPr lang="en-US" sz="2100" dirty="0"/>
-          </a:p>
-          <a:p>
-            <a:pPr marL="0" indent="0">
-              <a:buNone/>
-            </a:pPr>
-            <a:endParaRPr lang="en-US" sz="2100" dirty="0"/>
-          </a:p>
-          <a:p>
-            <a:pPr marL="0" indent="0">
-              <a:buNone/>
-            </a:pPr>
-            <a:endParaRPr lang="en-US" sz="2100" dirty="0"/>
-          </a:p>
-          <a:p>
-            <a:pPr marL="0" indent="0">
-              <a:buNone/>
-            </a:pPr>
-            <a:endParaRPr lang="en-US" sz="2100" dirty="0"/>
-          </a:p>
-          <a:p>
-            <a:pPr marL="0" indent="0">
-              <a:buNone/>
-            </a:pPr>
-            <a:endParaRPr lang="en-US" sz="2100" dirty="0"/>
-          </a:p>
-          <a:p>
-            <a:pPr marL="0" indent="0">
-              <a:buNone/>
-            </a:pPr>
-            <a:endParaRPr lang="en-US" sz="2100" dirty="0"/>
-          </a:p>
-          <a:p>
-            <a:pPr marL="0" indent="0">
-              <a:buNone/>
-            </a:pPr>
-            <a:endParaRPr lang="en-US" sz="2100" dirty="0"/>
-          </a:p>
-          <a:p>
-            <a:pPr marL="0" indent="0">
-              <a:buNone/>
-            </a:pPr>
-            <a:r>
-              <a:rPr lang="en-US" sz="2100" dirty="0"/>
-              <a:t>Of course, it’s exactly the same!  So, we can then write that:</a:t>
-            </a:r>
-          </a:p>
-          <a:p>
-            <a:pPr marL="0" indent="0">
-              <a:buNone/>
-            </a:pPr>
-            <a:endParaRPr lang="en-US" sz="2100" dirty="0"/>
-          </a:p>
-          <a:p>
-            <a:pPr marL="0" indent="0">
-              <a:buNone/>
-            </a:pPr>
-            <a:r>
-              <a:rPr lang="en-US" sz="2100" dirty="0"/>
-              <a:t>				</a:t>
-            </a:r>
-            <a:r>
-              <a:rPr lang="en-US" sz="4600" dirty="0"/>
-              <a:t>P v Q = Q v P</a:t>
-            </a:r>
-          </a:p>
-          <a:p>
-            <a:pPr marL="0" indent="0">
-              <a:buNone/>
-            </a:pPr>
-            <a:endParaRPr lang="en-US" sz="2100" dirty="0"/>
-          </a:p>
-          <a:p>
-            <a:pPr marL="0" indent="0">
-              <a:buNone/>
-            </a:pPr>
-            <a:r>
-              <a:rPr lang="en-US" sz="2100" dirty="0"/>
-              <a:t>This is known as an AXIOM.  We can’t really “prove” axioms, but we accept them to be true statements, and can use them as parts of proofs of other statements.</a:t>
-            </a:r>
-          </a:p>
-          <a:p>
-            <a:endParaRPr lang="en-US" dirty="0"/>
-          </a:p>
-        </p:txBody>
-      </p:sp>
-      <p:graphicFrame>
-        <p:nvGraphicFramePr>
-          <p:cNvPr id="4" name="Table 3">
-            <a:extLst>
-              <a:ext uri="{FF2B5EF4-FFF2-40B4-BE49-F238E27FC236}">
-                <a16:creationId xmlns:a16="http://schemas.microsoft.com/office/drawing/2014/main" id="{2269F1C2-1387-22EB-ACCB-79B308690E7C}"/>
-              </a:ext>
-            </a:extLst>
-          </p:cNvPr>
-          <p:cNvGraphicFramePr>
-            <a:graphicFrameLocks noGrp="1"/>
-          </p:cNvGraphicFramePr>
-          <p:nvPr>
-            <p:extLst>
-              <p:ext uri="{D42A27DB-BD31-4B8C-83A1-F6EECF244321}">
-                <p14:modId xmlns:p14="http://schemas.microsoft.com/office/powerpoint/2010/main" val="468814059"/>
-              </p:ext>
-            </p:extLst>
-          </p:nvPr>
-        </p:nvGraphicFramePr>
-        <p:xfrm>
-          <a:off x="4291726" y="2656332"/>
-          <a:ext cx="2550510" cy="1371600"/>
-        </p:xfrm>
-        <a:graphic>
-          <a:graphicData uri="http://schemas.openxmlformats.org/drawingml/2006/table">
-            <a:tbl>
-              <a:tblPr firstRow="1" bandRow="1">
-                <a:tableStyleId>{5C22544A-7EE6-4342-B048-85BDC9FD1C3A}</a:tableStyleId>
-              </a:tblPr>
-              <a:tblGrid>
-                <a:gridCol w="850170">
-                  <a:extLst>
-                    <a:ext uri="{9D8B030D-6E8A-4147-A177-3AD203B41FA5}">
-                      <a16:colId xmlns:a16="http://schemas.microsoft.com/office/drawing/2014/main" val="2185026017"/>
-                    </a:ext>
-                  </a:extLst>
-                </a:gridCol>
-                <a:gridCol w="850170">
-                  <a:extLst>
-                    <a:ext uri="{9D8B030D-6E8A-4147-A177-3AD203B41FA5}">
-                      <a16:colId xmlns:a16="http://schemas.microsoft.com/office/drawing/2014/main" val="1339434458"/>
-                    </a:ext>
-                  </a:extLst>
-                </a:gridCol>
-                <a:gridCol w="850170">
-                  <a:extLst>
-                    <a:ext uri="{9D8B030D-6E8A-4147-A177-3AD203B41FA5}">
-                      <a16:colId xmlns:a16="http://schemas.microsoft.com/office/drawing/2014/main" val="635204006"/>
-                    </a:ext>
-                  </a:extLst>
-                </a:gridCol>
-              </a:tblGrid>
-              <a:tr h="457200">
-                <a:tc>
-                  <a:txBody>
-                    <a:bodyPr/>
-                    <a:lstStyle/>
-                    <a:p>
-                      <a:endParaRPr lang="en-US"/>
-                    </a:p>
-                  </a:txBody>
-                  <a:tcPr/>
-                </a:tc>
-                <a:tc>
-                  <a:txBody>
-                    <a:bodyPr/>
-                    <a:lstStyle/>
-                    <a:p>
-                      <a:r>
-                        <a:rPr lang="en-US" dirty="0"/>
-                        <a:t>Q=0</a:t>
-                      </a:r>
-                    </a:p>
-                  </a:txBody>
-                  <a:tcPr/>
-                </a:tc>
-                <a:tc>
-                  <a:txBody>
-                    <a:bodyPr/>
-                    <a:lstStyle/>
-                    <a:p>
-                      <a:r>
-                        <a:rPr lang="en-US" dirty="0"/>
-                        <a:t>Q=1</a:t>
-                      </a:r>
-                    </a:p>
-                  </a:txBody>
-                  <a:tcPr/>
-                </a:tc>
-                <a:extLst>
-                  <a:ext uri="{0D108BD9-81ED-4DB2-BD59-A6C34878D82A}">
-                    <a16:rowId xmlns:a16="http://schemas.microsoft.com/office/drawing/2014/main" val="2685495327"/>
-                  </a:ext>
-                </a:extLst>
-              </a:tr>
-              <a:tr h="457200">
-                <a:tc>
-                  <a:txBody>
-                    <a:bodyPr/>
-                    <a:lstStyle/>
-                    <a:p>
-                      <a:r>
-                        <a:rPr lang="en-US" dirty="0"/>
-                        <a:t>P=0</a:t>
-                      </a:r>
-                    </a:p>
-                  </a:txBody>
-                  <a:tcPr/>
-                </a:tc>
-                <a:tc>
-                  <a:txBody>
-                    <a:bodyPr/>
-                    <a:lstStyle/>
-                    <a:p>
-                      <a:r>
-                        <a:rPr lang="en-US" dirty="0"/>
-                        <a:t>0</a:t>
-                      </a:r>
-                    </a:p>
-                  </a:txBody>
-                  <a:tcPr/>
-                </a:tc>
-                <a:tc>
-                  <a:txBody>
-                    <a:bodyPr/>
-                    <a:lstStyle/>
-                    <a:p>
-                      <a:r>
-                        <a:rPr lang="en-US" dirty="0"/>
-                        <a:t>1</a:t>
-                      </a:r>
-                    </a:p>
-                  </a:txBody>
-                  <a:tcPr/>
-                </a:tc>
-                <a:extLst>
-                  <a:ext uri="{0D108BD9-81ED-4DB2-BD59-A6C34878D82A}">
-                    <a16:rowId xmlns:a16="http://schemas.microsoft.com/office/drawing/2014/main" val="3836322281"/>
-                  </a:ext>
-                </a:extLst>
-              </a:tr>
-              <a:tr h="457200">
-                <a:tc>
-                  <a:txBody>
-                    <a:bodyPr/>
-                    <a:lstStyle/>
-                    <a:p>
-                      <a:r>
-                        <a:rPr lang="en-US" dirty="0"/>
-                        <a:t>P=1</a:t>
-                      </a:r>
-                    </a:p>
-                  </a:txBody>
-                  <a:tcPr/>
-                </a:tc>
-                <a:tc>
-                  <a:txBody>
-                    <a:bodyPr/>
-                    <a:lstStyle/>
-                    <a:p>
-                      <a:r>
-                        <a:rPr lang="en-US" dirty="0"/>
-                        <a:t>1</a:t>
-                      </a:r>
-                    </a:p>
-                  </a:txBody>
-                  <a:tcPr/>
-                </a:tc>
-                <a:tc>
-                  <a:txBody>
-                    <a:bodyPr/>
-                    <a:lstStyle/>
-                    <a:p>
-                      <a:r>
-                        <a:rPr lang="en-US" dirty="0"/>
-                        <a:t>1</a:t>
-                      </a:r>
-                    </a:p>
-                  </a:txBody>
-                  <a:tcPr/>
-                </a:tc>
-                <a:extLst>
-                  <a:ext uri="{0D108BD9-81ED-4DB2-BD59-A6C34878D82A}">
-                    <a16:rowId xmlns:a16="http://schemas.microsoft.com/office/drawing/2014/main" val="634899189"/>
-                  </a:ext>
-                </a:extLst>
-              </a:tr>
-            </a:tbl>
-          </a:graphicData>
-        </a:graphic>
-      </p:graphicFrame>
-    </p:spTree>
-    <p:extLst>
-      <p:ext uri="{BB962C8B-B14F-4D97-AF65-F5344CB8AC3E}">
-        <p14:creationId xmlns:p14="http://schemas.microsoft.com/office/powerpoint/2010/main" val="362937745"/>
-      </p:ext>
-    </p:extLst>
-  </p:cSld>
-  <p:clrMapOvr>
-    <a:masterClrMapping/>
-  </p:clrMapOvr>
-</p:sld>
-</file>
-
-<file path=ppt/slides/slide35.xml><?xml version="1.0" encoding="utf-8"?>
-<p:sld xmlns:a="http://schemas.openxmlformats.org/drawingml/2006/main" xmlns:r="http://schemas.openxmlformats.org/officeDocument/2006/relationships" xmlns:p="http://schemas.openxmlformats.org/presentationml/2006/main">
-  <p:cSld>
-    <p:spTree>
-      <p:nvGrpSpPr>
-        <p:cNvPr id="1" name=""/>
-        <p:cNvGrpSpPr/>
-        <p:nvPr/>
-      </p:nvGrpSpPr>
-      <p:grpSpPr>
-        <a:xfrm>
-          <a:off x="0" y="0"/>
-          <a:ext cx="0" cy="0"/>
-          <a:chOff x="0" y="0"/>
-          <a:chExt cx="0" cy="0"/>
-        </a:xfrm>
-      </p:grpSpPr>
-      <p:sp>
-        <p:nvSpPr>
-          <p:cNvPr id="2" name="Title 1">
-            <a:extLst>
-              <a:ext uri="{FF2B5EF4-FFF2-40B4-BE49-F238E27FC236}">
-                <a16:creationId xmlns:a16="http://schemas.microsoft.com/office/drawing/2014/main" id="{A48154E5-CEAD-F1F1-22EF-37025DA34D9A}"/>
-              </a:ext>
-            </a:extLst>
-          </p:cNvPr>
-          <p:cNvSpPr>
-            <a:spLocks noGrp="1"/>
-          </p:cNvSpPr>
-          <p:nvPr>
-            <p:ph type="title"/>
-          </p:nvPr>
-        </p:nvSpPr>
-        <p:spPr/>
-        <p:txBody>
-          <a:bodyPr/>
-          <a:lstStyle/>
-          <a:p>
-            <a:r>
-              <a:rPr lang="en-US" dirty="0"/>
-              <a:t>Logical Reasoning</a:t>
-            </a:r>
-          </a:p>
-        </p:txBody>
-      </p:sp>
-      <p:sp>
-        <p:nvSpPr>
-          <p:cNvPr id="3" name="Content Placeholder 2">
-            <a:extLst>
-              <a:ext uri="{FF2B5EF4-FFF2-40B4-BE49-F238E27FC236}">
-                <a16:creationId xmlns:a16="http://schemas.microsoft.com/office/drawing/2014/main" id="{8C1EB91C-BD17-ABA2-694A-C46F62C5E8D1}"/>
-              </a:ext>
-            </a:extLst>
-          </p:cNvPr>
-          <p:cNvSpPr>
-            <a:spLocks noGrp="1"/>
-          </p:cNvSpPr>
-          <p:nvPr>
-            <p:ph idx="1"/>
-          </p:nvPr>
-        </p:nvSpPr>
-        <p:spPr/>
-        <p:txBody>
-          <a:bodyPr>
-            <a:normAutofit lnSpcReduction="10000"/>
-          </a:bodyPr>
-          <a:lstStyle/>
-          <a:p>
-            <a:r>
-              <a:rPr lang="en-US" dirty="0"/>
-              <a:t>Example 3:</a:t>
-            </a:r>
-          </a:p>
-          <a:p>
-            <a:r>
-              <a:rPr lang="en-US" dirty="0"/>
-              <a:t>Consider the following conversation:</a:t>
-            </a:r>
-          </a:p>
-          <a:p>
-            <a:r>
-              <a:rPr lang="en-US" dirty="0"/>
-              <a:t>Alice: “It is raining or snowing.”</a:t>
-            </a:r>
-          </a:p>
-          <a:p>
-            <a:r>
-              <a:rPr lang="en-US" dirty="0"/>
-              <a:t>Bob:  “No, Alice, you are wrong.”</a:t>
-            </a:r>
-          </a:p>
-          <a:p>
-            <a:r>
-              <a:rPr lang="en-US" dirty="0"/>
-              <a:t>Charlie: “Oh, OK, I understand.  It is … ?”</a:t>
-            </a:r>
-          </a:p>
-          <a:p>
-            <a:endParaRPr lang="en-US" dirty="0"/>
-          </a:p>
-          <a:p>
-            <a:r>
-              <a:rPr lang="en-US" dirty="0"/>
-              <a:t>What should Charlie say?</a:t>
-            </a:r>
-          </a:p>
-          <a:p>
-            <a:r>
-              <a:rPr lang="en-US" dirty="0"/>
-              <a:t>Let “is raining” be represented by P, and “is snowing” be represented by Q.</a:t>
-            </a:r>
-          </a:p>
-          <a:p>
-            <a:r>
-              <a:rPr lang="en-US" dirty="0"/>
-              <a:t>Alice:  P v Q.  (i.e. “is raining or snowing).”)</a:t>
-            </a:r>
-          </a:p>
-          <a:p>
-            <a:r>
-              <a:rPr lang="en-US" dirty="0"/>
-              <a:t>Bob:  ~(P v Q) (i.e. “is NOT (raining or snowing”)</a:t>
-            </a:r>
-          </a:p>
-          <a:p>
-            <a:pPr lvl="1"/>
-            <a:endParaRPr lang="en-US" dirty="0"/>
-          </a:p>
-        </p:txBody>
-      </p:sp>
-    </p:spTree>
-    <p:extLst>
-      <p:ext uri="{BB962C8B-B14F-4D97-AF65-F5344CB8AC3E}">
-        <p14:creationId xmlns:p14="http://schemas.microsoft.com/office/powerpoint/2010/main" val="1277985810"/>
-      </p:ext>
-    </p:extLst>
-  </p:cSld>
-  <p:clrMapOvr>
-    <a:masterClrMapping/>
-  </p:clrMapOvr>
-</p:sld>
-</file>
-
-<file path=ppt/slides/slide36.xml><?xml version="1.0" encoding="utf-8"?>
-<p:sld xmlns:a="http://schemas.openxmlformats.org/drawingml/2006/main" xmlns:r="http://schemas.openxmlformats.org/officeDocument/2006/relationships" xmlns:p="http://schemas.openxmlformats.org/presentationml/2006/main">
-  <p:cSld>
-    <p:spTree>
-      <p:nvGrpSpPr>
-        <p:cNvPr id="1" name=""/>
-        <p:cNvGrpSpPr/>
-        <p:nvPr/>
-      </p:nvGrpSpPr>
-      <p:grpSpPr>
-        <a:xfrm>
-          <a:off x="0" y="0"/>
-          <a:ext cx="0" cy="0"/>
-          <a:chOff x="0" y="0"/>
-          <a:chExt cx="0" cy="0"/>
-        </a:xfrm>
-      </p:grpSpPr>
-      <p:sp>
-        <p:nvSpPr>
-          <p:cNvPr id="2" name="Title 1">
-            <a:extLst>
-              <a:ext uri="{FF2B5EF4-FFF2-40B4-BE49-F238E27FC236}">
-                <a16:creationId xmlns:a16="http://schemas.microsoft.com/office/drawing/2014/main" id="{A48154E5-CEAD-F1F1-22EF-37025DA34D9A}"/>
-              </a:ext>
-            </a:extLst>
-          </p:cNvPr>
-          <p:cNvSpPr>
-            <a:spLocks noGrp="1"/>
-          </p:cNvSpPr>
-          <p:nvPr>
-            <p:ph type="title"/>
-          </p:nvPr>
-        </p:nvSpPr>
-        <p:spPr/>
-        <p:txBody>
-          <a:bodyPr/>
-          <a:lstStyle/>
-          <a:p>
-            <a:r>
-              <a:rPr lang="en-US" dirty="0"/>
-              <a:t>Logical Reasoning</a:t>
-            </a:r>
-          </a:p>
-        </p:txBody>
-      </p:sp>
-      <p:sp>
-        <p:nvSpPr>
-          <p:cNvPr id="3" name="Content Placeholder 2">
-            <a:extLst>
-              <a:ext uri="{FF2B5EF4-FFF2-40B4-BE49-F238E27FC236}">
-                <a16:creationId xmlns:a16="http://schemas.microsoft.com/office/drawing/2014/main" id="{8C1EB91C-BD17-ABA2-694A-C46F62C5E8D1}"/>
-              </a:ext>
-            </a:extLst>
-          </p:cNvPr>
-          <p:cNvSpPr>
-            <a:spLocks noGrp="1"/>
-          </p:cNvSpPr>
-          <p:nvPr>
-            <p:ph idx="1"/>
-          </p:nvPr>
-        </p:nvSpPr>
-        <p:spPr/>
-        <p:txBody>
-          <a:bodyPr>
-            <a:normAutofit/>
-          </a:bodyPr>
-          <a:lstStyle/>
-          <a:p>
-            <a:r>
-              <a:rPr lang="en-US" dirty="0"/>
-              <a:t>Example 3:</a:t>
-            </a:r>
-          </a:p>
-          <a:p>
-            <a:endParaRPr lang="en-US" dirty="0"/>
-          </a:p>
-          <a:p>
-            <a:pPr lvl="1"/>
-            <a:endParaRPr lang="en-US" dirty="0"/>
-          </a:p>
-          <a:p>
-            <a:pPr marL="274320" lvl="1" indent="0">
-              <a:buNone/>
-            </a:pPr>
-            <a:endParaRPr lang="en-US" dirty="0"/>
-          </a:p>
-          <a:p>
-            <a:pPr lvl="8"/>
-            <a:r>
-              <a:rPr lang="en-US" dirty="0"/>
-              <a:t>          Alice					Bob</a:t>
-            </a:r>
-          </a:p>
-        </p:txBody>
-      </p:sp>
-      <p:graphicFrame>
-        <p:nvGraphicFramePr>
-          <p:cNvPr id="4" name="Table 3">
-            <a:extLst>
-              <a:ext uri="{FF2B5EF4-FFF2-40B4-BE49-F238E27FC236}">
-                <a16:creationId xmlns:a16="http://schemas.microsoft.com/office/drawing/2014/main" id="{4B392FE2-E3F9-3E02-FC27-9A3B58600616}"/>
-              </a:ext>
-            </a:extLst>
-          </p:cNvPr>
-          <p:cNvGraphicFramePr>
-            <a:graphicFrameLocks noGrp="1"/>
-          </p:cNvGraphicFramePr>
-          <p:nvPr>
-            <p:extLst>
-              <p:ext uri="{D42A27DB-BD31-4B8C-83A1-F6EECF244321}">
-                <p14:modId xmlns:p14="http://schemas.microsoft.com/office/powerpoint/2010/main" val="1201335674"/>
-              </p:ext>
-            </p:extLst>
-          </p:nvPr>
-        </p:nvGraphicFramePr>
-        <p:xfrm>
-          <a:off x="4363546" y="3897009"/>
-          <a:ext cx="4284716" cy="2475480"/>
-        </p:xfrm>
-        <a:graphic>
-          <a:graphicData uri="http://schemas.openxmlformats.org/drawingml/2006/table">
-            <a:tbl>
-              <a:tblPr firstRow="1" bandRow="1">
-                <a:tableStyleId>{5C22544A-7EE6-4342-B048-85BDC9FD1C3A}</a:tableStyleId>
-              </a:tblPr>
-              <a:tblGrid>
-                <a:gridCol w="1071179">
-                  <a:extLst>
-                    <a:ext uri="{9D8B030D-6E8A-4147-A177-3AD203B41FA5}">
-                      <a16:colId xmlns:a16="http://schemas.microsoft.com/office/drawing/2014/main" val="3515834882"/>
-                    </a:ext>
-                  </a:extLst>
-                </a:gridCol>
-                <a:gridCol w="1071179">
-                  <a:extLst>
-                    <a:ext uri="{9D8B030D-6E8A-4147-A177-3AD203B41FA5}">
-                      <a16:colId xmlns:a16="http://schemas.microsoft.com/office/drawing/2014/main" val="423988179"/>
-                    </a:ext>
-                  </a:extLst>
-                </a:gridCol>
-                <a:gridCol w="1071179">
-                  <a:extLst>
-                    <a:ext uri="{9D8B030D-6E8A-4147-A177-3AD203B41FA5}">
-                      <a16:colId xmlns:a16="http://schemas.microsoft.com/office/drawing/2014/main" val="851229261"/>
-                    </a:ext>
-                  </a:extLst>
-                </a:gridCol>
-                <a:gridCol w="1071179">
-                  <a:extLst>
-                    <a:ext uri="{9D8B030D-6E8A-4147-A177-3AD203B41FA5}">
-                      <a16:colId xmlns:a16="http://schemas.microsoft.com/office/drawing/2014/main" val="983766327"/>
-                    </a:ext>
-                  </a:extLst>
-                </a:gridCol>
-              </a:tblGrid>
-              <a:tr h="618870">
-                <a:tc>
-                  <a:txBody>
-                    <a:bodyPr/>
-                    <a:lstStyle/>
-                    <a:p>
-                      <a:endParaRPr lang="en-US"/>
-                    </a:p>
-                  </a:txBody>
-                  <a:tcPr/>
-                </a:tc>
-                <a:tc>
-                  <a:txBody>
-                    <a:bodyPr/>
-                    <a:lstStyle/>
-                    <a:p>
-                      <a:endParaRPr lang="en-US" dirty="0"/>
-                    </a:p>
-                  </a:txBody>
-                  <a:tcPr/>
-                </a:tc>
-                <a:tc>
-                  <a:txBody>
-                    <a:bodyPr/>
-                    <a:lstStyle/>
-                    <a:p>
-                      <a:r>
-                        <a:rPr lang="en-US" dirty="0"/>
-                        <a:t>P = 0</a:t>
-                      </a:r>
-                    </a:p>
-                  </a:txBody>
-                  <a:tcPr/>
-                </a:tc>
-                <a:tc>
-                  <a:txBody>
-                    <a:bodyPr/>
-                    <a:lstStyle/>
-                    <a:p>
-                      <a:r>
-                        <a:rPr lang="en-US" dirty="0"/>
-                        <a:t>P = 1</a:t>
-                      </a:r>
-                    </a:p>
-                  </a:txBody>
-                  <a:tcPr/>
-                </a:tc>
-                <a:extLst>
-                  <a:ext uri="{0D108BD9-81ED-4DB2-BD59-A6C34878D82A}">
-                    <a16:rowId xmlns:a16="http://schemas.microsoft.com/office/drawing/2014/main" val="1123132895"/>
-                  </a:ext>
-                </a:extLst>
-              </a:tr>
-              <a:tr h="618870">
-                <a:tc>
-                  <a:txBody>
-                    <a:bodyPr/>
-                    <a:lstStyle/>
-                    <a:p>
-                      <a:endParaRPr lang="en-US" dirty="0"/>
-                    </a:p>
-                  </a:txBody>
-                  <a:tcPr/>
-                </a:tc>
-                <a:tc>
-                  <a:txBody>
-                    <a:bodyPr/>
-                    <a:lstStyle/>
-                    <a:p>
-                      <a:endParaRPr lang="en-US" dirty="0"/>
-                    </a:p>
-                  </a:txBody>
-                  <a:tcPr/>
-                </a:tc>
-                <a:tc>
-                  <a:txBody>
-                    <a:bodyPr/>
-                    <a:lstStyle/>
-                    <a:p>
-                      <a:r>
-                        <a:rPr lang="en-US" dirty="0"/>
-                        <a:t>~P = 1</a:t>
-                      </a:r>
-                    </a:p>
-                  </a:txBody>
-                  <a:tcPr/>
-                </a:tc>
-                <a:tc>
-                  <a:txBody>
-                    <a:bodyPr/>
-                    <a:lstStyle/>
-                    <a:p>
-                      <a:r>
-                        <a:rPr lang="en-US" dirty="0"/>
-                        <a:t>~P = 0</a:t>
-                      </a:r>
-                    </a:p>
-                  </a:txBody>
-                  <a:tcPr/>
-                </a:tc>
-                <a:extLst>
-                  <a:ext uri="{0D108BD9-81ED-4DB2-BD59-A6C34878D82A}">
-                    <a16:rowId xmlns:a16="http://schemas.microsoft.com/office/drawing/2014/main" val="3555492024"/>
-                  </a:ext>
-                </a:extLst>
-              </a:tr>
-              <a:tr h="618870">
-                <a:tc>
-                  <a:txBody>
-                    <a:bodyPr/>
-                    <a:lstStyle/>
-                    <a:p>
-                      <a:r>
-                        <a:rPr lang="en-US" dirty="0"/>
-                        <a:t>Q = 0</a:t>
-                      </a:r>
-                    </a:p>
-                  </a:txBody>
-                  <a:tcPr/>
-                </a:tc>
-                <a:tc>
-                  <a:txBody>
-                    <a:bodyPr/>
-                    <a:lstStyle/>
-                    <a:p>
-                      <a:r>
-                        <a:rPr lang="en-US" dirty="0"/>
-                        <a:t>~Q = 1</a:t>
-                      </a:r>
-                    </a:p>
-                  </a:txBody>
-                  <a:tcPr/>
-                </a:tc>
-                <a:tc>
-                  <a:txBody>
-                    <a:bodyPr/>
-                    <a:lstStyle/>
-                    <a:p>
-                      <a:r>
-                        <a:rPr lang="en-US" dirty="0"/>
-                        <a:t>1</a:t>
-                      </a:r>
-                    </a:p>
-                  </a:txBody>
-                  <a:tcPr/>
-                </a:tc>
-                <a:tc>
-                  <a:txBody>
-                    <a:bodyPr/>
-                    <a:lstStyle/>
-                    <a:p>
-                      <a:r>
-                        <a:rPr lang="en-US" dirty="0"/>
-                        <a:t>0</a:t>
-                      </a:r>
-                    </a:p>
-                  </a:txBody>
-                  <a:tcPr/>
-                </a:tc>
-                <a:extLst>
-                  <a:ext uri="{0D108BD9-81ED-4DB2-BD59-A6C34878D82A}">
-                    <a16:rowId xmlns:a16="http://schemas.microsoft.com/office/drawing/2014/main" val="1608894833"/>
-                  </a:ext>
-                </a:extLst>
-              </a:tr>
-              <a:tr h="618870">
-                <a:tc>
-                  <a:txBody>
-                    <a:bodyPr/>
-                    <a:lstStyle/>
-                    <a:p>
-                      <a:r>
-                        <a:rPr lang="en-US" dirty="0"/>
-                        <a:t>Q = 1</a:t>
-                      </a:r>
-                    </a:p>
-                  </a:txBody>
-                  <a:tcPr/>
-                </a:tc>
-                <a:tc>
-                  <a:txBody>
-                    <a:bodyPr/>
-                    <a:lstStyle/>
-                    <a:p>
-                      <a:r>
-                        <a:rPr lang="en-US" dirty="0"/>
-                        <a:t>~Q = 0</a:t>
-                      </a:r>
-                    </a:p>
-                  </a:txBody>
-                  <a:tcPr/>
-                </a:tc>
-                <a:tc>
-                  <a:txBody>
-                    <a:bodyPr/>
-                    <a:lstStyle/>
-                    <a:p>
-                      <a:r>
-                        <a:rPr lang="en-US" dirty="0"/>
-                        <a:t>0</a:t>
-                      </a:r>
-                    </a:p>
-                  </a:txBody>
-                  <a:tcPr/>
-                </a:tc>
-                <a:tc>
-                  <a:txBody>
-                    <a:bodyPr/>
-                    <a:lstStyle/>
-                    <a:p>
-                      <a:r>
-                        <a:rPr lang="en-US" dirty="0"/>
-                        <a:t>0</a:t>
-                      </a:r>
-                    </a:p>
-                  </a:txBody>
-                  <a:tcPr/>
-                </a:tc>
-                <a:extLst>
-                  <a:ext uri="{0D108BD9-81ED-4DB2-BD59-A6C34878D82A}">
-                    <a16:rowId xmlns:a16="http://schemas.microsoft.com/office/drawing/2014/main" val="591111720"/>
-                  </a:ext>
-                </a:extLst>
-              </a:tr>
-            </a:tbl>
-          </a:graphicData>
-        </a:graphic>
-      </p:graphicFrame>
-      <p:graphicFrame>
-        <p:nvGraphicFramePr>
-          <p:cNvPr id="7" name="Table 6">
-            <a:extLst>
-              <a:ext uri="{FF2B5EF4-FFF2-40B4-BE49-F238E27FC236}">
-                <a16:creationId xmlns:a16="http://schemas.microsoft.com/office/drawing/2014/main" id="{16ACCF71-ED2F-B840-0450-BA316ED8526A}"/>
-              </a:ext>
-            </a:extLst>
-          </p:cNvPr>
-          <p:cNvGraphicFramePr>
-            <a:graphicFrameLocks noGrp="1"/>
-          </p:cNvGraphicFramePr>
-          <p:nvPr>
-            <p:extLst>
-              <p:ext uri="{D42A27DB-BD31-4B8C-83A1-F6EECF244321}">
-                <p14:modId xmlns:p14="http://schemas.microsoft.com/office/powerpoint/2010/main" val="3255572988"/>
-              </p:ext>
-            </p:extLst>
-          </p:nvPr>
-        </p:nvGraphicFramePr>
-        <p:xfrm>
-          <a:off x="3062016" y="1721487"/>
-          <a:ext cx="2886840" cy="1707513"/>
-        </p:xfrm>
-        <a:graphic>
-          <a:graphicData uri="http://schemas.openxmlformats.org/drawingml/2006/table">
-            <a:tbl>
-              <a:tblPr firstRow="1" bandRow="1">
-                <a:tableStyleId>{5C22544A-7EE6-4342-B048-85BDC9FD1C3A}</a:tableStyleId>
-              </a:tblPr>
-              <a:tblGrid>
-                <a:gridCol w="962280">
-                  <a:extLst>
-                    <a:ext uri="{9D8B030D-6E8A-4147-A177-3AD203B41FA5}">
-                      <a16:colId xmlns:a16="http://schemas.microsoft.com/office/drawing/2014/main" val="3555564645"/>
-                    </a:ext>
-                  </a:extLst>
-                </a:gridCol>
-                <a:gridCol w="962280">
-                  <a:extLst>
-                    <a:ext uri="{9D8B030D-6E8A-4147-A177-3AD203B41FA5}">
-                      <a16:colId xmlns:a16="http://schemas.microsoft.com/office/drawing/2014/main" val="2319811787"/>
-                    </a:ext>
-                  </a:extLst>
-                </a:gridCol>
-                <a:gridCol w="962280">
-                  <a:extLst>
-                    <a:ext uri="{9D8B030D-6E8A-4147-A177-3AD203B41FA5}">
-                      <a16:colId xmlns:a16="http://schemas.microsoft.com/office/drawing/2014/main" val="4227729274"/>
-                    </a:ext>
-                  </a:extLst>
-                </a:gridCol>
-              </a:tblGrid>
-              <a:tr h="569171">
-                <a:tc>
-                  <a:txBody>
-                    <a:bodyPr/>
-                    <a:lstStyle/>
-                    <a:p>
-                      <a:endParaRPr lang="en-US"/>
-                    </a:p>
-                  </a:txBody>
-                  <a:tcPr/>
-                </a:tc>
-                <a:tc>
-                  <a:txBody>
-                    <a:bodyPr/>
-                    <a:lstStyle/>
-                    <a:p>
-                      <a:r>
-                        <a:rPr lang="en-US" dirty="0"/>
-                        <a:t>P = 0</a:t>
-                      </a:r>
-                    </a:p>
-                  </a:txBody>
-                  <a:tcPr/>
-                </a:tc>
-                <a:tc>
-                  <a:txBody>
-                    <a:bodyPr/>
-                    <a:lstStyle/>
-                    <a:p>
-                      <a:r>
-                        <a:rPr lang="en-US" dirty="0"/>
-                        <a:t>P = 1</a:t>
-                      </a:r>
-                    </a:p>
-                  </a:txBody>
-                  <a:tcPr/>
-                </a:tc>
-                <a:extLst>
-                  <a:ext uri="{0D108BD9-81ED-4DB2-BD59-A6C34878D82A}">
-                    <a16:rowId xmlns:a16="http://schemas.microsoft.com/office/drawing/2014/main" val="3900086757"/>
-                  </a:ext>
-                </a:extLst>
-              </a:tr>
-              <a:tr h="569171">
-                <a:tc>
-                  <a:txBody>
-                    <a:bodyPr/>
-                    <a:lstStyle/>
-                    <a:p>
-                      <a:r>
-                        <a:rPr lang="en-US" dirty="0"/>
-                        <a:t>Q = 0</a:t>
-                      </a:r>
-                    </a:p>
-                  </a:txBody>
-                  <a:tcPr/>
-                </a:tc>
-                <a:tc>
-                  <a:txBody>
-                    <a:bodyPr/>
-                    <a:lstStyle/>
-                    <a:p>
-                      <a:r>
-                        <a:rPr lang="en-US" dirty="0"/>
-                        <a:t>0</a:t>
-                      </a:r>
-                    </a:p>
-                  </a:txBody>
-                  <a:tcPr/>
-                </a:tc>
-                <a:tc>
-                  <a:txBody>
-                    <a:bodyPr/>
-                    <a:lstStyle/>
-                    <a:p>
-                      <a:r>
-                        <a:rPr lang="en-US" dirty="0"/>
-                        <a:t>1</a:t>
-                      </a:r>
-                    </a:p>
-                  </a:txBody>
-                  <a:tcPr/>
-                </a:tc>
-                <a:extLst>
-                  <a:ext uri="{0D108BD9-81ED-4DB2-BD59-A6C34878D82A}">
-                    <a16:rowId xmlns:a16="http://schemas.microsoft.com/office/drawing/2014/main" val="1319882806"/>
-                  </a:ext>
-                </a:extLst>
-              </a:tr>
-              <a:tr h="569171">
-                <a:tc>
-                  <a:txBody>
-                    <a:bodyPr/>
-                    <a:lstStyle/>
-                    <a:p>
-                      <a:r>
-                        <a:rPr lang="en-US" dirty="0"/>
-                        <a:t>Q = 1</a:t>
-                      </a:r>
-                    </a:p>
-                  </a:txBody>
-                  <a:tcPr/>
-                </a:tc>
-                <a:tc>
-                  <a:txBody>
-                    <a:bodyPr/>
-                    <a:lstStyle/>
-                    <a:p>
-                      <a:r>
-                        <a:rPr lang="en-US" dirty="0"/>
-                        <a:t>1</a:t>
-                      </a:r>
-                    </a:p>
-                  </a:txBody>
-                  <a:tcPr/>
-                </a:tc>
-                <a:tc>
-                  <a:txBody>
-                    <a:bodyPr/>
-                    <a:lstStyle/>
-                    <a:p>
-                      <a:r>
-                        <a:rPr lang="en-US" dirty="0"/>
-                        <a:t>1</a:t>
-                      </a:r>
-                    </a:p>
-                  </a:txBody>
-                  <a:tcPr/>
-                </a:tc>
-                <a:extLst>
-                  <a:ext uri="{0D108BD9-81ED-4DB2-BD59-A6C34878D82A}">
-                    <a16:rowId xmlns:a16="http://schemas.microsoft.com/office/drawing/2014/main" val="2285766246"/>
-                  </a:ext>
-                </a:extLst>
-              </a:tr>
-            </a:tbl>
-          </a:graphicData>
-        </a:graphic>
-      </p:graphicFrame>
-      <p:graphicFrame>
-        <p:nvGraphicFramePr>
-          <p:cNvPr id="8" name="Table 7">
-            <a:extLst>
-              <a:ext uri="{FF2B5EF4-FFF2-40B4-BE49-F238E27FC236}">
-                <a16:creationId xmlns:a16="http://schemas.microsoft.com/office/drawing/2014/main" id="{BEA0B7EC-6C40-BA94-8178-E1E7F8A65B64}"/>
-              </a:ext>
-            </a:extLst>
-          </p:cNvPr>
-          <p:cNvGraphicFramePr>
-            <a:graphicFrameLocks noGrp="1"/>
-          </p:cNvGraphicFramePr>
-          <p:nvPr>
-            <p:extLst>
-              <p:ext uri="{D42A27DB-BD31-4B8C-83A1-F6EECF244321}">
-                <p14:modId xmlns:p14="http://schemas.microsoft.com/office/powerpoint/2010/main" val="3417852361"/>
-              </p:ext>
-            </p:extLst>
-          </p:nvPr>
-        </p:nvGraphicFramePr>
-        <p:xfrm>
-          <a:off x="7204842" y="1721487"/>
-          <a:ext cx="2886840" cy="1707513"/>
-        </p:xfrm>
-        <a:graphic>
-          <a:graphicData uri="http://schemas.openxmlformats.org/drawingml/2006/table">
-            <a:tbl>
-              <a:tblPr firstRow="1" bandRow="1">
-                <a:tableStyleId>{5C22544A-7EE6-4342-B048-85BDC9FD1C3A}</a:tableStyleId>
-              </a:tblPr>
-              <a:tblGrid>
-                <a:gridCol w="962280">
-                  <a:extLst>
-                    <a:ext uri="{9D8B030D-6E8A-4147-A177-3AD203B41FA5}">
-                      <a16:colId xmlns:a16="http://schemas.microsoft.com/office/drawing/2014/main" val="1657160738"/>
-                    </a:ext>
-                  </a:extLst>
-                </a:gridCol>
-                <a:gridCol w="962280">
-                  <a:extLst>
-                    <a:ext uri="{9D8B030D-6E8A-4147-A177-3AD203B41FA5}">
-                      <a16:colId xmlns:a16="http://schemas.microsoft.com/office/drawing/2014/main" val="4177012632"/>
-                    </a:ext>
-                  </a:extLst>
-                </a:gridCol>
-                <a:gridCol w="962280">
-                  <a:extLst>
-                    <a:ext uri="{9D8B030D-6E8A-4147-A177-3AD203B41FA5}">
-                      <a16:colId xmlns:a16="http://schemas.microsoft.com/office/drawing/2014/main" val="1471052344"/>
-                    </a:ext>
-                  </a:extLst>
-                </a:gridCol>
-              </a:tblGrid>
-              <a:tr h="569171">
-                <a:tc>
-                  <a:txBody>
-                    <a:bodyPr/>
-                    <a:lstStyle/>
-                    <a:p>
-                      <a:endParaRPr lang="en-US"/>
-                    </a:p>
-                  </a:txBody>
-                  <a:tcPr/>
-                </a:tc>
-                <a:tc>
-                  <a:txBody>
-                    <a:bodyPr/>
-                    <a:lstStyle/>
-                    <a:p>
-                      <a:r>
-                        <a:rPr lang="en-US" dirty="0"/>
-                        <a:t>P = 0</a:t>
-                      </a:r>
-                    </a:p>
-                  </a:txBody>
-                  <a:tcPr/>
-                </a:tc>
-                <a:tc>
-                  <a:txBody>
-                    <a:bodyPr/>
-                    <a:lstStyle/>
-                    <a:p>
-                      <a:r>
-                        <a:rPr lang="en-US" dirty="0"/>
-                        <a:t>P = 1</a:t>
-                      </a:r>
-                    </a:p>
-                  </a:txBody>
-                  <a:tcPr/>
-                </a:tc>
-                <a:extLst>
-                  <a:ext uri="{0D108BD9-81ED-4DB2-BD59-A6C34878D82A}">
-                    <a16:rowId xmlns:a16="http://schemas.microsoft.com/office/drawing/2014/main" val="2232656076"/>
-                  </a:ext>
-                </a:extLst>
-              </a:tr>
-              <a:tr h="569171">
-                <a:tc>
-                  <a:txBody>
-                    <a:bodyPr/>
-                    <a:lstStyle/>
-                    <a:p>
-                      <a:r>
-                        <a:rPr lang="en-US" dirty="0"/>
-                        <a:t>Q = 0</a:t>
-                      </a:r>
-                    </a:p>
-                  </a:txBody>
-                  <a:tcPr/>
-                </a:tc>
-                <a:tc>
-                  <a:txBody>
-                    <a:bodyPr/>
-                    <a:lstStyle/>
-                    <a:p>
-                      <a:r>
-                        <a:rPr lang="en-US" dirty="0"/>
-                        <a:t>1</a:t>
-                      </a:r>
-                    </a:p>
-                  </a:txBody>
-                  <a:tcPr/>
-                </a:tc>
-                <a:tc>
-                  <a:txBody>
-                    <a:bodyPr/>
-                    <a:lstStyle/>
-                    <a:p>
-                      <a:r>
-                        <a:rPr lang="en-US" dirty="0"/>
-                        <a:t>0</a:t>
-                      </a:r>
-                    </a:p>
-                  </a:txBody>
-                  <a:tcPr/>
-                </a:tc>
-                <a:extLst>
-                  <a:ext uri="{0D108BD9-81ED-4DB2-BD59-A6C34878D82A}">
-                    <a16:rowId xmlns:a16="http://schemas.microsoft.com/office/drawing/2014/main" val="4186473312"/>
-                  </a:ext>
-                </a:extLst>
-              </a:tr>
-              <a:tr h="569171">
-                <a:tc>
-                  <a:txBody>
-                    <a:bodyPr/>
-                    <a:lstStyle/>
-                    <a:p>
-                      <a:r>
-                        <a:rPr lang="en-US" dirty="0"/>
-                        <a:t>Q = 1</a:t>
-                      </a:r>
-                    </a:p>
-                  </a:txBody>
-                  <a:tcPr/>
-                </a:tc>
-                <a:tc>
-                  <a:txBody>
-                    <a:bodyPr/>
-                    <a:lstStyle/>
-                    <a:p>
-                      <a:r>
-                        <a:rPr lang="en-US" dirty="0"/>
-                        <a:t>0</a:t>
-                      </a:r>
-                    </a:p>
-                  </a:txBody>
-                  <a:tcPr/>
-                </a:tc>
-                <a:tc>
-                  <a:txBody>
-                    <a:bodyPr/>
-                    <a:lstStyle/>
-                    <a:p>
-                      <a:r>
-                        <a:rPr lang="en-US" dirty="0"/>
-                        <a:t>0</a:t>
-                      </a:r>
-                    </a:p>
-                  </a:txBody>
-                  <a:tcPr/>
-                </a:tc>
-                <a:extLst>
-                  <a:ext uri="{0D108BD9-81ED-4DB2-BD59-A6C34878D82A}">
-                    <a16:rowId xmlns:a16="http://schemas.microsoft.com/office/drawing/2014/main" val="853326949"/>
-                  </a:ext>
-                </a:extLst>
-              </a:tr>
-            </a:tbl>
-          </a:graphicData>
-        </a:graphic>
-      </p:graphicFrame>
-      <p:sp>
-        <p:nvSpPr>
-          <p:cNvPr id="9" name="TextBox 8">
-            <a:extLst>
-              <a:ext uri="{FF2B5EF4-FFF2-40B4-BE49-F238E27FC236}">
-                <a16:creationId xmlns:a16="http://schemas.microsoft.com/office/drawing/2014/main" id="{19DD6E15-6EE6-ADA0-F1C8-1BA36A447C67}"/>
-              </a:ext>
-            </a:extLst>
-          </p:cNvPr>
-          <p:cNvSpPr txBox="1"/>
-          <p:nvPr/>
-        </p:nvSpPr>
-        <p:spPr>
-          <a:xfrm>
-            <a:off x="455740" y="4474474"/>
-            <a:ext cx="3674826" cy="1292662"/>
-          </a:xfrm>
-          <a:prstGeom prst="rect">
-            <a:avLst/>
-          </a:prstGeom>
-          <a:noFill/>
-        </p:spPr>
-        <p:txBody>
-          <a:bodyPr wrap="square" rtlCol="0">
-            <a:spAutoFit/>
-          </a:bodyPr>
-          <a:lstStyle/>
-          <a:p>
-            <a:r>
-              <a:rPr lang="en-US" dirty="0"/>
-              <a:t>Charlie:  ”It is not raining and it is not snowing.”</a:t>
-            </a:r>
-          </a:p>
-          <a:p>
-            <a:endParaRPr lang="en-US" dirty="0"/>
-          </a:p>
-          <a:p>
-            <a:r>
-              <a:rPr lang="en-US" sz="2400" dirty="0">
-                <a:solidFill>
-                  <a:srgbClr val="FF0000"/>
-                </a:solidFill>
-              </a:rPr>
-              <a:t>~(P v Q) = ~P * ~Q</a:t>
-            </a:r>
-          </a:p>
-        </p:txBody>
-      </p:sp>
-    </p:spTree>
-    <p:extLst>
-      <p:ext uri="{BB962C8B-B14F-4D97-AF65-F5344CB8AC3E}">
-        <p14:creationId xmlns:p14="http://schemas.microsoft.com/office/powerpoint/2010/main" val="2253203619"/>
-      </p:ext>
-    </p:extLst>
-  </p:cSld>
-  <p:clrMapOvr>
-    <a:masterClrMapping/>
-  </p:clrMapOvr>
-</p:sld>
-</file>
-
-<file path=ppt/slides/slide37.xml><?xml version="1.0" encoding="utf-8"?>
-<p:sld xmlns:a="http://schemas.openxmlformats.org/drawingml/2006/main" xmlns:r="http://schemas.openxmlformats.org/officeDocument/2006/relationships" xmlns:p="http://schemas.openxmlformats.org/presentationml/2006/main">
-  <p:cSld>
-    <p:bg>
-      <p:bgPr>
-        <a:solidFill>
-          <a:schemeClr val="bg1"/>
-        </a:solidFill>
-        <a:effectLst/>
-      </p:bgPr>
-    </p:bg>
-    <p:spTree>
-      <p:nvGrpSpPr>
-        <p:cNvPr id="1" name=""/>
-        <p:cNvGrpSpPr/>
-        <p:nvPr/>
-      </p:nvGrpSpPr>
-      <p:grpSpPr>
-        <a:xfrm>
-          <a:off x="0" y="0"/>
-          <a:ext cx="0" cy="0"/>
-          <a:chOff x="0" y="0"/>
-          <a:chExt cx="0" cy="0"/>
-        </a:xfrm>
-      </p:grpSpPr>
-      <p:sp useBgFill="1">
-        <p:nvSpPr>
-          <p:cNvPr id="10" name="Rectangle 9">
-            <a:extLst>
-              <a:ext uri="{FF2B5EF4-FFF2-40B4-BE49-F238E27FC236}">
-                <a16:creationId xmlns:a16="http://schemas.microsoft.com/office/drawing/2014/main" id="{11657BF2-BFFB-4FF0-9FE2-4D7F7A7C9D50}"/>
-              </a:ext>
-              <a:ext uri="{C183D7F6-B498-43B3-948B-1728B52AA6E4}">
-                <adec:decorative xmlns:adec="http://schemas.microsoft.com/office/drawing/2017/decorative" val="1"/>
-              </a:ext>
-            </a:extLst>
-          </p:cNvPr>
-          <p:cNvSpPr>
-            <a:spLocks noGrp="1" noRot="1" noChangeAspect="1" noMove="1" noResize="1" noEditPoints="1" noAdjustHandles="1" noChangeArrowheads="1" noChangeShapeType="1" noTextEdit="1"/>
-          </p:cNvSpPr>
-          <p:nvPr>
-            <p:extLst>
-              <p:ext uri="{386F3935-93C4-4BCD-93E2-E3B085C9AB24}">
-                <p16:designElem xmlns:p16="http://schemas.microsoft.com/office/powerpoint/2015/main" val="1"/>
-              </p:ext>
-            </p:extLst>
-          </p:nvPr>
-        </p:nvSpPr>
-        <p:spPr>
-          <a:xfrm>
-            <a:off x="0" y="0"/>
-            <a:ext cx="12192000" cy="6858000"/>
-          </a:xfrm>
-          <a:prstGeom prst="rect">
-            <a:avLst/>
-          </a:prstGeom>
-          <a:ln>
-            <a:noFill/>
-          </a:ln>
-        </p:spPr>
-        <p:style>
-          <a:lnRef idx="2">
-            <a:schemeClr val="accent1">
-              <a:shade val="50000"/>
-            </a:schemeClr>
-          </a:lnRef>
-          <a:fillRef idx="1">
-            <a:schemeClr val="accent1"/>
-          </a:fillRef>
-          <a:effectRef idx="0">
-            <a:schemeClr val="accent1"/>
-          </a:effectRef>
-          <a:fontRef idx="minor">
-            <a:schemeClr val="lt1"/>
-          </a:fontRef>
-        </p:style>
-        <p:txBody>
-          <a:bodyPr rtlCol="0" anchor="ctr"/>
-          <a:lstStyle/>
-          <a:p>
-            <a:pPr algn="ctr"/>
-            <a:endParaRPr lang="en-US"/>
-          </a:p>
-        </p:txBody>
-      </p:sp>
-      <p:sp>
-        <p:nvSpPr>
-          <p:cNvPr id="12" name="Rectangle 11">
-            <a:extLst>
-              <a:ext uri="{FF2B5EF4-FFF2-40B4-BE49-F238E27FC236}">
-                <a16:creationId xmlns:a16="http://schemas.microsoft.com/office/drawing/2014/main" id="{25397171-E233-4F26-9A8C-29C436537DC4}"/>
-              </a:ext>
-              <a:ext uri="{C183D7F6-B498-43B3-948B-1728B52AA6E4}">
-                <adec:decorative xmlns:adec="http://schemas.microsoft.com/office/drawing/2017/decorative" val="1"/>
-              </a:ext>
-            </a:extLst>
-          </p:cNvPr>
-          <p:cNvSpPr>
-            <a:spLocks noGrp="1" noRot="1" noChangeAspect="1" noMove="1" noResize="1" noEditPoints="1" noAdjustHandles="1" noChangeArrowheads="1" noChangeShapeType="1" noTextEdit="1"/>
-          </p:cNvSpPr>
-          <p:nvPr>
-            <p:extLst>
-              <p:ext uri="{386F3935-93C4-4BCD-93E2-E3B085C9AB24}">
-                <p16:designElem xmlns:p16="http://schemas.microsoft.com/office/powerpoint/2015/main" val="1"/>
-              </p:ext>
-            </p:extLst>
-          </p:nvPr>
-        </p:nvSpPr>
-        <p:spPr>
-          <a:xfrm>
-            <a:off x="184393" y="237744"/>
-            <a:ext cx="7652977" cy="6382512"/>
-          </a:xfrm>
-          <a:prstGeom prst="rect">
-            <a:avLst/>
-          </a:prstGeom>
-          <a:solidFill>
-            <a:schemeClr val="bg1">
-              <a:lumMod val="85000"/>
-              <a:alpha val="60000"/>
-            </a:schemeClr>
-          </a:solidFill>
-          <a:ln>
-            <a:noFill/>
-          </a:ln>
-        </p:spPr>
-        <p:style>
-          <a:lnRef idx="2">
-            <a:schemeClr val="accent1">
-              <a:shade val="50000"/>
-            </a:schemeClr>
-          </a:lnRef>
-          <a:fillRef idx="1">
-            <a:schemeClr val="accent1"/>
-          </a:fillRef>
-          <a:effectRef idx="0">
-            <a:schemeClr val="accent1"/>
-          </a:effectRef>
-          <a:fontRef idx="minor">
-            <a:schemeClr val="lt1"/>
-          </a:fontRef>
-        </p:style>
-        <p:txBody>
-          <a:bodyPr/>
-          <a:lstStyle/>
-          <a:p>
-            <a:endParaRPr lang="en-US"/>
-          </a:p>
-        </p:txBody>
-      </p:sp>
-      <p:sp>
-        <p:nvSpPr>
-          <p:cNvPr id="14" name="Rectangle 13">
-            <a:extLst>
-              <a:ext uri="{FF2B5EF4-FFF2-40B4-BE49-F238E27FC236}">
-                <a16:creationId xmlns:a16="http://schemas.microsoft.com/office/drawing/2014/main" id="{EA830B9C-C9EB-4D80-9552-AE9DE30758C9}"/>
-              </a:ext>
-              <a:ext uri="{C183D7F6-B498-43B3-948B-1728B52AA6E4}">
-                <adec:decorative xmlns:adec="http://schemas.microsoft.com/office/drawing/2017/decorative" val="1"/>
-              </a:ext>
-            </a:extLst>
-          </p:cNvPr>
-          <p:cNvSpPr>
-            <a:spLocks noGrp="1" noRot="1" noChangeAspect="1" noMove="1" noResize="1" noEditPoints="1" noAdjustHandles="1" noChangeArrowheads="1" noChangeShapeType="1" noTextEdit="1"/>
-          </p:cNvSpPr>
-          <p:nvPr>
-            <p:extLst>
-              <p:ext uri="{386F3935-93C4-4BCD-93E2-E3B085C9AB24}">
-                <p16:designElem xmlns:p16="http://schemas.microsoft.com/office/powerpoint/2015/main" val="1"/>
-              </p:ext>
-            </p:extLst>
-          </p:nvPr>
-        </p:nvSpPr>
-        <p:spPr>
-          <a:xfrm>
-            <a:off x="321553" y="374904"/>
-            <a:ext cx="7340156" cy="6108192"/>
-          </a:xfrm>
-          <a:prstGeom prst="rect">
-            <a:avLst/>
-          </a:prstGeom>
-          <a:noFill/>
-          <a:ln w="6350" cap="sq">
-            <a:solidFill>
-              <a:schemeClr val="tx1">
-                <a:lumMod val="75000"/>
-                <a:lumOff val="25000"/>
-              </a:schemeClr>
-            </a:solidFill>
-            <a:miter lim="800000"/>
-          </a:ln>
-        </p:spPr>
-        <p:style>
-          <a:lnRef idx="2">
-            <a:schemeClr val="accent1">
-              <a:shade val="50000"/>
-            </a:schemeClr>
-          </a:lnRef>
-          <a:fillRef idx="1">
-            <a:schemeClr val="accent1"/>
-          </a:fillRef>
-          <a:effectRef idx="0">
-            <a:schemeClr val="accent1"/>
-          </a:effectRef>
-          <a:fontRef idx="minor">
-            <a:schemeClr val="lt1"/>
-          </a:fontRef>
-        </p:style>
-        <p:txBody>
-          <a:bodyPr/>
-          <a:lstStyle/>
-          <a:p>
-            <a:endParaRPr lang="en-US"/>
-          </a:p>
-        </p:txBody>
-      </p:sp>
-      <p:sp>
-        <p:nvSpPr>
-          <p:cNvPr id="2" name="Title 1">
-            <a:extLst>
-              <a:ext uri="{FF2B5EF4-FFF2-40B4-BE49-F238E27FC236}">
-                <a16:creationId xmlns:a16="http://schemas.microsoft.com/office/drawing/2014/main" id="{167EB810-1334-A52C-4795-E23FF8B1FF89}"/>
-              </a:ext>
-            </a:extLst>
-          </p:cNvPr>
-          <p:cNvSpPr>
-            <a:spLocks noGrp="1"/>
-          </p:cNvSpPr>
-          <p:nvPr>
-            <p:ph type="title"/>
-          </p:nvPr>
-        </p:nvSpPr>
-        <p:spPr>
-          <a:xfrm>
-            <a:off x="868680" y="642593"/>
-            <a:ext cx="6281928" cy="1744183"/>
-          </a:xfrm>
-        </p:spPr>
-        <p:txBody>
-          <a:bodyPr>
-            <a:normAutofit/>
-          </a:bodyPr>
-          <a:lstStyle/>
-          <a:p>
-            <a:r>
-              <a:rPr lang="en-US" dirty="0"/>
-              <a:t>So, what’s the point?</a:t>
-            </a:r>
-          </a:p>
-        </p:txBody>
-      </p:sp>
-      <p:sp>
-        <p:nvSpPr>
-          <p:cNvPr id="3" name="Content Placeholder 2">
-            <a:extLst>
-              <a:ext uri="{FF2B5EF4-FFF2-40B4-BE49-F238E27FC236}">
-                <a16:creationId xmlns:a16="http://schemas.microsoft.com/office/drawing/2014/main" id="{6BF6E168-EBD0-2C7A-F6E4-637DAD23AEFC}"/>
-              </a:ext>
-            </a:extLst>
-          </p:cNvPr>
-          <p:cNvSpPr>
-            <a:spLocks noGrp="1"/>
-          </p:cNvSpPr>
-          <p:nvPr>
-            <p:ph idx="1"/>
-          </p:nvPr>
-        </p:nvSpPr>
-        <p:spPr>
-          <a:xfrm>
-            <a:off x="868680" y="2386584"/>
-            <a:ext cx="6281928" cy="3648456"/>
-          </a:xfrm>
-        </p:spPr>
-        <p:txBody>
-          <a:bodyPr>
-            <a:normAutofit/>
-          </a:bodyPr>
-          <a:lstStyle/>
-          <a:p>
-            <a:r>
-              <a:rPr lang="en-US" dirty="0"/>
-              <a:t>In 1910, Whitehead and Russell published Principia Mathematica, where they developed a series of logical PROOFS,  starting from a set of six basic axioms</a:t>
-            </a:r>
-          </a:p>
-          <a:p>
-            <a:r>
-              <a:rPr lang="en-US" dirty="0"/>
-              <a:t>The guys (Simon, Newell, and Shaw) that designed and wrote Logic Theorist set out to write a computer program that could  figure out these proofs, using only the six axioms</a:t>
-            </a:r>
-          </a:p>
-          <a:p>
-            <a:r>
-              <a:rPr lang="en-US" dirty="0"/>
-              <a:t>The results were quite fascinating!</a:t>
-            </a:r>
-          </a:p>
-          <a:p>
-            <a:endParaRPr lang="en-US" dirty="0"/>
-          </a:p>
-        </p:txBody>
-      </p:sp>
-      <p:pic>
-        <p:nvPicPr>
-          <p:cNvPr id="5" name="Picture 4" descr="A paper with math equations&#10;&#10;Description automatically generated with medium confidence">
-            <a:extLst>
-              <a:ext uri="{FF2B5EF4-FFF2-40B4-BE49-F238E27FC236}">
-                <a16:creationId xmlns:a16="http://schemas.microsoft.com/office/drawing/2014/main" id="{49242F9E-F372-CC86-24F7-A2BD32AA7453}"/>
-              </a:ext>
-            </a:extLst>
-          </p:cNvPr>
-          <p:cNvPicPr>
-            <a:picLocks noChangeAspect="1"/>
-          </p:cNvPicPr>
-          <p:nvPr/>
-        </p:nvPicPr>
-        <p:blipFill rotWithShape="1">
-          <a:blip r:embed="rId2"/>
-          <a:srcRect r="2824" b="-2"/>
-          <a:stretch/>
-        </p:blipFill>
-        <p:spPr>
-          <a:xfrm>
-            <a:off x="7837370" y="237744"/>
-            <a:ext cx="4124416" cy="6382512"/>
-          </a:xfrm>
-          <a:prstGeom prst="rect">
-            <a:avLst/>
-          </a:prstGeom>
-        </p:spPr>
-      </p:pic>
-    </p:spTree>
-    <p:extLst>
-      <p:ext uri="{BB962C8B-B14F-4D97-AF65-F5344CB8AC3E}">
-        <p14:creationId xmlns:p14="http://schemas.microsoft.com/office/powerpoint/2010/main" val="2774476009"/>
-      </p:ext>
-    </p:extLst>
-  </p:cSld>
-  <p:clrMapOvr>
-    <a:masterClrMapping/>
-  </p:clrMapOvr>
-</p:sld>
-</file>
-
-<file path=ppt/slides/slide38.xml><?xml version="1.0" encoding="utf-8"?>
-<p:sld xmlns:a="http://schemas.openxmlformats.org/drawingml/2006/main" xmlns:r="http://schemas.openxmlformats.org/officeDocument/2006/relationships" xmlns:p="http://schemas.openxmlformats.org/presentationml/2006/main">
-  <p:cSld>
-    <p:spTree>
-      <p:nvGrpSpPr>
-        <p:cNvPr id="1" name=""/>
-        <p:cNvGrpSpPr/>
-        <p:nvPr/>
-      </p:nvGrpSpPr>
-      <p:grpSpPr>
-        <a:xfrm>
-          <a:off x="0" y="0"/>
-          <a:ext cx="0" cy="0"/>
-          <a:chOff x="0" y="0"/>
-          <a:chExt cx="0" cy="0"/>
-        </a:xfrm>
-      </p:grpSpPr>
-      <p:sp>
-        <p:nvSpPr>
-          <p:cNvPr id="2" name="Title 1">
-            <a:extLst>
-              <a:ext uri="{FF2B5EF4-FFF2-40B4-BE49-F238E27FC236}">
-                <a16:creationId xmlns:a16="http://schemas.microsoft.com/office/drawing/2014/main" id="{C5F37716-5146-DCCE-D3BF-8C7ED8653258}"/>
-              </a:ext>
-            </a:extLst>
-          </p:cNvPr>
-          <p:cNvSpPr>
-            <a:spLocks noGrp="1"/>
-          </p:cNvSpPr>
-          <p:nvPr>
-            <p:ph type="title"/>
-          </p:nvPr>
-        </p:nvSpPr>
-        <p:spPr/>
-        <p:txBody>
-          <a:bodyPr/>
-          <a:lstStyle/>
-          <a:p>
-            <a:r>
-              <a:rPr lang="en-US" dirty="0"/>
-              <a:t>Logic Theorist</a:t>
-            </a:r>
-          </a:p>
-        </p:txBody>
-      </p:sp>
-      <p:sp>
-        <p:nvSpPr>
-          <p:cNvPr id="3" name="Content Placeholder 2">
-            <a:extLst>
-              <a:ext uri="{FF2B5EF4-FFF2-40B4-BE49-F238E27FC236}">
-                <a16:creationId xmlns:a16="http://schemas.microsoft.com/office/drawing/2014/main" id="{E8EA1AD5-3604-886C-CD22-585D0CFC9B68}"/>
-              </a:ext>
-            </a:extLst>
-          </p:cNvPr>
-          <p:cNvSpPr>
-            <a:spLocks noGrp="1"/>
-          </p:cNvSpPr>
-          <p:nvPr>
-            <p:ph idx="1"/>
-          </p:nvPr>
-        </p:nvSpPr>
-        <p:spPr/>
-        <p:txBody>
-          <a:bodyPr>
-            <a:normAutofit lnSpcReduction="10000"/>
-          </a:bodyPr>
-          <a:lstStyle/>
-          <a:p>
-            <a:r>
-              <a:rPr lang="en-US" dirty="0">
-                <a:latin typeface="Arial" panose="020B0604020202020204" pitchFamily="34" charset="0"/>
-                <a:cs typeface="Arial" panose="020B0604020202020204" pitchFamily="34" charset="0"/>
-              </a:rPr>
-              <a:t>Simon: </a:t>
-            </a:r>
-            <a:r>
-              <a:rPr lang="en-US" b="0" i="0" dirty="0">
-                <a:solidFill>
-                  <a:srgbClr val="212529"/>
-                </a:solidFill>
-                <a:effectLst/>
-                <a:latin typeface="Arial" panose="020B0604020202020204" pitchFamily="34" charset="0"/>
-                <a:cs typeface="Arial" panose="020B0604020202020204" pitchFamily="34" charset="0"/>
-              </a:rPr>
-              <a:t>“We </a:t>
-            </a:r>
-            <a:r>
-              <a:rPr lang="en-US" b="0" i="0" dirty="0">
-                <a:solidFill>
-                  <a:srgbClr val="FF0000"/>
-                </a:solidFill>
-                <a:effectLst/>
-                <a:latin typeface="Arial" panose="020B0604020202020204" pitchFamily="34" charset="0"/>
-                <a:cs typeface="Arial" panose="020B0604020202020204" pitchFamily="34" charset="0"/>
-              </a:rPr>
-              <a:t>invented a computer program capable of thinking non-numerically</a:t>
-            </a:r>
-            <a:r>
-              <a:rPr lang="en-US" b="0" i="0" dirty="0">
-                <a:solidFill>
-                  <a:srgbClr val="212529"/>
-                </a:solidFill>
-                <a:effectLst/>
-                <a:latin typeface="Arial" panose="020B0604020202020204" pitchFamily="34" charset="0"/>
-                <a:cs typeface="Arial" panose="020B0604020202020204" pitchFamily="34" charset="0"/>
-              </a:rPr>
-              <a:t>, and thereby solved the venerable mind-body problem, explaining how a system composed of matter can have the properties of mind.”</a:t>
-            </a:r>
-          </a:p>
-          <a:p>
-            <a:endParaRPr lang="en-US" dirty="0">
-              <a:solidFill>
-                <a:srgbClr val="212529"/>
-              </a:solidFill>
-              <a:latin typeface="Arial" panose="020B0604020202020204" pitchFamily="34" charset="0"/>
-              <a:cs typeface="Arial" panose="020B0604020202020204" pitchFamily="34" charset="0"/>
-            </a:endParaRPr>
-          </a:p>
-          <a:p>
-            <a:r>
-              <a:rPr lang="en-US" dirty="0">
-                <a:solidFill>
-                  <a:srgbClr val="212529"/>
-                </a:solidFill>
-                <a:latin typeface="Arial" panose="020B0604020202020204" pitchFamily="34" charset="0"/>
-                <a:cs typeface="Arial" panose="020B0604020202020204" pitchFamily="34" charset="0"/>
-              </a:rPr>
-              <a:t>The proofs were, in some cases, </a:t>
-            </a:r>
-            <a:r>
-              <a:rPr lang="en-US" dirty="0">
-                <a:solidFill>
-                  <a:srgbClr val="FF0000"/>
-                </a:solidFill>
-                <a:latin typeface="Arial" panose="020B0604020202020204" pitchFamily="34" charset="0"/>
-                <a:cs typeface="Arial" panose="020B0604020202020204" pitchFamily="34" charset="0"/>
-              </a:rPr>
-              <a:t>more direct </a:t>
-            </a:r>
-            <a:r>
-              <a:rPr lang="en-US" dirty="0">
-                <a:solidFill>
-                  <a:srgbClr val="212529"/>
-                </a:solidFill>
-                <a:latin typeface="Arial" panose="020B0604020202020204" pitchFamily="34" charset="0"/>
-                <a:cs typeface="Arial" panose="020B0604020202020204" pitchFamily="34" charset="0"/>
-              </a:rPr>
-              <a:t>(fewer steps) than the human proofs offered by Russell and Whitehead</a:t>
-            </a:r>
-          </a:p>
-          <a:p>
-            <a:endParaRPr lang="en-US" dirty="0">
-              <a:solidFill>
-                <a:srgbClr val="212529"/>
-              </a:solidFill>
-              <a:latin typeface="Arial" panose="020B0604020202020204" pitchFamily="34" charset="0"/>
-              <a:cs typeface="Arial" panose="020B0604020202020204" pitchFamily="34" charset="0"/>
-            </a:endParaRPr>
-          </a:p>
-          <a:p>
-            <a:r>
-              <a:rPr lang="en-US" dirty="0">
-                <a:solidFill>
-                  <a:srgbClr val="212529"/>
-                </a:solidFill>
-                <a:latin typeface="Arial" panose="020B0604020202020204" pitchFamily="34" charset="0"/>
-                <a:cs typeface="Arial" panose="020B0604020202020204" pitchFamily="34" charset="0"/>
-              </a:rPr>
-              <a:t>The proofs were, in some cases, </a:t>
-            </a:r>
-            <a:r>
-              <a:rPr lang="en-US" dirty="0">
-                <a:solidFill>
-                  <a:srgbClr val="FF0000"/>
-                </a:solidFill>
-                <a:latin typeface="Arial" panose="020B0604020202020204" pitchFamily="34" charset="0"/>
-                <a:cs typeface="Arial" panose="020B0604020202020204" pitchFamily="34" charset="0"/>
-              </a:rPr>
-              <a:t>much more detailed </a:t>
-            </a:r>
-            <a:r>
-              <a:rPr lang="en-US" dirty="0">
-                <a:solidFill>
-                  <a:srgbClr val="212529"/>
-                </a:solidFill>
-                <a:latin typeface="Arial" panose="020B0604020202020204" pitchFamily="34" charset="0"/>
-                <a:cs typeface="Arial" panose="020B0604020202020204" pitchFamily="34" charset="0"/>
-              </a:rPr>
-              <a:t>than the human proofs offered by Russell and Whitehead</a:t>
-            </a:r>
-          </a:p>
-          <a:p>
-            <a:endParaRPr lang="en-US" dirty="0">
-              <a:solidFill>
-                <a:srgbClr val="212529"/>
-              </a:solidFill>
-              <a:latin typeface="Arial" panose="020B0604020202020204" pitchFamily="34" charset="0"/>
-              <a:cs typeface="Arial" panose="020B0604020202020204" pitchFamily="34" charset="0"/>
-            </a:endParaRPr>
-          </a:p>
-          <a:p>
-            <a:r>
-              <a:rPr lang="en-US" dirty="0">
-                <a:solidFill>
-                  <a:srgbClr val="212529"/>
-                </a:solidFill>
-                <a:latin typeface="Arial" panose="020B0604020202020204" pitchFamily="34" charset="0"/>
-                <a:cs typeface="Arial" panose="020B0604020202020204" pitchFamily="34" charset="0"/>
-              </a:rPr>
-              <a:t>Pamela </a:t>
-            </a:r>
-            <a:r>
-              <a:rPr lang="en-US" dirty="0" err="1">
-                <a:solidFill>
-                  <a:srgbClr val="212529"/>
-                </a:solidFill>
-                <a:latin typeface="Arial" panose="020B0604020202020204" pitchFamily="34" charset="0"/>
-                <a:cs typeface="Arial" panose="020B0604020202020204" pitchFamily="34" charset="0"/>
-              </a:rPr>
-              <a:t>McCorduck</a:t>
-            </a:r>
-            <a:r>
-              <a:rPr lang="en-US" dirty="0">
-                <a:solidFill>
-                  <a:srgbClr val="212529"/>
-                </a:solidFill>
-                <a:latin typeface="Arial" panose="020B0604020202020204" pitchFamily="34" charset="0"/>
-                <a:cs typeface="Arial" panose="020B0604020202020204" pitchFamily="34" charset="0"/>
-              </a:rPr>
-              <a:t>: “</a:t>
-            </a:r>
-            <a:r>
-              <a:rPr lang="en-US" b="0" i="0" dirty="0">
-                <a:solidFill>
-                  <a:srgbClr val="202122"/>
-                </a:solidFill>
-                <a:effectLst/>
-                <a:latin typeface="Arial" panose="020B0604020202020204" pitchFamily="34" charset="0"/>
-                <a:cs typeface="Arial" panose="020B0604020202020204" pitchFamily="34" charset="0"/>
-              </a:rPr>
-              <a:t>proof positive that a machine could perform tasks heretofore considered </a:t>
-            </a:r>
-            <a:r>
-              <a:rPr lang="en-US" b="0" i="0" dirty="0">
-                <a:solidFill>
-                  <a:srgbClr val="FF0000"/>
-                </a:solidFill>
-                <a:effectLst/>
-                <a:latin typeface="Arial" panose="020B0604020202020204" pitchFamily="34" charset="0"/>
-                <a:cs typeface="Arial" panose="020B0604020202020204" pitchFamily="34" charset="0"/>
-              </a:rPr>
-              <a:t>intelligent, creative and uniquely human</a:t>
-            </a:r>
-            <a:r>
-              <a:rPr lang="en-US" b="0" i="0" dirty="0">
-                <a:solidFill>
-                  <a:srgbClr val="202122"/>
-                </a:solidFill>
-                <a:effectLst/>
-                <a:latin typeface="Arial" panose="020B0604020202020204" pitchFamily="34" charset="0"/>
-                <a:cs typeface="Arial" panose="020B0604020202020204" pitchFamily="34" charset="0"/>
-              </a:rPr>
-              <a:t>” -&gt; Strong AI</a:t>
-            </a:r>
-            <a:endParaRPr lang="en-US" dirty="0">
-              <a:latin typeface="Arial" panose="020B0604020202020204" pitchFamily="34" charset="0"/>
-              <a:cs typeface="Arial" panose="020B0604020202020204" pitchFamily="34" charset="0"/>
-            </a:endParaRPr>
-          </a:p>
-        </p:txBody>
-      </p:sp>
-    </p:spTree>
-    <p:extLst>
-      <p:ext uri="{BB962C8B-B14F-4D97-AF65-F5344CB8AC3E}">
-        <p14:creationId xmlns:p14="http://schemas.microsoft.com/office/powerpoint/2010/main" val="3782650884"/>
-      </p:ext>
-    </p:extLst>
-  </p:cSld>
-  <p:clrMapOvr>
-    <a:masterClrMapping/>
-  </p:clrMapOvr>
-</p:sld>
-</file>
-
-<file path=ppt/slides/slide39.xml><?xml version="1.0" encoding="utf-8"?>
-<p:sld xmlns:a="http://schemas.openxmlformats.org/drawingml/2006/main" xmlns:r="http://schemas.openxmlformats.org/officeDocument/2006/relationships" xmlns:p="http://schemas.openxmlformats.org/presentationml/2006/main">
-  <p:cSld>
-    <p:spTree>
-      <p:nvGrpSpPr>
-        <p:cNvPr id="1" name=""/>
-        <p:cNvGrpSpPr/>
-        <p:nvPr/>
-      </p:nvGrpSpPr>
-      <p:grpSpPr>
-        <a:xfrm>
-          <a:off x="0" y="0"/>
-          <a:ext cx="0" cy="0"/>
-          <a:chOff x="0" y="0"/>
-          <a:chExt cx="0" cy="0"/>
-        </a:xfrm>
-      </p:grpSpPr>
-      <p:sp>
-        <p:nvSpPr>
-          <p:cNvPr id="2" name="Title 1">
-            <a:extLst>
-              <a:ext uri="{FF2B5EF4-FFF2-40B4-BE49-F238E27FC236}">
-                <a16:creationId xmlns:a16="http://schemas.microsoft.com/office/drawing/2014/main" id="{F5051BBE-835A-7215-9BA1-C5CBA90F9014}"/>
-              </a:ext>
-            </a:extLst>
-          </p:cNvPr>
-          <p:cNvSpPr>
-            <a:spLocks noGrp="1"/>
-          </p:cNvSpPr>
-          <p:nvPr>
-            <p:ph type="title"/>
-          </p:nvPr>
-        </p:nvSpPr>
-        <p:spPr/>
-        <p:txBody>
-          <a:bodyPr/>
-          <a:lstStyle/>
-          <a:p>
-            <a:r>
-              <a:rPr lang="en-US" dirty="0"/>
-              <a:t>Early Successes in AI</a:t>
-            </a:r>
-          </a:p>
-        </p:txBody>
-      </p:sp>
-      <p:sp>
-        <p:nvSpPr>
-          <p:cNvPr id="3" name="Content Placeholder 2">
-            <a:extLst>
-              <a:ext uri="{FF2B5EF4-FFF2-40B4-BE49-F238E27FC236}">
-                <a16:creationId xmlns:a16="http://schemas.microsoft.com/office/drawing/2014/main" id="{137326C9-6568-515E-0573-0E7B8E54BD1A}"/>
-              </a:ext>
-            </a:extLst>
-          </p:cNvPr>
-          <p:cNvSpPr>
-            <a:spLocks noGrp="1"/>
-          </p:cNvSpPr>
-          <p:nvPr>
-            <p:ph idx="1"/>
-          </p:nvPr>
-        </p:nvSpPr>
-        <p:spPr/>
-        <p:txBody>
-          <a:bodyPr>
-            <a:normAutofit fontScale="92500"/>
-          </a:bodyPr>
-          <a:lstStyle/>
-          <a:p>
-            <a:pPr marL="0" marR="0" indent="0">
-              <a:spcBef>
-                <a:spcPts val="0"/>
-              </a:spcBef>
-              <a:spcAft>
-                <a:spcPts val="0"/>
-              </a:spcAft>
-              <a:buNone/>
-            </a:pPr>
-            <a:r>
-              <a:rPr lang="en-US" sz="2400" b="1" i="1" dirty="0">
-                <a:solidFill>
-                  <a:srgbClr val="2F5496"/>
-                </a:solidFill>
-                <a:effectLst/>
-                <a:latin typeface="Segoe UI" panose="020B0502040204020203" pitchFamily="34" charset="0"/>
-                <a:ea typeface="Times New Roman" panose="02020603050405020304" pitchFamily="18" charset="0"/>
-                <a:cs typeface="Times New Roman" panose="02020603050405020304" pitchFamily="18" charset="0"/>
-              </a:rPr>
-              <a:t>ELIZA (1966)</a:t>
-            </a:r>
-          </a:p>
-          <a:p>
-            <a:pPr marL="0" marR="0" indent="0">
-              <a:spcBef>
-                <a:spcPts val="0"/>
-              </a:spcBef>
-              <a:spcAft>
-                <a:spcPts val="0"/>
-              </a:spcAft>
-              <a:buNone/>
-            </a:pPr>
-            <a:endParaRPr lang="en-US" sz="1800" b="1" i="1" dirty="0">
-              <a:solidFill>
-                <a:srgbClr val="2F5496"/>
-              </a:solidFill>
-              <a:effectLst/>
-              <a:latin typeface="Segoe UI" panose="020B0502040204020203" pitchFamily="34" charset="0"/>
-              <a:ea typeface="Times New Roman" panose="02020603050405020304" pitchFamily="18" charset="0"/>
-              <a:cs typeface="Times New Roman" panose="02020603050405020304" pitchFamily="18" charset="0"/>
-            </a:endParaRPr>
-          </a:p>
-          <a:p>
-            <a:pPr marL="0" marR="0" indent="0">
-              <a:spcBef>
-                <a:spcPts val="0"/>
-              </a:spcBef>
-              <a:spcAft>
-                <a:spcPts val="0"/>
-              </a:spcAft>
-              <a:buNone/>
-            </a:pPr>
-            <a:r>
-              <a:rPr lang="en-US" sz="1800" b="1" i="1" dirty="0">
-                <a:solidFill>
-                  <a:srgbClr val="2F5496"/>
-                </a:solidFill>
-                <a:effectLst/>
-                <a:latin typeface="Segoe UI" panose="020B0502040204020203" pitchFamily="34" charset="0"/>
-                <a:ea typeface="Times New Roman" panose="02020603050405020304" pitchFamily="18" charset="0"/>
-                <a:cs typeface="Times New Roman" panose="02020603050405020304" pitchFamily="18" charset="0"/>
-              </a:rPr>
-              <a:t>Capabilities:</a:t>
-            </a:r>
-          </a:p>
-          <a:p>
-            <a:pPr marL="0" marR="0">
-              <a:spcBef>
-                <a:spcPts val="0"/>
-              </a:spcBef>
-              <a:spcAft>
-                <a:spcPts val="0"/>
-              </a:spcAft>
-            </a:pPr>
-            <a:endParaRPr lang="en-US" sz="1800" b="1" dirty="0">
-              <a:solidFill>
-                <a:srgbClr val="2F5496"/>
-              </a:solidFill>
-              <a:effectLst/>
-              <a:latin typeface="Calibri Light" panose="020F0302020204030204" pitchFamily="34" charset="0"/>
-              <a:ea typeface="Times New Roman" panose="02020603050405020304" pitchFamily="18" charset="0"/>
-              <a:cs typeface="Times New Roman" panose="02020603050405020304" pitchFamily="18" charset="0"/>
-            </a:endParaRPr>
-          </a:p>
-          <a:p>
-            <a:pPr marL="342900" marR="0" lvl="0" indent="-342900">
-              <a:spcBef>
-                <a:spcPts val="0"/>
-              </a:spcBef>
-              <a:spcAft>
-                <a:spcPts val="0"/>
-              </a:spcAft>
-              <a:buSzPts val="1000"/>
-              <a:buFont typeface="Symbol" pitchFamily="2" charset="2"/>
-              <a:buChar char=""/>
-              <a:tabLst>
-                <a:tab pos="457200" algn="l"/>
-              </a:tabLst>
-            </a:pPr>
-            <a:r>
-              <a:rPr lang="en-US" sz="1800" b="1" dirty="0">
-                <a:effectLst/>
-                <a:latin typeface="Segoe UI" panose="020B0502040204020203" pitchFamily="34" charset="0"/>
-                <a:ea typeface="Times New Roman" panose="02020603050405020304" pitchFamily="18" charset="0"/>
-              </a:rPr>
-              <a:t>Natural Language Processing:</a:t>
-            </a:r>
-            <a:r>
-              <a:rPr lang="en-US" sz="1800" dirty="0">
-                <a:effectLst/>
-                <a:latin typeface="Segoe UI" panose="020B0502040204020203" pitchFamily="34" charset="0"/>
-                <a:ea typeface="Times New Roman" panose="02020603050405020304" pitchFamily="18" charset="0"/>
-              </a:rPr>
-              <a:t> Developed by Joseph </a:t>
-            </a:r>
-            <a:r>
-              <a:rPr lang="en-US" sz="1800" dirty="0" err="1">
-                <a:effectLst/>
-                <a:latin typeface="Segoe UI" panose="020B0502040204020203" pitchFamily="34" charset="0"/>
-                <a:ea typeface="Times New Roman" panose="02020603050405020304" pitchFamily="18" charset="0"/>
-              </a:rPr>
-              <a:t>Weizenbaum</a:t>
-            </a:r>
-            <a:r>
-              <a:rPr lang="en-US" sz="1800" dirty="0">
-                <a:effectLst/>
-                <a:latin typeface="Segoe UI" panose="020B0502040204020203" pitchFamily="34" charset="0"/>
-                <a:ea typeface="Times New Roman" panose="02020603050405020304" pitchFamily="18" charset="0"/>
-              </a:rPr>
-              <a:t> at the MIT AI Lab, ELIZA was one of the first AI programs to conduct conversations in natural English, showcasing early capabilities in </a:t>
-            </a:r>
-            <a:r>
-              <a:rPr lang="en-US" sz="1800" dirty="0">
-                <a:solidFill>
-                  <a:srgbClr val="FF0000"/>
-                </a:solidFill>
-                <a:effectLst/>
-                <a:latin typeface="Segoe UI" panose="020B0502040204020203" pitchFamily="34" charset="0"/>
-                <a:ea typeface="Times New Roman" panose="02020603050405020304" pitchFamily="18" charset="0"/>
-              </a:rPr>
-              <a:t>Natural Language Processing (NLP) – the first chatbot!!!</a:t>
-            </a:r>
-          </a:p>
-          <a:p>
-            <a:pPr marL="0" marR="0" lvl="0" indent="0">
-              <a:spcBef>
-                <a:spcPts val="0"/>
-              </a:spcBef>
-              <a:spcAft>
-                <a:spcPts val="0"/>
-              </a:spcAft>
-              <a:buSzPts val="1000"/>
-              <a:buNone/>
-              <a:tabLst>
-                <a:tab pos="457200" algn="l"/>
-              </a:tabLst>
-            </a:pPr>
-            <a:endParaRPr lang="en-US" sz="1800" dirty="0">
-              <a:effectLst/>
-              <a:latin typeface="Times New Roman" panose="02020603050405020304" pitchFamily="18" charset="0"/>
-              <a:ea typeface="Times New Roman" panose="02020603050405020304" pitchFamily="18" charset="0"/>
-            </a:endParaRPr>
-          </a:p>
-          <a:p>
-            <a:pPr marL="342900" marR="0" lvl="0" indent="-342900">
-              <a:spcBef>
-                <a:spcPts val="0"/>
-              </a:spcBef>
-              <a:spcAft>
-                <a:spcPts val="0"/>
-              </a:spcAft>
-              <a:buSzPts val="1000"/>
-              <a:buFont typeface="Symbol" pitchFamily="2" charset="2"/>
-              <a:buChar char=""/>
-              <a:tabLst>
-                <a:tab pos="457200" algn="l"/>
-              </a:tabLst>
-            </a:pPr>
-            <a:r>
-              <a:rPr lang="en-US" sz="1800" b="1" dirty="0">
-                <a:effectLst/>
-                <a:latin typeface="Segoe UI" panose="020B0502040204020203" pitchFamily="34" charset="0"/>
-                <a:ea typeface="Times New Roman" panose="02020603050405020304" pitchFamily="18" charset="0"/>
-              </a:rPr>
-              <a:t>User Interaction:</a:t>
-            </a:r>
-            <a:r>
-              <a:rPr lang="en-US" sz="1800" dirty="0">
-                <a:effectLst/>
-                <a:latin typeface="Segoe UI" panose="020B0502040204020203" pitchFamily="34" charset="0"/>
-                <a:ea typeface="Times New Roman" panose="02020603050405020304" pitchFamily="18" charset="0"/>
-              </a:rPr>
-              <a:t> It could engage with users in a seemingly empathetic manner, </a:t>
-            </a:r>
-            <a:r>
-              <a:rPr lang="en-US" sz="1800" dirty="0">
-                <a:solidFill>
-                  <a:srgbClr val="FF0000"/>
-                </a:solidFill>
-                <a:effectLst/>
-                <a:latin typeface="Segoe UI" panose="020B0502040204020203" pitchFamily="34" charset="0"/>
-                <a:ea typeface="Times New Roman" panose="02020603050405020304" pitchFamily="18" charset="0"/>
-              </a:rPr>
-              <a:t>mimicking a Rogerian psychotherapist </a:t>
-            </a:r>
-            <a:r>
-              <a:rPr lang="en-US" sz="1800" dirty="0">
-                <a:effectLst/>
-                <a:latin typeface="Segoe UI" panose="020B0502040204020203" pitchFamily="34" charset="0"/>
-                <a:ea typeface="Times New Roman" panose="02020603050405020304" pitchFamily="18" charset="0"/>
-              </a:rPr>
-              <a:t>and providing responses that reflected understanding and engagement.</a:t>
-            </a:r>
-          </a:p>
-          <a:p>
-            <a:pPr marL="0" marR="0" lvl="0" indent="0">
-              <a:spcBef>
-                <a:spcPts val="0"/>
-              </a:spcBef>
-              <a:spcAft>
-                <a:spcPts val="0"/>
-              </a:spcAft>
-              <a:buSzPts val="1000"/>
-              <a:buNone/>
-              <a:tabLst>
-                <a:tab pos="457200" algn="l"/>
-              </a:tabLst>
-            </a:pPr>
-            <a:endParaRPr lang="en-US" sz="1800" dirty="0">
-              <a:effectLst/>
-              <a:latin typeface="Times New Roman" panose="02020603050405020304" pitchFamily="18" charset="0"/>
-              <a:ea typeface="Times New Roman" panose="02020603050405020304" pitchFamily="18" charset="0"/>
-            </a:endParaRPr>
-          </a:p>
-          <a:p>
-            <a:pPr marL="342900" marR="0" lvl="0" indent="-342900">
-              <a:spcBef>
-                <a:spcPts val="0"/>
-              </a:spcBef>
-              <a:spcAft>
-                <a:spcPts val="0"/>
-              </a:spcAft>
-              <a:buSzPts val="1000"/>
-              <a:buFont typeface="Symbol" pitchFamily="2" charset="2"/>
-              <a:buChar char=""/>
-              <a:tabLst>
-                <a:tab pos="457200" algn="l"/>
-              </a:tabLst>
-            </a:pPr>
-            <a:r>
-              <a:rPr lang="en-US" sz="1800" b="1" dirty="0">
-                <a:effectLst/>
-                <a:latin typeface="Segoe UI" panose="020B0502040204020203" pitchFamily="34" charset="0"/>
-                <a:ea typeface="Times New Roman" panose="02020603050405020304" pitchFamily="18" charset="0"/>
-              </a:rPr>
-              <a:t>Script-Based Responses:</a:t>
-            </a:r>
-            <a:r>
-              <a:rPr lang="en-US" sz="1800" dirty="0">
-                <a:effectLst/>
-                <a:latin typeface="Segoe UI" panose="020B0502040204020203" pitchFamily="34" charset="0"/>
-                <a:ea typeface="Times New Roman" panose="02020603050405020304" pitchFamily="18" charset="0"/>
-              </a:rPr>
-              <a:t> ELIZA utilized scripts (the most famous being DOCTOR) </a:t>
-            </a:r>
-            <a:r>
-              <a:rPr lang="en-US" sz="1800" dirty="0">
-                <a:solidFill>
-                  <a:srgbClr val="FF0000"/>
-                </a:solidFill>
-                <a:effectLst/>
-                <a:latin typeface="Segoe UI" panose="020B0502040204020203" pitchFamily="34" charset="0"/>
-                <a:ea typeface="Times New Roman" panose="02020603050405020304" pitchFamily="18" charset="0"/>
-              </a:rPr>
-              <a:t>to identify keywords in user inputs and formulate responses,</a:t>
-            </a:r>
-            <a:r>
-              <a:rPr lang="en-US" sz="1800" dirty="0">
-                <a:effectLst/>
-                <a:latin typeface="Segoe UI" panose="020B0502040204020203" pitchFamily="34" charset="0"/>
-                <a:ea typeface="Times New Roman" panose="02020603050405020304" pitchFamily="18" charset="0"/>
-              </a:rPr>
-              <a:t> providing an </a:t>
-            </a:r>
-            <a:r>
-              <a:rPr lang="en-US" sz="1800" dirty="0">
-                <a:solidFill>
-                  <a:srgbClr val="00B050"/>
-                </a:solidFill>
-                <a:effectLst/>
-                <a:latin typeface="Segoe UI" panose="020B0502040204020203" pitchFamily="34" charset="0"/>
-                <a:ea typeface="Times New Roman" panose="02020603050405020304" pitchFamily="18" charset="0"/>
-              </a:rPr>
-              <a:t>illusion</a:t>
-            </a:r>
-            <a:r>
-              <a:rPr lang="en-US" sz="1800" dirty="0">
-                <a:effectLst/>
-                <a:latin typeface="Segoe UI" panose="020B0502040204020203" pitchFamily="34" charset="0"/>
-                <a:ea typeface="Times New Roman" panose="02020603050405020304" pitchFamily="18" charset="0"/>
-              </a:rPr>
-              <a:t> of comprehension and interaction.</a:t>
-            </a:r>
-            <a:endParaRPr lang="en-US" sz="1800" dirty="0">
-              <a:effectLst/>
-              <a:latin typeface="Times New Roman" panose="02020603050405020304" pitchFamily="18" charset="0"/>
-              <a:ea typeface="Times New Roman" panose="02020603050405020304" pitchFamily="18" charset="0"/>
-            </a:endParaRPr>
-          </a:p>
-          <a:p>
-            <a:endParaRPr lang="en-US" dirty="0"/>
-          </a:p>
-        </p:txBody>
-      </p:sp>
-    </p:spTree>
-    <p:extLst>
-      <p:ext uri="{BB962C8B-B14F-4D97-AF65-F5344CB8AC3E}">
-        <p14:creationId xmlns:p14="http://schemas.microsoft.com/office/powerpoint/2010/main" val="1396155467"/>
-      </p:ext>
-    </p:extLst>
-  </p:cSld>
-  <p:clrMapOvr>
-    <a:masterClrMapping/>
-  </p:clrMapOvr>
-</p:sld>
-</file>
-
 <file path=ppt/slides/slide4.xml><?xml version="1.0" encoding="utf-8"?>
 <p:sld xmlns:a="http://schemas.openxmlformats.org/drawingml/2006/main" xmlns:r="http://schemas.openxmlformats.org/officeDocument/2006/relationships" xmlns:p="http://schemas.openxmlformats.org/presentationml/2006/main">
   <p:cSld>
@@ -24795,1159 +21650,6 @@
     <p:extLst>
       <p:ext uri="{BB962C8B-B14F-4D97-AF65-F5344CB8AC3E}">
         <p14:creationId xmlns:p14="http://schemas.microsoft.com/office/powerpoint/2010/main" val="3620666713"/>
-      </p:ext>
-    </p:extLst>
-  </p:cSld>
-  <p:clrMapOvr>
-    <a:masterClrMapping/>
-  </p:clrMapOvr>
-</p:sld>
-</file>
-
-<file path=ppt/slides/slide40.xml><?xml version="1.0" encoding="utf-8"?>
-<p:sld xmlns:a="http://schemas.openxmlformats.org/drawingml/2006/main" xmlns:r="http://schemas.openxmlformats.org/officeDocument/2006/relationships" xmlns:p="http://schemas.openxmlformats.org/presentationml/2006/main">
-  <p:cSld>
-    <p:spTree>
-      <p:nvGrpSpPr>
-        <p:cNvPr id="1" name=""/>
-        <p:cNvGrpSpPr/>
-        <p:nvPr/>
-      </p:nvGrpSpPr>
-      <p:grpSpPr>
-        <a:xfrm>
-          <a:off x="0" y="0"/>
-          <a:ext cx="0" cy="0"/>
-          <a:chOff x="0" y="0"/>
-          <a:chExt cx="0" cy="0"/>
-        </a:xfrm>
-      </p:grpSpPr>
-      <p:sp>
-        <p:nvSpPr>
-          <p:cNvPr id="2" name="Title 1">
-            <a:extLst>
-              <a:ext uri="{FF2B5EF4-FFF2-40B4-BE49-F238E27FC236}">
-                <a16:creationId xmlns:a16="http://schemas.microsoft.com/office/drawing/2014/main" id="{C6E0283C-DA29-730B-AF9A-77A8E6902D74}"/>
-              </a:ext>
-            </a:extLst>
-          </p:cNvPr>
-          <p:cNvSpPr>
-            <a:spLocks noGrp="1"/>
-          </p:cNvSpPr>
-          <p:nvPr>
-            <p:ph type="title"/>
-          </p:nvPr>
-        </p:nvSpPr>
-        <p:spPr/>
-        <p:txBody>
-          <a:bodyPr/>
-          <a:lstStyle/>
-          <a:p>
-            <a:r>
-              <a:rPr lang="en-US" dirty="0"/>
-              <a:t>ELIZA Example Conversation</a:t>
-            </a:r>
-          </a:p>
-        </p:txBody>
-      </p:sp>
-      <p:sp>
-        <p:nvSpPr>
-          <p:cNvPr id="3" name="Content Placeholder 2">
-            <a:extLst>
-              <a:ext uri="{FF2B5EF4-FFF2-40B4-BE49-F238E27FC236}">
-                <a16:creationId xmlns:a16="http://schemas.microsoft.com/office/drawing/2014/main" id="{7728B2E0-9F6F-EDA2-FE5E-8BA1DF41B57A}"/>
-              </a:ext>
-            </a:extLst>
-          </p:cNvPr>
-          <p:cNvSpPr>
-            <a:spLocks noGrp="1"/>
-          </p:cNvSpPr>
-          <p:nvPr>
-            <p:ph idx="1"/>
-          </p:nvPr>
-        </p:nvSpPr>
-        <p:spPr/>
-        <p:txBody>
-          <a:bodyPr/>
-          <a:lstStyle/>
-          <a:p>
-            <a:pPr algn="l"/>
-            <a:r>
-              <a:rPr lang="en-US" b="0" i="0" u="none" strike="noStrike" dirty="0">
-                <a:solidFill>
-                  <a:srgbClr val="800000"/>
-                </a:solidFill>
-                <a:effectLst/>
-                <a:latin typeface="PT Serif" panose="020A0603040505020204" pitchFamily="18" charset="77"/>
-              </a:rPr>
-              <a:t>ELIZA: Hi. What seems to be your problem ?  </a:t>
-            </a:r>
-            <a:endParaRPr lang="en-US" b="0" i="0" u="none" strike="noStrike" dirty="0">
-              <a:solidFill>
-                <a:srgbClr val="000000"/>
-              </a:solidFill>
-              <a:effectLst/>
-              <a:latin typeface="PT Serif" panose="020A0603040505020204" pitchFamily="18" charset="77"/>
-            </a:endParaRPr>
-          </a:p>
-          <a:p>
-            <a:pPr algn="l"/>
-            <a:r>
-              <a:rPr lang="en-US" b="0" i="0" u="none" strike="noStrike" dirty="0">
-                <a:solidFill>
-                  <a:srgbClr val="000000"/>
-                </a:solidFill>
-                <a:effectLst/>
-                <a:latin typeface="PT Serif" panose="020A0603040505020204" pitchFamily="18" charset="77"/>
-              </a:rPr>
-              <a:t>ME:   Lately, I’ve been feeling a little depressed.</a:t>
-            </a:r>
-          </a:p>
-          <a:p>
-            <a:pPr algn="l"/>
-            <a:r>
-              <a:rPr lang="en-US" b="0" i="0" u="none" strike="noStrike" dirty="0">
-                <a:solidFill>
-                  <a:srgbClr val="800000"/>
-                </a:solidFill>
-                <a:effectLst/>
-                <a:latin typeface="PT Serif" panose="020A0603040505020204" pitchFamily="18" charset="77"/>
-              </a:rPr>
-              <a:t>ELIZA: And how do you feel right now ?      </a:t>
-            </a:r>
-            <a:endParaRPr lang="en-US" b="0" i="0" u="none" strike="noStrike" dirty="0">
-              <a:solidFill>
-                <a:srgbClr val="000000"/>
-              </a:solidFill>
-              <a:effectLst/>
-              <a:latin typeface="PT Serif" panose="020A0603040505020204" pitchFamily="18" charset="77"/>
-            </a:endParaRPr>
-          </a:p>
-          <a:p>
-            <a:pPr algn="l"/>
-            <a:r>
-              <a:rPr lang="en-US" b="0" i="0" u="none" strike="noStrike" dirty="0">
-                <a:solidFill>
-                  <a:srgbClr val="000000"/>
-                </a:solidFill>
-                <a:effectLst/>
-                <a:latin typeface="PT Serif" panose="020A0603040505020204" pitchFamily="18" charset="77"/>
-              </a:rPr>
-              <a:t>ME:   I feel sad, but relieved to be writing.</a:t>
-            </a:r>
-          </a:p>
-          <a:p>
-            <a:pPr algn="l"/>
-            <a:r>
-              <a:rPr lang="en-US" b="0" i="0" u="none" strike="noStrike" dirty="0">
-                <a:solidFill>
-                  <a:srgbClr val="800000"/>
-                </a:solidFill>
-                <a:effectLst/>
-                <a:latin typeface="PT Serif" panose="020A0603040505020204" pitchFamily="18" charset="77"/>
-              </a:rPr>
-              <a:t>ELIZA: Of what does feeling sad remind you ?   </a:t>
-            </a:r>
-            <a:endParaRPr lang="en-US" b="0" i="0" u="none" strike="noStrike" dirty="0">
-              <a:solidFill>
-                <a:srgbClr val="000000"/>
-              </a:solidFill>
-              <a:effectLst/>
-              <a:latin typeface="PT Serif" panose="020A0603040505020204" pitchFamily="18" charset="77"/>
-            </a:endParaRPr>
-          </a:p>
-          <a:p>
-            <a:pPr algn="l"/>
-            <a:r>
-              <a:rPr lang="en-US" b="0" i="0" u="none" strike="noStrike" dirty="0">
-                <a:solidFill>
-                  <a:srgbClr val="000000"/>
-                </a:solidFill>
-                <a:effectLst/>
-                <a:latin typeface="PT Serif" panose="020A0603040505020204" pitchFamily="18" charset="77"/>
-              </a:rPr>
-              <a:t>ME:   Well, I’m an alcoholic, and I’ve been sober for a long time, but I drank yesterday.  And then I decided to stop drinking again. But still; that makes me feel sad.</a:t>
-            </a:r>
-          </a:p>
-          <a:p>
-            <a:pPr algn="l"/>
-            <a:r>
-              <a:rPr lang="en-US" b="0" i="0" u="none" strike="noStrike" dirty="0">
-                <a:solidFill>
-                  <a:srgbClr val="800000"/>
-                </a:solidFill>
-                <a:effectLst/>
-                <a:latin typeface="PT Serif" panose="020A0603040505020204" pitchFamily="18" charset="77"/>
-              </a:rPr>
-              <a:t>ELIZA: Is it because you are an alcoholic that you came to me ?    </a:t>
-            </a:r>
-            <a:endParaRPr lang="en-US" b="0" i="0" u="none" strike="noStrike" dirty="0">
-              <a:solidFill>
-                <a:srgbClr val="000000"/>
-              </a:solidFill>
-              <a:effectLst/>
-              <a:latin typeface="PT Serif" panose="020A0603040505020204" pitchFamily="18" charset="77"/>
-            </a:endParaRPr>
-          </a:p>
-          <a:p>
-            <a:pPr algn="l"/>
-            <a:r>
-              <a:rPr lang="en-US" b="0" i="0" u="none" strike="noStrike" dirty="0">
-                <a:solidFill>
-                  <a:srgbClr val="000000"/>
-                </a:solidFill>
-                <a:effectLst/>
-                <a:latin typeface="PT Serif" panose="020A0603040505020204" pitchFamily="18" charset="77"/>
-              </a:rPr>
-              <a:t>ME:   I suppose that that’s one of the reasons.</a:t>
-            </a:r>
-          </a:p>
-          <a:p>
-            <a:pPr algn="l"/>
-            <a:r>
-              <a:rPr lang="en-US" b="0" i="0" u="none" strike="noStrike" dirty="0">
-                <a:solidFill>
-                  <a:srgbClr val="800000"/>
-                </a:solidFill>
-                <a:effectLst/>
-                <a:latin typeface="PT Serif" panose="020A0603040505020204" pitchFamily="18" charset="77"/>
-              </a:rPr>
-              <a:t>ELIZA: Can you elaborate on that ?  </a:t>
-            </a:r>
-            <a:endParaRPr lang="en-US" b="0" i="0" u="none" strike="noStrike" dirty="0">
-              <a:solidFill>
-                <a:srgbClr val="000000"/>
-              </a:solidFill>
-              <a:effectLst/>
-              <a:latin typeface="PT Serif" panose="020A0603040505020204" pitchFamily="18" charset="77"/>
-            </a:endParaRPr>
-          </a:p>
-        </p:txBody>
-      </p:sp>
-    </p:spTree>
-    <p:extLst>
-      <p:ext uri="{BB962C8B-B14F-4D97-AF65-F5344CB8AC3E}">
-        <p14:creationId xmlns:p14="http://schemas.microsoft.com/office/powerpoint/2010/main" val="1941804822"/>
-      </p:ext>
-    </p:extLst>
-  </p:cSld>
-  <p:clrMapOvr>
-    <a:masterClrMapping/>
-  </p:clrMapOvr>
-</p:sld>
-</file>
-
-<file path=ppt/slides/slide41.xml><?xml version="1.0" encoding="utf-8"?>
-<p:sld xmlns:a="http://schemas.openxmlformats.org/drawingml/2006/main" xmlns:r="http://schemas.openxmlformats.org/officeDocument/2006/relationships" xmlns:p="http://schemas.openxmlformats.org/presentationml/2006/main">
-  <p:cSld>
-    <p:spTree>
-      <p:nvGrpSpPr>
-        <p:cNvPr id="1" name=""/>
-        <p:cNvGrpSpPr/>
-        <p:nvPr/>
-      </p:nvGrpSpPr>
-      <p:grpSpPr>
-        <a:xfrm>
-          <a:off x="0" y="0"/>
-          <a:ext cx="0" cy="0"/>
-          <a:chOff x="0" y="0"/>
-          <a:chExt cx="0" cy="0"/>
-        </a:xfrm>
-      </p:grpSpPr>
-      <p:sp>
-        <p:nvSpPr>
-          <p:cNvPr id="2" name="Title 1">
-            <a:extLst>
-              <a:ext uri="{FF2B5EF4-FFF2-40B4-BE49-F238E27FC236}">
-                <a16:creationId xmlns:a16="http://schemas.microsoft.com/office/drawing/2014/main" id="{F5051BBE-835A-7215-9BA1-C5CBA90F9014}"/>
-              </a:ext>
-            </a:extLst>
-          </p:cNvPr>
-          <p:cNvSpPr>
-            <a:spLocks noGrp="1"/>
-          </p:cNvSpPr>
-          <p:nvPr>
-            <p:ph type="title"/>
-          </p:nvPr>
-        </p:nvSpPr>
-        <p:spPr/>
-        <p:txBody>
-          <a:bodyPr/>
-          <a:lstStyle/>
-          <a:p>
-            <a:r>
-              <a:rPr lang="en-US" dirty="0"/>
-              <a:t>Early Successes in AI</a:t>
-            </a:r>
-          </a:p>
-        </p:txBody>
-      </p:sp>
-      <p:sp>
-        <p:nvSpPr>
-          <p:cNvPr id="3" name="Content Placeholder 2">
-            <a:extLst>
-              <a:ext uri="{FF2B5EF4-FFF2-40B4-BE49-F238E27FC236}">
-                <a16:creationId xmlns:a16="http://schemas.microsoft.com/office/drawing/2014/main" id="{137326C9-6568-515E-0573-0E7B8E54BD1A}"/>
-              </a:ext>
-            </a:extLst>
-          </p:cNvPr>
-          <p:cNvSpPr>
-            <a:spLocks noGrp="1"/>
-          </p:cNvSpPr>
-          <p:nvPr>
-            <p:ph idx="1"/>
-          </p:nvPr>
-        </p:nvSpPr>
-        <p:spPr/>
-        <p:txBody>
-          <a:bodyPr>
-            <a:normAutofit/>
-          </a:bodyPr>
-          <a:lstStyle/>
-          <a:p>
-            <a:pPr marL="0" marR="0" indent="0">
-              <a:spcBef>
-                <a:spcPts val="0"/>
-              </a:spcBef>
-              <a:spcAft>
-                <a:spcPts val="0"/>
-              </a:spcAft>
-              <a:buNone/>
-            </a:pPr>
-            <a:r>
-              <a:rPr lang="en-US" sz="1800" b="1" i="1" dirty="0">
-                <a:solidFill>
-                  <a:srgbClr val="2F5496"/>
-                </a:solidFill>
-                <a:effectLst/>
-                <a:latin typeface="Segoe UI" panose="020B0502040204020203" pitchFamily="34" charset="0"/>
-                <a:ea typeface="Times New Roman" panose="02020603050405020304" pitchFamily="18" charset="0"/>
-                <a:cs typeface="Times New Roman" panose="02020603050405020304" pitchFamily="18" charset="0"/>
-              </a:rPr>
-              <a:t>Limitations:</a:t>
-            </a:r>
-          </a:p>
-          <a:p>
-            <a:pPr marL="0" marR="0">
-              <a:spcBef>
-                <a:spcPts val="0"/>
-              </a:spcBef>
-              <a:spcAft>
-                <a:spcPts val="0"/>
-              </a:spcAft>
-            </a:pPr>
-            <a:endParaRPr lang="en-US" sz="1800" b="1" dirty="0">
-              <a:solidFill>
-                <a:srgbClr val="2F5496"/>
-              </a:solidFill>
-              <a:effectLst/>
-              <a:latin typeface="Calibri Light" panose="020F0302020204030204" pitchFamily="34" charset="0"/>
-              <a:ea typeface="Times New Roman" panose="02020603050405020304" pitchFamily="18" charset="0"/>
-              <a:cs typeface="Times New Roman" panose="02020603050405020304" pitchFamily="18" charset="0"/>
-            </a:endParaRPr>
-          </a:p>
-          <a:p>
-            <a:pPr marL="342900" marR="0" lvl="0" indent="-342900">
-              <a:spcBef>
-                <a:spcPts val="0"/>
-              </a:spcBef>
-              <a:spcAft>
-                <a:spcPts val="0"/>
-              </a:spcAft>
-              <a:buSzPts val="1000"/>
-              <a:buFont typeface="Symbol" pitchFamily="2" charset="2"/>
-              <a:buChar char=""/>
-              <a:tabLst>
-                <a:tab pos="457200" algn="l"/>
-              </a:tabLst>
-            </a:pPr>
-            <a:r>
-              <a:rPr lang="en-US" sz="1800" b="1" dirty="0">
-                <a:effectLst/>
-                <a:latin typeface="Segoe UI" panose="020B0502040204020203" pitchFamily="34" charset="0"/>
-                <a:ea typeface="Times New Roman" panose="02020603050405020304" pitchFamily="18" charset="0"/>
-              </a:rPr>
-              <a:t>Lack of Genuine Understanding:</a:t>
-            </a:r>
-            <a:r>
-              <a:rPr lang="en-US" sz="1800" dirty="0">
-                <a:effectLst/>
-                <a:latin typeface="Segoe UI" panose="020B0502040204020203" pitchFamily="34" charset="0"/>
-                <a:ea typeface="Times New Roman" panose="02020603050405020304" pitchFamily="18" charset="0"/>
-              </a:rPr>
-              <a:t> ELIZA </a:t>
-            </a:r>
-            <a:r>
-              <a:rPr lang="en-US" sz="1800" dirty="0">
-                <a:solidFill>
-                  <a:srgbClr val="FF0000"/>
-                </a:solidFill>
-                <a:effectLst/>
-                <a:latin typeface="Segoe UI" panose="020B0502040204020203" pitchFamily="34" charset="0"/>
-                <a:ea typeface="Times New Roman" panose="02020603050405020304" pitchFamily="18" charset="0"/>
-              </a:rPr>
-              <a:t>did not understand language or context </a:t>
-            </a:r>
-            <a:r>
-              <a:rPr lang="en-US" sz="1800" dirty="0">
-                <a:effectLst/>
-                <a:latin typeface="Segoe UI" panose="020B0502040204020203" pitchFamily="34" charset="0"/>
-                <a:ea typeface="Times New Roman" panose="02020603050405020304" pitchFamily="18" charset="0"/>
-              </a:rPr>
-              <a:t>in a genuine sense. It operated through </a:t>
-            </a:r>
-            <a:r>
-              <a:rPr lang="en-US" sz="1800" dirty="0">
-                <a:solidFill>
-                  <a:srgbClr val="00B050"/>
-                </a:solidFill>
-                <a:effectLst/>
-                <a:latin typeface="Segoe UI" panose="020B0502040204020203" pitchFamily="34" charset="0"/>
-                <a:ea typeface="Times New Roman" panose="02020603050405020304" pitchFamily="18" charset="0"/>
-              </a:rPr>
-              <a:t>pattern matching and substitution methodology </a:t>
-            </a:r>
-            <a:r>
-              <a:rPr lang="en-US" sz="1800" dirty="0">
-                <a:effectLst/>
-                <a:latin typeface="Segoe UI" panose="020B0502040204020203" pitchFamily="34" charset="0"/>
-                <a:ea typeface="Times New Roman" panose="02020603050405020304" pitchFamily="18" charset="0"/>
-              </a:rPr>
-              <a:t>without grasping the semantic or emotional underpinnings of a conversation.</a:t>
-            </a:r>
-          </a:p>
-          <a:p>
-            <a:pPr marL="342900" marR="0" lvl="0" indent="-342900">
-              <a:spcBef>
-                <a:spcPts val="0"/>
-              </a:spcBef>
-              <a:spcAft>
-                <a:spcPts val="0"/>
-              </a:spcAft>
-              <a:buSzPts val="1000"/>
-              <a:buFont typeface="Symbol" pitchFamily="2" charset="2"/>
-              <a:buChar char=""/>
-              <a:tabLst>
-                <a:tab pos="457200" algn="l"/>
-              </a:tabLst>
-            </a:pPr>
-            <a:endParaRPr lang="en-US" sz="1800" dirty="0">
-              <a:effectLst/>
-              <a:latin typeface="Times New Roman" panose="02020603050405020304" pitchFamily="18" charset="0"/>
-              <a:ea typeface="Times New Roman" panose="02020603050405020304" pitchFamily="18" charset="0"/>
-            </a:endParaRPr>
-          </a:p>
-          <a:p>
-            <a:pPr marL="342900" marR="0" lvl="0" indent="-342900">
-              <a:spcBef>
-                <a:spcPts val="0"/>
-              </a:spcBef>
-              <a:spcAft>
-                <a:spcPts val="0"/>
-              </a:spcAft>
-              <a:buSzPts val="1000"/>
-              <a:buFont typeface="Symbol" pitchFamily="2" charset="2"/>
-              <a:buChar char=""/>
-              <a:tabLst>
-                <a:tab pos="457200" algn="l"/>
-              </a:tabLst>
-            </a:pPr>
-            <a:r>
-              <a:rPr lang="en-US" sz="1800" b="1" dirty="0">
-                <a:effectLst/>
-                <a:latin typeface="Segoe UI" panose="020B0502040204020203" pitchFamily="34" charset="0"/>
-                <a:ea typeface="Times New Roman" panose="02020603050405020304" pitchFamily="18" charset="0"/>
-              </a:rPr>
-              <a:t>Limited Conversational Depth:</a:t>
-            </a:r>
-            <a:r>
-              <a:rPr lang="en-US" sz="1800" dirty="0">
-                <a:effectLst/>
-                <a:latin typeface="Segoe UI" panose="020B0502040204020203" pitchFamily="34" charset="0"/>
-                <a:ea typeface="Times New Roman" panose="02020603050405020304" pitchFamily="18" charset="0"/>
-              </a:rPr>
-              <a:t> While it could mimic conversational interaction, </a:t>
-            </a:r>
-            <a:r>
-              <a:rPr lang="en-US" sz="1800" dirty="0">
-                <a:solidFill>
-                  <a:srgbClr val="FF0000"/>
-                </a:solidFill>
-                <a:effectLst/>
-                <a:latin typeface="Segoe UI" panose="020B0502040204020203" pitchFamily="34" charset="0"/>
-                <a:ea typeface="Times New Roman" panose="02020603050405020304" pitchFamily="18" charset="0"/>
-              </a:rPr>
-              <a:t>ELIZA lacked depth in managing prolonged or intricate dialogues,</a:t>
-            </a:r>
-            <a:r>
-              <a:rPr lang="en-US" sz="1800" dirty="0">
-                <a:effectLst/>
-                <a:latin typeface="Segoe UI" panose="020B0502040204020203" pitchFamily="34" charset="0"/>
-                <a:ea typeface="Times New Roman" panose="02020603050405020304" pitchFamily="18" charset="0"/>
-              </a:rPr>
-              <a:t> particularly when user inputs deviated from anticipated patterns.</a:t>
-            </a:r>
-            <a:endParaRPr lang="en-US" sz="1800" dirty="0">
-              <a:effectLst/>
-              <a:latin typeface="Times New Roman" panose="02020603050405020304" pitchFamily="18" charset="0"/>
-              <a:ea typeface="Times New Roman" panose="02020603050405020304" pitchFamily="18" charset="0"/>
-            </a:endParaRPr>
-          </a:p>
-          <a:p>
-            <a:pPr marL="0" marR="0" indent="0">
-              <a:spcBef>
-                <a:spcPts val="0"/>
-              </a:spcBef>
-              <a:spcAft>
-                <a:spcPts val="0"/>
-              </a:spcAft>
-              <a:buNone/>
-            </a:pPr>
-            <a:endParaRPr lang="en-US" sz="1800" b="1" i="1" dirty="0">
-              <a:solidFill>
-                <a:srgbClr val="2F5496"/>
-              </a:solidFill>
-              <a:effectLst/>
-              <a:latin typeface="Segoe UI" panose="020B0502040204020203" pitchFamily="34" charset="0"/>
-              <a:ea typeface="Times New Roman" panose="02020603050405020304" pitchFamily="18" charset="0"/>
-              <a:cs typeface="Times New Roman" panose="02020603050405020304" pitchFamily="18" charset="0"/>
-            </a:endParaRPr>
-          </a:p>
-          <a:p>
-            <a:pPr marL="0" marR="0">
-              <a:spcBef>
-                <a:spcPts val="0"/>
-              </a:spcBef>
-              <a:spcAft>
-                <a:spcPts val="0"/>
-              </a:spcAft>
-            </a:pPr>
-            <a:endParaRPr lang="en-US" sz="1800" b="1" dirty="0">
-              <a:solidFill>
-                <a:srgbClr val="2F5496"/>
-              </a:solidFill>
-              <a:effectLst/>
-              <a:latin typeface="Calibri Light" panose="020F0302020204030204" pitchFamily="34" charset="0"/>
-              <a:ea typeface="Times New Roman" panose="02020603050405020304" pitchFamily="18" charset="0"/>
-              <a:cs typeface="Times New Roman" panose="02020603050405020304" pitchFamily="18" charset="0"/>
-            </a:endParaRPr>
-          </a:p>
-          <a:p>
-            <a:pPr marL="0" indent="0">
-              <a:buNone/>
-            </a:pPr>
-            <a:endParaRPr lang="en-US" dirty="0"/>
-          </a:p>
-        </p:txBody>
-      </p:sp>
-    </p:spTree>
-    <p:extLst>
-      <p:ext uri="{BB962C8B-B14F-4D97-AF65-F5344CB8AC3E}">
-        <p14:creationId xmlns:p14="http://schemas.microsoft.com/office/powerpoint/2010/main" val="3476009960"/>
-      </p:ext>
-    </p:extLst>
-  </p:cSld>
-  <p:clrMapOvr>
-    <a:masterClrMapping/>
-  </p:clrMapOvr>
-</p:sld>
-</file>
-
-<file path=ppt/slides/slide42.xml><?xml version="1.0" encoding="utf-8"?>
-<p:sld xmlns:a="http://schemas.openxmlformats.org/drawingml/2006/main" xmlns:r="http://schemas.openxmlformats.org/officeDocument/2006/relationships" xmlns:p="http://schemas.openxmlformats.org/presentationml/2006/main">
-  <p:cSld>
-    <p:spTree>
-      <p:nvGrpSpPr>
-        <p:cNvPr id="1" name=""/>
-        <p:cNvGrpSpPr/>
-        <p:nvPr/>
-      </p:nvGrpSpPr>
-      <p:grpSpPr>
-        <a:xfrm>
-          <a:off x="0" y="0"/>
-          <a:ext cx="0" cy="0"/>
-          <a:chOff x="0" y="0"/>
-          <a:chExt cx="0" cy="0"/>
-        </a:xfrm>
-      </p:grpSpPr>
-      <p:sp>
-        <p:nvSpPr>
-          <p:cNvPr id="2" name="Title 1">
-            <a:extLst>
-              <a:ext uri="{FF2B5EF4-FFF2-40B4-BE49-F238E27FC236}">
-                <a16:creationId xmlns:a16="http://schemas.microsoft.com/office/drawing/2014/main" id="{F5051BBE-835A-7215-9BA1-C5CBA90F9014}"/>
-              </a:ext>
-            </a:extLst>
-          </p:cNvPr>
-          <p:cNvSpPr>
-            <a:spLocks noGrp="1"/>
-          </p:cNvSpPr>
-          <p:nvPr>
-            <p:ph type="title"/>
-          </p:nvPr>
-        </p:nvSpPr>
-        <p:spPr/>
-        <p:txBody>
-          <a:bodyPr/>
-          <a:lstStyle/>
-          <a:p>
-            <a:r>
-              <a:rPr lang="en-US" dirty="0"/>
-              <a:t>Early Successes in AI</a:t>
-            </a:r>
-          </a:p>
-        </p:txBody>
-      </p:sp>
-      <p:sp>
-        <p:nvSpPr>
-          <p:cNvPr id="3" name="Content Placeholder 2">
-            <a:extLst>
-              <a:ext uri="{FF2B5EF4-FFF2-40B4-BE49-F238E27FC236}">
-                <a16:creationId xmlns:a16="http://schemas.microsoft.com/office/drawing/2014/main" id="{137326C9-6568-515E-0573-0E7B8E54BD1A}"/>
-              </a:ext>
-            </a:extLst>
-          </p:cNvPr>
-          <p:cNvSpPr>
-            <a:spLocks noGrp="1"/>
-          </p:cNvSpPr>
-          <p:nvPr>
-            <p:ph idx="1"/>
-          </p:nvPr>
-        </p:nvSpPr>
-        <p:spPr/>
-        <p:txBody>
-          <a:bodyPr/>
-          <a:lstStyle/>
-          <a:p>
-            <a:pPr marL="0" marR="0" indent="0">
-              <a:spcBef>
-                <a:spcPts val="0"/>
-              </a:spcBef>
-              <a:spcAft>
-                <a:spcPts val="0"/>
-              </a:spcAft>
-              <a:buNone/>
-            </a:pPr>
-            <a:r>
-              <a:rPr lang="en-US" sz="1800" b="1" i="1" dirty="0">
-                <a:solidFill>
-                  <a:srgbClr val="2F5496"/>
-                </a:solidFill>
-                <a:effectLst/>
-                <a:latin typeface="Segoe UI" panose="020B0502040204020203" pitchFamily="34" charset="0"/>
-                <a:ea typeface="Times New Roman" panose="02020603050405020304" pitchFamily="18" charset="0"/>
-                <a:cs typeface="Times New Roman" panose="02020603050405020304" pitchFamily="18" charset="0"/>
-              </a:rPr>
-              <a:t>Limitations:</a:t>
-            </a:r>
-          </a:p>
-          <a:p>
-            <a:pPr marL="0" marR="0" indent="0">
-              <a:spcBef>
-                <a:spcPts val="0"/>
-              </a:spcBef>
-              <a:spcAft>
-                <a:spcPts val="0"/>
-              </a:spcAft>
-              <a:buNone/>
-            </a:pPr>
-            <a:endParaRPr lang="en-US" sz="1800" b="1" dirty="0">
-              <a:solidFill>
-                <a:srgbClr val="2F5496"/>
-              </a:solidFill>
-              <a:effectLst/>
-              <a:latin typeface="Calibri Light" panose="020F0302020204030204" pitchFamily="34" charset="0"/>
-              <a:ea typeface="Times New Roman" panose="02020603050405020304" pitchFamily="18" charset="0"/>
-              <a:cs typeface="Times New Roman" panose="02020603050405020304" pitchFamily="18" charset="0"/>
-            </a:endParaRPr>
-          </a:p>
-          <a:p>
-            <a:r>
-              <a:rPr lang="en-US" b="0" i="0" u="none" strike="noStrike" dirty="0">
-                <a:solidFill>
-                  <a:srgbClr val="4C4E4D"/>
-                </a:solidFill>
-                <a:effectLst/>
-                <a:latin typeface="Balto"/>
-              </a:rPr>
-              <a:t>Ironically, though </a:t>
-            </a:r>
-            <a:r>
-              <a:rPr lang="en-US" b="0" i="0" u="none" strike="noStrike" dirty="0" err="1">
-                <a:solidFill>
-                  <a:srgbClr val="4C4E4D"/>
-                </a:solidFill>
-                <a:effectLst/>
-                <a:latin typeface="Balto"/>
-              </a:rPr>
-              <a:t>Weizenbaum</a:t>
-            </a:r>
-            <a:r>
-              <a:rPr lang="en-US" b="0" i="0" u="none" strike="noStrike" dirty="0">
-                <a:solidFill>
-                  <a:srgbClr val="4C4E4D"/>
-                </a:solidFill>
-                <a:effectLst/>
-                <a:latin typeface="Balto"/>
-              </a:rPr>
-              <a:t> had designed ELIZA to demonstrate how superficial the state of human-to-machine conversation was, it had the </a:t>
-            </a:r>
-            <a:r>
-              <a:rPr lang="en-US" b="1" i="0" dirty="0">
-                <a:solidFill>
-                  <a:srgbClr val="4F7177"/>
-                </a:solidFill>
-                <a:effectLst/>
-                <a:latin typeface="Balto"/>
-                <a:hlinkClick r:id="rId2"/>
-              </a:rPr>
-              <a:t>opposite effect</a:t>
-            </a:r>
-            <a:r>
-              <a:rPr lang="en-US" b="0" i="0" u="none" strike="noStrike" dirty="0">
-                <a:solidFill>
-                  <a:srgbClr val="4C4E4D"/>
-                </a:solidFill>
-                <a:effectLst/>
-                <a:latin typeface="Balto"/>
-              </a:rPr>
-              <a:t>. </a:t>
-            </a:r>
-          </a:p>
-          <a:p>
-            <a:endParaRPr lang="en-US" dirty="0">
-              <a:solidFill>
-                <a:srgbClr val="4C4E4D"/>
-              </a:solidFill>
-              <a:latin typeface="Balto"/>
-            </a:endParaRPr>
-          </a:p>
-          <a:p>
-            <a:r>
-              <a:rPr lang="en-US" b="0" i="0" u="none" strike="noStrike" dirty="0">
-                <a:solidFill>
-                  <a:srgbClr val="4C4E4D"/>
-                </a:solidFill>
-                <a:effectLst/>
-                <a:latin typeface="Balto"/>
-              </a:rPr>
-              <a:t>People were entranced, engaging in long, deep, and private conversations with a program that was only capable of reflecting users’ words back to them. </a:t>
-            </a:r>
-          </a:p>
-          <a:p>
-            <a:endParaRPr lang="en-US" dirty="0">
-              <a:solidFill>
-                <a:srgbClr val="4C4E4D"/>
-              </a:solidFill>
-              <a:latin typeface="Balto"/>
-            </a:endParaRPr>
-          </a:p>
-          <a:p>
-            <a:r>
-              <a:rPr lang="en-US" b="0" i="0" u="none" strike="noStrike" dirty="0" err="1">
-                <a:solidFill>
-                  <a:srgbClr val="4C4E4D"/>
-                </a:solidFill>
-                <a:effectLst/>
-                <a:latin typeface="Balto"/>
-              </a:rPr>
-              <a:t>Weizenbaum</a:t>
-            </a:r>
-            <a:r>
-              <a:rPr lang="en-US" b="0" i="0" u="none" strike="noStrike" dirty="0">
-                <a:solidFill>
-                  <a:srgbClr val="4C4E4D"/>
-                </a:solidFill>
-                <a:effectLst/>
-                <a:latin typeface="Balto"/>
-              </a:rPr>
-              <a:t> was so disturbed by the public response that he spent the </a:t>
-            </a:r>
-            <a:r>
-              <a:rPr lang="en-US" b="1" i="0" dirty="0">
-                <a:solidFill>
-                  <a:srgbClr val="4F7177"/>
-                </a:solidFill>
-                <a:effectLst/>
-                <a:latin typeface="Balto"/>
-                <a:hlinkClick r:id="rId3"/>
-              </a:rPr>
-              <a:t>rest of his life warning against</a:t>
-            </a:r>
-            <a:r>
-              <a:rPr lang="en-US" b="0" i="0" u="none" strike="noStrike" dirty="0">
-                <a:solidFill>
-                  <a:srgbClr val="4C4E4D"/>
-                </a:solidFill>
-                <a:effectLst/>
-                <a:latin typeface="Balto"/>
-              </a:rPr>
-              <a:t> the perils of letting computers — and, by extension, the field of AI he helped launch — play too large a role in society.</a:t>
-            </a:r>
-            <a:endParaRPr lang="en-US" dirty="0"/>
-          </a:p>
-        </p:txBody>
-      </p:sp>
-    </p:spTree>
-    <p:extLst>
-      <p:ext uri="{BB962C8B-B14F-4D97-AF65-F5344CB8AC3E}">
-        <p14:creationId xmlns:p14="http://schemas.microsoft.com/office/powerpoint/2010/main" val="3436267554"/>
-      </p:ext>
-    </p:extLst>
-  </p:cSld>
-  <p:clrMapOvr>
-    <a:masterClrMapping/>
-  </p:clrMapOvr>
-</p:sld>
-</file>
-
-<file path=ppt/slides/slide43.xml><?xml version="1.0" encoding="utf-8"?>
-<p:sld xmlns:a="http://schemas.openxmlformats.org/drawingml/2006/main" xmlns:r="http://schemas.openxmlformats.org/officeDocument/2006/relationships" xmlns:p="http://schemas.openxmlformats.org/presentationml/2006/main">
-  <p:cSld>
-    <p:spTree>
-      <p:nvGrpSpPr>
-        <p:cNvPr id="1" name=""/>
-        <p:cNvGrpSpPr/>
-        <p:nvPr/>
-      </p:nvGrpSpPr>
-      <p:grpSpPr>
-        <a:xfrm>
-          <a:off x="0" y="0"/>
-          <a:ext cx="0" cy="0"/>
-          <a:chOff x="0" y="0"/>
-          <a:chExt cx="0" cy="0"/>
-        </a:xfrm>
-      </p:grpSpPr>
-      <p:sp>
-        <p:nvSpPr>
-          <p:cNvPr id="2" name="Title 1">
-            <a:extLst>
-              <a:ext uri="{FF2B5EF4-FFF2-40B4-BE49-F238E27FC236}">
-                <a16:creationId xmlns:a16="http://schemas.microsoft.com/office/drawing/2014/main" id="{DCFFDD53-3C4B-D873-BDAB-167A9A7794E6}"/>
-              </a:ext>
-            </a:extLst>
-          </p:cNvPr>
-          <p:cNvSpPr>
-            <a:spLocks noGrp="1"/>
-          </p:cNvSpPr>
-          <p:nvPr>
-            <p:ph type="title"/>
-          </p:nvPr>
-        </p:nvSpPr>
-        <p:spPr/>
-        <p:txBody>
-          <a:bodyPr/>
-          <a:lstStyle/>
-          <a:p>
-            <a:r>
-              <a:rPr lang="en-US" dirty="0"/>
-              <a:t>Impact of Logic Theorist and ELIZA</a:t>
-            </a:r>
-          </a:p>
-        </p:txBody>
-      </p:sp>
-      <p:sp>
-        <p:nvSpPr>
-          <p:cNvPr id="3" name="Content Placeholder 2">
-            <a:extLst>
-              <a:ext uri="{FF2B5EF4-FFF2-40B4-BE49-F238E27FC236}">
-                <a16:creationId xmlns:a16="http://schemas.microsoft.com/office/drawing/2014/main" id="{0780F413-4FD5-5188-6EF1-B23641E483AA}"/>
-              </a:ext>
-            </a:extLst>
-          </p:cNvPr>
-          <p:cNvSpPr>
-            <a:spLocks noGrp="1"/>
-          </p:cNvSpPr>
-          <p:nvPr>
-            <p:ph idx="1"/>
-          </p:nvPr>
-        </p:nvSpPr>
-        <p:spPr/>
-        <p:txBody>
-          <a:bodyPr>
-            <a:normAutofit lnSpcReduction="10000"/>
-          </a:bodyPr>
-          <a:lstStyle/>
-          <a:p>
-            <a:pPr marL="0" marR="0" indent="0">
-              <a:spcBef>
-                <a:spcPts val="200"/>
-              </a:spcBef>
-              <a:spcAft>
-                <a:spcPts val="0"/>
-              </a:spcAft>
-              <a:buNone/>
-            </a:pPr>
-            <a:r>
-              <a:rPr lang="en-US" sz="1800" b="0" i="1" dirty="0">
-                <a:solidFill>
-                  <a:srgbClr val="2F5496"/>
-                </a:solidFill>
-                <a:effectLst/>
-                <a:latin typeface="Segoe UI" panose="020B0502040204020203" pitchFamily="34" charset="0"/>
-                <a:ea typeface="Times New Roman" panose="02020603050405020304" pitchFamily="18" charset="0"/>
-                <a:cs typeface="Times New Roman" panose="02020603050405020304" pitchFamily="18" charset="0"/>
-              </a:rPr>
-              <a:t>Significance and Impact:</a:t>
-            </a:r>
-          </a:p>
-          <a:p>
-            <a:pPr marL="0" marR="0">
-              <a:spcBef>
-                <a:spcPts val="200"/>
-              </a:spcBef>
-              <a:spcAft>
-                <a:spcPts val="0"/>
-              </a:spcAft>
-            </a:pPr>
-            <a:endParaRPr lang="en-US" sz="1800" b="1" i="1" dirty="0">
-              <a:solidFill>
-                <a:srgbClr val="2F5496"/>
-              </a:solidFill>
-              <a:effectLst/>
-              <a:latin typeface="Calibri Light" panose="020F0302020204030204" pitchFamily="34" charset="0"/>
-              <a:ea typeface="Times New Roman" panose="02020603050405020304" pitchFamily="18" charset="0"/>
-              <a:cs typeface="Times New Roman" panose="02020603050405020304" pitchFamily="18" charset="0"/>
-            </a:endParaRPr>
-          </a:p>
-          <a:p>
-            <a:pPr marL="342900" marR="0" lvl="0" indent="-342900">
-              <a:spcBef>
-                <a:spcPts val="0"/>
-              </a:spcBef>
-              <a:spcAft>
-                <a:spcPts val="0"/>
-              </a:spcAft>
-              <a:buSzPts val="1000"/>
-              <a:buFont typeface="Symbol" pitchFamily="2" charset="2"/>
-              <a:buChar char=""/>
-              <a:tabLst>
-                <a:tab pos="457200" algn="l"/>
-              </a:tabLst>
-            </a:pPr>
-            <a:r>
-              <a:rPr lang="en-US" sz="1800" b="1" dirty="0">
-                <a:effectLst/>
-                <a:latin typeface="Segoe UI" panose="020B0502040204020203" pitchFamily="34" charset="0"/>
-                <a:ea typeface="Times New Roman" panose="02020603050405020304" pitchFamily="18" charset="0"/>
-              </a:rPr>
-              <a:t>Pioneering Efforts:</a:t>
-            </a:r>
-            <a:r>
-              <a:rPr lang="en-US" sz="1800" dirty="0">
-                <a:effectLst/>
-                <a:latin typeface="Segoe UI" panose="020B0502040204020203" pitchFamily="34" charset="0"/>
-                <a:ea typeface="Times New Roman" panose="02020603050405020304" pitchFamily="18" charset="0"/>
-              </a:rPr>
-              <a:t> Both the Logic Theorist and ELIZA represented pioneering efforts in AI, exploring the realms of </a:t>
-            </a:r>
-            <a:r>
-              <a:rPr lang="en-US" sz="1800" dirty="0">
-                <a:solidFill>
-                  <a:srgbClr val="FF0000"/>
-                </a:solidFill>
-                <a:effectLst/>
-                <a:latin typeface="Segoe UI" panose="020B0502040204020203" pitchFamily="34" charset="0"/>
-                <a:ea typeface="Times New Roman" panose="02020603050405020304" pitchFamily="18" charset="0"/>
-              </a:rPr>
-              <a:t>problem-solving, learning, and conversational interaction</a:t>
-            </a:r>
-            <a:r>
-              <a:rPr lang="en-US" sz="1800" dirty="0">
-                <a:effectLst/>
-                <a:latin typeface="Segoe UI" panose="020B0502040204020203" pitchFamily="34" charset="0"/>
-                <a:ea typeface="Times New Roman" panose="02020603050405020304" pitchFamily="18" charset="0"/>
-              </a:rPr>
-              <a:t> through computational models.</a:t>
-            </a:r>
-          </a:p>
-          <a:p>
-            <a:pPr marL="0" marR="0" lvl="0" indent="0">
-              <a:spcBef>
-                <a:spcPts val="0"/>
-              </a:spcBef>
-              <a:spcAft>
-                <a:spcPts val="0"/>
-              </a:spcAft>
-              <a:buSzPts val="1000"/>
-              <a:buNone/>
-              <a:tabLst>
-                <a:tab pos="457200" algn="l"/>
-              </a:tabLst>
-            </a:pPr>
-            <a:endParaRPr lang="en-US" sz="1800" dirty="0">
-              <a:effectLst/>
-              <a:latin typeface="Times New Roman" panose="02020603050405020304" pitchFamily="18" charset="0"/>
-              <a:ea typeface="Times New Roman" panose="02020603050405020304" pitchFamily="18" charset="0"/>
-            </a:endParaRPr>
-          </a:p>
-          <a:p>
-            <a:pPr marL="342900" marR="0" lvl="0" indent="-342900">
-              <a:spcBef>
-                <a:spcPts val="0"/>
-              </a:spcBef>
-              <a:spcAft>
-                <a:spcPts val="0"/>
-              </a:spcAft>
-              <a:buSzPts val="1000"/>
-              <a:buFont typeface="Symbol" pitchFamily="2" charset="2"/>
-              <a:buChar char=""/>
-              <a:tabLst>
-                <a:tab pos="457200" algn="l"/>
-              </a:tabLst>
-            </a:pPr>
-            <a:r>
-              <a:rPr lang="en-US" sz="1800" b="1" dirty="0">
-                <a:effectLst/>
-                <a:latin typeface="Segoe UI" panose="020B0502040204020203" pitchFamily="34" charset="0"/>
-                <a:ea typeface="Times New Roman" panose="02020603050405020304" pitchFamily="18" charset="0"/>
-              </a:rPr>
-              <a:t>Insights into Possibilities and Challenges:</a:t>
-            </a:r>
-            <a:r>
-              <a:rPr lang="en-US" sz="1800" dirty="0">
-                <a:effectLst/>
-                <a:latin typeface="Segoe UI" panose="020B0502040204020203" pitchFamily="34" charset="0"/>
-                <a:ea typeface="Times New Roman" panose="02020603050405020304" pitchFamily="18" charset="0"/>
-              </a:rPr>
-              <a:t> They illuminated the </a:t>
-            </a:r>
-            <a:r>
-              <a:rPr lang="en-US" sz="1800" dirty="0">
-                <a:solidFill>
-                  <a:srgbClr val="FF0000"/>
-                </a:solidFill>
-                <a:effectLst/>
-                <a:latin typeface="Segoe UI" panose="020B0502040204020203" pitchFamily="34" charset="0"/>
-                <a:ea typeface="Times New Roman" panose="02020603050405020304" pitchFamily="18" charset="0"/>
-              </a:rPr>
-              <a:t>possibilities</a:t>
-            </a:r>
-            <a:r>
-              <a:rPr lang="en-US" sz="1800" dirty="0">
-                <a:effectLst/>
-                <a:latin typeface="Segoe UI" panose="020B0502040204020203" pitchFamily="34" charset="0"/>
-                <a:ea typeface="Times New Roman" panose="02020603050405020304" pitchFamily="18" charset="0"/>
-              </a:rPr>
-              <a:t> of machines engaging in intelligent behaviors (theorem proving, conversational interaction) while simultaneously </a:t>
-            </a:r>
-            <a:r>
-              <a:rPr lang="en-US" sz="1800" dirty="0">
-                <a:solidFill>
-                  <a:srgbClr val="FF0000"/>
-                </a:solidFill>
-                <a:effectLst/>
-                <a:latin typeface="Segoe UI" panose="020B0502040204020203" pitchFamily="34" charset="0"/>
-                <a:ea typeface="Times New Roman" panose="02020603050405020304" pitchFamily="18" charset="0"/>
-              </a:rPr>
-              <a:t>highlighting the intrinsic challenges </a:t>
-            </a:r>
-            <a:r>
-              <a:rPr lang="en-US" sz="1800" dirty="0">
-                <a:effectLst/>
-                <a:latin typeface="Segoe UI" panose="020B0502040204020203" pitchFamily="34" charset="0"/>
-                <a:ea typeface="Times New Roman" panose="02020603050405020304" pitchFamily="18" charset="0"/>
-              </a:rPr>
-              <a:t>(genuine understanding, domain generalization).</a:t>
-            </a:r>
-          </a:p>
-          <a:p>
-            <a:pPr marL="342900" marR="0" lvl="0" indent="-342900">
-              <a:spcBef>
-                <a:spcPts val="0"/>
-              </a:spcBef>
-              <a:spcAft>
-                <a:spcPts val="0"/>
-              </a:spcAft>
-              <a:buSzPts val="1000"/>
-              <a:buFont typeface="Symbol" pitchFamily="2" charset="2"/>
-              <a:buChar char=""/>
-              <a:tabLst>
-                <a:tab pos="457200" algn="l"/>
-              </a:tabLst>
-            </a:pPr>
-            <a:endParaRPr lang="en-US" dirty="0">
-              <a:latin typeface="Segoe UI" panose="020B0502040204020203" pitchFamily="34" charset="0"/>
-              <a:ea typeface="Times New Roman" panose="02020603050405020304" pitchFamily="18" charset="0"/>
-            </a:endParaRPr>
-          </a:p>
-          <a:p>
-            <a:pPr marL="342900" indent="-342900">
-              <a:spcBef>
-                <a:spcPts val="0"/>
-              </a:spcBef>
-              <a:buSzPts val="1000"/>
-              <a:buFont typeface="Symbol" pitchFamily="2" charset="2"/>
-              <a:buChar char=""/>
-              <a:tabLst>
-                <a:tab pos="457200" algn="l"/>
-              </a:tabLst>
-            </a:pPr>
-            <a:r>
-              <a:rPr lang="en-US" sz="1800" b="1" dirty="0">
-                <a:effectLst/>
-                <a:latin typeface="Segoe UI" panose="020B0502040204020203" pitchFamily="34" charset="0"/>
-                <a:ea typeface="Times New Roman" panose="02020603050405020304" pitchFamily="18" charset="0"/>
-              </a:rPr>
-              <a:t>Ethical and Social Considerations:</a:t>
-            </a:r>
-            <a:r>
-              <a:rPr lang="en-US" sz="1800" dirty="0">
-                <a:effectLst/>
-                <a:latin typeface="Segoe UI" panose="020B0502040204020203" pitchFamily="34" charset="0"/>
-                <a:ea typeface="Times New Roman" panose="02020603050405020304" pitchFamily="18" charset="0"/>
-              </a:rPr>
-              <a:t> Particularly in the case of ELIZA, questions about the </a:t>
-            </a:r>
-            <a:r>
-              <a:rPr lang="en-US" sz="1800" dirty="0">
-                <a:solidFill>
-                  <a:srgbClr val="FF0000"/>
-                </a:solidFill>
-                <a:effectLst/>
-                <a:latin typeface="Segoe UI" panose="020B0502040204020203" pitchFamily="34" charset="0"/>
-                <a:ea typeface="Times New Roman" panose="02020603050405020304" pitchFamily="18" charset="0"/>
-              </a:rPr>
-              <a:t>social and psychological impacts of AI </a:t>
-            </a:r>
-            <a:r>
-              <a:rPr lang="en-US" sz="1800" dirty="0">
-                <a:effectLst/>
-                <a:latin typeface="Segoe UI" panose="020B0502040204020203" pitchFamily="34" charset="0"/>
-                <a:ea typeface="Times New Roman" panose="02020603050405020304" pitchFamily="18" charset="0"/>
-              </a:rPr>
-              <a:t>began to surface, touching upon issues related to </a:t>
-            </a:r>
-            <a:r>
-              <a:rPr lang="en-US" sz="1800" dirty="0">
-                <a:solidFill>
-                  <a:srgbClr val="00B050"/>
-                </a:solidFill>
-                <a:effectLst/>
-                <a:latin typeface="Segoe UI" panose="020B0502040204020203" pitchFamily="34" charset="0"/>
-                <a:ea typeface="Times New Roman" panose="02020603050405020304" pitchFamily="18" charset="0"/>
-              </a:rPr>
-              <a:t>empathy, deception, and emotional engagement</a:t>
-            </a:r>
-            <a:r>
-              <a:rPr lang="en-US" sz="1800" dirty="0">
-                <a:effectLst/>
-                <a:latin typeface="Segoe UI" panose="020B0502040204020203" pitchFamily="34" charset="0"/>
-                <a:ea typeface="Times New Roman" panose="02020603050405020304" pitchFamily="18" charset="0"/>
-              </a:rPr>
-              <a:t>.</a:t>
-            </a:r>
-            <a:endParaRPr lang="en-US" sz="1800" dirty="0">
-              <a:effectLst/>
-              <a:latin typeface="Times New Roman" panose="02020603050405020304" pitchFamily="18" charset="0"/>
-              <a:ea typeface="Times New Roman" panose="02020603050405020304" pitchFamily="18" charset="0"/>
-            </a:endParaRPr>
-          </a:p>
-        </p:txBody>
-      </p:sp>
-    </p:spTree>
-    <p:extLst>
-      <p:ext uri="{BB962C8B-B14F-4D97-AF65-F5344CB8AC3E}">
-        <p14:creationId xmlns:p14="http://schemas.microsoft.com/office/powerpoint/2010/main" val="766563547"/>
       </p:ext>
     </p:extLst>
   </p:cSld>
